--- a/ch2 basic2.pptx
+++ b/ch2 basic2.pptx
@@ -163,13 +163,428 @@
 <file path=ppt/revisionInfo.xml><?xml version="1.0" encoding="utf-8"?>
 <p1510:revInfo xmlns:a="http://schemas.openxmlformats.org/drawingml/2006/main" xmlns:r="http://schemas.openxmlformats.org/officeDocument/2006/relationships" xmlns:p1510="http://schemas.microsoft.com/office/powerpoint/2015/10/main">
   <p1510:revLst>
-    <p1510:client id="{3FC579D2-4508-48F6-99BA-C56519B343EF}" v="158" dt="2020-12-31T14:46:51.943"/>
+    <p1510:client id="{5025D168-0229-4E51-9601-1BD3919B4943}" v="2" dt="2021-01-04T09:48:44.950"/>
   </p1510:revLst>
 </p1510:revInfo>
 </file>
 
 <file path=ppt/changesInfos/changesInfo1.xml><?xml version="1.0" encoding="utf-8"?>
 <pc:chgInfo xmlns:a="http://schemas.openxmlformats.org/drawingml/2006/main" xmlns:r="http://schemas.openxmlformats.org/officeDocument/2006/relationships" xmlns:ac="http://schemas.microsoft.com/office/drawing/2013/main/command" xmlns:pc="http://schemas.microsoft.com/office/powerpoint/2013/main/command">
+  <pc:docChgLst>
+    <pc:chgData name="KimNamhyoung" userId="442ac80a-8cd4-4165-8fc5-0e4ac214a370" providerId="ADAL" clId="{9D5B359D-A5D5-4737-B9F0-EC76152A0CAF}"/>
+    <pc:docChg chg="undo custSel modSld">
+      <pc:chgData name="KimNamhyoung" userId="442ac80a-8cd4-4165-8fc5-0e4ac214a370" providerId="ADAL" clId="{9D5B359D-A5D5-4737-B9F0-EC76152A0CAF}" dt="2020-01-07T02:57:48.287" v="310" actId="1076"/>
+      <pc:docMkLst>
+        <pc:docMk/>
+      </pc:docMkLst>
+      <pc:sldChg chg="modSp">
+        <pc:chgData name="KimNamhyoung" userId="442ac80a-8cd4-4165-8fc5-0e4ac214a370" providerId="ADAL" clId="{9D5B359D-A5D5-4737-B9F0-EC76152A0CAF}" dt="2019-12-31T09:16:15.393" v="65" actId="207"/>
+        <pc:sldMkLst>
+          <pc:docMk/>
+          <pc:sldMk cId="2667652555" sldId="291"/>
+        </pc:sldMkLst>
+        <pc:spChg chg="mod">
+          <ac:chgData name="KimNamhyoung" userId="442ac80a-8cd4-4165-8fc5-0e4ac214a370" providerId="ADAL" clId="{9D5B359D-A5D5-4737-B9F0-EC76152A0CAF}" dt="2019-12-31T09:16:15.393" v="65" actId="207"/>
+          <ac:spMkLst>
+            <pc:docMk/>
+            <pc:sldMk cId="2667652555" sldId="291"/>
+            <ac:spMk id="3" creationId="{00000000-0000-0000-0000-000000000000}"/>
+          </ac:spMkLst>
+        </pc:spChg>
+      </pc:sldChg>
+      <pc:sldChg chg="modSp">
+        <pc:chgData name="KimNamhyoung" userId="442ac80a-8cd4-4165-8fc5-0e4ac214a370" providerId="ADAL" clId="{9D5B359D-A5D5-4737-B9F0-EC76152A0CAF}" dt="2019-12-31T14:30:32.145" v="260" actId="20577"/>
+        <pc:sldMkLst>
+          <pc:docMk/>
+          <pc:sldMk cId="1791322728" sldId="299"/>
+        </pc:sldMkLst>
+        <pc:spChg chg="mod">
+          <ac:chgData name="KimNamhyoung" userId="442ac80a-8cd4-4165-8fc5-0e4ac214a370" providerId="ADAL" clId="{9D5B359D-A5D5-4737-B9F0-EC76152A0CAF}" dt="2019-12-31T14:30:32.145" v="260" actId="20577"/>
+          <ac:spMkLst>
+            <pc:docMk/>
+            <pc:sldMk cId="1791322728" sldId="299"/>
+            <ac:spMk id="2" creationId="{30A05CDF-51ED-4278-AA11-1745E5809FF2}"/>
+          </ac:spMkLst>
+        </pc:spChg>
+      </pc:sldChg>
+      <pc:sldChg chg="modSp">
+        <pc:chgData name="KimNamhyoung" userId="442ac80a-8cd4-4165-8fc5-0e4ac214a370" providerId="ADAL" clId="{9D5B359D-A5D5-4737-B9F0-EC76152A0CAF}" dt="2019-12-31T11:27:26.449" v="251"/>
+        <pc:sldMkLst>
+          <pc:docMk/>
+          <pc:sldMk cId="1402426098" sldId="300"/>
+        </pc:sldMkLst>
+        <pc:graphicFrameChg chg="mod modGraphic">
+          <ac:chgData name="KimNamhyoung" userId="442ac80a-8cd4-4165-8fc5-0e4ac214a370" providerId="ADAL" clId="{9D5B359D-A5D5-4737-B9F0-EC76152A0CAF}" dt="2019-12-31T11:27:26.449" v="251"/>
+          <ac:graphicFrameMkLst>
+            <pc:docMk/>
+            <pc:sldMk cId="1402426098" sldId="300"/>
+            <ac:graphicFrameMk id="4" creationId="{00000000-0000-0000-0000-000000000000}"/>
+          </ac:graphicFrameMkLst>
+        </pc:graphicFrameChg>
+      </pc:sldChg>
+      <pc:sldChg chg="addSp modSp">
+        <pc:chgData name="KimNamhyoung" userId="442ac80a-8cd4-4165-8fc5-0e4ac214a370" providerId="ADAL" clId="{9D5B359D-A5D5-4737-B9F0-EC76152A0CAF}" dt="2019-12-31T10:56:43.847" v="145" actId="164"/>
+        <pc:sldMkLst>
+          <pc:docMk/>
+          <pc:sldMk cId="1402426098" sldId="301"/>
+        </pc:sldMkLst>
+        <pc:spChg chg="mod">
+          <ac:chgData name="KimNamhyoung" userId="442ac80a-8cd4-4165-8fc5-0e4ac214a370" providerId="ADAL" clId="{9D5B359D-A5D5-4737-B9F0-EC76152A0CAF}" dt="2019-12-31T10:54:46.686" v="144" actId="12"/>
+          <ac:spMkLst>
+            <pc:docMk/>
+            <pc:sldMk cId="1402426098" sldId="301"/>
+            <ac:spMk id="3" creationId="{A78A9532-2F4F-4CDA-A6D8-C50136CBC3BD}"/>
+          </ac:spMkLst>
+        </pc:spChg>
+        <pc:spChg chg="add mod">
+          <ac:chgData name="KimNamhyoung" userId="442ac80a-8cd4-4165-8fc5-0e4ac214a370" providerId="ADAL" clId="{9D5B359D-A5D5-4737-B9F0-EC76152A0CAF}" dt="2019-12-31T10:56:43.847" v="145" actId="164"/>
+          <ac:spMkLst>
+            <pc:docMk/>
+            <pc:sldMk cId="1402426098" sldId="301"/>
+            <ac:spMk id="5" creationId="{707F1A66-48F9-481F-855B-B740A0A3E851}"/>
+          </ac:spMkLst>
+        </pc:spChg>
+        <pc:grpChg chg="add mod">
+          <ac:chgData name="KimNamhyoung" userId="442ac80a-8cd4-4165-8fc5-0e4ac214a370" providerId="ADAL" clId="{9D5B359D-A5D5-4737-B9F0-EC76152A0CAF}" dt="2019-12-31T10:56:43.847" v="145" actId="164"/>
+          <ac:grpSpMkLst>
+            <pc:docMk/>
+            <pc:sldMk cId="1402426098" sldId="301"/>
+            <ac:grpSpMk id="6" creationId="{E152F979-8680-482F-81D1-63086B8644D4}"/>
+          </ac:grpSpMkLst>
+        </pc:grpChg>
+        <pc:picChg chg="mod">
+          <ac:chgData name="KimNamhyoung" userId="442ac80a-8cd4-4165-8fc5-0e4ac214a370" providerId="ADAL" clId="{9D5B359D-A5D5-4737-B9F0-EC76152A0CAF}" dt="2019-12-31T10:56:43.847" v="145" actId="164"/>
+          <ac:picMkLst>
+            <pc:docMk/>
+            <pc:sldMk cId="1402426098" sldId="301"/>
+            <ac:picMk id="4" creationId="{235B477E-441B-4F26-9460-EAE60D61EAC8}"/>
+          </ac:picMkLst>
+        </pc:picChg>
+      </pc:sldChg>
+      <pc:sldChg chg="modSp">
+        <pc:chgData name="KimNamhyoung" userId="442ac80a-8cd4-4165-8fc5-0e4ac214a370" providerId="ADAL" clId="{9D5B359D-A5D5-4737-B9F0-EC76152A0CAF}" dt="2019-12-31T14:30:37.213" v="262" actId="20577"/>
+        <pc:sldMkLst>
+          <pc:docMk/>
+          <pc:sldMk cId="482145085" sldId="307"/>
+        </pc:sldMkLst>
+        <pc:spChg chg="mod">
+          <ac:chgData name="KimNamhyoung" userId="442ac80a-8cd4-4165-8fc5-0e4ac214a370" providerId="ADAL" clId="{9D5B359D-A5D5-4737-B9F0-EC76152A0CAF}" dt="2019-12-31T14:30:37.213" v="262" actId="20577"/>
+          <ac:spMkLst>
+            <pc:docMk/>
+            <pc:sldMk cId="482145085" sldId="307"/>
+            <ac:spMk id="2" creationId="{30A05CDF-51ED-4278-AA11-1745E5809FF2}"/>
+          </ac:spMkLst>
+        </pc:spChg>
+        <pc:graphicFrameChg chg="mod modGraphic">
+          <ac:chgData name="KimNamhyoung" userId="442ac80a-8cd4-4165-8fc5-0e4ac214a370" providerId="ADAL" clId="{9D5B359D-A5D5-4737-B9F0-EC76152A0CAF}" dt="2019-12-31T09:42:44.558" v="73" actId="403"/>
+          <ac:graphicFrameMkLst>
+            <pc:docMk/>
+            <pc:sldMk cId="482145085" sldId="307"/>
+            <ac:graphicFrameMk id="5" creationId="{00000000-0000-0000-0000-000000000000}"/>
+          </ac:graphicFrameMkLst>
+        </pc:graphicFrameChg>
+      </pc:sldChg>
+      <pc:sldChg chg="addSp delSp modSp">
+        <pc:chgData name="KimNamhyoung" userId="442ac80a-8cd4-4165-8fc5-0e4ac214a370" providerId="ADAL" clId="{9D5B359D-A5D5-4737-B9F0-EC76152A0CAF}" dt="2019-12-31T11:04:16.663" v="148" actId="1076"/>
+        <pc:sldMkLst>
+          <pc:docMk/>
+          <pc:sldMk cId="597129306" sldId="309"/>
+        </pc:sldMkLst>
+        <pc:picChg chg="del">
+          <ac:chgData name="KimNamhyoung" userId="442ac80a-8cd4-4165-8fc5-0e4ac214a370" providerId="ADAL" clId="{9D5B359D-A5D5-4737-B9F0-EC76152A0CAF}" dt="2019-12-31T11:03:39.442" v="146" actId="478"/>
+          <ac:picMkLst>
+            <pc:docMk/>
+            <pc:sldMk cId="597129306" sldId="309"/>
+            <ac:picMk id="4" creationId="{E9A8B126-D6B8-4C78-A654-FF8A93E2B903}"/>
+          </ac:picMkLst>
+        </pc:picChg>
+        <pc:picChg chg="add mod">
+          <ac:chgData name="KimNamhyoung" userId="442ac80a-8cd4-4165-8fc5-0e4ac214a370" providerId="ADAL" clId="{9D5B359D-A5D5-4737-B9F0-EC76152A0CAF}" dt="2019-12-31T11:04:16.663" v="148" actId="1076"/>
+          <ac:picMkLst>
+            <pc:docMk/>
+            <pc:sldMk cId="597129306" sldId="309"/>
+            <ac:picMk id="6" creationId="{ADFF909E-98F7-42AF-AAF0-C7AE29407590}"/>
+          </ac:picMkLst>
+        </pc:picChg>
+      </pc:sldChg>
+      <pc:sldChg chg="modSp">
+        <pc:chgData name="KimNamhyoung" userId="442ac80a-8cd4-4165-8fc5-0e4ac214a370" providerId="ADAL" clId="{9D5B359D-A5D5-4737-B9F0-EC76152A0CAF}" dt="2019-12-31T14:30:42.062" v="264" actId="20577"/>
+        <pc:sldMkLst>
+          <pc:docMk/>
+          <pc:sldMk cId="2652320674" sldId="310"/>
+        </pc:sldMkLst>
+        <pc:spChg chg="mod">
+          <ac:chgData name="KimNamhyoung" userId="442ac80a-8cd4-4165-8fc5-0e4ac214a370" providerId="ADAL" clId="{9D5B359D-A5D5-4737-B9F0-EC76152A0CAF}" dt="2019-12-31T14:30:42.062" v="264" actId="20577"/>
+          <ac:spMkLst>
+            <pc:docMk/>
+            <pc:sldMk cId="2652320674" sldId="310"/>
+            <ac:spMk id="2" creationId="{30A05CDF-51ED-4278-AA11-1745E5809FF2}"/>
+          </ac:spMkLst>
+        </pc:spChg>
+      </pc:sldChg>
+      <pc:sldChg chg="modSp">
+        <pc:chgData name="KimNamhyoung" userId="442ac80a-8cd4-4165-8fc5-0e4ac214a370" providerId="ADAL" clId="{9D5B359D-A5D5-4737-B9F0-EC76152A0CAF}" dt="2019-12-31T11:23:44.566" v="177" actId="1036"/>
+        <pc:sldMkLst>
+          <pc:docMk/>
+          <pc:sldMk cId="1402587320" sldId="311"/>
+        </pc:sldMkLst>
+        <pc:spChg chg="mod">
+          <ac:chgData name="KimNamhyoung" userId="442ac80a-8cd4-4165-8fc5-0e4ac214a370" providerId="ADAL" clId="{9D5B359D-A5D5-4737-B9F0-EC76152A0CAF}" dt="2019-12-31T11:19:32.010" v="161" actId="20577"/>
+          <ac:spMkLst>
+            <pc:docMk/>
+            <pc:sldMk cId="1402587320" sldId="311"/>
+            <ac:spMk id="3" creationId="{A78A9532-2F4F-4CDA-A6D8-C50136CBC3BD}"/>
+          </ac:spMkLst>
+        </pc:spChg>
+        <pc:picChg chg="mod">
+          <ac:chgData name="KimNamhyoung" userId="442ac80a-8cd4-4165-8fc5-0e4ac214a370" providerId="ADAL" clId="{9D5B359D-A5D5-4737-B9F0-EC76152A0CAF}" dt="2019-12-31T11:23:44.566" v="177" actId="1036"/>
+          <ac:picMkLst>
+            <pc:docMk/>
+            <pc:sldMk cId="1402587320" sldId="311"/>
+            <ac:picMk id="7" creationId="{CA3F4990-3975-4B78-8F4D-429EA3A28020}"/>
+          </ac:picMkLst>
+        </pc:picChg>
+      </pc:sldChg>
+      <pc:sldChg chg="modSp">
+        <pc:chgData name="KimNamhyoung" userId="442ac80a-8cd4-4165-8fc5-0e4ac214a370" providerId="ADAL" clId="{9D5B359D-A5D5-4737-B9F0-EC76152A0CAF}" dt="2019-12-31T11:39:44.911" v="253" actId="2165"/>
+        <pc:sldMkLst>
+          <pc:docMk/>
+          <pc:sldMk cId="2845735862" sldId="321"/>
+        </pc:sldMkLst>
+        <pc:graphicFrameChg chg="modGraphic">
+          <ac:chgData name="KimNamhyoung" userId="442ac80a-8cd4-4165-8fc5-0e4ac214a370" providerId="ADAL" clId="{9D5B359D-A5D5-4737-B9F0-EC76152A0CAF}" dt="2019-12-31T11:39:44.911" v="253" actId="2165"/>
+          <ac:graphicFrameMkLst>
+            <pc:docMk/>
+            <pc:sldMk cId="2845735862" sldId="321"/>
+            <ac:graphicFrameMk id="4" creationId="{0A9C2647-E54D-4474-8AAF-1661BB2FFF36}"/>
+          </ac:graphicFrameMkLst>
+        </pc:graphicFrameChg>
+      </pc:sldChg>
+      <pc:sldChg chg="modSp">
+        <pc:chgData name="KimNamhyoung" userId="442ac80a-8cd4-4165-8fc5-0e4ac214a370" providerId="ADAL" clId="{9D5B359D-A5D5-4737-B9F0-EC76152A0CAF}" dt="2019-12-31T12:26:14.611" v="255" actId="1036"/>
+        <pc:sldMkLst>
+          <pc:docMk/>
+          <pc:sldMk cId="619435612" sldId="326"/>
+        </pc:sldMkLst>
+        <pc:picChg chg="mod">
+          <ac:chgData name="KimNamhyoung" userId="442ac80a-8cd4-4165-8fc5-0e4ac214a370" providerId="ADAL" clId="{9D5B359D-A5D5-4737-B9F0-EC76152A0CAF}" dt="2019-12-31T12:26:14.611" v="255" actId="1036"/>
+          <ac:picMkLst>
+            <pc:docMk/>
+            <pc:sldMk cId="619435612" sldId="326"/>
+            <ac:picMk id="5" creationId="{61F23FDC-0E7D-47C3-81FE-C0E57FE9F1A5}"/>
+          </ac:picMkLst>
+        </pc:picChg>
+      </pc:sldChg>
+      <pc:sldChg chg="delSp">
+        <pc:chgData name="KimNamhyoung" userId="442ac80a-8cd4-4165-8fc5-0e4ac214a370" providerId="ADAL" clId="{9D5B359D-A5D5-4737-B9F0-EC76152A0CAF}" dt="2019-12-31T12:18:45.696" v="254" actId="478"/>
+        <pc:sldMkLst>
+          <pc:docMk/>
+          <pc:sldMk cId="4284472928" sldId="327"/>
+        </pc:sldMkLst>
+        <pc:inkChg chg="del">
+          <ac:chgData name="KimNamhyoung" userId="442ac80a-8cd4-4165-8fc5-0e4ac214a370" providerId="ADAL" clId="{9D5B359D-A5D5-4737-B9F0-EC76152A0CAF}" dt="2019-12-31T12:18:45.696" v="254" actId="478"/>
+          <ac:inkMkLst>
+            <pc:docMk/>
+            <pc:sldMk cId="4284472928" sldId="327"/>
+            <ac:inkMk id="26" creationId="{0C117D04-E8B1-44CC-9CBC-212095C22B55}"/>
+          </ac:inkMkLst>
+        </pc:inkChg>
+      </pc:sldChg>
+      <pc:sldChg chg="addSp modSp">
+        <pc:chgData name="KimNamhyoung" userId="442ac80a-8cd4-4165-8fc5-0e4ac214a370" providerId="ADAL" clId="{9D5B359D-A5D5-4737-B9F0-EC76152A0CAF}" dt="2020-01-06T16:01:42.092" v="307" actId="164"/>
+        <pc:sldMkLst>
+          <pc:docMk/>
+          <pc:sldMk cId="2849685737" sldId="332"/>
+        </pc:sldMkLst>
+        <pc:grpChg chg="add mod">
+          <ac:chgData name="KimNamhyoung" userId="442ac80a-8cd4-4165-8fc5-0e4ac214a370" providerId="ADAL" clId="{9D5B359D-A5D5-4737-B9F0-EC76152A0CAF}" dt="2020-01-06T16:01:42.092" v="307" actId="164"/>
+          <ac:grpSpMkLst>
+            <pc:docMk/>
+            <pc:sldMk cId="2849685737" sldId="332"/>
+            <ac:grpSpMk id="8" creationId="{48A7A63E-4B0C-4C92-BF1F-BD3C8DC3AEA9}"/>
+          </ac:grpSpMkLst>
+        </pc:grpChg>
+        <pc:picChg chg="mod">
+          <ac:chgData name="KimNamhyoung" userId="442ac80a-8cd4-4165-8fc5-0e4ac214a370" providerId="ADAL" clId="{9D5B359D-A5D5-4737-B9F0-EC76152A0CAF}" dt="2020-01-06T16:01:42.092" v="307" actId="164"/>
+          <ac:picMkLst>
+            <pc:docMk/>
+            <pc:sldMk cId="2849685737" sldId="332"/>
+            <ac:picMk id="4" creationId="{7DAB5C7A-E9A9-497F-B88C-32ADB54C7966}"/>
+          </ac:picMkLst>
+        </pc:picChg>
+        <pc:picChg chg="add mod modCrop">
+          <ac:chgData name="KimNamhyoung" userId="442ac80a-8cd4-4165-8fc5-0e4ac214a370" providerId="ADAL" clId="{9D5B359D-A5D5-4737-B9F0-EC76152A0CAF}" dt="2020-01-06T16:01:42.092" v="307" actId="164"/>
+          <ac:picMkLst>
+            <pc:docMk/>
+            <pc:sldMk cId="2849685737" sldId="332"/>
+            <ac:picMk id="6" creationId="{0425DA39-D85C-4BFF-B5B8-91121D8557BC}"/>
+          </ac:picMkLst>
+        </pc:picChg>
+        <pc:picChg chg="add mod">
+          <ac:chgData name="KimNamhyoung" userId="442ac80a-8cd4-4165-8fc5-0e4ac214a370" providerId="ADAL" clId="{9D5B359D-A5D5-4737-B9F0-EC76152A0CAF}" dt="2020-01-06T16:01:42.092" v="307" actId="164"/>
+          <ac:picMkLst>
+            <pc:docMk/>
+            <pc:sldMk cId="2849685737" sldId="332"/>
+            <ac:picMk id="7" creationId="{448BFB46-2B7C-4C1F-94F4-0534EE1590B0}"/>
+          </ac:picMkLst>
+        </pc:picChg>
+      </pc:sldChg>
+      <pc:sldChg chg="delSp">
+        <pc:chgData name="KimNamhyoung" userId="442ac80a-8cd4-4165-8fc5-0e4ac214a370" providerId="ADAL" clId="{9D5B359D-A5D5-4737-B9F0-EC76152A0CAF}" dt="2019-12-31T14:31:47.514" v="265" actId="478"/>
+        <pc:sldMkLst>
+          <pc:docMk/>
+          <pc:sldMk cId="536207168" sldId="336"/>
+        </pc:sldMkLst>
+        <pc:inkChg chg="del">
+          <ac:chgData name="KimNamhyoung" userId="442ac80a-8cd4-4165-8fc5-0e4ac214a370" providerId="ADAL" clId="{9D5B359D-A5D5-4737-B9F0-EC76152A0CAF}" dt="2019-12-31T14:31:47.514" v="265" actId="478"/>
+          <ac:inkMkLst>
+            <pc:docMk/>
+            <pc:sldMk cId="536207168" sldId="336"/>
+            <ac:inkMk id="97" creationId="{74C252B5-953C-4126-9088-9164ED742431}"/>
+          </ac:inkMkLst>
+        </pc:inkChg>
+      </pc:sldChg>
+      <pc:sldChg chg="delSp">
+        <pc:chgData name="KimNamhyoung" userId="442ac80a-8cd4-4165-8fc5-0e4ac214a370" providerId="ADAL" clId="{9D5B359D-A5D5-4737-B9F0-EC76152A0CAF}" dt="2019-12-31T14:06:22.095" v="258" actId="478"/>
+        <pc:sldMkLst>
+          <pc:docMk/>
+          <pc:sldMk cId="3579191837" sldId="337"/>
+        </pc:sldMkLst>
+        <pc:inkChg chg="del">
+          <ac:chgData name="KimNamhyoung" userId="442ac80a-8cd4-4165-8fc5-0e4ac214a370" providerId="ADAL" clId="{9D5B359D-A5D5-4737-B9F0-EC76152A0CAF}" dt="2019-12-31T14:06:17.495" v="256" actId="478"/>
+          <ac:inkMkLst>
+            <pc:docMk/>
+            <pc:sldMk cId="3579191837" sldId="337"/>
+            <ac:inkMk id="8" creationId="{9AAC214C-6DCA-47B1-829B-4A8CF1E4BE00}"/>
+          </ac:inkMkLst>
+        </pc:inkChg>
+        <pc:inkChg chg="del">
+          <ac:chgData name="KimNamhyoung" userId="442ac80a-8cd4-4165-8fc5-0e4ac214a370" providerId="ADAL" clId="{9D5B359D-A5D5-4737-B9F0-EC76152A0CAF}" dt="2019-12-31T14:06:19.669" v="257" actId="478"/>
+          <ac:inkMkLst>
+            <pc:docMk/>
+            <pc:sldMk cId="3579191837" sldId="337"/>
+            <ac:inkMk id="19" creationId="{DB5237B4-8BD9-4987-87E7-E86DBC12CA70}"/>
+          </ac:inkMkLst>
+        </pc:inkChg>
+        <pc:inkChg chg="del">
+          <ac:chgData name="KimNamhyoung" userId="442ac80a-8cd4-4165-8fc5-0e4ac214a370" providerId="ADAL" clId="{9D5B359D-A5D5-4737-B9F0-EC76152A0CAF}" dt="2019-12-31T14:06:22.095" v="258" actId="478"/>
+          <ac:inkMkLst>
+            <pc:docMk/>
+            <pc:sldMk cId="3579191837" sldId="337"/>
+            <ac:inkMk id="28" creationId="{B463F3BC-B01D-488D-B7F6-9FA9EA95FC25}"/>
+          </ac:inkMkLst>
+        </pc:inkChg>
+      </pc:sldChg>
+      <pc:sldChg chg="modSp">
+        <pc:chgData name="KimNamhyoung" userId="442ac80a-8cd4-4165-8fc5-0e4ac214a370" providerId="ADAL" clId="{9D5B359D-A5D5-4737-B9F0-EC76152A0CAF}" dt="2020-01-07T02:31:02.299" v="309" actId="1076"/>
+        <pc:sldMkLst>
+          <pc:docMk/>
+          <pc:sldMk cId="4290301824" sldId="345"/>
+        </pc:sldMkLst>
+        <pc:picChg chg="mod">
+          <ac:chgData name="KimNamhyoung" userId="442ac80a-8cd4-4165-8fc5-0e4ac214a370" providerId="ADAL" clId="{9D5B359D-A5D5-4737-B9F0-EC76152A0CAF}" dt="2020-01-07T02:31:02.299" v="309" actId="1076"/>
+          <ac:picMkLst>
+            <pc:docMk/>
+            <pc:sldMk cId="4290301824" sldId="345"/>
+            <ac:picMk id="4" creationId="{79D57239-B06B-4DD8-B66B-9BCB05FA3DDA}"/>
+          </ac:picMkLst>
+        </pc:picChg>
+      </pc:sldChg>
+      <pc:sldChg chg="addSp delSp modSp">
+        <pc:chgData name="KimNamhyoung" userId="442ac80a-8cd4-4165-8fc5-0e4ac214a370" providerId="ADAL" clId="{9D5B359D-A5D5-4737-B9F0-EC76152A0CAF}" dt="2019-12-31T14:57:42.677" v="290" actId="164"/>
+        <pc:sldMkLst>
+          <pc:docMk/>
+          <pc:sldMk cId="1925760938" sldId="352"/>
+        </pc:sldMkLst>
+        <pc:grpChg chg="add mod">
+          <ac:chgData name="KimNamhyoung" userId="442ac80a-8cd4-4165-8fc5-0e4ac214a370" providerId="ADAL" clId="{9D5B359D-A5D5-4737-B9F0-EC76152A0CAF}" dt="2019-12-31T14:57:42.677" v="290" actId="164"/>
+          <ac:grpSpMkLst>
+            <pc:docMk/>
+            <pc:sldMk cId="1925760938" sldId="352"/>
+            <ac:grpSpMk id="7" creationId="{932A7EB5-EC03-470F-BD78-BCC90CDC164C}"/>
+          </ac:grpSpMkLst>
+        </pc:grpChg>
+        <pc:picChg chg="add del mod">
+          <ac:chgData name="KimNamhyoung" userId="442ac80a-8cd4-4165-8fc5-0e4ac214a370" providerId="ADAL" clId="{9D5B359D-A5D5-4737-B9F0-EC76152A0CAF}" dt="2019-12-31T14:55:50.184" v="270" actId="478"/>
+          <ac:picMkLst>
+            <pc:docMk/>
+            <pc:sldMk cId="1925760938" sldId="352"/>
+            <ac:picMk id="4" creationId="{37A8C71F-BB0B-4110-81D4-5DB43133026F}"/>
+          </ac:picMkLst>
+        </pc:picChg>
+        <pc:picChg chg="mod">
+          <ac:chgData name="KimNamhyoung" userId="442ac80a-8cd4-4165-8fc5-0e4ac214a370" providerId="ADAL" clId="{9D5B359D-A5D5-4737-B9F0-EC76152A0CAF}" dt="2019-12-31T14:57:42.677" v="290" actId="164"/>
+          <ac:picMkLst>
+            <pc:docMk/>
+            <pc:sldMk cId="1925760938" sldId="352"/>
+            <ac:picMk id="5" creationId="{FB560127-CCE0-4F2B-A68E-1ED8968F06C5}"/>
+          </ac:picMkLst>
+        </pc:picChg>
+        <pc:picChg chg="add mod modCrop">
+          <ac:chgData name="KimNamhyoung" userId="442ac80a-8cd4-4165-8fc5-0e4ac214a370" providerId="ADAL" clId="{9D5B359D-A5D5-4737-B9F0-EC76152A0CAF}" dt="2019-12-31T14:57:42.677" v="290" actId="164"/>
+          <ac:picMkLst>
+            <pc:docMk/>
+            <pc:sldMk cId="1925760938" sldId="352"/>
+            <ac:picMk id="6" creationId="{071A477D-67CF-409E-ACD4-5DE938F238E9}"/>
+          </ac:picMkLst>
+        </pc:picChg>
+      </pc:sldChg>
+      <pc:sldChg chg="modSp">
+        <pc:chgData name="KimNamhyoung" userId="442ac80a-8cd4-4165-8fc5-0e4ac214a370" providerId="ADAL" clId="{9D5B359D-A5D5-4737-B9F0-EC76152A0CAF}" dt="2020-01-07T02:57:48.287" v="310" actId="1076"/>
+        <pc:sldMkLst>
+          <pc:docMk/>
+          <pc:sldMk cId="133212441" sldId="370"/>
+        </pc:sldMkLst>
+        <pc:picChg chg="mod">
+          <ac:chgData name="KimNamhyoung" userId="442ac80a-8cd4-4165-8fc5-0e4ac214a370" providerId="ADAL" clId="{9D5B359D-A5D5-4737-B9F0-EC76152A0CAF}" dt="2020-01-07T02:57:48.287" v="310" actId="1076"/>
+          <ac:picMkLst>
+            <pc:docMk/>
+            <pc:sldMk cId="133212441" sldId="370"/>
+            <ac:picMk id="5" creationId="{642BEDC9-1A6D-46C5-81D0-AD05A869B51C}"/>
+          </ac:picMkLst>
+        </pc:picChg>
+      </pc:sldChg>
+      <pc:sldChg chg="modSp">
+        <pc:chgData name="KimNamhyoung" userId="442ac80a-8cd4-4165-8fc5-0e4ac214a370" providerId="ADAL" clId="{9D5B359D-A5D5-4737-B9F0-EC76152A0CAF}" dt="2019-12-31T16:23:24.862" v="294"/>
+        <pc:sldMkLst>
+          <pc:docMk/>
+          <pc:sldMk cId="1866844256" sldId="378"/>
+        </pc:sldMkLst>
+        <pc:spChg chg="mod">
+          <ac:chgData name="KimNamhyoung" userId="442ac80a-8cd4-4165-8fc5-0e4ac214a370" providerId="ADAL" clId="{9D5B359D-A5D5-4737-B9F0-EC76152A0CAF}" dt="2019-12-31T16:23:24.862" v="294"/>
+          <ac:spMkLst>
+            <pc:docMk/>
+            <pc:sldMk cId="1866844256" sldId="378"/>
+            <ac:spMk id="3" creationId="{A78A9532-2F4F-4CDA-A6D8-C50136CBC3BD}"/>
+          </ac:spMkLst>
+        </pc:spChg>
+      </pc:sldChg>
+    </pc:docChg>
+  </pc:docChgLst>
+  <pc:docChgLst>
+    <pc:chgData name="KimNamhyoung" userId="442ac80a-8cd4-4165-8fc5-0e4ac214a370" providerId="ADAL" clId="{A7E0A336-D386-4002-8984-A900D0D56702}"/>
+    <pc:docChg chg="modSld">
+      <pc:chgData name="KimNamhyoung" userId="442ac80a-8cd4-4165-8fc5-0e4ac214a370" providerId="ADAL" clId="{A7E0A336-D386-4002-8984-A900D0D56702}" dt="2020-11-26T13:08:33.345" v="1"/>
+      <pc:docMkLst>
+        <pc:docMk/>
+      </pc:docMkLst>
+      <pc:sldChg chg="addSp delSp mod">
+        <pc:chgData name="KimNamhyoung" userId="442ac80a-8cd4-4165-8fc5-0e4ac214a370" providerId="ADAL" clId="{A7E0A336-D386-4002-8984-A900D0D56702}" dt="2020-11-26T13:08:33.345" v="1"/>
+        <pc:sldMkLst>
+          <pc:docMk/>
+          <pc:sldMk cId="2128572570" sldId="289"/>
+        </pc:sldMkLst>
+        <pc:inkChg chg="add del">
+          <ac:chgData name="KimNamhyoung" userId="442ac80a-8cd4-4165-8fc5-0e4ac214a370" providerId="ADAL" clId="{A7E0A336-D386-4002-8984-A900D0D56702}" dt="2020-11-26T13:08:33.345" v="1"/>
+          <ac:inkMkLst>
+            <pc:docMk/>
+            <pc:sldMk cId="2128572570" sldId="289"/>
+            <ac:inkMk id="2" creationId="{6A22F88B-46C3-41AB-8803-796F9ACE19A7}"/>
+          </ac:inkMkLst>
+        </pc:inkChg>
+      </pc:sldChg>
+    </pc:docChg>
+  </pc:docChgLst>
   <pc:docChgLst>
     <pc:chgData name="KimNamhyoung" userId="442ac80a-8cd4-4165-8fc5-0e4ac214a370" providerId="ADAL" clId="{302E8084-8BD4-4670-A0D5-A72F18CF5E10}"/>
     <pc:docChg chg="custSel addSld delSld modSld sldOrd">
@@ -394,2311 +809,6 @@
     </pc:docChg>
   </pc:docChgLst>
   <pc:docChgLst>
-    <pc:chgData name="Namhyoung Kim" userId="fb60bffb23ca2a8d" providerId="LiveId" clId="{68A7EFEE-66FC-43E3-89B4-E3816B2C7497}"/>
-    <pc:docChg chg="undo addSld delSld modSld sldOrd">
-      <pc:chgData name="Namhyoung Kim" userId="fb60bffb23ca2a8d" providerId="LiveId" clId="{68A7EFEE-66FC-43E3-89B4-E3816B2C7497}" dt="2018-12-20T07:25:23.837" v="523" actId="2696"/>
-      <pc:docMkLst>
-        <pc:docMk/>
-      </pc:docMkLst>
-      <pc:sldChg chg="addSp modSp">
-        <pc:chgData name="Namhyoung Kim" userId="fb60bffb23ca2a8d" providerId="LiveId" clId="{68A7EFEE-66FC-43E3-89B4-E3816B2C7497}" dt="2018-12-19T11:45:13.391" v="1" actId="1076"/>
-        <pc:sldMkLst>
-          <pc:docMk/>
-          <pc:sldMk cId="1402426098" sldId="301"/>
-        </pc:sldMkLst>
-        <pc:picChg chg="add mod">
-          <ac:chgData name="Namhyoung Kim" userId="fb60bffb23ca2a8d" providerId="LiveId" clId="{68A7EFEE-66FC-43E3-89B4-E3816B2C7497}" dt="2018-12-19T11:45:13.391" v="1" actId="1076"/>
-          <ac:picMkLst>
-            <pc:docMk/>
-            <pc:sldMk cId="1402426098" sldId="301"/>
-            <ac:picMk id="4" creationId="{235B477E-441B-4F26-9460-EAE60D61EAC8}"/>
-          </ac:picMkLst>
-        </pc:picChg>
-      </pc:sldChg>
-      <pc:sldChg chg="modSp">
-        <pc:chgData name="Namhyoung Kim" userId="fb60bffb23ca2a8d" providerId="LiveId" clId="{68A7EFEE-66FC-43E3-89B4-E3816B2C7497}" dt="2018-12-20T04:56:51.364" v="330" actId="20577"/>
-        <pc:sldMkLst>
-          <pc:docMk/>
-          <pc:sldMk cId="482145085" sldId="307"/>
-        </pc:sldMkLst>
-        <pc:graphicFrameChg chg="mod modGraphic">
-          <ac:chgData name="Namhyoung Kim" userId="fb60bffb23ca2a8d" providerId="LiveId" clId="{68A7EFEE-66FC-43E3-89B4-E3816B2C7497}" dt="2018-12-20T04:56:51.364" v="330" actId="20577"/>
-          <ac:graphicFrameMkLst>
-            <pc:docMk/>
-            <pc:sldMk cId="482145085" sldId="307"/>
-            <ac:graphicFrameMk id="5" creationId="{00000000-0000-0000-0000-000000000000}"/>
-          </ac:graphicFrameMkLst>
-        </pc:graphicFrameChg>
-      </pc:sldChg>
-      <pc:sldChg chg="addSp modSp">
-        <pc:chgData name="Namhyoung Kim" userId="fb60bffb23ca2a8d" providerId="LiveId" clId="{68A7EFEE-66FC-43E3-89B4-E3816B2C7497}" dt="2018-12-19T11:52:38.018" v="27" actId="1036"/>
-        <pc:sldMkLst>
-          <pc:docMk/>
-          <pc:sldMk cId="2468436446" sldId="308"/>
-        </pc:sldMkLst>
-        <pc:spChg chg="mod">
-          <ac:chgData name="Namhyoung Kim" userId="fb60bffb23ca2a8d" providerId="LiveId" clId="{68A7EFEE-66FC-43E3-89B4-E3816B2C7497}" dt="2018-12-19T11:51:38.191" v="21"/>
-          <ac:spMkLst>
-            <pc:docMk/>
-            <pc:sldMk cId="2468436446" sldId="308"/>
-            <ac:spMk id="3" creationId="{A78A9532-2F4F-4CDA-A6D8-C50136CBC3BD}"/>
-          </ac:spMkLst>
-        </pc:spChg>
-        <pc:picChg chg="add mod modCrop">
-          <ac:chgData name="Namhyoung Kim" userId="fb60bffb23ca2a8d" providerId="LiveId" clId="{68A7EFEE-66FC-43E3-89B4-E3816B2C7497}" dt="2018-12-19T11:48:40.839" v="9" actId="732"/>
-          <ac:picMkLst>
-            <pc:docMk/>
-            <pc:sldMk cId="2468436446" sldId="308"/>
-            <ac:picMk id="4" creationId="{3CA3E1C8-8821-4B96-B36A-64D59C86D2BD}"/>
-          </ac:picMkLst>
-        </pc:picChg>
-        <pc:picChg chg="add mod modCrop">
-          <ac:chgData name="Namhyoung Kim" userId="fb60bffb23ca2a8d" providerId="LiveId" clId="{68A7EFEE-66FC-43E3-89B4-E3816B2C7497}" dt="2018-12-19T11:52:38.018" v="27" actId="1036"/>
-          <ac:picMkLst>
-            <pc:docMk/>
-            <pc:sldMk cId="2468436446" sldId="308"/>
-            <ac:picMk id="5" creationId="{CE413CA5-10A9-41B5-BDA6-2D758ABEBFB7}"/>
-          </ac:picMkLst>
-        </pc:picChg>
-      </pc:sldChg>
-      <pc:sldChg chg="addSp modSp">
-        <pc:chgData name="Namhyoung Kim" userId="fb60bffb23ca2a8d" providerId="LiveId" clId="{68A7EFEE-66FC-43E3-89B4-E3816B2C7497}" dt="2018-12-19T11:53:29.252" v="32" actId="732"/>
-        <pc:sldMkLst>
-          <pc:docMk/>
-          <pc:sldMk cId="597129306" sldId="309"/>
-        </pc:sldMkLst>
-        <pc:picChg chg="add mod modCrop">
-          <ac:chgData name="Namhyoung Kim" userId="fb60bffb23ca2a8d" providerId="LiveId" clId="{68A7EFEE-66FC-43E3-89B4-E3816B2C7497}" dt="2018-12-19T11:53:29.252" v="32" actId="732"/>
-          <ac:picMkLst>
-            <pc:docMk/>
-            <pc:sldMk cId="597129306" sldId="309"/>
-            <ac:picMk id="4" creationId="{E9A8B126-D6B8-4C78-A654-FF8A93E2B903}"/>
-          </ac:picMkLst>
-        </pc:picChg>
-        <pc:picChg chg="add mod">
-          <ac:chgData name="Namhyoung Kim" userId="fb60bffb23ca2a8d" providerId="LiveId" clId="{68A7EFEE-66FC-43E3-89B4-E3816B2C7497}" dt="2018-12-19T11:53:19.892" v="31" actId="1076"/>
-          <ac:picMkLst>
-            <pc:docMk/>
-            <pc:sldMk cId="597129306" sldId="309"/>
-            <ac:picMk id="5" creationId="{15D1090C-0BF2-44C6-AB5A-1059252A72A5}"/>
-          </ac:picMkLst>
-        </pc:picChg>
-      </pc:sldChg>
-      <pc:sldChg chg="addSp delSp">
-        <pc:chgData name="Namhyoung Kim" userId="fb60bffb23ca2a8d" providerId="LiveId" clId="{68A7EFEE-66FC-43E3-89B4-E3816B2C7497}" dt="2018-12-20T05:53:54.519" v="352"/>
-        <pc:sldMkLst>
-          <pc:docMk/>
-          <pc:sldMk cId="4284472928" sldId="327"/>
-        </pc:sldMkLst>
-        <pc:inkChg chg="add del">
-          <ac:chgData name="Namhyoung Kim" userId="fb60bffb23ca2a8d" providerId="LiveId" clId="{68A7EFEE-66FC-43E3-89B4-E3816B2C7497}" dt="2018-12-20T05:52:48.559" v="334"/>
-          <ac:inkMkLst>
-            <pc:docMk/>
-            <pc:sldMk cId="4284472928" sldId="327"/>
-            <ac:inkMk id="4" creationId="{E87C6292-A2AC-4D5F-8941-C21586BA67F9}"/>
-          </ac:inkMkLst>
-        </pc:inkChg>
-        <pc:inkChg chg="add del">
-          <ac:chgData name="Namhyoung Kim" userId="fb60bffb23ca2a8d" providerId="LiveId" clId="{68A7EFEE-66FC-43E3-89B4-E3816B2C7497}" dt="2018-12-20T05:52:48.559" v="334"/>
-          <ac:inkMkLst>
-            <pc:docMk/>
-            <pc:sldMk cId="4284472928" sldId="327"/>
-            <ac:inkMk id="6" creationId="{34CB06FA-2978-4FFC-B0F4-AF372512C6F5}"/>
-          </ac:inkMkLst>
-        </pc:inkChg>
-        <pc:inkChg chg="add del">
-          <ac:chgData name="Namhyoung Kim" userId="fb60bffb23ca2a8d" providerId="LiveId" clId="{68A7EFEE-66FC-43E3-89B4-E3816B2C7497}" dt="2018-12-20T05:52:48.559" v="334"/>
-          <ac:inkMkLst>
-            <pc:docMk/>
-            <pc:sldMk cId="4284472928" sldId="327"/>
-            <ac:inkMk id="7" creationId="{C3B344FA-9CCE-4168-904F-C1976FD74BB6}"/>
-          </ac:inkMkLst>
-        </pc:inkChg>
-        <pc:inkChg chg="add del">
-          <ac:chgData name="Namhyoung Kim" userId="fb60bffb23ca2a8d" providerId="LiveId" clId="{68A7EFEE-66FC-43E3-89B4-E3816B2C7497}" dt="2018-12-20T05:53:09.224" v="339"/>
-          <ac:inkMkLst>
-            <pc:docMk/>
-            <pc:sldMk cId="4284472928" sldId="327"/>
-            <ac:inkMk id="8" creationId="{3CB58968-542E-4575-8A5B-715642E261E0}"/>
-          </ac:inkMkLst>
-        </pc:inkChg>
-        <pc:inkChg chg="add del">
-          <ac:chgData name="Namhyoung Kim" userId="fb60bffb23ca2a8d" providerId="LiveId" clId="{68A7EFEE-66FC-43E3-89B4-E3816B2C7497}" dt="2018-12-20T05:53:09.224" v="339"/>
-          <ac:inkMkLst>
-            <pc:docMk/>
-            <pc:sldMk cId="4284472928" sldId="327"/>
-            <ac:inkMk id="9" creationId="{B900F0F1-10F0-4A11-BA65-EDAB52FEBFFA}"/>
-          </ac:inkMkLst>
-        </pc:inkChg>
-        <pc:inkChg chg="add del">
-          <ac:chgData name="Namhyoung Kim" userId="fb60bffb23ca2a8d" providerId="LiveId" clId="{68A7EFEE-66FC-43E3-89B4-E3816B2C7497}" dt="2018-12-20T05:53:09.224" v="339"/>
-          <ac:inkMkLst>
-            <pc:docMk/>
-            <pc:sldMk cId="4284472928" sldId="327"/>
-            <ac:inkMk id="10" creationId="{930569CA-4260-42C1-91D8-BA8B016A1D87}"/>
-          </ac:inkMkLst>
-        </pc:inkChg>
-        <pc:inkChg chg="add del">
-          <ac:chgData name="Namhyoung Kim" userId="fb60bffb23ca2a8d" providerId="LiveId" clId="{68A7EFEE-66FC-43E3-89B4-E3816B2C7497}" dt="2018-12-20T05:53:09.224" v="339"/>
-          <ac:inkMkLst>
-            <pc:docMk/>
-            <pc:sldMk cId="4284472928" sldId="327"/>
-            <ac:inkMk id="11" creationId="{49DAC310-7A5F-413E-9140-A7DF36ED2314}"/>
-          </ac:inkMkLst>
-        </pc:inkChg>
-        <pc:inkChg chg="add del">
-          <ac:chgData name="Namhyoung Kim" userId="fb60bffb23ca2a8d" providerId="LiveId" clId="{68A7EFEE-66FC-43E3-89B4-E3816B2C7497}" dt="2018-12-20T05:53:09.224" v="339"/>
-          <ac:inkMkLst>
-            <pc:docMk/>
-            <pc:sldMk cId="4284472928" sldId="327"/>
-            <ac:inkMk id="12" creationId="{0F31375C-AD22-4DB2-B8ED-63AB1732BFD4}"/>
-          </ac:inkMkLst>
-        </pc:inkChg>
-        <pc:inkChg chg="add del">
-          <ac:chgData name="Namhyoung Kim" userId="fb60bffb23ca2a8d" providerId="LiveId" clId="{68A7EFEE-66FC-43E3-89B4-E3816B2C7497}" dt="2018-12-20T05:53:37.803" v="342"/>
-          <ac:inkMkLst>
-            <pc:docMk/>
-            <pc:sldMk cId="4284472928" sldId="327"/>
-            <ac:inkMk id="13" creationId="{031F3EB5-D6E2-46E3-A0CF-5FB87D179C40}"/>
-          </ac:inkMkLst>
-        </pc:inkChg>
-        <pc:inkChg chg="add del">
-          <ac:chgData name="Namhyoung Kim" userId="fb60bffb23ca2a8d" providerId="LiveId" clId="{68A7EFEE-66FC-43E3-89B4-E3816B2C7497}" dt="2018-12-20T05:53:37.803" v="342"/>
-          <ac:inkMkLst>
-            <pc:docMk/>
-            <pc:sldMk cId="4284472928" sldId="327"/>
-            <ac:inkMk id="14" creationId="{D274A46C-FB03-4A93-810D-0145C0D3192F}"/>
-          </ac:inkMkLst>
-        </pc:inkChg>
-        <pc:inkChg chg="add del">
-          <ac:chgData name="Namhyoung Kim" userId="fb60bffb23ca2a8d" providerId="LiveId" clId="{68A7EFEE-66FC-43E3-89B4-E3816B2C7497}" dt="2018-12-20T05:53:37.803" v="342"/>
-          <ac:inkMkLst>
-            <pc:docMk/>
-            <pc:sldMk cId="4284472928" sldId="327"/>
-            <ac:inkMk id="15" creationId="{A421E0A7-5462-4AB8-BD2F-0281361BF6CC}"/>
-          </ac:inkMkLst>
-        </pc:inkChg>
-        <pc:inkChg chg="add del">
-          <ac:chgData name="Namhyoung Kim" userId="fb60bffb23ca2a8d" providerId="LiveId" clId="{68A7EFEE-66FC-43E3-89B4-E3816B2C7497}" dt="2018-12-20T05:53:40.433" v="347"/>
-          <ac:inkMkLst>
-            <pc:docMk/>
-            <pc:sldMk cId="4284472928" sldId="327"/>
-            <ac:inkMk id="16" creationId="{AE057534-0B23-4997-ADD0-ADC56F3F22F5}"/>
-          </ac:inkMkLst>
-        </pc:inkChg>
-        <pc:inkChg chg="add del">
-          <ac:chgData name="Namhyoung Kim" userId="fb60bffb23ca2a8d" providerId="LiveId" clId="{68A7EFEE-66FC-43E3-89B4-E3816B2C7497}" dt="2018-12-20T05:53:40.433" v="347"/>
-          <ac:inkMkLst>
-            <pc:docMk/>
-            <pc:sldMk cId="4284472928" sldId="327"/>
-            <ac:inkMk id="17" creationId="{68F0BA80-8BDD-4F9E-8967-B87FCB132CA4}"/>
-          </ac:inkMkLst>
-        </pc:inkChg>
-        <pc:inkChg chg="add del">
-          <ac:chgData name="Namhyoung Kim" userId="fb60bffb23ca2a8d" providerId="LiveId" clId="{68A7EFEE-66FC-43E3-89B4-E3816B2C7497}" dt="2018-12-20T05:53:40.433" v="347"/>
-          <ac:inkMkLst>
-            <pc:docMk/>
-            <pc:sldMk cId="4284472928" sldId="327"/>
-            <ac:inkMk id="18" creationId="{E0BAB56D-F89F-413E-9466-B60B3030BFBF}"/>
-          </ac:inkMkLst>
-        </pc:inkChg>
-        <pc:inkChg chg="add del">
-          <ac:chgData name="Namhyoung Kim" userId="fb60bffb23ca2a8d" providerId="LiveId" clId="{68A7EFEE-66FC-43E3-89B4-E3816B2C7497}" dt="2018-12-20T05:53:40.433" v="347"/>
-          <ac:inkMkLst>
-            <pc:docMk/>
-            <pc:sldMk cId="4284472928" sldId="327"/>
-            <ac:inkMk id="19" creationId="{CB720D68-5FA9-4C3F-AD33-D70F9255082E}"/>
-          </ac:inkMkLst>
-        </pc:inkChg>
-        <pc:inkChg chg="add del">
-          <ac:chgData name="Namhyoung Kim" userId="fb60bffb23ca2a8d" providerId="LiveId" clId="{68A7EFEE-66FC-43E3-89B4-E3816B2C7497}" dt="2018-12-20T05:53:40.433" v="347"/>
-          <ac:inkMkLst>
-            <pc:docMk/>
-            <pc:sldMk cId="4284472928" sldId="327"/>
-            <ac:inkMk id="20" creationId="{0D004D76-818A-4FA4-A0D2-606394C4DC3B}"/>
-          </ac:inkMkLst>
-        </pc:inkChg>
-        <pc:inkChg chg="add del">
-          <ac:chgData name="Namhyoung Kim" userId="fb60bffb23ca2a8d" providerId="LiveId" clId="{68A7EFEE-66FC-43E3-89B4-E3816B2C7497}" dt="2018-12-20T05:53:54.519" v="352"/>
-          <ac:inkMkLst>
-            <pc:docMk/>
-            <pc:sldMk cId="4284472928" sldId="327"/>
-            <ac:inkMk id="21" creationId="{D64AC5C7-90EF-41EF-B1D8-66ABE0B679B7}"/>
-          </ac:inkMkLst>
-        </pc:inkChg>
-        <pc:inkChg chg="add del">
-          <ac:chgData name="Namhyoung Kim" userId="fb60bffb23ca2a8d" providerId="LiveId" clId="{68A7EFEE-66FC-43E3-89B4-E3816B2C7497}" dt="2018-12-20T05:53:54.519" v="352"/>
-          <ac:inkMkLst>
-            <pc:docMk/>
-            <pc:sldMk cId="4284472928" sldId="327"/>
-            <ac:inkMk id="22" creationId="{87E62758-FC91-48E2-ACD6-8C47FE8B2ABA}"/>
-          </ac:inkMkLst>
-        </pc:inkChg>
-        <pc:inkChg chg="add del">
-          <ac:chgData name="Namhyoung Kim" userId="fb60bffb23ca2a8d" providerId="LiveId" clId="{68A7EFEE-66FC-43E3-89B4-E3816B2C7497}" dt="2018-12-20T05:53:54.519" v="352"/>
-          <ac:inkMkLst>
-            <pc:docMk/>
-            <pc:sldMk cId="4284472928" sldId="327"/>
-            <ac:inkMk id="23" creationId="{9B9B4DB0-A6B4-4E56-A99B-FDB8F84CA146}"/>
-          </ac:inkMkLst>
-        </pc:inkChg>
-        <pc:inkChg chg="add del">
-          <ac:chgData name="Namhyoung Kim" userId="fb60bffb23ca2a8d" providerId="LiveId" clId="{68A7EFEE-66FC-43E3-89B4-E3816B2C7497}" dt="2018-12-20T05:53:54.519" v="352"/>
-          <ac:inkMkLst>
-            <pc:docMk/>
-            <pc:sldMk cId="4284472928" sldId="327"/>
-            <ac:inkMk id="24" creationId="{6AD019C7-2630-4FAA-B05B-AE588A326C83}"/>
-          </ac:inkMkLst>
-        </pc:inkChg>
-        <pc:inkChg chg="add del">
-          <ac:chgData name="Namhyoung Kim" userId="fb60bffb23ca2a8d" providerId="LiveId" clId="{68A7EFEE-66FC-43E3-89B4-E3816B2C7497}" dt="2018-12-20T05:53:54.519" v="352"/>
-          <ac:inkMkLst>
-            <pc:docMk/>
-            <pc:sldMk cId="4284472928" sldId="327"/>
-            <ac:inkMk id="25" creationId="{449F66F9-A236-4F94-9A93-AC8724BC1068}"/>
-          </ac:inkMkLst>
-        </pc:inkChg>
-        <pc:inkChg chg="add">
-          <ac:chgData name="Namhyoung Kim" userId="fb60bffb23ca2a8d" providerId="LiveId" clId="{68A7EFEE-66FC-43E3-89B4-E3816B2C7497}" dt="2018-12-20T05:53:54.519" v="352"/>
-          <ac:inkMkLst>
-            <pc:docMk/>
-            <pc:sldMk cId="4284472928" sldId="327"/>
-            <ac:inkMk id="26" creationId="{0C117D04-E8B1-44CC-9CBC-212095C22B55}"/>
-          </ac:inkMkLst>
-        </pc:inkChg>
-      </pc:sldChg>
-      <pc:sldChg chg="addSp delSp">
-        <pc:chgData name="Namhyoung Kim" userId="fb60bffb23ca2a8d" providerId="LiveId" clId="{68A7EFEE-66FC-43E3-89B4-E3816B2C7497}" dt="2018-12-20T06:02:44.390" v="403"/>
-        <pc:sldMkLst>
-          <pc:docMk/>
-          <pc:sldMk cId="1588534871" sldId="331"/>
-        </pc:sldMkLst>
-        <pc:inkChg chg="add del">
-          <ac:chgData name="Namhyoung Kim" userId="fb60bffb23ca2a8d" providerId="LiveId" clId="{68A7EFEE-66FC-43E3-89B4-E3816B2C7497}" dt="2018-12-20T06:00:03.986" v="354"/>
-          <ac:inkMkLst>
-            <pc:docMk/>
-            <pc:sldMk cId="1588534871" sldId="331"/>
-            <ac:inkMk id="4" creationId="{A75A2961-DEC3-43EE-B4B6-4D038C5BA20F}"/>
-          </ac:inkMkLst>
-        </pc:inkChg>
-        <pc:inkChg chg="add del">
-          <ac:chgData name="Namhyoung Kim" userId="fb60bffb23ca2a8d" providerId="LiveId" clId="{68A7EFEE-66FC-43E3-89B4-E3816B2C7497}" dt="2018-12-20T06:00:08.634" v="363"/>
-          <ac:inkMkLst>
-            <pc:docMk/>
-            <pc:sldMk cId="1588534871" sldId="331"/>
-            <ac:inkMk id="7" creationId="{D279A733-8A53-4677-8BB4-0ED28F374E7A}"/>
-          </ac:inkMkLst>
-        </pc:inkChg>
-        <pc:inkChg chg="add del">
-          <ac:chgData name="Namhyoung Kim" userId="fb60bffb23ca2a8d" providerId="LiveId" clId="{68A7EFEE-66FC-43E3-89B4-E3816B2C7497}" dt="2018-12-20T06:00:08.634" v="363"/>
-          <ac:inkMkLst>
-            <pc:docMk/>
-            <pc:sldMk cId="1588534871" sldId="331"/>
-            <ac:inkMk id="8" creationId="{CD3C18F9-7884-44BA-94D5-38C17E9E6E31}"/>
-          </ac:inkMkLst>
-        </pc:inkChg>
-        <pc:inkChg chg="add del">
-          <ac:chgData name="Namhyoung Kim" userId="fb60bffb23ca2a8d" providerId="LiveId" clId="{68A7EFEE-66FC-43E3-89B4-E3816B2C7497}" dt="2018-12-20T06:00:08.634" v="363"/>
-          <ac:inkMkLst>
-            <pc:docMk/>
-            <pc:sldMk cId="1588534871" sldId="331"/>
-            <ac:inkMk id="9" creationId="{60848CB3-B0E9-4E0C-A281-E3939FC8E66B}"/>
-          </ac:inkMkLst>
-        </pc:inkChg>
-        <pc:inkChg chg="add del">
-          <ac:chgData name="Namhyoung Kim" userId="fb60bffb23ca2a8d" providerId="LiveId" clId="{68A7EFEE-66FC-43E3-89B4-E3816B2C7497}" dt="2018-12-20T06:00:08.634" v="363"/>
-          <ac:inkMkLst>
-            <pc:docMk/>
-            <pc:sldMk cId="1588534871" sldId="331"/>
-            <ac:inkMk id="10" creationId="{C3611437-6FA1-46DD-81E4-B1A1B7B07487}"/>
-          </ac:inkMkLst>
-        </pc:inkChg>
-        <pc:inkChg chg="add del">
-          <ac:chgData name="Namhyoung Kim" userId="fb60bffb23ca2a8d" providerId="LiveId" clId="{68A7EFEE-66FC-43E3-89B4-E3816B2C7497}" dt="2018-12-20T06:00:08.634" v="363"/>
-          <ac:inkMkLst>
-            <pc:docMk/>
-            <pc:sldMk cId="1588534871" sldId="331"/>
-            <ac:inkMk id="11" creationId="{CC620CDC-B471-457F-86C9-A214F81F259D}"/>
-          </ac:inkMkLst>
-        </pc:inkChg>
-        <pc:inkChg chg="add del">
-          <ac:chgData name="Namhyoung Kim" userId="fb60bffb23ca2a8d" providerId="LiveId" clId="{68A7EFEE-66FC-43E3-89B4-E3816B2C7497}" dt="2018-12-20T06:00:08.634" v="363"/>
-          <ac:inkMkLst>
-            <pc:docMk/>
-            <pc:sldMk cId="1588534871" sldId="331"/>
-            <ac:inkMk id="12" creationId="{0B570F49-B9A7-4973-BD25-F39D3F0A1123}"/>
-          </ac:inkMkLst>
-        </pc:inkChg>
-        <pc:inkChg chg="add del">
-          <ac:chgData name="Namhyoung Kim" userId="fb60bffb23ca2a8d" providerId="LiveId" clId="{68A7EFEE-66FC-43E3-89B4-E3816B2C7497}" dt="2018-12-20T06:00:08.634" v="363"/>
-          <ac:inkMkLst>
-            <pc:docMk/>
-            <pc:sldMk cId="1588534871" sldId="331"/>
-            <ac:inkMk id="13" creationId="{1D611689-8E70-48AC-A185-CA5EA259A719}"/>
-          </ac:inkMkLst>
-        </pc:inkChg>
-        <pc:inkChg chg="add del">
-          <ac:chgData name="Namhyoung Kim" userId="fb60bffb23ca2a8d" providerId="LiveId" clId="{68A7EFEE-66FC-43E3-89B4-E3816B2C7497}" dt="2018-12-20T06:00:21.870" v="382"/>
-          <ac:inkMkLst>
-            <pc:docMk/>
-            <pc:sldMk cId="1588534871" sldId="331"/>
-            <ac:inkMk id="14" creationId="{C084EC45-28F9-4B5A-B5C4-6D6B128CD813}"/>
-          </ac:inkMkLst>
-        </pc:inkChg>
-        <pc:inkChg chg="add del">
-          <ac:chgData name="Namhyoung Kim" userId="fb60bffb23ca2a8d" providerId="LiveId" clId="{68A7EFEE-66FC-43E3-89B4-E3816B2C7497}" dt="2018-12-20T06:00:21.870" v="382"/>
-          <ac:inkMkLst>
-            <pc:docMk/>
-            <pc:sldMk cId="1588534871" sldId="331"/>
-            <ac:inkMk id="15" creationId="{97D000A0-AD8F-43FC-BC55-03600EC94424}"/>
-          </ac:inkMkLst>
-        </pc:inkChg>
-        <pc:inkChg chg="add del">
-          <ac:chgData name="Namhyoung Kim" userId="fb60bffb23ca2a8d" providerId="LiveId" clId="{68A7EFEE-66FC-43E3-89B4-E3816B2C7497}" dt="2018-12-20T06:00:21.870" v="382"/>
-          <ac:inkMkLst>
-            <pc:docMk/>
-            <pc:sldMk cId="1588534871" sldId="331"/>
-            <ac:inkMk id="16" creationId="{74BE795D-E190-45E5-9FF5-F4A8EF947E1D}"/>
-          </ac:inkMkLst>
-        </pc:inkChg>
-        <pc:inkChg chg="add del">
-          <ac:chgData name="Namhyoung Kim" userId="fb60bffb23ca2a8d" providerId="LiveId" clId="{68A7EFEE-66FC-43E3-89B4-E3816B2C7497}" dt="2018-12-20T06:00:21.870" v="382"/>
-          <ac:inkMkLst>
-            <pc:docMk/>
-            <pc:sldMk cId="1588534871" sldId="331"/>
-            <ac:inkMk id="17" creationId="{A59AB9D5-E3B3-4AD7-BEAB-154BD353459F}"/>
-          </ac:inkMkLst>
-        </pc:inkChg>
-        <pc:inkChg chg="add del">
-          <ac:chgData name="Namhyoung Kim" userId="fb60bffb23ca2a8d" providerId="LiveId" clId="{68A7EFEE-66FC-43E3-89B4-E3816B2C7497}" dt="2018-12-20T06:00:21.870" v="382"/>
-          <ac:inkMkLst>
-            <pc:docMk/>
-            <pc:sldMk cId="1588534871" sldId="331"/>
-            <ac:inkMk id="18" creationId="{415DB5F1-01C8-49A3-AAD7-A2DCC5FD24EE}"/>
-          </ac:inkMkLst>
-        </pc:inkChg>
-        <pc:inkChg chg="add del">
-          <ac:chgData name="Namhyoung Kim" userId="fb60bffb23ca2a8d" providerId="LiveId" clId="{68A7EFEE-66FC-43E3-89B4-E3816B2C7497}" dt="2018-12-20T06:00:21.870" v="382"/>
-          <ac:inkMkLst>
-            <pc:docMk/>
-            <pc:sldMk cId="1588534871" sldId="331"/>
-            <ac:inkMk id="19" creationId="{B9305C7E-9699-4596-939E-D47E5BE016B2}"/>
-          </ac:inkMkLst>
-        </pc:inkChg>
-        <pc:inkChg chg="add del">
-          <ac:chgData name="Namhyoung Kim" userId="fb60bffb23ca2a8d" providerId="LiveId" clId="{68A7EFEE-66FC-43E3-89B4-E3816B2C7497}" dt="2018-12-20T06:00:21.870" v="382"/>
-          <ac:inkMkLst>
-            <pc:docMk/>
-            <pc:sldMk cId="1588534871" sldId="331"/>
-            <ac:inkMk id="20" creationId="{3ED6EDFD-15AF-4827-ADE9-48ADCED1A8C4}"/>
-          </ac:inkMkLst>
-        </pc:inkChg>
-        <pc:inkChg chg="add del">
-          <ac:chgData name="Namhyoung Kim" userId="fb60bffb23ca2a8d" providerId="LiveId" clId="{68A7EFEE-66FC-43E3-89B4-E3816B2C7497}" dt="2018-12-20T06:00:21.870" v="382"/>
-          <ac:inkMkLst>
-            <pc:docMk/>
-            <pc:sldMk cId="1588534871" sldId="331"/>
-            <ac:inkMk id="21" creationId="{5A44E594-7446-4A82-8BEC-9F6BD524CC38}"/>
-          </ac:inkMkLst>
-        </pc:inkChg>
-        <pc:inkChg chg="add del">
-          <ac:chgData name="Namhyoung Kim" userId="fb60bffb23ca2a8d" providerId="LiveId" clId="{68A7EFEE-66FC-43E3-89B4-E3816B2C7497}" dt="2018-12-20T06:00:21.870" v="382"/>
-          <ac:inkMkLst>
-            <pc:docMk/>
-            <pc:sldMk cId="1588534871" sldId="331"/>
-            <ac:inkMk id="22" creationId="{872FB16B-1E91-404B-B0AE-1432F1CCAFC9}"/>
-          </ac:inkMkLst>
-        </pc:inkChg>
-        <pc:inkChg chg="add del">
-          <ac:chgData name="Namhyoung Kim" userId="fb60bffb23ca2a8d" providerId="LiveId" clId="{68A7EFEE-66FC-43E3-89B4-E3816B2C7497}" dt="2018-12-20T06:00:21.870" v="382"/>
-          <ac:inkMkLst>
-            <pc:docMk/>
-            <pc:sldMk cId="1588534871" sldId="331"/>
-            <ac:inkMk id="23" creationId="{230A748A-F73F-4F8D-986F-E8C368F3D7A8}"/>
-          </ac:inkMkLst>
-        </pc:inkChg>
-        <pc:inkChg chg="add del">
-          <ac:chgData name="Namhyoung Kim" userId="fb60bffb23ca2a8d" providerId="LiveId" clId="{68A7EFEE-66FC-43E3-89B4-E3816B2C7497}" dt="2018-12-20T06:00:21.870" v="382"/>
-          <ac:inkMkLst>
-            <pc:docMk/>
-            <pc:sldMk cId="1588534871" sldId="331"/>
-            <ac:inkMk id="24" creationId="{929A6843-C0BA-4AD6-9E40-4F1F76C1B7B9}"/>
-          </ac:inkMkLst>
-        </pc:inkChg>
-        <pc:inkChg chg="add del">
-          <ac:chgData name="Namhyoung Kim" userId="fb60bffb23ca2a8d" providerId="LiveId" clId="{68A7EFEE-66FC-43E3-89B4-E3816B2C7497}" dt="2018-12-20T06:00:21.870" v="382"/>
-          <ac:inkMkLst>
-            <pc:docMk/>
-            <pc:sldMk cId="1588534871" sldId="331"/>
-            <ac:inkMk id="25" creationId="{EE8ED57D-0BF0-4B94-B8EC-9C7CA4AD674C}"/>
-          </ac:inkMkLst>
-        </pc:inkChg>
-        <pc:inkChg chg="add del">
-          <ac:chgData name="Namhyoung Kim" userId="fb60bffb23ca2a8d" providerId="LiveId" clId="{68A7EFEE-66FC-43E3-89B4-E3816B2C7497}" dt="2018-12-20T06:00:21.870" v="382"/>
-          <ac:inkMkLst>
-            <pc:docMk/>
-            <pc:sldMk cId="1588534871" sldId="331"/>
-            <ac:inkMk id="26" creationId="{B0BFE45D-2C09-41E1-9E1F-4EB6CC238B20}"/>
-          </ac:inkMkLst>
-        </pc:inkChg>
-        <pc:inkChg chg="add del">
-          <ac:chgData name="Namhyoung Kim" userId="fb60bffb23ca2a8d" providerId="LiveId" clId="{68A7EFEE-66FC-43E3-89B4-E3816B2C7497}" dt="2018-12-20T06:00:21.870" v="382"/>
-          <ac:inkMkLst>
-            <pc:docMk/>
-            <pc:sldMk cId="1588534871" sldId="331"/>
-            <ac:inkMk id="27" creationId="{F6131E49-AE87-4CF8-8B8E-89C80E943ED8}"/>
-          </ac:inkMkLst>
-        </pc:inkChg>
-        <pc:inkChg chg="add del">
-          <ac:chgData name="Namhyoung Kim" userId="fb60bffb23ca2a8d" providerId="LiveId" clId="{68A7EFEE-66FC-43E3-89B4-E3816B2C7497}" dt="2018-12-20T06:00:21.870" v="382"/>
-          <ac:inkMkLst>
-            <pc:docMk/>
-            <pc:sldMk cId="1588534871" sldId="331"/>
-            <ac:inkMk id="28" creationId="{46F7BFCE-33B5-41E2-807E-E74CEDB53BF8}"/>
-          </ac:inkMkLst>
-        </pc:inkChg>
-        <pc:inkChg chg="add del">
-          <ac:chgData name="Namhyoung Kim" userId="fb60bffb23ca2a8d" providerId="LiveId" clId="{68A7EFEE-66FC-43E3-89B4-E3816B2C7497}" dt="2018-12-20T06:00:21.870" v="382"/>
-          <ac:inkMkLst>
-            <pc:docMk/>
-            <pc:sldMk cId="1588534871" sldId="331"/>
-            <ac:inkMk id="29" creationId="{5392ED7D-9E62-4A3E-A5BA-7E8F649165D6}"/>
-          </ac:inkMkLst>
-        </pc:inkChg>
-        <pc:inkChg chg="add del">
-          <ac:chgData name="Namhyoung Kim" userId="fb60bffb23ca2a8d" providerId="LiveId" clId="{68A7EFEE-66FC-43E3-89B4-E3816B2C7497}" dt="2018-12-20T06:00:21.870" v="382"/>
-          <ac:inkMkLst>
-            <pc:docMk/>
-            <pc:sldMk cId="1588534871" sldId="331"/>
-            <ac:inkMk id="30" creationId="{D772ACBB-D238-4630-A292-B84E06407D1A}"/>
-          </ac:inkMkLst>
-        </pc:inkChg>
-        <pc:inkChg chg="add del">
-          <ac:chgData name="Namhyoung Kim" userId="fb60bffb23ca2a8d" providerId="LiveId" clId="{68A7EFEE-66FC-43E3-89B4-E3816B2C7497}" dt="2018-12-20T06:00:21.870" v="382"/>
-          <ac:inkMkLst>
-            <pc:docMk/>
-            <pc:sldMk cId="1588534871" sldId="331"/>
-            <ac:inkMk id="31" creationId="{5D205782-2F2D-4A98-BE08-5F851D54A96E}"/>
-          </ac:inkMkLst>
-        </pc:inkChg>
-        <pc:inkChg chg="add del">
-          <ac:chgData name="Namhyoung Kim" userId="fb60bffb23ca2a8d" providerId="LiveId" clId="{68A7EFEE-66FC-43E3-89B4-E3816B2C7497}" dt="2018-12-20T06:00:21.870" v="382"/>
-          <ac:inkMkLst>
-            <pc:docMk/>
-            <pc:sldMk cId="1588534871" sldId="331"/>
-            <ac:inkMk id="32" creationId="{E74F2569-DCD9-4BCE-9F8A-FAA1DD00D160}"/>
-          </ac:inkMkLst>
-        </pc:inkChg>
-        <pc:inkChg chg="add del">
-          <ac:chgData name="Namhyoung Kim" userId="fb60bffb23ca2a8d" providerId="LiveId" clId="{68A7EFEE-66FC-43E3-89B4-E3816B2C7497}" dt="2018-12-20T06:00:21.870" v="382"/>
-          <ac:inkMkLst>
-            <pc:docMk/>
-            <pc:sldMk cId="1588534871" sldId="331"/>
-            <ac:inkMk id="33" creationId="{7B447CE4-C564-4BAD-BA84-D40FB4F04C4D}"/>
-          </ac:inkMkLst>
-        </pc:inkChg>
-        <pc:inkChg chg="add del">
-          <ac:chgData name="Namhyoung Kim" userId="fb60bffb23ca2a8d" providerId="LiveId" clId="{68A7EFEE-66FC-43E3-89B4-E3816B2C7497}" dt="2018-12-20T06:00:24.349" v="386"/>
-          <ac:inkMkLst>
-            <pc:docMk/>
-            <pc:sldMk cId="1588534871" sldId="331"/>
-            <ac:inkMk id="34" creationId="{2FAECDD9-28FB-4D1C-8509-A0E5DB395327}"/>
-          </ac:inkMkLst>
-        </pc:inkChg>
-        <pc:inkChg chg="add del">
-          <ac:chgData name="Namhyoung Kim" userId="fb60bffb23ca2a8d" providerId="LiveId" clId="{68A7EFEE-66FC-43E3-89B4-E3816B2C7497}" dt="2018-12-20T06:01:07.726" v="396"/>
-          <ac:inkMkLst>
-            <pc:docMk/>
-            <pc:sldMk cId="1588534871" sldId="331"/>
-            <ac:inkMk id="35" creationId="{E191B689-952B-4481-BFF4-F7E610C77D34}"/>
-          </ac:inkMkLst>
-        </pc:inkChg>
-        <pc:inkChg chg="add del">
-          <ac:chgData name="Namhyoung Kim" userId="fb60bffb23ca2a8d" providerId="LiveId" clId="{68A7EFEE-66FC-43E3-89B4-E3816B2C7497}" dt="2018-12-20T06:00:24.349" v="386"/>
-          <ac:inkMkLst>
-            <pc:docMk/>
-            <pc:sldMk cId="1588534871" sldId="331"/>
-            <ac:inkMk id="36" creationId="{D79F7406-6DA1-48FC-A85F-0403C232E9DB}"/>
-          </ac:inkMkLst>
-        </pc:inkChg>
-        <pc:inkChg chg="add del">
-          <ac:chgData name="Namhyoung Kim" userId="fb60bffb23ca2a8d" providerId="LiveId" clId="{68A7EFEE-66FC-43E3-89B4-E3816B2C7497}" dt="2018-12-20T06:00:24.349" v="386"/>
-          <ac:inkMkLst>
-            <pc:docMk/>
-            <pc:sldMk cId="1588534871" sldId="331"/>
-            <ac:inkMk id="37" creationId="{FC295EC5-66E3-4401-9C1C-3D1BBF915845}"/>
-          </ac:inkMkLst>
-        </pc:inkChg>
-        <pc:inkChg chg="add del">
-          <ac:chgData name="Namhyoung Kim" userId="fb60bffb23ca2a8d" providerId="LiveId" clId="{68A7EFEE-66FC-43E3-89B4-E3816B2C7497}" dt="2018-12-20T06:00:24.349" v="386"/>
-          <ac:inkMkLst>
-            <pc:docMk/>
-            <pc:sldMk cId="1588534871" sldId="331"/>
-            <ac:inkMk id="38" creationId="{F540D806-6430-49DD-B118-FA4AA6DE1419}"/>
-          </ac:inkMkLst>
-        </pc:inkChg>
-        <pc:inkChg chg="add del">
-          <ac:chgData name="Namhyoung Kim" userId="fb60bffb23ca2a8d" providerId="LiveId" clId="{68A7EFEE-66FC-43E3-89B4-E3816B2C7497}" dt="2018-12-20T06:00:25.431" v="389"/>
-          <ac:inkMkLst>
-            <pc:docMk/>
-            <pc:sldMk cId="1588534871" sldId="331"/>
-            <ac:inkMk id="39" creationId="{75B0E2DA-8CA3-4FE4-81D4-9FD4E82F1849}"/>
-          </ac:inkMkLst>
-        </pc:inkChg>
-        <pc:inkChg chg="add del">
-          <ac:chgData name="Namhyoung Kim" userId="fb60bffb23ca2a8d" providerId="LiveId" clId="{68A7EFEE-66FC-43E3-89B4-E3816B2C7497}" dt="2018-12-20T06:00:25.431" v="389"/>
-          <ac:inkMkLst>
-            <pc:docMk/>
-            <pc:sldMk cId="1588534871" sldId="331"/>
-            <ac:inkMk id="40" creationId="{718C03A2-D68F-48E6-B09C-3B9FFCFD999F}"/>
-          </ac:inkMkLst>
-        </pc:inkChg>
-        <pc:inkChg chg="add del">
-          <ac:chgData name="Namhyoung Kim" userId="fb60bffb23ca2a8d" providerId="LiveId" clId="{68A7EFEE-66FC-43E3-89B4-E3816B2C7497}" dt="2018-12-20T06:00:25.431" v="389"/>
-          <ac:inkMkLst>
-            <pc:docMk/>
-            <pc:sldMk cId="1588534871" sldId="331"/>
-            <ac:inkMk id="41" creationId="{EA3CA743-3E02-43B9-8B38-E6DCAF51CB0F}"/>
-          </ac:inkMkLst>
-        </pc:inkChg>
-        <pc:inkChg chg="add del">
-          <ac:chgData name="Namhyoung Kim" userId="fb60bffb23ca2a8d" providerId="LiveId" clId="{68A7EFEE-66FC-43E3-89B4-E3816B2C7497}" dt="2018-12-20T06:01:07.726" v="396"/>
-          <ac:inkMkLst>
-            <pc:docMk/>
-            <pc:sldMk cId="1588534871" sldId="331"/>
-            <ac:inkMk id="42" creationId="{3B71C5D2-87F6-4804-A3D0-7432CFD1A363}"/>
-          </ac:inkMkLst>
-        </pc:inkChg>
-        <pc:inkChg chg="add del">
-          <ac:chgData name="Namhyoung Kim" userId="fb60bffb23ca2a8d" providerId="LiveId" clId="{68A7EFEE-66FC-43E3-89B4-E3816B2C7497}" dt="2018-12-20T06:01:07.726" v="396"/>
-          <ac:inkMkLst>
-            <pc:docMk/>
-            <pc:sldMk cId="1588534871" sldId="331"/>
-            <ac:inkMk id="43" creationId="{678C459D-FB6D-4444-969D-66E19034B95E}"/>
-          </ac:inkMkLst>
-        </pc:inkChg>
-        <pc:inkChg chg="add del">
-          <ac:chgData name="Namhyoung Kim" userId="fb60bffb23ca2a8d" providerId="LiveId" clId="{68A7EFEE-66FC-43E3-89B4-E3816B2C7497}" dt="2018-12-20T06:01:07.726" v="396"/>
-          <ac:inkMkLst>
-            <pc:docMk/>
-            <pc:sldMk cId="1588534871" sldId="331"/>
-            <ac:inkMk id="44" creationId="{4DB90488-BFA9-4B11-A215-E72A37BDF580}"/>
-          </ac:inkMkLst>
-        </pc:inkChg>
-        <pc:inkChg chg="add del">
-          <ac:chgData name="Namhyoung Kim" userId="fb60bffb23ca2a8d" providerId="LiveId" clId="{68A7EFEE-66FC-43E3-89B4-E3816B2C7497}" dt="2018-12-20T06:01:07.726" v="396"/>
-          <ac:inkMkLst>
-            <pc:docMk/>
-            <pc:sldMk cId="1588534871" sldId="331"/>
-            <ac:inkMk id="45" creationId="{E9C4A189-8F46-4B69-8C72-89D9F2BC9332}"/>
-          </ac:inkMkLst>
-        </pc:inkChg>
-        <pc:inkChg chg="add del">
-          <ac:chgData name="Namhyoung Kim" userId="fb60bffb23ca2a8d" providerId="LiveId" clId="{68A7EFEE-66FC-43E3-89B4-E3816B2C7497}" dt="2018-12-20T06:01:07.726" v="396"/>
-          <ac:inkMkLst>
-            <pc:docMk/>
-            <pc:sldMk cId="1588534871" sldId="331"/>
-            <ac:inkMk id="46" creationId="{629C1BEE-CF93-4D21-8B8C-3FC80934A4ED}"/>
-          </ac:inkMkLst>
-        </pc:inkChg>
-        <pc:inkChg chg="add del">
-          <ac:chgData name="Namhyoung Kim" userId="fb60bffb23ca2a8d" providerId="LiveId" clId="{68A7EFEE-66FC-43E3-89B4-E3816B2C7497}" dt="2018-12-20T06:01:07.726" v="396"/>
-          <ac:inkMkLst>
-            <pc:docMk/>
-            <pc:sldMk cId="1588534871" sldId="331"/>
-            <ac:inkMk id="47" creationId="{5D6D17E2-5080-42D5-830C-881BC9FB0E9F}"/>
-          </ac:inkMkLst>
-        </pc:inkChg>
-        <pc:inkChg chg="add del">
-          <ac:chgData name="Namhyoung Kim" userId="fb60bffb23ca2a8d" providerId="LiveId" clId="{68A7EFEE-66FC-43E3-89B4-E3816B2C7497}" dt="2018-12-20T06:01:07.726" v="396"/>
-          <ac:inkMkLst>
-            <pc:docMk/>
-            <pc:sldMk cId="1588534871" sldId="331"/>
-            <ac:inkMk id="48" creationId="{637BEDA9-846D-418D-A4DC-DE020549AD61}"/>
-          </ac:inkMkLst>
-        </pc:inkChg>
-        <pc:inkChg chg="add del">
-          <ac:chgData name="Namhyoung Kim" userId="fb60bffb23ca2a8d" providerId="LiveId" clId="{68A7EFEE-66FC-43E3-89B4-E3816B2C7497}" dt="2018-12-20T06:01:09.528" v="398"/>
-          <ac:inkMkLst>
-            <pc:docMk/>
-            <pc:sldMk cId="1588534871" sldId="331"/>
-            <ac:inkMk id="49" creationId="{CF47EC97-6309-423E-94D1-3DEE7DAF1246}"/>
-          </ac:inkMkLst>
-        </pc:inkChg>
-        <pc:inkChg chg="add del">
-          <ac:chgData name="Namhyoung Kim" userId="fb60bffb23ca2a8d" providerId="LiveId" clId="{68A7EFEE-66FC-43E3-89B4-E3816B2C7497}" dt="2018-12-20T06:02:44.390" v="400"/>
-          <ac:inkMkLst>
-            <pc:docMk/>
-            <pc:sldMk cId="1588534871" sldId="331"/>
-            <ac:inkMk id="50" creationId="{FAC293EF-D788-4058-963E-8E76F0DB5D74}"/>
-          </ac:inkMkLst>
-        </pc:inkChg>
-        <pc:inkChg chg="add del">
-          <ac:chgData name="Namhyoung Kim" userId="fb60bffb23ca2a8d" providerId="LiveId" clId="{68A7EFEE-66FC-43E3-89B4-E3816B2C7497}" dt="2018-12-20T06:02:44.390" v="401"/>
-          <ac:inkMkLst>
-            <pc:docMk/>
-            <pc:sldMk cId="1588534871" sldId="331"/>
-            <ac:inkMk id="51" creationId="{BA4FDC84-D699-4363-80D4-4FF88980FA1F}"/>
-          </ac:inkMkLst>
-        </pc:inkChg>
-        <pc:inkChg chg="add del">
-          <ac:chgData name="Namhyoung Kim" userId="fb60bffb23ca2a8d" providerId="LiveId" clId="{68A7EFEE-66FC-43E3-89B4-E3816B2C7497}" dt="2018-12-20T06:01:09.528" v="398"/>
-          <ac:inkMkLst>
-            <pc:docMk/>
-            <pc:sldMk cId="1588534871" sldId="331"/>
-            <ac:inkMk id="52" creationId="{8E2E8ADC-03D5-425A-AA59-65855E0F5FB0}"/>
-          </ac:inkMkLst>
-        </pc:inkChg>
-        <pc:inkChg chg="add del">
-          <ac:chgData name="Namhyoung Kim" userId="fb60bffb23ca2a8d" providerId="LiveId" clId="{68A7EFEE-66FC-43E3-89B4-E3816B2C7497}" dt="2018-12-20T06:02:44.390" v="403"/>
-          <ac:inkMkLst>
-            <pc:docMk/>
-            <pc:sldMk cId="1588534871" sldId="331"/>
-            <ac:inkMk id="53" creationId="{1FE9E399-4670-486F-9559-E2187406D5D5}"/>
-          </ac:inkMkLst>
-        </pc:inkChg>
-        <pc:inkChg chg="add del">
-          <ac:chgData name="Namhyoung Kim" userId="fb60bffb23ca2a8d" providerId="LiveId" clId="{68A7EFEE-66FC-43E3-89B4-E3816B2C7497}" dt="2018-12-20T06:02:44.390" v="402"/>
-          <ac:inkMkLst>
-            <pc:docMk/>
-            <pc:sldMk cId="1588534871" sldId="331"/>
-            <ac:inkMk id="54" creationId="{71BA5533-183E-44C9-873B-50CF714EEE30}"/>
-          </ac:inkMkLst>
-        </pc:inkChg>
-      </pc:sldChg>
-      <pc:sldChg chg="addSp delSp">
-        <pc:chgData name="Namhyoung Kim" userId="fb60bffb23ca2a8d" providerId="LiveId" clId="{68A7EFEE-66FC-43E3-89B4-E3816B2C7497}" dt="2018-12-20T06:51:57.745" v="522"/>
-        <pc:sldMkLst>
-          <pc:docMk/>
-          <pc:sldMk cId="536207168" sldId="336"/>
-        </pc:sldMkLst>
-        <pc:inkChg chg="add del">
-          <ac:chgData name="Namhyoung Kim" userId="fb60bffb23ca2a8d" providerId="LiveId" clId="{68A7EFEE-66FC-43E3-89B4-E3816B2C7497}" dt="2018-12-20T06:51:57.745" v="522"/>
-          <ac:inkMkLst>
-            <pc:docMk/>
-            <pc:sldMk cId="536207168" sldId="336"/>
-            <ac:inkMk id="5" creationId="{4DD5A89B-523A-4E82-B980-5BC3FD90DFDA}"/>
-          </ac:inkMkLst>
-        </pc:inkChg>
-        <pc:inkChg chg="add del">
-          <ac:chgData name="Namhyoung Kim" userId="fb60bffb23ca2a8d" providerId="LiveId" clId="{68A7EFEE-66FC-43E3-89B4-E3816B2C7497}" dt="2018-12-20T06:51:57.745" v="519"/>
-          <ac:inkMkLst>
-            <pc:docMk/>
-            <pc:sldMk cId="536207168" sldId="336"/>
-            <ac:inkMk id="6" creationId="{521E07D1-848D-4423-93F6-6AADF61E4BA2}"/>
-          </ac:inkMkLst>
-        </pc:inkChg>
-        <pc:inkChg chg="add del">
-          <ac:chgData name="Namhyoung Kim" userId="fb60bffb23ca2a8d" providerId="LiveId" clId="{68A7EFEE-66FC-43E3-89B4-E3816B2C7497}" dt="2018-12-20T06:51:57.745" v="520"/>
-          <ac:inkMkLst>
-            <pc:docMk/>
-            <pc:sldMk cId="536207168" sldId="336"/>
-            <ac:inkMk id="7" creationId="{1BD4ECF0-8FA7-424F-9006-FEC78CCCE001}"/>
-          </ac:inkMkLst>
-        </pc:inkChg>
-        <pc:inkChg chg="add del">
-          <ac:chgData name="Namhyoung Kim" userId="fb60bffb23ca2a8d" providerId="LiveId" clId="{68A7EFEE-66FC-43E3-89B4-E3816B2C7497}" dt="2018-12-20T06:51:57.745" v="521"/>
-          <ac:inkMkLst>
-            <pc:docMk/>
-            <pc:sldMk cId="536207168" sldId="336"/>
-            <ac:inkMk id="8" creationId="{2321E98C-2C42-4B37-9DBD-AC1F9D100962}"/>
-          </ac:inkMkLst>
-        </pc:inkChg>
-        <pc:inkChg chg="add del">
-          <ac:chgData name="Namhyoung Kim" userId="fb60bffb23ca2a8d" providerId="LiveId" clId="{68A7EFEE-66FC-43E3-89B4-E3816B2C7497}" dt="2018-12-20T06:48:50.405" v="436"/>
-          <ac:inkMkLst>
-            <pc:docMk/>
-            <pc:sldMk cId="536207168" sldId="336"/>
-            <ac:inkMk id="9" creationId="{403367AA-1A7E-431F-B9E3-AE6F9BB36754}"/>
-          </ac:inkMkLst>
-        </pc:inkChg>
-        <pc:inkChg chg="add del">
-          <ac:chgData name="Namhyoung Kim" userId="fb60bffb23ca2a8d" providerId="LiveId" clId="{68A7EFEE-66FC-43E3-89B4-E3816B2C7497}" dt="2018-12-20T06:48:50.405" v="436"/>
-          <ac:inkMkLst>
-            <pc:docMk/>
-            <pc:sldMk cId="536207168" sldId="336"/>
-            <ac:inkMk id="10" creationId="{E3EA4B3E-0BE4-4BD2-B72A-35FDAD3BB759}"/>
-          </ac:inkMkLst>
-        </pc:inkChg>
-        <pc:inkChg chg="add del">
-          <ac:chgData name="Namhyoung Kim" userId="fb60bffb23ca2a8d" providerId="LiveId" clId="{68A7EFEE-66FC-43E3-89B4-E3816B2C7497}" dt="2018-12-20T06:48:50.405" v="436"/>
-          <ac:inkMkLst>
-            <pc:docMk/>
-            <pc:sldMk cId="536207168" sldId="336"/>
-            <ac:inkMk id="11" creationId="{CB46BF1D-689E-4874-9536-6382182C320B}"/>
-          </ac:inkMkLst>
-        </pc:inkChg>
-        <pc:inkChg chg="add del">
-          <ac:chgData name="Namhyoung Kim" userId="fb60bffb23ca2a8d" providerId="LiveId" clId="{68A7EFEE-66FC-43E3-89B4-E3816B2C7497}" dt="2018-12-20T06:48:50.405" v="436"/>
-          <ac:inkMkLst>
-            <pc:docMk/>
-            <pc:sldMk cId="536207168" sldId="336"/>
-            <ac:inkMk id="12" creationId="{E6D98597-8463-41C4-90B2-B61927D44A42}"/>
-          </ac:inkMkLst>
-        </pc:inkChg>
-        <pc:inkChg chg="add del">
-          <ac:chgData name="Namhyoung Kim" userId="fb60bffb23ca2a8d" providerId="LiveId" clId="{68A7EFEE-66FC-43E3-89B4-E3816B2C7497}" dt="2018-12-20T06:48:55.788" v="442"/>
-          <ac:inkMkLst>
-            <pc:docMk/>
-            <pc:sldMk cId="536207168" sldId="336"/>
-            <ac:inkMk id="13" creationId="{0B812D44-8A35-4DD4-A12B-A02263D057C0}"/>
-          </ac:inkMkLst>
-        </pc:inkChg>
-        <pc:inkChg chg="add del">
-          <ac:chgData name="Namhyoung Kim" userId="fb60bffb23ca2a8d" providerId="LiveId" clId="{68A7EFEE-66FC-43E3-89B4-E3816B2C7497}" dt="2018-12-20T06:51:03.297" v="488"/>
-          <ac:inkMkLst>
-            <pc:docMk/>
-            <pc:sldMk cId="536207168" sldId="336"/>
-            <ac:inkMk id="14" creationId="{3FBE16CC-2F74-4C80-AF87-F5CED8B387CC}"/>
-          </ac:inkMkLst>
-        </pc:inkChg>
-        <pc:inkChg chg="add del">
-          <ac:chgData name="Namhyoung Kim" userId="fb60bffb23ca2a8d" providerId="LiveId" clId="{68A7EFEE-66FC-43E3-89B4-E3816B2C7497}" dt="2018-12-20T06:48:55.788" v="442"/>
-          <ac:inkMkLst>
-            <pc:docMk/>
-            <pc:sldMk cId="536207168" sldId="336"/>
-            <ac:inkMk id="15" creationId="{A6750B4F-D215-47D6-A0CD-3BFAB48AE6AE}"/>
-          </ac:inkMkLst>
-        </pc:inkChg>
-        <pc:inkChg chg="add del">
-          <ac:chgData name="Namhyoung Kim" userId="fb60bffb23ca2a8d" providerId="LiveId" clId="{68A7EFEE-66FC-43E3-89B4-E3816B2C7497}" dt="2018-12-20T06:48:55.788" v="442"/>
-          <ac:inkMkLst>
-            <pc:docMk/>
-            <pc:sldMk cId="536207168" sldId="336"/>
-            <ac:inkMk id="16" creationId="{7B29D047-A91D-46BE-8713-6B61A886A708}"/>
-          </ac:inkMkLst>
-        </pc:inkChg>
-        <pc:inkChg chg="add del">
-          <ac:chgData name="Namhyoung Kim" userId="fb60bffb23ca2a8d" providerId="LiveId" clId="{68A7EFEE-66FC-43E3-89B4-E3816B2C7497}" dt="2018-12-20T06:48:55.788" v="442"/>
-          <ac:inkMkLst>
-            <pc:docMk/>
-            <pc:sldMk cId="536207168" sldId="336"/>
-            <ac:inkMk id="17" creationId="{6EB96841-DA78-4940-BE15-898B3D0BB9AC}"/>
-          </ac:inkMkLst>
-        </pc:inkChg>
-        <pc:inkChg chg="add del">
-          <ac:chgData name="Namhyoung Kim" userId="fb60bffb23ca2a8d" providerId="LiveId" clId="{68A7EFEE-66FC-43E3-89B4-E3816B2C7497}" dt="2018-12-20T06:48:55.788" v="442"/>
-          <ac:inkMkLst>
-            <pc:docMk/>
-            <pc:sldMk cId="536207168" sldId="336"/>
-            <ac:inkMk id="18" creationId="{ED237568-1291-4211-9BE6-DD82F1DBBC55}"/>
-          </ac:inkMkLst>
-        </pc:inkChg>
-        <pc:inkChg chg="add del">
-          <ac:chgData name="Namhyoung Kim" userId="fb60bffb23ca2a8d" providerId="LiveId" clId="{68A7EFEE-66FC-43E3-89B4-E3816B2C7497}" dt="2018-12-20T06:48:55.788" v="442"/>
-          <ac:inkMkLst>
-            <pc:docMk/>
-            <pc:sldMk cId="536207168" sldId="336"/>
-            <ac:inkMk id="19" creationId="{E9D2DE73-92F2-4BA5-AF55-6454D15E50B5}"/>
-          </ac:inkMkLst>
-        </pc:inkChg>
-        <pc:inkChg chg="add del">
-          <ac:chgData name="Namhyoung Kim" userId="fb60bffb23ca2a8d" providerId="LiveId" clId="{68A7EFEE-66FC-43E3-89B4-E3816B2C7497}" dt="2018-12-20T06:51:03.297" v="488"/>
-          <ac:inkMkLst>
-            <pc:docMk/>
-            <pc:sldMk cId="536207168" sldId="336"/>
-            <ac:inkMk id="20" creationId="{D31B91A0-299E-4504-BA54-F53FA185F403}"/>
-          </ac:inkMkLst>
-        </pc:inkChg>
-        <pc:inkChg chg="add del">
-          <ac:chgData name="Namhyoung Kim" userId="fb60bffb23ca2a8d" providerId="LiveId" clId="{68A7EFEE-66FC-43E3-89B4-E3816B2C7497}" dt="2018-12-20T06:48:57.626" v="445"/>
-          <ac:inkMkLst>
-            <pc:docMk/>
-            <pc:sldMk cId="536207168" sldId="336"/>
-            <ac:inkMk id="21" creationId="{9F88718E-ED68-4C92-B628-22B04C1AF8BD}"/>
-          </ac:inkMkLst>
-        </pc:inkChg>
-        <pc:inkChg chg="add del">
-          <ac:chgData name="Namhyoung Kim" userId="fb60bffb23ca2a8d" providerId="LiveId" clId="{68A7EFEE-66FC-43E3-89B4-E3816B2C7497}" dt="2018-12-20T06:48:57.626" v="445"/>
-          <ac:inkMkLst>
-            <pc:docMk/>
-            <pc:sldMk cId="536207168" sldId="336"/>
-            <ac:inkMk id="22" creationId="{89BB569D-10DD-4CD9-8B5E-F166CAE4A4D6}"/>
-          </ac:inkMkLst>
-        </pc:inkChg>
-        <pc:inkChg chg="add del">
-          <ac:chgData name="Namhyoung Kim" userId="fb60bffb23ca2a8d" providerId="LiveId" clId="{68A7EFEE-66FC-43E3-89B4-E3816B2C7497}" dt="2018-12-20T06:51:03.297" v="488"/>
-          <ac:inkMkLst>
-            <pc:docMk/>
-            <pc:sldMk cId="536207168" sldId="336"/>
-            <ac:inkMk id="23" creationId="{A121BFF9-0C4B-4488-A5D3-78DCDFD947F8}"/>
-          </ac:inkMkLst>
-        </pc:inkChg>
-        <pc:inkChg chg="add del">
-          <ac:chgData name="Namhyoung Kim" userId="fb60bffb23ca2a8d" providerId="LiveId" clId="{68A7EFEE-66FC-43E3-89B4-E3816B2C7497}" dt="2018-12-20T06:49:09.878" v="448"/>
-          <ac:inkMkLst>
-            <pc:docMk/>
-            <pc:sldMk cId="536207168" sldId="336"/>
-            <ac:inkMk id="24" creationId="{DE47A755-813D-44BC-98B9-D84A800A4A1E}"/>
-          </ac:inkMkLst>
-        </pc:inkChg>
-        <pc:inkChg chg="add del">
-          <ac:chgData name="Namhyoung Kim" userId="fb60bffb23ca2a8d" providerId="LiveId" clId="{68A7EFEE-66FC-43E3-89B4-E3816B2C7497}" dt="2018-12-20T06:49:09.878" v="448"/>
-          <ac:inkMkLst>
-            <pc:docMk/>
-            <pc:sldMk cId="536207168" sldId="336"/>
-            <ac:inkMk id="25" creationId="{9845E2F4-7AF1-445C-8C92-167E8EFC85BB}"/>
-          </ac:inkMkLst>
-        </pc:inkChg>
-        <pc:inkChg chg="add del">
-          <ac:chgData name="Namhyoung Kim" userId="fb60bffb23ca2a8d" providerId="LiveId" clId="{68A7EFEE-66FC-43E3-89B4-E3816B2C7497}" dt="2018-12-20T06:49:14.696" v="453"/>
-          <ac:inkMkLst>
-            <pc:docMk/>
-            <pc:sldMk cId="536207168" sldId="336"/>
-            <ac:inkMk id="26" creationId="{83DA15EA-56E0-4FDA-8B85-4DFE41936ADB}"/>
-          </ac:inkMkLst>
-        </pc:inkChg>
-        <pc:inkChg chg="add del">
-          <ac:chgData name="Namhyoung Kim" userId="fb60bffb23ca2a8d" providerId="LiveId" clId="{68A7EFEE-66FC-43E3-89B4-E3816B2C7497}" dt="2018-12-20T06:49:14.696" v="453"/>
-          <ac:inkMkLst>
-            <pc:docMk/>
-            <pc:sldMk cId="536207168" sldId="336"/>
-            <ac:inkMk id="27" creationId="{623C3DC7-9180-42A4-BD38-91F10C0D769F}"/>
-          </ac:inkMkLst>
-        </pc:inkChg>
-        <pc:inkChg chg="add del">
-          <ac:chgData name="Namhyoung Kim" userId="fb60bffb23ca2a8d" providerId="LiveId" clId="{68A7EFEE-66FC-43E3-89B4-E3816B2C7497}" dt="2018-12-20T06:49:14.696" v="453"/>
-          <ac:inkMkLst>
-            <pc:docMk/>
-            <pc:sldMk cId="536207168" sldId="336"/>
-            <ac:inkMk id="28" creationId="{04AB1526-5E4B-4A26-923E-8100482071CF}"/>
-          </ac:inkMkLst>
-        </pc:inkChg>
-        <pc:inkChg chg="add del">
-          <ac:chgData name="Namhyoung Kim" userId="fb60bffb23ca2a8d" providerId="LiveId" clId="{68A7EFEE-66FC-43E3-89B4-E3816B2C7497}" dt="2018-12-20T06:49:14.696" v="453"/>
-          <ac:inkMkLst>
-            <pc:docMk/>
-            <pc:sldMk cId="536207168" sldId="336"/>
-            <ac:inkMk id="29" creationId="{E7EA5ACB-4C9D-4AA9-870F-2A433EB242AB}"/>
-          </ac:inkMkLst>
-        </pc:inkChg>
-        <pc:inkChg chg="add del">
-          <ac:chgData name="Namhyoung Kim" userId="fb60bffb23ca2a8d" providerId="LiveId" clId="{68A7EFEE-66FC-43E3-89B4-E3816B2C7497}" dt="2018-12-20T06:49:14.696" v="453"/>
-          <ac:inkMkLst>
-            <pc:docMk/>
-            <pc:sldMk cId="536207168" sldId="336"/>
-            <ac:inkMk id="30" creationId="{4CF18658-2D23-4A66-8F0B-E0A6CAE440FB}"/>
-          </ac:inkMkLst>
-        </pc:inkChg>
-        <pc:inkChg chg="add del">
-          <ac:chgData name="Namhyoung Kim" userId="fb60bffb23ca2a8d" providerId="LiveId" clId="{68A7EFEE-66FC-43E3-89B4-E3816B2C7497}" dt="2018-12-20T06:51:03.297" v="488"/>
-          <ac:inkMkLst>
-            <pc:docMk/>
-            <pc:sldMk cId="536207168" sldId="336"/>
-            <ac:inkMk id="31" creationId="{249230B5-6FE7-47C5-84CC-EB3293FEC49E}"/>
-          </ac:inkMkLst>
-        </pc:inkChg>
-        <pc:inkChg chg="add del">
-          <ac:chgData name="Namhyoung Kim" userId="fb60bffb23ca2a8d" providerId="LiveId" clId="{68A7EFEE-66FC-43E3-89B4-E3816B2C7497}" dt="2018-12-20T06:49:18.581" v="457"/>
-          <ac:inkMkLst>
-            <pc:docMk/>
-            <pc:sldMk cId="536207168" sldId="336"/>
-            <ac:inkMk id="32" creationId="{60019AC8-AA50-4B8C-B42E-5D0AC64F0872}"/>
-          </ac:inkMkLst>
-        </pc:inkChg>
-        <pc:inkChg chg="add del">
-          <ac:chgData name="Namhyoung Kim" userId="fb60bffb23ca2a8d" providerId="LiveId" clId="{68A7EFEE-66FC-43E3-89B4-E3816B2C7497}" dt="2018-12-20T06:49:18.581" v="457"/>
-          <ac:inkMkLst>
-            <pc:docMk/>
-            <pc:sldMk cId="536207168" sldId="336"/>
-            <ac:inkMk id="33" creationId="{9C808443-F1F8-402E-9A3A-2A38588AC606}"/>
-          </ac:inkMkLst>
-        </pc:inkChg>
-        <pc:inkChg chg="add del">
-          <ac:chgData name="Namhyoung Kim" userId="fb60bffb23ca2a8d" providerId="LiveId" clId="{68A7EFEE-66FC-43E3-89B4-E3816B2C7497}" dt="2018-12-20T06:49:18.581" v="457"/>
-          <ac:inkMkLst>
-            <pc:docMk/>
-            <pc:sldMk cId="536207168" sldId="336"/>
-            <ac:inkMk id="34" creationId="{17C09528-C6B8-4584-8694-3836D11E80BB}"/>
-          </ac:inkMkLst>
-        </pc:inkChg>
-        <pc:inkChg chg="add del">
-          <ac:chgData name="Namhyoung Kim" userId="fb60bffb23ca2a8d" providerId="LiveId" clId="{68A7EFEE-66FC-43E3-89B4-E3816B2C7497}" dt="2018-12-20T06:51:03.297" v="488"/>
-          <ac:inkMkLst>
-            <pc:docMk/>
-            <pc:sldMk cId="536207168" sldId="336"/>
-            <ac:inkMk id="35" creationId="{5D802D83-4995-4762-B6A4-F6AC47B32EFB}"/>
-          </ac:inkMkLst>
-        </pc:inkChg>
-        <pc:inkChg chg="add del">
-          <ac:chgData name="Namhyoung Kim" userId="fb60bffb23ca2a8d" providerId="LiveId" clId="{68A7EFEE-66FC-43E3-89B4-E3816B2C7497}" dt="2018-12-20T06:51:57.745" v="518"/>
-          <ac:inkMkLst>
-            <pc:docMk/>
-            <pc:sldMk cId="536207168" sldId="336"/>
-            <ac:inkMk id="36" creationId="{8D023719-3C0E-40C2-AA38-A074D4984F80}"/>
-          </ac:inkMkLst>
-        </pc:inkChg>
-        <pc:inkChg chg="add del">
-          <ac:chgData name="Namhyoung Kim" userId="fb60bffb23ca2a8d" providerId="LiveId" clId="{68A7EFEE-66FC-43E3-89B4-E3816B2C7497}" dt="2018-12-20T06:50:10.796" v="468"/>
-          <ac:inkMkLst>
-            <pc:docMk/>
-            <pc:sldMk cId="536207168" sldId="336"/>
-            <ac:inkMk id="37" creationId="{955D49B5-5E73-47D6-9B5D-221BBFCE2CB2}"/>
-          </ac:inkMkLst>
-        </pc:inkChg>
-        <pc:inkChg chg="add del">
-          <ac:chgData name="Namhyoung Kim" userId="fb60bffb23ca2a8d" providerId="LiveId" clId="{68A7EFEE-66FC-43E3-89B4-E3816B2C7497}" dt="2018-12-20T06:50:10.796" v="468"/>
-          <ac:inkMkLst>
-            <pc:docMk/>
-            <pc:sldMk cId="536207168" sldId="336"/>
-            <ac:inkMk id="38" creationId="{AFFA7E27-43CA-4EFE-B3A0-A004E1BBCC48}"/>
-          </ac:inkMkLst>
-        </pc:inkChg>
-        <pc:inkChg chg="add del">
-          <ac:chgData name="Namhyoung Kim" userId="fb60bffb23ca2a8d" providerId="LiveId" clId="{68A7EFEE-66FC-43E3-89B4-E3816B2C7497}" dt="2018-12-20T06:50:14.393" v="470"/>
-          <ac:inkMkLst>
-            <pc:docMk/>
-            <pc:sldMk cId="536207168" sldId="336"/>
-            <ac:inkMk id="39" creationId="{D7B83E26-5192-46E0-B99C-AD3B7ED63154}"/>
-          </ac:inkMkLst>
-        </pc:inkChg>
-        <pc:inkChg chg="add del">
-          <ac:chgData name="Namhyoung Kim" userId="fb60bffb23ca2a8d" providerId="LiveId" clId="{68A7EFEE-66FC-43E3-89B4-E3816B2C7497}" dt="2018-12-20T06:50:15.890" v="474"/>
-          <ac:inkMkLst>
-            <pc:docMk/>
-            <pc:sldMk cId="536207168" sldId="336"/>
-            <ac:inkMk id="40" creationId="{994699DF-ECDD-47AC-A3AF-B2F482F218DC}"/>
-          </ac:inkMkLst>
-        </pc:inkChg>
-        <pc:inkChg chg="add del">
-          <ac:chgData name="Namhyoung Kim" userId="fb60bffb23ca2a8d" providerId="LiveId" clId="{68A7EFEE-66FC-43E3-89B4-E3816B2C7497}" dt="2018-12-20T06:50:10.796" v="468"/>
-          <ac:inkMkLst>
-            <pc:docMk/>
-            <pc:sldMk cId="536207168" sldId="336"/>
-            <ac:inkMk id="41" creationId="{DA45A5A4-09CF-464E-AC53-21FE77BFDC03}"/>
-          </ac:inkMkLst>
-        </pc:inkChg>
-        <pc:inkChg chg="add del">
-          <ac:chgData name="Namhyoung Kim" userId="fb60bffb23ca2a8d" providerId="LiveId" clId="{68A7EFEE-66FC-43E3-89B4-E3816B2C7497}" dt="2018-12-20T06:50:10.796" v="468"/>
-          <ac:inkMkLst>
-            <pc:docMk/>
-            <pc:sldMk cId="536207168" sldId="336"/>
-            <ac:inkMk id="42" creationId="{E0ED2C7E-FDBD-4F29-8007-A94C6FE2632A}"/>
-          </ac:inkMkLst>
-        </pc:inkChg>
-        <pc:inkChg chg="add del">
-          <ac:chgData name="Namhyoung Kim" userId="fb60bffb23ca2a8d" providerId="LiveId" clId="{68A7EFEE-66FC-43E3-89B4-E3816B2C7497}" dt="2018-12-20T06:50:10.796" v="468"/>
-          <ac:inkMkLst>
-            <pc:docMk/>
-            <pc:sldMk cId="536207168" sldId="336"/>
-            <ac:inkMk id="43" creationId="{F63DDC0E-64CA-48E5-957C-A9ECA2B9ABDF}"/>
-          </ac:inkMkLst>
-        </pc:inkChg>
-        <pc:inkChg chg="add del">
-          <ac:chgData name="Namhyoung Kim" userId="fb60bffb23ca2a8d" providerId="LiveId" clId="{68A7EFEE-66FC-43E3-89B4-E3816B2C7497}" dt="2018-12-20T06:50:10.796" v="468"/>
-          <ac:inkMkLst>
-            <pc:docMk/>
-            <pc:sldMk cId="536207168" sldId="336"/>
-            <ac:inkMk id="44" creationId="{A3CA1CC9-F4E3-4B1B-B386-6569C3C1EEF9}"/>
-          </ac:inkMkLst>
-        </pc:inkChg>
-        <pc:inkChg chg="add del">
-          <ac:chgData name="Namhyoung Kim" userId="fb60bffb23ca2a8d" providerId="LiveId" clId="{68A7EFEE-66FC-43E3-89B4-E3816B2C7497}" dt="2018-12-20T06:50:10.796" v="468"/>
-          <ac:inkMkLst>
-            <pc:docMk/>
-            <pc:sldMk cId="536207168" sldId="336"/>
-            <ac:inkMk id="45" creationId="{841C2D5A-0C34-463F-B9AD-6DC6C0217625}"/>
-          </ac:inkMkLst>
-        </pc:inkChg>
-        <pc:inkChg chg="add del">
-          <ac:chgData name="Namhyoung Kim" userId="fb60bffb23ca2a8d" providerId="LiveId" clId="{68A7EFEE-66FC-43E3-89B4-E3816B2C7497}" dt="2018-12-20T06:50:15.890" v="474"/>
-          <ac:inkMkLst>
-            <pc:docMk/>
-            <pc:sldMk cId="536207168" sldId="336"/>
-            <ac:inkMk id="46" creationId="{271D117F-F88C-4FB4-A719-BA2C95DAB7AA}"/>
-          </ac:inkMkLst>
-        </pc:inkChg>
-        <pc:inkChg chg="add del">
-          <ac:chgData name="Namhyoung Kim" userId="fb60bffb23ca2a8d" providerId="LiveId" clId="{68A7EFEE-66FC-43E3-89B4-E3816B2C7497}" dt="2018-12-20T06:50:14.393" v="470"/>
-          <ac:inkMkLst>
-            <pc:docMk/>
-            <pc:sldMk cId="536207168" sldId="336"/>
-            <ac:inkMk id="47" creationId="{8E2081AF-BD32-4895-801D-FDD5F3AC2C79}"/>
-          </ac:inkMkLst>
-        </pc:inkChg>
-        <pc:inkChg chg="add del">
-          <ac:chgData name="Namhyoung Kim" userId="fb60bffb23ca2a8d" providerId="LiveId" clId="{68A7EFEE-66FC-43E3-89B4-E3816B2C7497}" dt="2018-12-20T06:50:14.393" v="470"/>
-          <ac:inkMkLst>
-            <pc:docMk/>
-            <pc:sldMk cId="536207168" sldId="336"/>
-            <ac:inkMk id="48" creationId="{9B9EE26C-EE67-47C9-B6A1-3405C2A09D43}"/>
-          </ac:inkMkLst>
-        </pc:inkChg>
-        <pc:inkChg chg="add del">
-          <ac:chgData name="Namhyoung Kim" userId="fb60bffb23ca2a8d" providerId="LiveId" clId="{68A7EFEE-66FC-43E3-89B4-E3816B2C7497}" dt="2018-12-20T06:50:15.890" v="474"/>
-          <ac:inkMkLst>
-            <pc:docMk/>
-            <pc:sldMk cId="536207168" sldId="336"/>
-            <ac:inkMk id="49" creationId="{952ECA6A-BCEF-438B-921B-A2C6005DB4D3}"/>
-          </ac:inkMkLst>
-        </pc:inkChg>
-        <pc:inkChg chg="add del">
-          <ac:chgData name="Namhyoung Kim" userId="fb60bffb23ca2a8d" providerId="LiveId" clId="{68A7EFEE-66FC-43E3-89B4-E3816B2C7497}" dt="2018-12-20T06:50:15.890" v="474"/>
-          <ac:inkMkLst>
-            <pc:docMk/>
-            <pc:sldMk cId="536207168" sldId="336"/>
-            <ac:inkMk id="50" creationId="{12FC5657-31A4-48A2-8048-B2B2EFFD4188}"/>
-          </ac:inkMkLst>
-        </pc:inkChg>
-        <pc:inkChg chg="add del">
-          <ac:chgData name="Namhyoung Kim" userId="fb60bffb23ca2a8d" providerId="LiveId" clId="{68A7EFEE-66FC-43E3-89B4-E3816B2C7497}" dt="2018-12-20T06:50:15.890" v="474"/>
-          <ac:inkMkLst>
-            <pc:docMk/>
-            <pc:sldMk cId="536207168" sldId="336"/>
-            <ac:inkMk id="51" creationId="{CFD2AF0A-4F27-4825-8F7E-50067EC8763B}"/>
-          </ac:inkMkLst>
-        </pc:inkChg>
-        <pc:inkChg chg="add del">
-          <ac:chgData name="Namhyoung Kim" userId="fb60bffb23ca2a8d" providerId="LiveId" clId="{68A7EFEE-66FC-43E3-89B4-E3816B2C7497}" dt="2018-12-20T06:50:15.890" v="474"/>
-          <ac:inkMkLst>
-            <pc:docMk/>
-            <pc:sldMk cId="536207168" sldId="336"/>
-            <ac:inkMk id="52" creationId="{60D5AB54-0D2E-4B55-9536-90ADEEDF234F}"/>
-          </ac:inkMkLst>
-        </pc:inkChg>
-        <pc:inkChg chg="add del">
-          <ac:chgData name="Namhyoung Kim" userId="fb60bffb23ca2a8d" providerId="LiveId" clId="{68A7EFEE-66FC-43E3-89B4-E3816B2C7497}" dt="2018-12-20T06:51:03.297" v="488"/>
-          <ac:inkMkLst>
-            <pc:docMk/>
-            <pc:sldMk cId="536207168" sldId="336"/>
-            <ac:inkMk id="53" creationId="{788E5E7B-86E6-4169-8731-2C128869E695}"/>
-          </ac:inkMkLst>
-        </pc:inkChg>
-        <pc:inkChg chg="add del">
-          <ac:chgData name="Namhyoung Kim" userId="fb60bffb23ca2a8d" providerId="LiveId" clId="{68A7EFEE-66FC-43E3-89B4-E3816B2C7497}" dt="2018-12-20T06:51:03.297" v="488"/>
-          <ac:inkMkLst>
-            <pc:docMk/>
-            <pc:sldMk cId="536207168" sldId="336"/>
-            <ac:inkMk id="54" creationId="{88503916-19EB-42A5-AD21-C0140458EAA3}"/>
-          </ac:inkMkLst>
-        </pc:inkChg>
-        <pc:inkChg chg="add del">
-          <ac:chgData name="Namhyoung Kim" userId="fb60bffb23ca2a8d" providerId="LiveId" clId="{68A7EFEE-66FC-43E3-89B4-E3816B2C7497}" dt="2018-12-20T06:51:03.297" v="488"/>
-          <ac:inkMkLst>
-            <pc:docMk/>
-            <pc:sldMk cId="536207168" sldId="336"/>
-            <ac:inkMk id="55" creationId="{8DFD4FD4-B1AF-44C3-AB10-346C27D74393}"/>
-          </ac:inkMkLst>
-        </pc:inkChg>
-        <pc:inkChg chg="add del">
-          <ac:chgData name="Namhyoung Kim" userId="fb60bffb23ca2a8d" providerId="LiveId" clId="{68A7EFEE-66FC-43E3-89B4-E3816B2C7497}" dt="2018-12-20T06:51:03.297" v="488"/>
-          <ac:inkMkLst>
-            <pc:docMk/>
-            <pc:sldMk cId="536207168" sldId="336"/>
-            <ac:inkMk id="56" creationId="{F0FE68EA-7B80-495E-9B88-3FA28B0E5AC4}"/>
-          </ac:inkMkLst>
-        </pc:inkChg>
-        <pc:inkChg chg="add del">
-          <ac:chgData name="Namhyoung Kim" userId="fb60bffb23ca2a8d" providerId="LiveId" clId="{68A7EFEE-66FC-43E3-89B4-E3816B2C7497}" dt="2018-12-20T06:51:03.297" v="488"/>
-          <ac:inkMkLst>
-            <pc:docMk/>
-            <pc:sldMk cId="536207168" sldId="336"/>
-            <ac:inkMk id="57" creationId="{8653906D-7250-42CC-A005-B15E9FC6B8D6}"/>
-          </ac:inkMkLst>
-        </pc:inkChg>
-        <pc:inkChg chg="add del">
-          <ac:chgData name="Namhyoung Kim" userId="fb60bffb23ca2a8d" providerId="LiveId" clId="{68A7EFEE-66FC-43E3-89B4-E3816B2C7497}" dt="2018-12-20T06:51:03.297" v="488"/>
-          <ac:inkMkLst>
-            <pc:docMk/>
-            <pc:sldMk cId="536207168" sldId="336"/>
-            <ac:inkMk id="58" creationId="{D3F534B5-740C-47D4-88DE-BCDB18A75C65}"/>
-          </ac:inkMkLst>
-        </pc:inkChg>
-        <pc:inkChg chg="add del">
-          <ac:chgData name="Namhyoung Kim" userId="fb60bffb23ca2a8d" providerId="LiveId" clId="{68A7EFEE-66FC-43E3-89B4-E3816B2C7497}" dt="2018-12-20T06:51:03.297" v="488"/>
-          <ac:inkMkLst>
-            <pc:docMk/>
-            <pc:sldMk cId="536207168" sldId="336"/>
-            <ac:inkMk id="59" creationId="{8EC1BCB8-BB16-4037-BEAE-442B2DD64794}"/>
-          </ac:inkMkLst>
-        </pc:inkChg>
-        <pc:inkChg chg="add del">
-          <ac:chgData name="Namhyoung Kim" userId="fb60bffb23ca2a8d" providerId="LiveId" clId="{68A7EFEE-66FC-43E3-89B4-E3816B2C7497}" dt="2018-12-20T06:51:03.297" v="488"/>
-          <ac:inkMkLst>
-            <pc:docMk/>
-            <pc:sldMk cId="536207168" sldId="336"/>
-            <ac:inkMk id="60" creationId="{25CC7755-B33C-4CBA-8E06-B39D6A37F015}"/>
-          </ac:inkMkLst>
-        </pc:inkChg>
-        <pc:inkChg chg="add del">
-          <ac:chgData name="Namhyoung Kim" userId="fb60bffb23ca2a8d" providerId="LiveId" clId="{68A7EFEE-66FC-43E3-89B4-E3816B2C7497}" dt="2018-12-20T06:51:03.297" v="488"/>
-          <ac:inkMkLst>
-            <pc:docMk/>
-            <pc:sldMk cId="536207168" sldId="336"/>
-            <ac:inkMk id="61" creationId="{5139C782-45FA-4689-ABF1-8A38EBC144E7}"/>
-          </ac:inkMkLst>
-        </pc:inkChg>
-        <pc:inkChg chg="add del">
-          <ac:chgData name="Namhyoung Kim" userId="fb60bffb23ca2a8d" providerId="LiveId" clId="{68A7EFEE-66FC-43E3-89B4-E3816B2C7497}" dt="2018-12-20T06:51:03.297" v="488"/>
-          <ac:inkMkLst>
-            <pc:docMk/>
-            <pc:sldMk cId="536207168" sldId="336"/>
-            <ac:inkMk id="62" creationId="{75D61C00-2183-4BE5-B70A-84DACB96D0BC}"/>
-          </ac:inkMkLst>
-        </pc:inkChg>
-        <pc:inkChg chg="add del">
-          <ac:chgData name="Namhyoung Kim" userId="fb60bffb23ca2a8d" providerId="LiveId" clId="{68A7EFEE-66FC-43E3-89B4-E3816B2C7497}" dt="2018-12-20T06:51:03.297" v="488"/>
-          <ac:inkMkLst>
-            <pc:docMk/>
-            <pc:sldMk cId="536207168" sldId="336"/>
-            <ac:inkMk id="63" creationId="{58556E49-F492-4EE8-8C1D-24AE2C825EE9}"/>
-          </ac:inkMkLst>
-        </pc:inkChg>
-        <pc:inkChg chg="add del">
-          <ac:chgData name="Namhyoung Kim" userId="fb60bffb23ca2a8d" providerId="LiveId" clId="{68A7EFEE-66FC-43E3-89B4-E3816B2C7497}" dt="2018-12-20T06:51:03.297" v="488"/>
-          <ac:inkMkLst>
-            <pc:docMk/>
-            <pc:sldMk cId="536207168" sldId="336"/>
-            <ac:inkMk id="64" creationId="{9A938B8E-263B-4B05-B72B-0A0505327180}"/>
-          </ac:inkMkLst>
-        </pc:inkChg>
-        <pc:inkChg chg="add del">
-          <ac:chgData name="Namhyoung Kim" userId="fb60bffb23ca2a8d" providerId="LiveId" clId="{68A7EFEE-66FC-43E3-89B4-E3816B2C7497}" dt="2018-12-20T06:51:03.297" v="488"/>
-          <ac:inkMkLst>
-            <pc:docMk/>
-            <pc:sldMk cId="536207168" sldId="336"/>
-            <ac:inkMk id="65" creationId="{7DC9B74E-8710-4704-85AC-12413C4054E0}"/>
-          </ac:inkMkLst>
-        </pc:inkChg>
-        <pc:inkChg chg="add del">
-          <ac:chgData name="Namhyoung Kim" userId="fb60bffb23ca2a8d" providerId="LiveId" clId="{68A7EFEE-66FC-43E3-89B4-E3816B2C7497}" dt="2018-12-20T06:51:03.297" v="488"/>
-          <ac:inkMkLst>
-            <pc:docMk/>
-            <pc:sldMk cId="536207168" sldId="336"/>
-            <ac:inkMk id="66" creationId="{84C5DBA4-A032-4F01-9CD1-0543EBE99FCD}"/>
-          </ac:inkMkLst>
-        </pc:inkChg>
-        <pc:inkChg chg="add del">
-          <ac:chgData name="Namhyoung Kim" userId="fb60bffb23ca2a8d" providerId="LiveId" clId="{68A7EFEE-66FC-43E3-89B4-E3816B2C7497}" dt="2018-12-20T06:51:13.498" v="492"/>
-          <ac:inkMkLst>
-            <pc:docMk/>
-            <pc:sldMk cId="536207168" sldId="336"/>
-            <ac:inkMk id="67" creationId="{F828D91F-122B-4480-9404-139B144D1A8A}"/>
-          </ac:inkMkLst>
-        </pc:inkChg>
-        <pc:inkChg chg="add del">
-          <ac:chgData name="Namhyoung Kim" userId="fb60bffb23ca2a8d" providerId="LiveId" clId="{68A7EFEE-66FC-43E3-89B4-E3816B2C7497}" dt="2018-12-20T06:51:13.498" v="492"/>
-          <ac:inkMkLst>
-            <pc:docMk/>
-            <pc:sldMk cId="536207168" sldId="336"/>
-            <ac:inkMk id="68" creationId="{4E3CA2DB-854A-4C55-A36A-3208E6AFED53}"/>
-          </ac:inkMkLst>
-        </pc:inkChg>
-        <pc:inkChg chg="add del">
-          <ac:chgData name="Namhyoung Kim" userId="fb60bffb23ca2a8d" providerId="LiveId" clId="{68A7EFEE-66FC-43E3-89B4-E3816B2C7497}" dt="2018-12-20T06:51:13.498" v="492"/>
-          <ac:inkMkLst>
-            <pc:docMk/>
-            <pc:sldMk cId="536207168" sldId="336"/>
-            <ac:inkMk id="69" creationId="{51D86D4A-E68B-42AF-83D0-170EF43AF7C0}"/>
-          </ac:inkMkLst>
-        </pc:inkChg>
-        <pc:inkChg chg="add del">
-          <ac:chgData name="Namhyoung Kim" userId="fb60bffb23ca2a8d" providerId="LiveId" clId="{68A7EFEE-66FC-43E3-89B4-E3816B2C7497}" dt="2018-12-20T06:51:13.498" v="492"/>
-          <ac:inkMkLst>
-            <pc:docMk/>
-            <pc:sldMk cId="536207168" sldId="336"/>
-            <ac:inkMk id="70" creationId="{5F07CE1C-3F70-4B25-90CA-53C3DDA9880A}"/>
-          </ac:inkMkLst>
-        </pc:inkChg>
-        <pc:inkChg chg="add del">
-          <ac:chgData name="Namhyoung Kim" userId="fb60bffb23ca2a8d" providerId="LiveId" clId="{68A7EFEE-66FC-43E3-89B4-E3816B2C7497}" dt="2018-12-20T06:51:13.498" v="492"/>
-          <ac:inkMkLst>
-            <pc:docMk/>
-            <pc:sldMk cId="536207168" sldId="336"/>
-            <ac:inkMk id="71" creationId="{1E926F40-9AE5-4617-9653-7219DC358E9D}"/>
-          </ac:inkMkLst>
-        </pc:inkChg>
-        <pc:inkChg chg="add del">
-          <ac:chgData name="Namhyoung Kim" userId="fb60bffb23ca2a8d" providerId="LiveId" clId="{68A7EFEE-66FC-43E3-89B4-E3816B2C7497}" dt="2018-12-20T06:51:17.385" v="499"/>
-          <ac:inkMkLst>
-            <pc:docMk/>
-            <pc:sldMk cId="536207168" sldId="336"/>
-            <ac:inkMk id="72" creationId="{3148A024-0CA7-4A9D-AC89-8860CA89DA33}"/>
-          </ac:inkMkLst>
-        </pc:inkChg>
-        <pc:inkChg chg="add del">
-          <ac:chgData name="Namhyoung Kim" userId="fb60bffb23ca2a8d" providerId="LiveId" clId="{68A7EFEE-66FC-43E3-89B4-E3816B2C7497}" dt="2018-12-20T06:51:17.385" v="499"/>
-          <ac:inkMkLst>
-            <pc:docMk/>
-            <pc:sldMk cId="536207168" sldId="336"/>
-            <ac:inkMk id="73" creationId="{3ECC12B8-2B8F-45A0-AC6D-A9D8C4A708EC}"/>
-          </ac:inkMkLst>
-        </pc:inkChg>
-        <pc:inkChg chg="add del">
-          <ac:chgData name="Namhyoung Kim" userId="fb60bffb23ca2a8d" providerId="LiveId" clId="{68A7EFEE-66FC-43E3-89B4-E3816B2C7497}" dt="2018-12-20T06:51:17.385" v="499"/>
-          <ac:inkMkLst>
-            <pc:docMk/>
-            <pc:sldMk cId="536207168" sldId="336"/>
-            <ac:inkMk id="74" creationId="{18A6974B-9790-4675-8D60-14C5C757862F}"/>
-          </ac:inkMkLst>
-        </pc:inkChg>
-        <pc:inkChg chg="add del">
-          <ac:chgData name="Namhyoung Kim" userId="fb60bffb23ca2a8d" providerId="LiveId" clId="{68A7EFEE-66FC-43E3-89B4-E3816B2C7497}" dt="2018-12-20T06:51:17.385" v="499"/>
-          <ac:inkMkLst>
-            <pc:docMk/>
-            <pc:sldMk cId="536207168" sldId="336"/>
-            <ac:inkMk id="75" creationId="{3A634236-41B0-4E3E-9E20-F10D57F6E741}"/>
-          </ac:inkMkLst>
-        </pc:inkChg>
-        <pc:inkChg chg="add del">
-          <ac:chgData name="Namhyoung Kim" userId="fb60bffb23ca2a8d" providerId="LiveId" clId="{68A7EFEE-66FC-43E3-89B4-E3816B2C7497}" dt="2018-12-20T06:51:17.385" v="499"/>
-          <ac:inkMkLst>
-            <pc:docMk/>
-            <pc:sldMk cId="536207168" sldId="336"/>
-            <ac:inkMk id="76" creationId="{B0C8E964-9CA3-4D25-886E-7DA626D82BD1}"/>
-          </ac:inkMkLst>
-        </pc:inkChg>
-        <pc:inkChg chg="add del">
-          <ac:chgData name="Namhyoung Kim" userId="fb60bffb23ca2a8d" providerId="LiveId" clId="{68A7EFEE-66FC-43E3-89B4-E3816B2C7497}" dt="2018-12-20T06:51:17.385" v="499"/>
-          <ac:inkMkLst>
-            <pc:docMk/>
-            <pc:sldMk cId="536207168" sldId="336"/>
-            <ac:inkMk id="77" creationId="{3E593DBD-5865-42E4-9712-36E9A7D211CF}"/>
-          </ac:inkMkLst>
-        </pc:inkChg>
-        <pc:inkChg chg="add del">
-          <ac:chgData name="Namhyoung Kim" userId="fb60bffb23ca2a8d" providerId="LiveId" clId="{68A7EFEE-66FC-43E3-89B4-E3816B2C7497}" dt="2018-12-20T06:51:17.385" v="499"/>
-          <ac:inkMkLst>
-            <pc:docMk/>
-            <pc:sldMk cId="536207168" sldId="336"/>
-            <ac:inkMk id="78" creationId="{FB9F08EE-897E-46D9-928C-F2F6F4357699}"/>
-          </ac:inkMkLst>
-        </pc:inkChg>
-        <pc:inkChg chg="add del">
-          <ac:chgData name="Namhyoung Kim" userId="fb60bffb23ca2a8d" providerId="LiveId" clId="{68A7EFEE-66FC-43E3-89B4-E3816B2C7497}" dt="2018-12-20T06:51:26.689" v="507"/>
-          <ac:inkMkLst>
-            <pc:docMk/>
-            <pc:sldMk cId="536207168" sldId="336"/>
-            <ac:inkMk id="79" creationId="{26612362-7B08-4444-B931-61C344666B18}"/>
-          </ac:inkMkLst>
-        </pc:inkChg>
-        <pc:inkChg chg="add del">
-          <ac:chgData name="Namhyoung Kim" userId="fb60bffb23ca2a8d" providerId="LiveId" clId="{68A7EFEE-66FC-43E3-89B4-E3816B2C7497}" dt="2018-12-20T06:51:26.689" v="507"/>
-          <ac:inkMkLst>
-            <pc:docMk/>
-            <pc:sldMk cId="536207168" sldId="336"/>
-            <ac:inkMk id="80" creationId="{4E636962-1BC5-49CE-B9DD-62944ABE8CD4}"/>
-          </ac:inkMkLst>
-        </pc:inkChg>
-        <pc:inkChg chg="add del">
-          <ac:chgData name="Namhyoung Kim" userId="fb60bffb23ca2a8d" providerId="LiveId" clId="{68A7EFEE-66FC-43E3-89B4-E3816B2C7497}" dt="2018-12-20T06:51:26.689" v="507"/>
-          <ac:inkMkLst>
-            <pc:docMk/>
-            <pc:sldMk cId="536207168" sldId="336"/>
-            <ac:inkMk id="81" creationId="{F9B64050-7B1A-4C4F-8727-CBDB4C45246C}"/>
-          </ac:inkMkLst>
-        </pc:inkChg>
-        <pc:inkChg chg="add del">
-          <ac:chgData name="Namhyoung Kim" userId="fb60bffb23ca2a8d" providerId="LiveId" clId="{68A7EFEE-66FC-43E3-89B4-E3816B2C7497}" dt="2018-12-20T06:51:26.689" v="507"/>
-          <ac:inkMkLst>
-            <pc:docMk/>
-            <pc:sldMk cId="536207168" sldId="336"/>
-            <ac:inkMk id="82" creationId="{5DC08AEE-D5DE-474B-BEE2-81FF5DCDEE8D}"/>
-          </ac:inkMkLst>
-        </pc:inkChg>
-        <pc:inkChg chg="add del">
-          <ac:chgData name="Namhyoung Kim" userId="fb60bffb23ca2a8d" providerId="LiveId" clId="{68A7EFEE-66FC-43E3-89B4-E3816B2C7497}" dt="2018-12-20T06:51:26.689" v="507"/>
-          <ac:inkMkLst>
-            <pc:docMk/>
-            <pc:sldMk cId="536207168" sldId="336"/>
-            <ac:inkMk id="83" creationId="{1908C7A0-A651-4B5F-9D55-85ACAAFDCAC7}"/>
-          </ac:inkMkLst>
-        </pc:inkChg>
-        <pc:inkChg chg="add del">
-          <ac:chgData name="Namhyoung Kim" userId="fb60bffb23ca2a8d" providerId="LiveId" clId="{68A7EFEE-66FC-43E3-89B4-E3816B2C7497}" dt="2018-12-20T06:51:26.689" v="507"/>
-          <ac:inkMkLst>
-            <pc:docMk/>
-            <pc:sldMk cId="536207168" sldId="336"/>
-            <ac:inkMk id="84" creationId="{DD7F594D-9264-410C-98EA-D2DF0EFCADE0}"/>
-          </ac:inkMkLst>
-        </pc:inkChg>
-        <pc:inkChg chg="add del">
-          <ac:chgData name="Namhyoung Kim" userId="fb60bffb23ca2a8d" providerId="LiveId" clId="{68A7EFEE-66FC-43E3-89B4-E3816B2C7497}" dt="2018-12-20T06:51:26.689" v="507"/>
-          <ac:inkMkLst>
-            <pc:docMk/>
-            <pc:sldMk cId="536207168" sldId="336"/>
-            <ac:inkMk id="85" creationId="{0F2407BF-7F06-4675-AC53-E18116AA5E9A}"/>
-          </ac:inkMkLst>
-        </pc:inkChg>
-        <pc:inkChg chg="add del">
-          <ac:chgData name="Namhyoung Kim" userId="fb60bffb23ca2a8d" providerId="LiveId" clId="{68A7EFEE-66FC-43E3-89B4-E3816B2C7497}" dt="2018-12-20T06:51:26.689" v="507"/>
-          <ac:inkMkLst>
-            <pc:docMk/>
-            <pc:sldMk cId="536207168" sldId="336"/>
-            <ac:inkMk id="86" creationId="{804AF886-D1FD-45C7-9EE1-634B87F448ED}"/>
-          </ac:inkMkLst>
-        </pc:inkChg>
-        <pc:inkChg chg="add del">
-          <ac:chgData name="Namhyoung Kim" userId="fb60bffb23ca2a8d" providerId="LiveId" clId="{68A7EFEE-66FC-43E3-89B4-E3816B2C7497}" dt="2018-12-20T06:51:29.438" v="512"/>
-          <ac:inkMkLst>
-            <pc:docMk/>
-            <pc:sldMk cId="536207168" sldId="336"/>
-            <ac:inkMk id="87" creationId="{EC672055-2663-4D6A-A57A-1609DA865D79}"/>
-          </ac:inkMkLst>
-        </pc:inkChg>
-        <pc:inkChg chg="add del">
-          <ac:chgData name="Namhyoung Kim" userId="fb60bffb23ca2a8d" providerId="LiveId" clId="{68A7EFEE-66FC-43E3-89B4-E3816B2C7497}" dt="2018-12-20T06:51:29.438" v="512"/>
-          <ac:inkMkLst>
-            <pc:docMk/>
-            <pc:sldMk cId="536207168" sldId="336"/>
-            <ac:inkMk id="88" creationId="{A774BEAC-7179-4BFB-ACAC-C6502A0793C8}"/>
-          </ac:inkMkLst>
-        </pc:inkChg>
-        <pc:inkChg chg="add del">
-          <ac:chgData name="Namhyoung Kim" userId="fb60bffb23ca2a8d" providerId="LiveId" clId="{68A7EFEE-66FC-43E3-89B4-E3816B2C7497}" dt="2018-12-20T06:51:29.438" v="512"/>
-          <ac:inkMkLst>
-            <pc:docMk/>
-            <pc:sldMk cId="536207168" sldId="336"/>
-            <ac:inkMk id="89" creationId="{23010D93-EF1E-4AC9-BE8A-C67E364675B8}"/>
-          </ac:inkMkLst>
-        </pc:inkChg>
-        <pc:inkChg chg="add del">
-          <ac:chgData name="Namhyoung Kim" userId="fb60bffb23ca2a8d" providerId="LiveId" clId="{68A7EFEE-66FC-43E3-89B4-E3816B2C7497}" dt="2018-12-20T06:51:29.438" v="512"/>
-          <ac:inkMkLst>
-            <pc:docMk/>
-            <pc:sldMk cId="536207168" sldId="336"/>
-            <ac:inkMk id="90" creationId="{173E7012-DB6D-425B-BB17-E4F94B9C1A13}"/>
-          </ac:inkMkLst>
-        </pc:inkChg>
-        <pc:inkChg chg="add del">
-          <ac:chgData name="Namhyoung Kim" userId="fb60bffb23ca2a8d" providerId="LiveId" clId="{68A7EFEE-66FC-43E3-89B4-E3816B2C7497}" dt="2018-12-20T06:51:29.438" v="512"/>
-          <ac:inkMkLst>
-            <pc:docMk/>
-            <pc:sldMk cId="536207168" sldId="336"/>
-            <ac:inkMk id="91" creationId="{3ED0A701-7F77-4B47-A97A-3308FAEB6406}"/>
-          </ac:inkMkLst>
-        </pc:inkChg>
-        <pc:inkChg chg="add del">
-          <ac:chgData name="Namhyoung Kim" userId="fb60bffb23ca2a8d" providerId="LiveId" clId="{68A7EFEE-66FC-43E3-89B4-E3816B2C7497}" dt="2018-12-20T06:51:33.658" v="517"/>
-          <ac:inkMkLst>
-            <pc:docMk/>
-            <pc:sldMk cId="536207168" sldId="336"/>
-            <ac:inkMk id="92" creationId="{B7BB6DD1-C7A7-4DFA-BF24-82E28A53F537}"/>
-          </ac:inkMkLst>
-        </pc:inkChg>
-        <pc:inkChg chg="add del">
-          <ac:chgData name="Namhyoung Kim" userId="fb60bffb23ca2a8d" providerId="LiveId" clId="{68A7EFEE-66FC-43E3-89B4-E3816B2C7497}" dt="2018-12-20T06:51:33.658" v="517"/>
-          <ac:inkMkLst>
-            <pc:docMk/>
-            <pc:sldMk cId="536207168" sldId="336"/>
-            <ac:inkMk id="93" creationId="{B968EE9B-2F0D-4308-B85D-4A7AADBE9132}"/>
-          </ac:inkMkLst>
-        </pc:inkChg>
-        <pc:inkChg chg="add del">
-          <ac:chgData name="Namhyoung Kim" userId="fb60bffb23ca2a8d" providerId="LiveId" clId="{68A7EFEE-66FC-43E3-89B4-E3816B2C7497}" dt="2018-12-20T06:51:33.658" v="517"/>
-          <ac:inkMkLst>
-            <pc:docMk/>
-            <pc:sldMk cId="536207168" sldId="336"/>
-            <ac:inkMk id="94" creationId="{B1C00D97-137C-4850-BFE1-02F5DEE61B48}"/>
-          </ac:inkMkLst>
-        </pc:inkChg>
-        <pc:inkChg chg="add del">
-          <ac:chgData name="Namhyoung Kim" userId="fb60bffb23ca2a8d" providerId="LiveId" clId="{68A7EFEE-66FC-43E3-89B4-E3816B2C7497}" dt="2018-12-20T06:51:33.658" v="517"/>
-          <ac:inkMkLst>
-            <pc:docMk/>
-            <pc:sldMk cId="536207168" sldId="336"/>
-            <ac:inkMk id="95" creationId="{FF5F8143-6216-4D78-AD40-B60B1B2F883A}"/>
-          </ac:inkMkLst>
-        </pc:inkChg>
-        <pc:inkChg chg="add del">
-          <ac:chgData name="Namhyoung Kim" userId="fb60bffb23ca2a8d" providerId="LiveId" clId="{68A7EFEE-66FC-43E3-89B4-E3816B2C7497}" dt="2018-12-20T06:51:33.658" v="517"/>
-          <ac:inkMkLst>
-            <pc:docMk/>
-            <pc:sldMk cId="536207168" sldId="336"/>
-            <ac:inkMk id="96" creationId="{85665B67-2D93-47B8-AEB2-9CA35656F869}"/>
-          </ac:inkMkLst>
-        </pc:inkChg>
-        <pc:inkChg chg="add">
-          <ac:chgData name="Namhyoung Kim" userId="fb60bffb23ca2a8d" providerId="LiveId" clId="{68A7EFEE-66FC-43E3-89B4-E3816B2C7497}" dt="2018-12-20T06:51:33.658" v="517"/>
-          <ac:inkMkLst>
-            <pc:docMk/>
-            <pc:sldMk cId="536207168" sldId="336"/>
-            <ac:inkMk id="97" creationId="{74C252B5-953C-4126-9088-9164ED742431}"/>
-          </ac:inkMkLst>
-        </pc:inkChg>
-      </pc:sldChg>
-      <pc:sldChg chg="addSp delSp">
-        <pc:chgData name="Namhyoung Kim" userId="fb60bffb23ca2a8d" providerId="LiveId" clId="{68A7EFEE-66FC-43E3-89B4-E3816B2C7497}" dt="2018-12-20T06:45:01.541" v="431"/>
-        <pc:sldMkLst>
-          <pc:docMk/>
-          <pc:sldMk cId="3579191837" sldId="337"/>
-        </pc:sldMkLst>
-        <pc:inkChg chg="add del">
-          <ac:chgData name="Namhyoung Kim" userId="fb60bffb23ca2a8d" providerId="LiveId" clId="{68A7EFEE-66FC-43E3-89B4-E3816B2C7497}" dt="2018-12-20T06:44:36.617" v="411"/>
-          <ac:inkMkLst>
-            <pc:docMk/>
-            <pc:sldMk cId="3579191837" sldId="337"/>
-            <ac:inkMk id="5" creationId="{6E3CDF93-A6E7-4660-9179-FA256D7F6923}"/>
-          </ac:inkMkLst>
-        </pc:inkChg>
-        <pc:inkChg chg="add del">
-          <ac:chgData name="Namhyoung Kim" userId="fb60bffb23ca2a8d" providerId="LiveId" clId="{68A7EFEE-66FC-43E3-89B4-E3816B2C7497}" dt="2018-12-20T06:44:36.617" v="411"/>
-          <ac:inkMkLst>
-            <pc:docMk/>
-            <pc:sldMk cId="3579191837" sldId="337"/>
-            <ac:inkMk id="6" creationId="{10E119BF-D0E9-47FB-9949-FB39C7FF6E00}"/>
-          </ac:inkMkLst>
-        </pc:inkChg>
-        <pc:inkChg chg="add del">
-          <ac:chgData name="Namhyoung Kim" userId="fb60bffb23ca2a8d" providerId="LiveId" clId="{68A7EFEE-66FC-43E3-89B4-E3816B2C7497}" dt="2018-12-20T06:44:36.617" v="411"/>
-          <ac:inkMkLst>
-            <pc:docMk/>
-            <pc:sldMk cId="3579191837" sldId="337"/>
-            <ac:inkMk id="7" creationId="{8B9FCCD8-5309-4919-91BD-59E1F05CC0A2}"/>
-          </ac:inkMkLst>
-        </pc:inkChg>
-        <pc:inkChg chg="add">
-          <ac:chgData name="Namhyoung Kim" userId="fb60bffb23ca2a8d" providerId="LiveId" clId="{68A7EFEE-66FC-43E3-89B4-E3816B2C7497}" dt="2018-12-20T06:44:36.617" v="411"/>
-          <ac:inkMkLst>
-            <pc:docMk/>
-            <pc:sldMk cId="3579191837" sldId="337"/>
-            <ac:inkMk id="8" creationId="{9AAC214C-6DCA-47B1-829B-4A8CF1E4BE00}"/>
-          </ac:inkMkLst>
-        </pc:inkChg>
-        <pc:inkChg chg="add del">
-          <ac:chgData name="Namhyoung Kim" userId="fb60bffb23ca2a8d" providerId="LiveId" clId="{68A7EFEE-66FC-43E3-89B4-E3816B2C7497}" dt="2018-12-20T06:44:54.290" v="422"/>
-          <ac:inkMkLst>
-            <pc:docMk/>
-            <pc:sldMk cId="3579191837" sldId="337"/>
-            <ac:inkMk id="9" creationId="{057B4ED3-27A2-4D6E-8BCE-9FCE894B20BC}"/>
-          </ac:inkMkLst>
-        </pc:inkChg>
-        <pc:inkChg chg="add del">
-          <ac:chgData name="Namhyoung Kim" userId="fb60bffb23ca2a8d" providerId="LiveId" clId="{68A7EFEE-66FC-43E3-89B4-E3816B2C7497}" dt="2018-12-20T06:44:41.997" v="415"/>
-          <ac:inkMkLst>
-            <pc:docMk/>
-            <pc:sldMk cId="3579191837" sldId="337"/>
-            <ac:inkMk id="10" creationId="{05A27280-DDCF-485F-B87D-B3C87A938B0E}"/>
-          </ac:inkMkLst>
-        </pc:inkChg>
-        <pc:inkChg chg="add del">
-          <ac:chgData name="Namhyoung Kim" userId="fb60bffb23ca2a8d" providerId="LiveId" clId="{68A7EFEE-66FC-43E3-89B4-E3816B2C7497}" dt="2018-12-20T06:44:41.997" v="415"/>
-          <ac:inkMkLst>
-            <pc:docMk/>
-            <pc:sldMk cId="3579191837" sldId="337"/>
-            <ac:inkMk id="11" creationId="{7D1E3D57-89E8-49DD-9D28-FA6B2E36C6F0}"/>
-          </ac:inkMkLst>
-        </pc:inkChg>
-        <pc:inkChg chg="add del">
-          <ac:chgData name="Namhyoung Kim" userId="fb60bffb23ca2a8d" providerId="LiveId" clId="{68A7EFEE-66FC-43E3-89B4-E3816B2C7497}" dt="2018-12-20T06:44:44.979" v="417"/>
-          <ac:inkMkLst>
-            <pc:docMk/>
-            <pc:sldMk cId="3579191837" sldId="337"/>
-            <ac:inkMk id="12" creationId="{A297C0D8-4AE2-43B3-BDF7-8A5A1F472749}"/>
-          </ac:inkMkLst>
-        </pc:inkChg>
-        <pc:inkChg chg="add del">
-          <ac:chgData name="Namhyoung Kim" userId="fb60bffb23ca2a8d" providerId="LiveId" clId="{68A7EFEE-66FC-43E3-89B4-E3816B2C7497}" dt="2018-12-20T06:44:44.979" v="417"/>
-          <ac:inkMkLst>
-            <pc:docMk/>
-            <pc:sldMk cId="3579191837" sldId="337"/>
-            <ac:inkMk id="13" creationId="{84DA5DD6-30AE-4D31-8DBC-9DE7E0627BD3}"/>
-          </ac:inkMkLst>
-        </pc:inkChg>
-        <pc:inkChg chg="add del">
-          <ac:chgData name="Namhyoung Kim" userId="fb60bffb23ca2a8d" providerId="LiveId" clId="{68A7EFEE-66FC-43E3-89B4-E3816B2C7497}" dt="2018-12-20T06:44:47.528" v="420"/>
-          <ac:inkMkLst>
-            <pc:docMk/>
-            <pc:sldMk cId="3579191837" sldId="337"/>
-            <ac:inkMk id="14" creationId="{90B3EC7B-0C43-4546-83FC-120E294AAA2E}"/>
-          </ac:inkMkLst>
-        </pc:inkChg>
-        <pc:inkChg chg="add del">
-          <ac:chgData name="Namhyoung Kim" userId="fb60bffb23ca2a8d" providerId="LiveId" clId="{68A7EFEE-66FC-43E3-89B4-E3816B2C7497}" dt="2018-12-20T06:44:47.528" v="420"/>
-          <ac:inkMkLst>
-            <pc:docMk/>
-            <pc:sldMk cId="3579191837" sldId="337"/>
-            <ac:inkMk id="15" creationId="{D677E411-8E4E-4B9A-AC62-A00984D28232}"/>
-          </ac:inkMkLst>
-        </pc:inkChg>
-        <pc:inkChg chg="add del">
-          <ac:chgData name="Namhyoung Kim" userId="fb60bffb23ca2a8d" providerId="LiveId" clId="{68A7EFEE-66FC-43E3-89B4-E3816B2C7497}" dt="2018-12-20T06:44:47.528" v="420"/>
-          <ac:inkMkLst>
-            <pc:docMk/>
-            <pc:sldMk cId="3579191837" sldId="337"/>
-            <ac:inkMk id="16" creationId="{204BF67A-1D60-4057-B0D1-F4A463F7BFFA}"/>
-          </ac:inkMkLst>
-        </pc:inkChg>
-        <pc:inkChg chg="add del">
-          <ac:chgData name="Namhyoung Kim" userId="fb60bffb23ca2a8d" providerId="LiveId" clId="{68A7EFEE-66FC-43E3-89B4-E3816B2C7497}" dt="2018-12-20T06:44:59.804" v="429"/>
-          <ac:inkMkLst>
-            <pc:docMk/>
-            <pc:sldMk cId="3579191837" sldId="337"/>
-            <ac:inkMk id="17" creationId="{A748E086-A578-4D4E-A15D-356910ADC2F2}"/>
-          </ac:inkMkLst>
-        </pc:inkChg>
-        <pc:inkChg chg="add del">
-          <ac:chgData name="Namhyoung Kim" userId="fb60bffb23ca2a8d" providerId="LiveId" clId="{68A7EFEE-66FC-43E3-89B4-E3816B2C7497}" dt="2018-12-20T06:44:54.290" v="422"/>
-          <ac:inkMkLst>
-            <pc:docMk/>
-            <pc:sldMk cId="3579191837" sldId="337"/>
-            <ac:inkMk id="18" creationId="{89E84F33-9B30-4CB8-8623-A3A9514C3258}"/>
-          </ac:inkMkLst>
-        </pc:inkChg>
-        <pc:inkChg chg="add">
-          <ac:chgData name="Namhyoung Kim" userId="fb60bffb23ca2a8d" providerId="LiveId" clId="{68A7EFEE-66FC-43E3-89B4-E3816B2C7497}" dt="2018-12-20T06:44:54.290" v="422"/>
-          <ac:inkMkLst>
-            <pc:docMk/>
-            <pc:sldMk cId="3579191837" sldId="337"/>
-            <ac:inkMk id="19" creationId="{DB5237B4-8BD9-4987-87E7-E86DBC12CA70}"/>
-          </ac:inkMkLst>
-        </pc:inkChg>
-        <pc:inkChg chg="add del">
-          <ac:chgData name="Namhyoung Kim" userId="fb60bffb23ca2a8d" providerId="LiveId" clId="{68A7EFEE-66FC-43E3-89B4-E3816B2C7497}" dt="2018-12-20T06:44:59.804" v="429"/>
-          <ac:inkMkLst>
-            <pc:docMk/>
-            <pc:sldMk cId="3579191837" sldId="337"/>
-            <ac:inkMk id="20" creationId="{315779E2-27F9-4232-9A90-0F0252EE2120}"/>
-          </ac:inkMkLst>
-        </pc:inkChg>
-        <pc:inkChg chg="add del">
-          <ac:chgData name="Namhyoung Kim" userId="fb60bffb23ca2a8d" providerId="LiveId" clId="{68A7EFEE-66FC-43E3-89B4-E3816B2C7497}" dt="2018-12-20T06:44:59.804" v="429"/>
-          <ac:inkMkLst>
-            <pc:docMk/>
-            <pc:sldMk cId="3579191837" sldId="337"/>
-            <ac:inkMk id="21" creationId="{EC343498-E7F4-4734-B0C8-0BEA8154DD19}"/>
-          </ac:inkMkLst>
-        </pc:inkChg>
-        <pc:inkChg chg="add del">
-          <ac:chgData name="Namhyoung Kim" userId="fb60bffb23ca2a8d" providerId="LiveId" clId="{68A7EFEE-66FC-43E3-89B4-E3816B2C7497}" dt="2018-12-20T06:44:59.804" v="429"/>
-          <ac:inkMkLst>
-            <pc:docMk/>
-            <pc:sldMk cId="3579191837" sldId="337"/>
-            <ac:inkMk id="22" creationId="{0BE5CE9F-E70C-4DE6-AE4E-5FDD11D8A9F0}"/>
-          </ac:inkMkLst>
-        </pc:inkChg>
-        <pc:inkChg chg="add del">
-          <ac:chgData name="Namhyoung Kim" userId="fb60bffb23ca2a8d" providerId="LiveId" clId="{68A7EFEE-66FC-43E3-89B4-E3816B2C7497}" dt="2018-12-20T06:44:59.804" v="429"/>
-          <ac:inkMkLst>
-            <pc:docMk/>
-            <pc:sldMk cId="3579191837" sldId="337"/>
-            <ac:inkMk id="23" creationId="{F4D2EF1C-19B5-428E-874B-5B2F859452C8}"/>
-          </ac:inkMkLst>
-        </pc:inkChg>
-        <pc:inkChg chg="add del">
-          <ac:chgData name="Namhyoung Kim" userId="fb60bffb23ca2a8d" providerId="LiveId" clId="{68A7EFEE-66FC-43E3-89B4-E3816B2C7497}" dt="2018-12-20T06:44:59.804" v="429"/>
-          <ac:inkMkLst>
-            <pc:docMk/>
-            <pc:sldMk cId="3579191837" sldId="337"/>
-            <ac:inkMk id="24" creationId="{666588AF-C19E-439E-81D5-523E35266167}"/>
-          </ac:inkMkLst>
-        </pc:inkChg>
-        <pc:inkChg chg="add del">
-          <ac:chgData name="Namhyoung Kim" userId="fb60bffb23ca2a8d" providerId="LiveId" clId="{68A7EFEE-66FC-43E3-89B4-E3816B2C7497}" dt="2018-12-20T06:44:59.804" v="429"/>
-          <ac:inkMkLst>
-            <pc:docMk/>
-            <pc:sldMk cId="3579191837" sldId="337"/>
-            <ac:inkMk id="25" creationId="{4B244E35-C3D8-4AB8-93D8-751FBEEEC93C}"/>
-          </ac:inkMkLst>
-        </pc:inkChg>
-        <pc:inkChg chg="add del">
-          <ac:chgData name="Namhyoung Kim" userId="fb60bffb23ca2a8d" providerId="LiveId" clId="{68A7EFEE-66FC-43E3-89B4-E3816B2C7497}" dt="2018-12-20T06:45:01.541" v="431"/>
-          <ac:inkMkLst>
-            <pc:docMk/>
-            <pc:sldMk cId="3579191837" sldId="337"/>
-            <ac:inkMk id="26" creationId="{AD42E92C-BDA5-491D-A67F-66DE3D2A9374}"/>
-          </ac:inkMkLst>
-        </pc:inkChg>
-        <pc:inkChg chg="add del">
-          <ac:chgData name="Namhyoung Kim" userId="fb60bffb23ca2a8d" providerId="LiveId" clId="{68A7EFEE-66FC-43E3-89B4-E3816B2C7497}" dt="2018-12-20T06:45:01.541" v="431"/>
-          <ac:inkMkLst>
-            <pc:docMk/>
-            <pc:sldMk cId="3579191837" sldId="337"/>
-            <ac:inkMk id="27" creationId="{68A7CF05-2ACF-4794-9546-CA34728A27DD}"/>
-          </ac:inkMkLst>
-        </pc:inkChg>
-        <pc:inkChg chg="add">
-          <ac:chgData name="Namhyoung Kim" userId="fb60bffb23ca2a8d" providerId="LiveId" clId="{68A7EFEE-66FC-43E3-89B4-E3816B2C7497}" dt="2018-12-20T06:45:01.541" v="431"/>
-          <ac:inkMkLst>
-            <pc:docMk/>
-            <pc:sldMk cId="3579191837" sldId="337"/>
-            <ac:inkMk id="28" creationId="{B463F3BC-B01D-488D-B7F6-9FA9EA95FC25}"/>
-          </ac:inkMkLst>
-        </pc:inkChg>
-      </pc:sldChg>
-      <pc:sldChg chg="addSp modSp">
-        <pc:chgData name="Namhyoung Kim" userId="fb60bffb23ca2a8d" providerId="LiveId" clId="{68A7EFEE-66FC-43E3-89B4-E3816B2C7497}" dt="2018-12-19T15:16:48.165" v="48"/>
-        <pc:sldMkLst>
-          <pc:docMk/>
-          <pc:sldMk cId="665385329" sldId="351"/>
-        </pc:sldMkLst>
-        <pc:spChg chg="add mod">
-          <ac:chgData name="Namhyoung Kim" userId="fb60bffb23ca2a8d" providerId="LiveId" clId="{68A7EFEE-66FC-43E3-89B4-E3816B2C7497}" dt="2018-12-19T15:11:15.271" v="39" actId="767"/>
-          <ac:spMkLst>
-            <pc:docMk/>
-            <pc:sldMk cId="665385329" sldId="351"/>
-            <ac:spMk id="5" creationId="{5B0C3F4D-F9D3-40B9-82EA-A34AF2475880}"/>
-          </ac:spMkLst>
-        </pc:spChg>
-        <pc:spChg chg="add mod">
-          <ac:chgData name="Namhyoung Kim" userId="fb60bffb23ca2a8d" providerId="LiveId" clId="{68A7EFEE-66FC-43E3-89B4-E3816B2C7497}" dt="2018-12-19T15:16:32.648" v="47" actId="767"/>
-          <ac:spMkLst>
-            <pc:docMk/>
-            <pc:sldMk cId="665385329" sldId="351"/>
-            <ac:spMk id="8" creationId="{FF440AA4-3369-47D6-A349-FB6BC75058A4}"/>
-          </ac:spMkLst>
-        </pc:spChg>
-        <pc:spChg chg="add">
-          <ac:chgData name="Namhyoung Kim" userId="fb60bffb23ca2a8d" providerId="LiveId" clId="{68A7EFEE-66FC-43E3-89B4-E3816B2C7497}" dt="2018-12-19T15:16:48.165" v="48"/>
-          <ac:spMkLst>
-            <pc:docMk/>
-            <pc:sldMk cId="665385329" sldId="351"/>
-            <ac:spMk id="9" creationId="{46793188-B551-44F4-9800-9EADF80BA5D3}"/>
-          </ac:spMkLst>
-        </pc:spChg>
-        <pc:graphicFrameChg chg="add mod">
-          <ac:chgData name="Namhyoung Kim" userId="fb60bffb23ca2a8d" providerId="LiveId" clId="{68A7EFEE-66FC-43E3-89B4-E3816B2C7497}" dt="2018-12-19T15:13:22.528" v="43"/>
-          <ac:graphicFrameMkLst>
-            <pc:docMk/>
-            <pc:sldMk cId="665385329" sldId="351"/>
-            <ac:graphicFrameMk id="4" creationId="{FBDE456E-1615-4B45-910D-E945CACF7B4D}"/>
-          </ac:graphicFrameMkLst>
-        </pc:graphicFrameChg>
-        <pc:graphicFrameChg chg="add mod">
-          <ac:chgData name="Namhyoung Kim" userId="fb60bffb23ca2a8d" providerId="LiveId" clId="{68A7EFEE-66FC-43E3-89B4-E3816B2C7497}" dt="2018-12-19T15:16:02.269" v="45"/>
-          <ac:graphicFrameMkLst>
-            <pc:docMk/>
-            <pc:sldMk cId="665385329" sldId="351"/>
-            <ac:graphicFrameMk id="6" creationId="{2967EF03-22B7-4195-90BB-B3951C640D5E}"/>
-          </ac:graphicFrameMkLst>
-        </pc:graphicFrameChg>
-        <pc:graphicFrameChg chg="add">
-          <ac:chgData name="Namhyoung Kim" userId="fb60bffb23ca2a8d" providerId="LiveId" clId="{68A7EFEE-66FC-43E3-89B4-E3816B2C7497}" dt="2018-12-19T15:16:08.566" v="46"/>
-          <ac:graphicFrameMkLst>
-            <pc:docMk/>
-            <pc:sldMk cId="665385329" sldId="351"/>
-            <ac:graphicFrameMk id="7" creationId="{39793A70-C940-4D68-82E0-166684DEC1EF}"/>
-          </ac:graphicFrameMkLst>
-        </pc:graphicFrameChg>
-      </pc:sldChg>
-      <pc:sldChg chg="addSp modSp">
-        <pc:chgData name="Namhyoung Kim" userId="fb60bffb23ca2a8d" providerId="LiveId" clId="{68A7EFEE-66FC-43E3-89B4-E3816B2C7497}" dt="2018-12-19T15:23:18.678" v="54"/>
-        <pc:sldMkLst>
-          <pc:docMk/>
-          <pc:sldMk cId="1925760938" sldId="352"/>
-        </pc:sldMkLst>
-        <pc:spChg chg="mod">
-          <ac:chgData name="Namhyoung Kim" userId="fb60bffb23ca2a8d" providerId="LiveId" clId="{68A7EFEE-66FC-43E3-89B4-E3816B2C7497}" dt="2018-12-19T15:18:59.737" v="52"/>
-          <ac:spMkLst>
-            <pc:docMk/>
-            <pc:sldMk cId="1925760938" sldId="352"/>
-            <ac:spMk id="3" creationId="{A78A9532-2F4F-4CDA-A6D8-C50136CBC3BD}"/>
-          </ac:spMkLst>
-        </pc:spChg>
-        <pc:picChg chg="add">
-          <ac:chgData name="Namhyoung Kim" userId="fb60bffb23ca2a8d" providerId="LiveId" clId="{68A7EFEE-66FC-43E3-89B4-E3816B2C7497}" dt="2018-12-19T15:22:51.044" v="53"/>
-          <ac:picMkLst>
-            <pc:docMk/>
-            <pc:sldMk cId="1925760938" sldId="352"/>
-            <ac:picMk id="4" creationId="{4F71BB1C-EDBF-49F5-BFCA-0A94A492C16B}"/>
-          </ac:picMkLst>
-        </pc:picChg>
-        <pc:picChg chg="add">
-          <ac:chgData name="Namhyoung Kim" userId="fb60bffb23ca2a8d" providerId="LiveId" clId="{68A7EFEE-66FC-43E3-89B4-E3816B2C7497}" dt="2018-12-19T15:23:18.678" v="54"/>
-          <ac:picMkLst>
-            <pc:docMk/>
-            <pc:sldMk cId="1925760938" sldId="352"/>
-            <ac:picMk id="5" creationId="{FB560127-CCE0-4F2B-A68E-1ED8968F06C5}"/>
-          </ac:picMkLst>
-        </pc:picChg>
-      </pc:sldChg>
-      <pc:sldChg chg="add">
-        <pc:chgData name="Namhyoung Kim" userId="fb60bffb23ca2a8d" providerId="LiveId" clId="{68A7EFEE-66FC-43E3-89B4-E3816B2C7497}" dt="2018-12-19T15:23:33.315" v="55"/>
-        <pc:sldMkLst>
-          <pc:docMk/>
-          <pc:sldMk cId="3973145822" sldId="353"/>
-        </pc:sldMkLst>
-      </pc:sldChg>
-      <pc:sldChg chg="add">
-        <pc:chgData name="Namhyoung Kim" userId="fb60bffb23ca2a8d" providerId="LiveId" clId="{68A7EFEE-66FC-43E3-89B4-E3816B2C7497}" dt="2018-12-19T15:23:33.625" v="56"/>
-        <pc:sldMkLst>
-          <pc:docMk/>
-          <pc:sldMk cId="1039798589" sldId="354"/>
-        </pc:sldMkLst>
-      </pc:sldChg>
-      <pc:sldChg chg="addSp add">
-        <pc:chgData name="Namhyoung Kim" userId="fb60bffb23ca2a8d" providerId="LiveId" clId="{68A7EFEE-66FC-43E3-89B4-E3816B2C7497}" dt="2018-12-19T15:24:06.481" v="58"/>
-        <pc:sldMkLst>
-          <pc:docMk/>
-          <pc:sldMk cId="3514828315" sldId="355"/>
-        </pc:sldMkLst>
-        <pc:picChg chg="add">
-          <ac:chgData name="Namhyoung Kim" userId="fb60bffb23ca2a8d" providerId="LiveId" clId="{68A7EFEE-66FC-43E3-89B4-E3816B2C7497}" dt="2018-12-19T15:24:06.481" v="58"/>
-          <ac:picMkLst>
-            <pc:docMk/>
-            <pc:sldMk cId="3514828315" sldId="355"/>
-            <ac:picMk id="4" creationId="{01C3351F-46B9-4039-9A50-C6A87D9F53B3}"/>
-          </ac:picMkLst>
-        </pc:picChg>
-      </pc:sldChg>
-      <pc:sldChg chg="addSp add">
-        <pc:chgData name="Namhyoung Kim" userId="fb60bffb23ca2a8d" providerId="LiveId" clId="{68A7EFEE-66FC-43E3-89B4-E3816B2C7497}" dt="2018-12-19T15:27:27.455" v="64"/>
-        <pc:sldMkLst>
-          <pc:docMk/>
-          <pc:sldMk cId="1501629641" sldId="356"/>
-        </pc:sldMkLst>
-        <pc:picChg chg="add">
-          <ac:chgData name="Namhyoung Kim" userId="fb60bffb23ca2a8d" providerId="LiveId" clId="{68A7EFEE-66FC-43E3-89B4-E3816B2C7497}" dt="2018-12-19T15:27:27.455" v="64"/>
-          <ac:picMkLst>
-            <pc:docMk/>
-            <pc:sldMk cId="1501629641" sldId="356"/>
-            <ac:picMk id="5" creationId="{5232664E-98AF-4650-AEAE-4E384D9AD488}"/>
-          </ac:picMkLst>
-        </pc:picChg>
-      </pc:sldChg>
-      <pc:sldChg chg="addSp add">
-        <pc:chgData name="Namhyoung Kim" userId="fb60bffb23ca2a8d" providerId="LiveId" clId="{68A7EFEE-66FC-43E3-89B4-E3816B2C7497}" dt="2018-12-19T15:29:32.896" v="65"/>
-        <pc:sldMkLst>
-          <pc:docMk/>
-          <pc:sldMk cId="1338173746" sldId="357"/>
-        </pc:sldMkLst>
-        <pc:picChg chg="add">
-          <ac:chgData name="Namhyoung Kim" userId="fb60bffb23ca2a8d" providerId="LiveId" clId="{68A7EFEE-66FC-43E3-89B4-E3816B2C7497}" dt="2018-12-19T15:29:32.896" v="65"/>
-          <ac:picMkLst>
-            <pc:docMk/>
-            <pc:sldMk cId="1338173746" sldId="357"/>
-            <ac:picMk id="4" creationId="{78806955-B802-4980-B3AB-99C6B5788F2E}"/>
-          </ac:picMkLst>
-        </pc:picChg>
-      </pc:sldChg>
-      <pc:sldChg chg="addSp add">
-        <pc:chgData name="Namhyoung Kim" userId="fb60bffb23ca2a8d" providerId="LiveId" clId="{68A7EFEE-66FC-43E3-89B4-E3816B2C7497}" dt="2018-12-19T15:30:39.076" v="66"/>
-        <pc:sldMkLst>
-          <pc:docMk/>
-          <pc:sldMk cId="177378950" sldId="358"/>
-        </pc:sldMkLst>
-        <pc:picChg chg="add">
-          <ac:chgData name="Namhyoung Kim" userId="fb60bffb23ca2a8d" providerId="LiveId" clId="{68A7EFEE-66FC-43E3-89B4-E3816B2C7497}" dt="2018-12-19T15:30:39.076" v="66"/>
-          <ac:picMkLst>
-            <pc:docMk/>
-            <pc:sldMk cId="177378950" sldId="358"/>
-            <ac:picMk id="4" creationId="{5077491A-CEFA-4820-9A19-00B1AEB96A1D}"/>
-          </ac:picMkLst>
-        </pc:picChg>
-      </pc:sldChg>
-      <pc:sldChg chg="add">
-        <pc:chgData name="Namhyoung Kim" userId="fb60bffb23ca2a8d" providerId="LiveId" clId="{68A7EFEE-66FC-43E3-89B4-E3816B2C7497}" dt="2018-12-19T15:24:44.438" v="62"/>
-        <pc:sldMkLst>
-          <pc:docMk/>
-          <pc:sldMk cId="2888250654" sldId="359"/>
-        </pc:sldMkLst>
-      </pc:sldChg>
-      <pc:sldChg chg="addSp modSp add">
-        <pc:chgData name="Namhyoung Kim" userId="fb60bffb23ca2a8d" providerId="LiveId" clId="{68A7EFEE-66FC-43E3-89B4-E3816B2C7497}" dt="2018-12-19T15:35:55.261" v="90"/>
-        <pc:sldMkLst>
-          <pc:docMk/>
-          <pc:sldMk cId="1459376270" sldId="360"/>
-        </pc:sldMkLst>
-        <pc:spChg chg="mod">
-          <ac:chgData name="Namhyoung Kim" userId="fb60bffb23ca2a8d" providerId="LiveId" clId="{68A7EFEE-66FC-43E3-89B4-E3816B2C7497}" dt="2018-12-19T15:33:41.159" v="88"/>
-          <ac:spMkLst>
-            <pc:docMk/>
-            <pc:sldMk cId="1459376270" sldId="360"/>
-            <ac:spMk id="3" creationId="{A78A9532-2F4F-4CDA-A6D8-C50136CBC3BD}"/>
-          </ac:spMkLst>
-        </pc:spChg>
-        <pc:picChg chg="add">
-          <ac:chgData name="Namhyoung Kim" userId="fb60bffb23ca2a8d" providerId="LiveId" clId="{68A7EFEE-66FC-43E3-89B4-E3816B2C7497}" dt="2018-12-19T15:34:53.684" v="89"/>
-          <ac:picMkLst>
-            <pc:docMk/>
-            <pc:sldMk cId="1459376270" sldId="360"/>
-            <ac:picMk id="4" creationId="{C280A9B6-7B16-4F3B-B6DF-2792EAEE85D2}"/>
-          </ac:picMkLst>
-        </pc:picChg>
-        <pc:picChg chg="add">
-          <ac:chgData name="Namhyoung Kim" userId="fb60bffb23ca2a8d" providerId="LiveId" clId="{68A7EFEE-66FC-43E3-89B4-E3816B2C7497}" dt="2018-12-19T15:35:55.261" v="90"/>
-          <ac:picMkLst>
-            <pc:docMk/>
-            <pc:sldMk cId="1459376270" sldId="360"/>
-            <ac:picMk id="5" creationId="{0203D215-ADF4-4123-8AA3-92AA27D22111}"/>
-          </ac:picMkLst>
-        </pc:picChg>
-      </pc:sldChg>
-      <pc:sldChg chg="addSp add">
-        <pc:chgData name="Namhyoung Kim" userId="fb60bffb23ca2a8d" providerId="LiveId" clId="{68A7EFEE-66FC-43E3-89B4-E3816B2C7497}" dt="2018-12-19T15:42:35.156" v="91"/>
-        <pc:sldMkLst>
-          <pc:docMk/>
-          <pc:sldMk cId="1606832990" sldId="361"/>
-        </pc:sldMkLst>
-        <pc:picChg chg="add">
-          <ac:chgData name="Namhyoung Kim" userId="fb60bffb23ca2a8d" providerId="LiveId" clId="{68A7EFEE-66FC-43E3-89B4-E3816B2C7497}" dt="2018-12-19T15:42:35.156" v="91"/>
-          <ac:picMkLst>
-            <pc:docMk/>
-            <pc:sldMk cId="1606832990" sldId="361"/>
-            <ac:picMk id="4" creationId="{9318605C-F083-43CB-AED5-BDA0379DAECF}"/>
-          </ac:picMkLst>
-        </pc:picChg>
-      </pc:sldChg>
-      <pc:sldChg chg="addSp modSp add">
-        <pc:chgData name="Namhyoung Kim" userId="fb60bffb23ca2a8d" providerId="LiveId" clId="{68A7EFEE-66FC-43E3-89B4-E3816B2C7497}" dt="2018-12-19T15:45:59.713" v="96"/>
-        <pc:sldMkLst>
-          <pc:docMk/>
-          <pc:sldMk cId="749147471" sldId="362"/>
-        </pc:sldMkLst>
-        <pc:spChg chg="mod">
-          <ac:chgData name="Namhyoung Kim" userId="fb60bffb23ca2a8d" providerId="LiveId" clId="{68A7EFEE-66FC-43E3-89B4-E3816B2C7497}" dt="2018-12-19T15:45:59.713" v="96"/>
-          <ac:spMkLst>
-            <pc:docMk/>
-            <pc:sldMk cId="749147471" sldId="362"/>
-            <ac:spMk id="3" creationId="{A78A9532-2F4F-4CDA-A6D8-C50136CBC3BD}"/>
-          </ac:spMkLst>
-        </pc:spChg>
-        <pc:picChg chg="add">
-          <ac:chgData name="Namhyoung Kim" userId="fb60bffb23ca2a8d" providerId="LiveId" clId="{68A7EFEE-66FC-43E3-89B4-E3816B2C7497}" dt="2018-12-19T15:43:00.104" v="92"/>
-          <ac:picMkLst>
-            <pc:docMk/>
-            <pc:sldMk cId="749147471" sldId="362"/>
-            <ac:picMk id="4" creationId="{F0EB5803-4D20-4799-8B1E-0DDB792720F4}"/>
-          </ac:picMkLst>
-        </pc:picChg>
-        <pc:picChg chg="add">
-          <ac:chgData name="Namhyoung Kim" userId="fb60bffb23ca2a8d" providerId="LiveId" clId="{68A7EFEE-66FC-43E3-89B4-E3816B2C7497}" dt="2018-12-19T15:43:30.497" v="93"/>
-          <ac:picMkLst>
-            <pc:docMk/>
-            <pc:sldMk cId="749147471" sldId="362"/>
-            <ac:picMk id="5" creationId="{A149C0F2-9FDC-4ED3-B23B-C25677E799D8}"/>
-          </ac:picMkLst>
-        </pc:picChg>
-        <pc:picChg chg="add">
-          <ac:chgData name="Namhyoung Kim" userId="fb60bffb23ca2a8d" providerId="LiveId" clId="{68A7EFEE-66FC-43E3-89B4-E3816B2C7497}" dt="2018-12-19T15:45:31.758" v="94"/>
-          <ac:picMkLst>
-            <pc:docMk/>
-            <pc:sldMk cId="749147471" sldId="362"/>
-            <ac:picMk id="6" creationId="{83D81617-EE8B-4497-8B9B-60B3CB437564}"/>
-          </ac:picMkLst>
-        </pc:picChg>
-      </pc:sldChg>
-      <pc:sldChg chg="addSp add">
-        <pc:chgData name="Namhyoung Kim" userId="fb60bffb23ca2a8d" providerId="LiveId" clId="{68A7EFEE-66FC-43E3-89B4-E3816B2C7497}" dt="2018-12-19T15:47:40.153" v="97"/>
-        <pc:sldMkLst>
-          <pc:docMk/>
-          <pc:sldMk cId="1815570447" sldId="363"/>
-        </pc:sldMkLst>
-        <pc:picChg chg="add">
-          <ac:chgData name="Namhyoung Kim" userId="fb60bffb23ca2a8d" providerId="LiveId" clId="{68A7EFEE-66FC-43E3-89B4-E3816B2C7497}" dt="2018-12-19T15:47:40.153" v="97"/>
-          <ac:picMkLst>
-            <pc:docMk/>
-            <pc:sldMk cId="1815570447" sldId="363"/>
-            <ac:picMk id="4" creationId="{F205C384-4C8F-4826-B8A6-B73FDE3ABB1E}"/>
-          </ac:picMkLst>
-        </pc:picChg>
-      </pc:sldChg>
-      <pc:sldChg chg="addSp add">
-        <pc:chgData name="Namhyoung Kim" userId="fb60bffb23ca2a8d" providerId="LiveId" clId="{68A7EFEE-66FC-43E3-89B4-E3816B2C7497}" dt="2018-12-19T15:49:56.546" v="104"/>
-        <pc:sldMkLst>
-          <pc:docMk/>
-          <pc:sldMk cId="1351036177" sldId="364"/>
-        </pc:sldMkLst>
-        <pc:picChg chg="add">
-          <ac:chgData name="Namhyoung Kim" userId="fb60bffb23ca2a8d" providerId="LiveId" clId="{68A7EFEE-66FC-43E3-89B4-E3816B2C7497}" dt="2018-12-19T15:49:56.546" v="104"/>
-          <ac:picMkLst>
-            <pc:docMk/>
-            <pc:sldMk cId="1351036177" sldId="364"/>
-            <ac:picMk id="4" creationId="{6674D1A9-AFFA-4534-B050-B7202A9B2013}"/>
-          </ac:picMkLst>
-        </pc:picChg>
-      </pc:sldChg>
-      <pc:sldChg chg="addSp modSp add">
-        <pc:chgData name="Namhyoung Kim" userId="fb60bffb23ca2a8d" providerId="LiveId" clId="{68A7EFEE-66FC-43E3-89B4-E3816B2C7497}" dt="2018-12-19T15:59:51.704" v="106"/>
-        <pc:sldMkLst>
-          <pc:docMk/>
-          <pc:sldMk cId="3033104364" sldId="365"/>
-        </pc:sldMkLst>
-        <pc:spChg chg="mod">
-          <ac:chgData name="Namhyoung Kim" userId="fb60bffb23ca2a8d" providerId="LiveId" clId="{68A7EFEE-66FC-43E3-89B4-E3816B2C7497}" dt="2018-12-19T15:59:51.704" v="106"/>
-          <ac:spMkLst>
-            <pc:docMk/>
-            <pc:sldMk cId="3033104364" sldId="365"/>
-            <ac:spMk id="3" creationId="{A78A9532-2F4F-4CDA-A6D8-C50136CBC3BD}"/>
-          </ac:spMkLst>
-        </pc:spChg>
-        <pc:picChg chg="add">
-          <ac:chgData name="Namhyoung Kim" userId="fb60bffb23ca2a8d" providerId="LiveId" clId="{68A7EFEE-66FC-43E3-89B4-E3816B2C7497}" dt="2018-12-19T15:59:45.236" v="105"/>
-          <ac:picMkLst>
-            <pc:docMk/>
-            <pc:sldMk cId="3033104364" sldId="365"/>
-            <ac:picMk id="4" creationId="{87BEEF44-0B10-4DED-B0E5-8361A8E1140D}"/>
-          </ac:picMkLst>
-        </pc:picChg>
-      </pc:sldChg>
-      <pc:sldChg chg="addSp modSp add">
-        <pc:chgData name="Namhyoung Kim" userId="fb60bffb23ca2a8d" providerId="LiveId" clId="{68A7EFEE-66FC-43E3-89B4-E3816B2C7497}" dt="2018-12-19T16:05:42.478" v="109"/>
-        <pc:sldMkLst>
-          <pc:docMk/>
-          <pc:sldMk cId="3281278962" sldId="366"/>
-        </pc:sldMkLst>
-        <pc:spChg chg="mod">
-          <ac:chgData name="Namhyoung Kim" userId="fb60bffb23ca2a8d" providerId="LiveId" clId="{68A7EFEE-66FC-43E3-89B4-E3816B2C7497}" dt="2018-12-19T16:05:42.478" v="109"/>
-          <ac:spMkLst>
-            <pc:docMk/>
-            <pc:sldMk cId="3281278962" sldId="366"/>
-            <ac:spMk id="2" creationId="{30A05CDF-51ED-4278-AA11-1745E5809FF2}"/>
-          </ac:spMkLst>
-        </pc:spChg>
-        <pc:picChg chg="add">
-          <ac:chgData name="Namhyoung Kim" userId="fb60bffb23ca2a8d" providerId="LiveId" clId="{68A7EFEE-66FC-43E3-89B4-E3816B2C7497}" dt="2018-12-19T16:02:14.653" v="107"/>
-          <ac:picMkLst>
-            <pc:docMk/>
-            <pc:sldMk cId="3281278962" sldId="366"/>
-            <ac:picMk id="4" creationId="{FB48B313-D012-476D-A37F-B45254720BFD}"/>
-          </ac:picMkLst>
-        </pc:picChg>
-      </pc:sldChg>
-      <pc:sldChg chg="addSp modSp add">
-        <pc:chgData name="Namhyoung Kim" userId="fb60bffb23ca2a8d" providerId="LiveId" clId="{68A7EFEE-66FC-43E3-89B4-E3816B2C7497}" dt="2018-12-19T16:13:28.332" v="171"/>
-        <pc:sldMkLst>
-          <pc:docMk/>
-          <pc:sldMk cId="4265438702" sldId="367"/>
-        </pc:sldMkLst>
-        <pc:spChg chg="mod">
-          <ac:chgData name="Namhyoung Kim" userId="fb60bffb23ca2a8d" providerId="LiveId" clId="{68A7EFEE-66FC-43E3-89B4-E3816B2C7497}" dt="2018-12-19T16:05:46.255" v="110"/>
-          <ac:spMkLst>
-            <pc:docMk/>
-            <pc:sldMk cId="4265438702" sldId="367"/>
-            <ac:spMk id="2" creationId="{30A05CDF-51ED-4278-AA11-1745E5809FF2}"/>
-          </ac:spMkLst>
-        </pc:spChg>
-        <pc:spChg chg="mod">
-          <ac:chgData name="Namhyoung Kim" userId="fb60bffb23ca2a8d" providerId="LiveId" clId="{68A7EFEE-66FC-43E3-89B4-E3816B2C7497}" dt="2018-12-19T16:04:40.154" v="108"/>
-          <ac:spMkLst>
-            <pc:docMk/>
-            <pc:sldMk cId="4265438702" sldId="367"/>
-            <ac:spMk id="3" creationId="{A78A9532-2F4F-4CDA-A6D8-C50136CBC3BD}"/>
-          </ac:spMkLst>
-        </pc:spChg>
-        <pc:picChg chg="add">
-          <ac:chgData name="Namhyoung Kim" userId="fb60bffb23ca2a8d" providerId="LiveId" clId="{68A7EFEE-66FC-43E3-89B4-E3816B2C7497}" dt="2018-12-19T16:13:28.332" v="171"/>
-          <ac:picMkLst>
-            <pc:docMk/>
-            <pc:sldMk cId="4265438702" sldId="367"/>
-            <ac:picMk id="4" creationId="{5EC98BE3-7EAA-4967-B9E3-243BCF678247}"/>
-          </ac:picMkLst>
-        </pc:picChg>
-      </pc:sldChg>
-      <pc:sldChg chg="addSp modSp add">
-        <pc:chgData name="Namhyoung Kim" userId="fb60bffb23ca2a8d" providerId="LiveId" clId="{68A7EFEE-66FC-43E3-89B4-E3816B2C7497}" dt="2018-12-19T16:23:07.033" v="212"/>
-        <pc:sldMkLst>
-          <pc:docMk/>
-          <pc:sldMk cId="3021437691" sldId="368"/>
-        </pc:sldMkLst>
-        <pc:spChg chg="mod">
-          <ac:chgData name="Namhyoung Kim" userId="fb60bffb23ca2a8d" providerId="LiveId" clId="{68A7EFEE-66FC-43E3-89B4-E3816B2C7497}" dt="2018-12-19T16:15:33.796" v="174"/>
-          <ac:spMkLst>
-            <pc:docMk/>
-            <pc:sldMk cId="3021437691" sldId="368"/>
-            <ac:spMk id="2" creationId="{30A05CDF-51ED-4278-AA11-1745E5809FF2}"/>
-          </ac:spMkLst>
-        </pc:spChg>
-        <pc:spChg chg="mod">
-          <ac:chgData name="Namhyoung Kim" userId="fb60bffb23ca2a8d" providerId="LiveId" clId="{68A7EFEE-66FC-43E3-89B4-E3816B2C7497}" dt="2018-12-19T16:16:46.447" v="198"/>
-          <ac:spMkLst>
-            <pc:docMk/>
-            <pc:sldMk cId="3021437691" sldId="368"/>
-            <ac:spMk id="3" creationId="{A78A9532-2F4F-4CDA-A6D8-C50136CBC3BD}"/>
-          </ac:spMkLst>
-        </pc:spChg>
-        <pc:picChg chg="add">
-          <ac:chgData name="Namhyoung Kim" userId="fb60bffb23ca2a8d" providerId="LiveId" clId="{68A7EFEE-66FC-43E3-89B4-E3816B2C7497}" dt="2018-12-19T16:18:58.900" v="199"/>
-          <ac:picMkLst>
-            <pc:docMk/>
-            <pc:sldMk cId="3021437691" sldId="368"/>
-            <ac:picMk id="4" creationId="{E6CB3D6D-9ABB-4507-AA08-6E79457A6B36}"/>
-          </ac:picMkLst>
-        </pc:picChg>
-        <pc:picChg chg="add">
-          <ac:chgData name="Namhyoung Kim" userId="fb60bffb23ca2a8d" providerId="LiveId" clId="{68A7EFEE-66FC-43E3-89B4-E3816B2C7497}" dt="2018-12-19T16:23:07.033" v="212"/>
-          <ac:picMkLst>
-            <pc:docMk/>
-            <pc:sldMk cId="3021437691" sldId="368"/>
-            <ac:picMk id="5" creationId="{9A068D66-3320-40CF-A317-3FE8BB0754CA}"/>
-          </ac:picMkLst>
-        </pc:picChg>
-      </pc:sldChg>
-      <pc:sldChg chg="addSp modSp add del">
-        <pc:chgData name="Namhyoung Kim" userId="fb60bffb23ca2a8d" providerId="LiveId" clId="{68A7EFEE-66FC-43E3-89B4-E3816B2C7497}" dt="2018-12-20T07:25:23.837" v="523" actId="2696"/>
-        <pc:sldMkLst>
-          <pc:docMk/>
-          <pc:sldMk cId="1069396608" sldId="369"/>
-        </pc:sldMkLst>
-        <pc:spChg chg="mod">
-          <ac:chgData name="Namhyoung Kim" userId="fb60bffb23ca2a8d" providerId="LiveId" clId="{68A7EFEE-66FC-43E3-89B4-E3816B2C7497}" dt="2018-12-19T16:36:06.634" v="248"/>
-          <ac:spMkLst>
-            <pc:docMk/>
-            <pc:sldMk cId="1069396608" sldId="369"/>
-            <ac:spMk id="3" creationId="{A78A9532-2F4F-4CDA-A6D8-C50136CBC3BD}"/>
-          </ac:spMkLst>
-        </pc:spChg>
-        <pc:picChg chg="add">
-          <ac:chgData name="Namhyoung Kim" userId="fb60bffb23ca2a8d" providerId="LiveId" clId="{68A7EFEE-66FC-43E3-89B4-E3816B2C7497}" dt="2018-12-19T16:36:41.118" v="249"/>
-          <ac:picMkLst>
-            <pc:docMk/>
-            <pc:sldMk cId="1069396608" sldId="369"/>
-            <ac:picMk id="4" creationId="{CF585043-539E-4212-840D-11CD178C69DE}"/>
-          </ac:picMkLst>
-        </pc:picChg>
-        <pc:picChg chg="add">
-          <ac:chgData name="Namhyoung Kim" userId="fb60bffb23ca2a8d" providerId="LiveId" clId="{68A7EFEE-66FC-43E3-89B4-E3816B2C7497}" dt="2018-12-19T16:36:46.568" v="250"/>
-          <ac:picMkLst>
-            <pc:docMk/>
-            <pc:sldMk cId="1069396608" sldId="369"/>
-            <ac:picMk id="5" creationId="{0D0857F9-3F9D-4F1A-AD39-F20F741C0A6C}"/>
-          </ac:picMkLst>
-        </pc:picChg>
-      </pc:sldChg>
-      <pc:sldChg chg="addSp modSp add">
-        <pc:chgData name="Namhyoung Kim" userId="fb60bffb23ca2a8d" providerId="LiveId" clId="{68A7EFEE-66FC-43E3-89B4-E3816B2C7497}" dt="2018-12-19T16:48:14.385" v="293"/>
-        <pc:sldMkLst>
-          <pc:docMk/>
-          <pc:sldMk cId="133212441" sldId="370"/>
-        </pc:sldMkLst>
-        <pc:spChg chg="mod">
-          <ac:chgData name="Namhyoung Kim" userId="fb60bffb23ca2a8d" providerId="LiveId" clId="{68A7EFEE-66FC-43E3-89B4-E3816B2C7497}" dt="2018-12-19T16:46:37.746" v="291"/>
-          <ac:spMkLst>
-            <pc:docMk/>
-            <pc:sldMk cId="133212441" sldId="370"/>
-            <ac:spMk id="3" creationId="{A78A9532-2F4F-4CDA-A6D8-C50136CBC3BD}"/>
-          </ac:spMkLst>
-        </pc:spChg>
-        <pc:picChg chg="add">
-          <ac:chgData name="Namhyoung Kim" userId="fb60bffb23ca2a8d" providerId="LiveId" clId="{68A7EFEE-66FC-43E3-89B4-E3816B2C7497}" dt="2018-12-19T16:47:54.002" v="292"/>
-          <ac:picMkLst>
-            <pc:docMk/>
-            <pc:sldMk cId="133212441" sldId="370"/>
-            <ac:picMk id="4" creationId="{9DE084FC-087F-4B4F-B68B-9B43945D90B4}"/>
-          </ac:picMkLst>
-        </pc:picChg>
-        <pc:picChg chg="add">
-          <ac:chgData name="Namhyoung Kim" userId="fb60bffb23ca2a8d" providerId="LiveId" clId="{68A7EFEE-66FC-43E3-89B4-E3816B2C7497}" dt="2018-12-19T16:48:14.385" v="293"/>
-          <ac:picMkLst>
-            <pc:docMk/>
-            <pc:sldMk cId="133212441" sldId="370"/>
-            <ac:picMk id="5" creationId="{642BEDC9-1A6D-46C5-81D0-AD05A869B51C}"/>
-          </ac:picMkLst>
-        </pc:picChg>
-      </pc:sldChg>
-      <pc:sldChg chg="addSp add">
-        <pc:chgData name="Namhyoung Kim" userId="fb60bffb23ca2a8d" providerId="LiveId" clId="{68A7EFEE-66FC-43E3-89B4-E3816B2C7497}" dt="2018-12-19T16:14:45.313" v="173"/>
-        <pc:sldMkLst>
-          <pc:docMk/>
-          <pc:sldMk cId="2072175658" sldId="371"/>
-        </pc:sldMkLst>
-        <pc:picChg chg="add">
-          <ac:chgData name="Namhyoung Kim" userId="fb60bffb23ca2a8d" providerId="LiveId" clId="{68A7EFEE-66FC-43E3-89B4-E3816B2C7497}" dt="2018-12-19T16:14:27.961" v="172"/>
-          <ac:picMkLst>
-            <pc:docMk/>
-            <pc:sldMk cId="2072175658" sldId="371"/>
-            <ac:picMk id="4" creationId="{CD00A401-83FD-4431-8179-06446488B775}"/>
-          </ac:picMkLst>
-        </pc:picChg>
-        <pc:picChg chg="add">
-          <ac:chgData name="Namhyoung Kim" userId="fb60bffb23ca2a8d" providerId="LiveId" clId="{68A7EFEE-66FC-43E3-89B4-E3816B2C7497}" dt="2018-12-19T16:14:45.313" v="173"/>
-          <ac:picMkLst>
-            <pc:docMk/>
-            <pc:sldMk cId="2072175658" sldId="371"/>
-            <ac:picMk id="5" creationId="{83355973-4027-47AC-A305-97EA9C5C8D7D}"/>
-          </ac:picMkLst>
-        </pc:picChg>
-      </pc:sldChg>
-      <pc:sldChg chg="modSp add">
-        <pc:chgData name="Namhyoung Kim" userId="fb60bffb23ca2a8d" providerId="LiveId" clId="{68A7EFEE-66FC-43E3-89B4-E3816B2C7497}" dt="2018-12-19T16:12:39.543" v="170"/>
-        <pc:sldMkLst>
-          <pc:docMk/>
-          <pc:sldMk cId="2155739849" sldId="372"/>
-        </pc:sldMkLst>
-        <pc:spChg chg="mod">
-          <ac:chgData name="Namhyoung Kim" userId="fb60bffb23ca2a8d" providerId="LiveId" clId="{68A7EFEE-66FC-43E3-89B4-E3816B2C7497}" dt="2018-12-19T16:06:34.350" v="114"/>
-          <ac:spMkLst>
-            <pc:docMk/>
-            <pc:sldMk cId="2155739849" sldId="372"/>
-            <ac:spMk id="3" creationId="{A78A9532-2F4F-4CDA-A6D8-C50136CBC3BD}"/>
-          </ac:spMkLst>
-        </pc:spChg>
-        <pc:graphicFrameChg chg="mod">
-          <ac:chgData name="Namhyoung Kim" userId="fb60bffb23ca2a8d" providerId="LiveId" clId="{68A7EFEE-66FC-43E3-89B4-E3816B2C7497}" dt="2018-12-19T16:12:39.543" v="170"/>
-          <ac:graphicFrameMkLst>
-            <pc:docMk/>
-            <pc:sldMk cId="2155739849" sldId="372"/>
-            <ac:graphicFrameMk id="4" creationId="{2B9AE1B0-40DA-4879-90BA-2A04F05E5B82}"/>
-          </ac:graphicFrameMkLst>
-        </pc:graphicFrameChg>
-      </pc:sldChg>
-      <pc:sldChg chg="addSp add">
-        <pc:chgData name="Namhyoung Kim" userId="fb60bffb23ca2a8d" providerId="LiveId" clId="{68A7EFEE-66FC-43E3-89B4-E3816B2C7497}" dt="2018-12-19T16:20:41.883" v="201"/>
-        <pc:sldMkLst>
-          <pc:docMk/>
-          <pc:sldMk cId="1587163448" sldId="373"/>
-        </pc:sldMkLst>
-        <pc:picChg chg="add">
-          <ac:chgData name="Namhyoung Kim" userId="fb60bffb23ca2a8d" providerId="LiveId" clId="{68A7EFEE-66FC-43E3-89B4-E3816B2C7497}" dt="2018-12-19T16:20:41.883" v="201"/>
-          <ac:picMkLst>
-            <pc:docMk/>
-            <pc:sldMk cId="1587163448" sldId="373"/>
-            <ac:picMk id="5" creationId="{E118A3AE-2B15-4DF2-B7CA-DADE1C907D62}"/>
-          </ac:picMkLst>
-        </pc:picChg>
-      </pc:sldChg>
-      <pc:sldChg chg="addSp modSp add">
-        <pc:chgData name="Namhyoung Kim" userId="fb60bffb23ca2a8d" providerId="LiveId" clId="{68A7EFEE-66FC-43E3-89B4-E3816B2C7497}" dt="2018-12-19T16:24:33.630" v="215"/>
-        <pc:sldMkLst>
-          <pc:docMk/>
-          <pc:sldMk cId="3018481228" sldId="374"/>
-        </pc:sldMkLst>
-        <pc:spChg chg="mod">
-          <ac:chgData name="Namhyoung Kim" userId="fb60bffb23ca2a8d" providerId="LiveId" clId="{68A7EFEE-66FC-43E3-89B4-E3816B2C7497}" dt="2018-12-19T16:23:57.388" v="214"/>
-          <ac:spMkLst>
-            <pc:docMk/>
-            <pc:sldMk cId="3018481228" sldId="374"/>
-            <ac:spMk id="3" creationId="{A78A9532-2F4F-4CDA-A6D8-C50136CBC3BD}"/>
-          </ac:spMkLst>
-        </pc:spChg>
-        <pc:picChg chg="add">
-          <ac:chgData name="Namhyoung Kim" userId="fb60bffb23ca2a8d" providerId="LiveId" clId="{68A7EFEE-66FC-43E3-89B4-E3816B2C7497}" dt="2018-12-19T16:24:33.630" v="215"/>
-          <ac:picMkLst>
-            <pc:docMk/>
-            <pc:sldMk cId="3018481228" sldId="374"/>
-            <ac:picMk id="4" creationId="{3D173872-4EA3-4404-8DDA-96348FA421F9}"/>
-          </ac:picMkLst>
-        </pc:picChg>
-      </pc:sldChg>
-      <pc:sldChg chg="addSp add">
-        <pc:chgData name="Namhyoung Kim" userId="fb60bffb23ca2a8d" providerId="LiveId" clId="{68A7EFEE-66FC-43E3-89B4-E3816B2C7497}" dt="2018-12-19T16:27:27.280" v="217"/>
-        <pc:sldMkLst>
-          <pc:docMk/>
-          <pc:sldMk cId="3479982824" sldId="375"/>
-        </pc:sldMkLst>
-        <pc:picChg chg="add">
-          <ac:chgData name="Namhyoung Kim" userId="fb60bffb23ca2a8d" providerId="LiveId" clId="{68A7EFEE-66FC-43E3-89B4-E3816B2C7497}" dt="2018-12-19T16:27:27.280" v="217"/>
-          <ac:picMkLst>
-            <pc:docMk/>
-            <pc:sldMk cId="3479982824" sldId="375"/>
-            <ac:picMk id="5" creationId="{9F7446CF-D0C1-4981-8C02-CCA36FCEEE51}"/>
-          </ac:picMkLst>
-        </pc:picChg>
-      </pc:sldChg>
-      <pc:sldChg chg="addSp add">
-        <pc:chgData name="Namhyoung Kim" userId="fb60bffb23ca2a8d" providerId="LiveId" clId="{68A7EFEE-66FC-43E3-89B4-E3816B2C7497}" dt="2018-12-19T16:34:08.246" v="222"/>
-        <pc:sldMkLst>
-          <pc:docMk/>
-          <pc:sldMk cId="3103464263" sldId="376"/>
-        </pc:sldMkLst>
-        <pc:picChg chg="add">
-          <ac:chgData name="Namhyoung Kim" userId="fb60bffb23ca2a8d" providerId="LiveId" clId="{68A7EFEE-66FC-43E3-89B4-E3816B2C7497}" dt="2018-12-19T16:34:08.246" v="222"/>
-          <ac:picMkLst>
-            <pc:docMk/>
-            <pc:sldMk cId="3103464263" sldId="376"/>
-            <ac:picMk id="4" creationId="{32C0A5A5-9C56-4877-BCDB-D223E5D0E4F0}"/>
-          </ac:picMkLst>
-        </pc:picChg>
-      </pc:sldChg>
-      <pc:sldChg chg="addSp add ord">
-        <pc:chgData name="Namhyoung Kim" userId="fb60bffb23ca2a8d" providerId="LiveId" clId="{68A7EFEE-66FC-43E3-89B4-E3816B2C7497}" dt="2018-12-19T16:33:50.350" v="221"/>
-        <pc:sldMkLst>
-          <pc:docMk/>
-          <pc:sldMk cId="2515296749" sldId="377"/>
-        </pc:sldMkLst>
-        <pc:picChg chg="add">
-          <ac:chgData name="Namhyoung Kim" userId="fb60bffb23ca2a8d" providerId="LiveId" clId="{68A7EFEE-66FC-43E3-89B4-E3816B2C7497}" dt="2018-12-19T16:33:27.267" v="220"/>
-          <ac:picMkLst>
-            <pc:docMk/>
-            <pc:sldMk cId="2515296749" sldId="377"/>
-            <ac:picMk id="4" creationId="{BD170D8E-DC5B-4FB8-8465-904204B5FF03}"/>
-          </ac:picMkLst>
-        </pc:picChg>
-      </pc:sldChg>
-      <pc:sldChg chg="add">
-        <pc:chgData name="Namhyoung Kim" userId="fb60bffb23ca2a8d" providerId="LiveId" clId="{68A7EFEE-66FC-43E3-89B4-E3816B2C7497}" dt="2018-12-19T16:37:30.069" v="251"/>
-        <pc:sldMkLst>
-          <pc:docMk/>
-          <pc:sldMk cId="1866844256" sldId="378"/>
-        </pc:sldMkLst>
-      </pc:sldChg>
-      <pc:sldChg chg="addSp modSp add">
-        <pc:chgData name="Namhyoung Kim" userId="fb60bffb23ca2a8d" providerId="LiveId" clId="{68A7EFEE-66FC-43E3-89B4-E3816B2C7497}" dt="2018-12-19T16:50:39.061" v="312"/>
-        <pc:sldMkLst>
-          <pc:docMk/>
-          <pc:sldMk cId="1351590744" sldId="379"/>
-        </pc:sldMkLst>
-        <pc:spChg chg="mod">
-          <ac:chgData name="Namhyoung Kim" userId="fb60bffb23ca2a8d" providerId="LiveId" clId="{68A7EFEE-66FC-43E3-89B4-E3816B2C7497}" dt="2018-12-19T16:48:34.883" v="295"/>
-          <ac:spMkLst>
-            <pc:docMk/>
-            <pc:sldMk cId="1351590744" sldId="379"/>
-            <ac:spMk id="2" creationId="{80458EC7-5613-4F43-B350-27D250A9AFBC}"/>
-          </ac:spMkLst>
-        </pc:spChg>
-        <pc:spChg chg="mod">
-          <ac:chgData name="Namhyoung Kim" userId="fb60bffb23ca2a8d" providerId="LiveId" clId="{68A7EFEE-66FC-43E3-89B4-E3816B2C7497}" dt="2018-12-19T16:50:39.061" v="312"/>
-          <ac:spMkLst>
-            <pc:docMk/>
-            <pc:sldMk cId="1351590744" sldId="379"/>
-            <ac:spMk id="3" creationId="{1265674B-6B36-49B0-96D9-073CDCF3EA56}"/>
-          </ac:spMkLst>
-        </pc:spChg>
-        <pc:picChg chg="add">
-          <ac:chgData name="Namhyoung Kim" userId="fb60bffb23ca2a8d" providerId="LiveId" clId="{68A7EFEE-66FC-43E3-89B4-E3816B2C7497}" dt="2018-12-19T16:50:04.811" v="298"/>
-          <ac:picMkLst>
-            <pc:docMk/>
-            <pc:sldMk cId="1351590744" sldId="379"/>
-            <ac:picMk id="4" creationId="{58663F77-7E9B-4D1C-BB07-EAF8C6691401}"/>
-          </ac:picMkLst>
-        </pc:picChg>
-      </pc:sldChg>
-      <pc:sldChg chg="addSp modSp add">
-        <pc:chgData name="Namhyoung Kim" userId="fb60bffb23ca2a8d" providerId="LiveId" clId="{68A7EFEE-66FC-43E3-89B4-E3816B2C7497}" dt="2018-12-19T16:52:13.620" v="318"/>
-        <pc:sldMkLst>
-          <pc:docMk/>
-          <pc:sldMk cId="1538371697" sldId="380"/>
-        </pc:sldMkLst>
-        <pc:spChg chg="mod">
-          <ac:chgData name="Namhyoung Kim" userId="fb60bffb23ca2a8d" providerId="LiveId" clId="{68A7EFEE-66FC-43E3-89B4-E3816B2C7497}" dt="2018-12-19T16:51:02.313" v="316"/>
-          <ac:spMkLst>
-            <pc:docMk/>
-            <pc:sldMk cId="1538371697" sldId="380"/>
-            <ac:spMk id="3" creationId="{1265674B-6B36-49B0-96D9-073CDCF3EA56}"/>
-          </ac:spMkLst>
-        </pc:spChg>
-        <pc:picChg chg="add">
-          <ac:chgData name="Namhyoung Kim" userId="fb60bffb23ca2a8d" providerId="LiveId" clId="{68A7EFEE-66FC-43E3-89B4-E3816B2C7497}" dt="2018-12-19T16:51:56.329" v="317"/>
-          <ac:picMkLst>
-            <pc:docMk/>
-            <pc:sldMk cId="1538371697" sldId="380"/>
-            <ac:picMk id="5" creationId="{40CAEB2C-32B1-4B81-BCEC-CC5410EEBF15}"/>
-          </ac:picMkLst>
-        </pc:picChg>
-        <pc:picChg chg="add">
-          <ac:chgData name="Namhyoung Kim" userId="fb60bffb23ca2a8d" providerId="LiveId" clId="{68A7EFEE-66FC-43E3-89B4-E3816B2C7497}" dt="2018-12-19T16:52:13.620" v="318"/>
-          <ac:picMkLst>
-            <pc:docMk/>
-            <pc:sldMk cId="1538371697" sldId="380"/>
-            <ac:picMk id="6" creationId="{3EBAFE02-E408-4A46-A6E4-68621B802DE5}"/>
-          </ac:picMkLst>
-        </pc:picChg>
-      </pc:sldChg>
-      <pc:sldChg chg="modSp add">
-        <pc:chgData name="Namhyoung Kim" userId="fb60bffb23ca2a8d" providerId="LiveId" clId="{68A7EFEE-66FC-43E3-89B4-E3816B2C7497}" dt="2018-12-19T16:53:11.406" v="322"/>
-        <pc:sldMkLst>
-          <pc:docMk/>
-          <pc:sldMk cId="1464649829" sldId="381"/>
-        </pc:sldMkLst>
-        <pc:spChg chg="mod">
-          <ac:chgData name="Namhyoung Kim" userId="fb60bffb23ca2a8d" providerId="LiveId" clId="{68A7EFEE-66FC-43E3-89B4-E3816B2C7497}" dt="2018-12-19T16:53:11.406" v="322"/>
-          <ac:spMkLst>
-            <pc:docMk/>
-            <pc:sldMk cId="1464649829" sldId="381"/>
-            <ac:spMk id="3" creationId="{1265674B-6B36-49B0-96D9-073CDCF3EA56}"/>
-          </ac:spMkLst>
-        </pc:spChg>
-      </pc:sldChg>
-      <pc:sldChg chg="add">
-        <pc:chgData name="Namhyoung Kim" userId="fb60bffb23ca2a8d" providerId="LiveId" clId="{68A7EFEE-66FC-43E3-89B4-E3816B2C7497}" dt="2018-12-19T16:52:32.449" v="319"/>
-        <pc:sldMkLst>
-          <pc:docMk/>
-          <pc:sldMk cId="2797516062" sldId="381"/>
-        </pc:sldMkLst>
-      </pc:sldChg>
-    </pc:docChg>
-  </pc:docChgLst>
-  <pc:docChgLst>
     <pc:chgData name="KimNamhyoung" userId="442ac80a-8cd4-4165-8fc5-0e4ac214a370" providerId="ADAL" clId="{2DD854AD-D288-4BC7-8AB8-2EAE1767C62A}"/>
     <pc:docChg chg="modSld">
       <pc:chgData name="KimNamhyoung" userId="442ac80a-8cd4-4165-8fc5-0e4ac214a370" providerId="ADAL" clId="{2DD854AD-D288-4BC7-8AB8-2EAE1767C62A}" dt="2020-11-26T12:39:51.957" v="2" actId="20577"/>
@@ -2723,417 +833,81 @@
     </pc:docChg>
   </pc:docChgLst>
   <pc:docChgLst>
-    <pc:chgData name="KimNamhyoung" userId="442ac80a-8cd4-4165-8fc5-0e4ac214a370" providerId="ADAL" clId="{A7E0A336-D386-4002-8984-A900D0D56702}"/>
+    <pc:chgData name="KimNamhyoung" userId="442ac80a-8cd4-4165-8fc5-0e4ac214a370" providerId="ADAL" clId="{5025D168-0229-4E51-9601-1BD3919B4943}"/>
     <pc:docChg chg="modSld">
-      <pc:chgData name="KimNamhyoung" userId="442ac80a-8cd4-4165-8fc5-0e4ac214a370" providerId="ADAL" clId="{A7E0A336-D386-4002-8984-A900D0D56702}" dt="2020-11-26T13:08:33.345" v="1"/>
+      <pc:chgData name="KimNamhyoung" userId="442ac80a-8cd4-4165-8fc5-0e4ac214a370" providerId="ADAL" clId="{5025D168-0229-4E51-9601-1BD3919B4943}" dt="2021-01-04T09:50:58.904" v="63" actId="1035"/>
       <pc:docMkLst>
         <pc:docMk/>
       </pc:docMkLst>
-      <pc:sldChg chg="addSp delSp mod">
-        <pc:chgData name="KimNamhyoung" userId="442ac80a-8cd4-4165-8fc5-0e4ac214a370" providerId="ADAL" clId="{A7E0A336-D386-4002-8984-A900D0D56702}" dt="2020-11-26T13:08:33.345" v="1"/>
+      <pc:sldChg chg="addSp modSp mod">
+        <pc:chgData name="KimNamhyoung" userId="442ac80a-8cd4-4165-8fc5-0e4ac214a370" providerId="ADAL" clId="{5025D168-0229-4E51-9601-1BD3919B4943}" dt="2021-01-04T09:48:44.950" v="41" actId="164"/>
         <pc:sldMkLst>
           <pc:docMk/>
-          <pc:sldMk cId="2128572570" sldId="289"/>
+          <pc:sldMk cId="2044466767" sldId="336"/>
         </pc:sldMkLst>
-        <pc:inkChg chg="add del">
-          <ac:chgData name="KimNamhyoung" userId="442ac80a-8cd4-4165-8fc5-0e4ac214a370" providerId="ADAL" clId="{A7E0A336-D386-4002-8984-A900D0D56702}" dt="2020-11-26T13:08:33.345" v="1"/>
-          <ac:inkMkLst>
-            <pc:docMk/>
-            <pc:sldMk cId="2128572570" sldId="289"/>
-            <ac:inkMk id="2" creationId="{6A22F88B-46C3-41AB-8803-796F9ACE19A7}"/>
-          </ac:inkMkLst>
-        </pc:inkChg>
-      </pc:sldChg>
-    </pc:docChg>
-  </pc:docChgLst>
-  <pc:docChgLst>
-    <pc:chgData name="KimNamhyoung" userId="442ac80a-8cd4-4165-8fc5-0e4ac214a370" providerId="ADAL" clId="{9D5B359D-A5D5-4737-B9F0-EC76152A0CAF}"/>
-    <pc:docChg chg="undo custSel modSld">
-      <pc:chgData name="KimNamhyoung" userId="442ac80a-8cd4-4165-8fc5-0e4ac214a370" providerId="ADAL" clId="{9D5B359D-A5D5-4737-B9F0-EC76152A0CAF}" dt="2020-01-07T02:57:48.287" v="310" actId="1076"/>
-      <pc:docMkLst>
-        <pc:docMk/>
-      </pc:docMkLst>
-      <pc:sldChg chg="modSp">
-        <pc:chgData name="KimNamhyoung" userId="442ac80a-8cd4-4165-8fc5-0e4ac214a370" providerId="ADAL" clId="{9D5B359D-A5D5-4737-B9F0-EC76152A0CAF}" dt="2019-12-31T09:16:15.393" v="65" actId="207"/>
-        <pc:sldMkLst>
-          <pc:docMk/>
-          <pc:sldMk cId="2667652555" sldId="291"/>
-        </pc:sldMkLst>
-        <pc:spChg chg="mod">
-          <ac:chgData name="KimNamhyoung" userId="442ac80a-8cd4-4165-8fc5-0e4ac214a370" providerId="ADAL" clId="{9D5B359D-A5D5-4737-B9F0-EC76152A0CAF}" dt="2019-12-31T09:16:15.393" v="65" actId="207"/>
-          <ac:spMkLst>
-            <pc:docMk/>
-            <pc:sldMk cId="2667652555" sldId="291"/>
-            <ac:spMk id="3" creationId="{00000000-0000-0000-0000-000000000000}"/>
-          </ac:spMkLst>
-        </pc:spChg>
-      </pc:sldChg>
-      <pc:sldChg chg="modSp">
-        <pc:chgData name="KimNamhyoung" userId="442ac80a-8cd4-4165-8fc5-0e4ac214a370" providerId="ADAL" clId="{9D5B359D-A5D5-4737-B9F0-EC76152A0CAF}" dt="2019-12-31T14:30:32.145" v="260" actId="20577"/>
-        <pc:sldMkLst>
-          <pc:docMk/>
-          <pc:sldMk cId="1791322728" sldId="299"/>
-        </pc:sldMkLst>
-        <pc:spChg chg="mod">
-          <ac:chgData name="KimNamhyoung" userId="442ac80a-8cd4-4165-8fc5-0e4ac214a370" providerId="ADAL" clId="{9D5B359D-A5D5-4737-B9F0-EC76152A0CAF}" dt="2019-12-31T14:30:32.145" v="260" actId="20577"/>
-          <ac:spMkLst>
-            <pc:docMk/>
-            <pc:sldMk cId="1791322728" sldId="299"/>
-            <ac:spMk id="2" creationId="{30A05CDF-51ED-4278-AA11-1745E5809FF2}"/>
-          </ac:spMkLst>
-        </pc:spChg>
-      </pc:sldChg>
-      <pc:sldChg chg="modSp">
-        <pc:chgData name="KimNamhyoung" userId="442ac80a-8cd4-4165-8fc5-0e4ac214a370" providerId="ADAL" clId="{9D5B359D-A5D5-4737-B9F0-EC76152A0CAF}" dt="2019-12-31T11:27:26.449" v="251"/>
-        <pc:sldMkLst>
-          <pc:docMk/>
-          <pc:sldMk cId="1402426098" sldId="300"/>
-        </pc:sldMkLst>
-        <pc:graphicFrameChg chg="mod modGraphic">
-          <ac:chgData name="KimNamhyoung" userId="442ac80a-8cd4-4165-8fc5-0e4ac214a370" providerId="ADAL" clId="{9D5B359D-A5D5-4737-B9F0-EC76152A0CAF}" dt="2019-12-31T11:27:26.449" v="251"/>
-          <ac:graphicFrameMkLst>
-            <pc:docMk/>
-            <pc:sldMk cId="1402426098" sldId="300"/>
-            <ac:graphicFrameMk id="4" creationId="{00000000-0000-0000-0000-000000000000}"/>
-          </ac:graphicFrameMkLst>
-        </pc:graphicFrameChg>
-      </pc:sldChg>
-      <pc:sldChg chg="addSp modSp">
-        <pc:chgData name="KimNamhyoung" userId="442ac80a-8cd4-4165-8fc5-0e4ac214a370" providerId="ADAL" clId="{9D5B359D-A5D5-4737-B9F0-EC76152A0CAF}" dt="2019-12-31T10:56:43.847" v="145" actId="164"/>
-        <pc:sldMkLst>
-          <pc:docMk/>
-          <pc:sldMk cId="1402426098" sldId="301"/>
-        </pc:sldMkLst>
-        <pc:spChg chg="mod">
-          <ac:chgData name="KimNamhyoung" userId="442ac80a-8cd4-4165-8fc5-0e4ac214a370" providerId="ADAL" clId="{9D5B359D-A5D5-4737-B9F0-EC76152A0CAF}" dt="2019-12-31T10:54:46.686" v="144" actId="12"/>
-          <ac:spMkLst>
-            <pc:docMk/>
-            <pc:sldMk cId="1402426098" sldId="301"/>
-            <ac:spMk id="3" creationId="{A78A9532-2F4F-4CDA-A6D8-C50136CBC3BD}"/>
-          </ac:spMkLst>
-        </pc:spChg>
-        <pc:spChg chg="add mod">
-          <ac:chgData name="KimNamhyoung" userId="442ac80a-8cd4-4165-8fc5-0e4ac214a370" providerId="ADAL" clId="{9D5B359D-A5D5-4737-B9F0-EC76152A0CAF}" dt="2019-12-31T10:56:43.847" v="145" actId="164"/>
-          <ac:spMkLst>
-            <pc:docMk/>
-            <pc:sldMk cId="1402426098" sldId="301"/>
-            <ac:spMk id="5" creationId="{707F1A66-48F9-481F-855B-B740A0A3E851}"/>
-          </ac:spMkLst>
-        </pc:spChg>
         <pc:grpChg chg="add mod">
-          <ac:chgData name="KimNamhyoung" userId="442ac80a-8cd4-4165-8fc5-0e4ac214a370" providerId="ADAL" clId="{9D5B359D-A5D5-4737-B9F0-EC76152A0CAF}" dt="2019-12-31T10:56:43.847" v="145" actId="164"/>
+          <ac:chgData name="KimNamhyoung" userId="442ac80a-8cd4-4165-8fc5-0e4ac214a370" providerId="ADAL" clId="{5025D168-0229-4E51-9601-1BD3919B4943}" dt="2021-01-04T09:48:44.950" v="41" actId="164"/>
           <ac:grpSpMkLst>
             <pc:docMk/>
-            <pc:sldMk cId="1402426098" sldId="301"/>
-            <ac:grpSpMk id="6" creationId="{E152F979-8680-482F-81D1-63086B8644D4}"/>
+            <pc:sldMk cId="2044466767" sldId="336"/>
+            <ac:grpSpMk id="8" creationId="{0B08E262-16F0-4775-A751-57138B3B67BF}"/>
           </ac:grpSpMkLst>
         </pc:grpChg>
         <pc:picChg chg="mod">
-          <ac:chgData name="KimNamhyoung" userId="442ac80a-8cd4-4165-8fc5-0e4ac214a370" providerId="ADAL" clId="{9D5B359D-A5D5-4737-B9F0-EC76152A0CAF}" dt="2019-12-31T10:56:43.847" v="145" actId="164"/>
+          <ac:chgData name="KimNamhyoung" userId="442ac80a-8cd4-4165-8fc5-0e4ac214a370" providerId="ADAL" clId="{5025D168-0229-4E51-9601-1BD3919B4943}" dt="2021-01-04T09:48:44.950" v="41" actId="164"/>
           <ac:picMkLst>
             <pc:docMk/>
-            <pc:sldMk cId="1402426098" sldId="301"/>
-            <ac:picMk id="4" creationId="{235B477E-441B-4F26-9460-EAE60D61EAC8}"/>
+            <pc:sldMk cId="2044466767" sldId="336"/>
+            <ac:picMk id="4" creationId="{CDC6BC7D-39D1-43FD-AE04-295B9A2F7CC3}"/>
+          </ac:picMkLst>
+        </pc:picChg>
+        <pc:picChg chg="add mod modCrop">
+          <ac:chgData name="KimNamhyoung" userId="442ac80a-8cd4-4165-8fc5-0e4ac214a370" providerId="ADAL" clId="{5025D168-0229-4E51-9601-1BD3919B4943}" dt="2021-01-04T09:48:44.950" v="41" actId="164"/>
+          <ac:picMkLst>
+            <pc:docMk/>
+            <pc:sldMk cId="2044466767" sldId="336"/>
+            <ac:picMk id="5" creationId="{3F01345E-55A0-4D37-81D4-EA8E534BE8B7}"/>
+          </ac:picMkLst>
+        </pc:picChg>
+        <pc:picChg chg="add mod">
+          <ac:chgData name="KimNamhyoung" userId="442ac80a-8cd4-4165-8fc5-0e4ac214a370" providerId="ADAL" clId="{5025D168-0229-4E51-9601-1BD3919B4943}" dt="2021-01-04T09:48:44.950" v="41" actId="164"/>
+          <ac:picMkLst>
+            <pc:docMk/>
+            <pc:sldMk cId="2044466767" sldId="336"/>
+            <ac:picMk id="7" creationId="{B84A381D-0B66-4648-B530-6D65D1D949D6}"/>
           </ac:picMkLst>
         </pc:picChg>
       </pc:sldChg>
-      <pc:sldChg chg="modSp">
-        <pc:chgData name="KimNamhyoung" userId="442ac80a-8cd4-4165-8fc5-0e4ac214a370" providerId="ADAL" clId="{9D5B359D-A5D5-4737-B9F0-EC76152A0CAF}" dt="2019-12-31T14:30:37.213" v="262" actId="20577"/>
+      <pc:sldChg chg="modSp mod">
+        <pc:chgData name="KimNamhyoung" userId="442ac80a-8cd4-4165-8fc5-0e4ac214a370" providerId="ADAL" clId="{5025D168-0229-4E51-9601-1BD3919B4943}" dt="2021-01-04T09:50:58.904" v="63" actId="1035"/>
         <pc:sldMkLst>
           <pc:docMk/>
-          <pc:sldMk cId="482145085" sldId="307"/>
+          <pc:sldMk cId="2823290471" sldId="398"/>
         </pc:sldMkLst>
         <pc:spChg chg="mod">
-          <ac:chgData name="KimNamhyoung" userId="442ac80a-8cd4-4165-8fc5-0e4ac214a370" providerId="ADAL" clId="{9D5B359D-A5D5-4737-B9F0-EC76152A0CAF}" dt="2019-12-31T14:30:37.213" v="262" actId="20577"/>
+          <ac:chgData name="KimNamhyoung" userId="442ac80a-8cd4-4165-8fc5-0e4ac214a370" providerId="ADAL" clId="{5025D168-0229-4E51-9601-1BD3919B4943}" dt="2021-01-04T09:50:54.125" v="43" actId="6549"/>
           <ac:spMkLst>
             <pc:docMk/>
-            <pc:sldMk cId="482145085" sldId="307"/>
-            <ac:spMk id="2" creationId="{30A05CDF-51ED-4278-AA11-1745E5809FF2}"/>
+            <pc:sldMk cId="2823290471" sldId="398"/>
+            <ac:spMk id="3" creationId="{B97CF335-A71C-4BE5-9D85-1F563E90B912}"/>
           </ac:spMkLst>
         </pc:spChg>
-        <pc:graphicFrameChg chg="mod modGraphic">
-          <ac:chgData name="KimNamhyoung" userId="442ac80a-8cd4-4165-8fc5-0e4ac214a370" providerId="ADAL" clId="{9D5B359D-A5D5-4737-B9F0-EC76152A0CAF}" dt="2019-12-31T09:42:44.558" v="73" actId="403"/>
-          <ac:graphicFrameMkLst>
-            <pc:docMk/>
-            <pc:sldMk cId="482145085" sldId="307"/>
-            <ac:graphicFrameMk id="5" creationId="{00000000-0000-0000-0000-000000000000}"/>
-          </ac:graphicFrameMkLst>
-        </pc:graphicFrameChg>
-      </pc:sldChg>
-      <pc:sldChg chg="addSp delSp modSp">
-        <pc:chgData name="KimNamhyoung" userId="442ac80a-8cd4-4165-8fc5-0e4ac214a370" providerId="ADAL" clId="{9D5B359D-A5D5-4737-B9F0-EC76152A0CAF}" dt="2019-12-31T11:04:16.663" v="148" actId="1076"/>
-        <pc:sldMkLst>
-          <pc:docMk/>
-          <pc:sldMk cId="597129306" sldId="309"/>
-        </pc:sldMkLst>
-        <pc:picChg chg="del">
-          <ac:chgData name="KimNamhyoung" userId="442ac80a-8cd4-4165-8fc5-0e4ac214a370" providerId="ADAL" clId="{9D5B359D-A5D5-4737-B9F0-EC76152A0CAF}" dt="2019-12-31T11:03:39.442" v="146" actId="478"/>
+        <pc:picChg chg="mod modCrop">
+          <ac:chgData name="KimNamhyoung" userId="442ac80a-8cd4-4165-8fc5-0e4ac214a370" providerId="ADAL" clId="{5025D168-0229-4E51-9601-1BD3919B4943}" dt="2021-01-04T09:50:50.298" v="42" actId="732"/>
           <ac:picMkLst>
             <pc:docMk/>
-            <pc:sldMk cId="597129306" sldId="309"/>
-            <ac:picMk id="4" creationId="{E9A8B126-D6B8-4C78-A654-FF8A93E2B903}"/>
-          </ac:picMkLst>
-        </pc:picChg>
-        <pc:picChg chg="add mod">
-          <ac:chgData name="KimNamhyoung" userId="442ac80a-8cd4-4165-8fc5-0e4ac214a370" providerId="ADAL" clId="{9D5B359D-A5D5-4737-B9F0-EC76152A0CAF}" dt="2019-12-31T11:04:16.663" v="148" actId="1076"/>
-          <ac:picMkLst>
-            <pc:docMk/>
-            <pc:sldMk cId="597129306" sldId="309"/>
-            <ac:picMk id="6" creationId="{ADFF909E-98F7-42AF-AAF0-C7AE29407590}"/>
-          </ac:picMkLst>
-        </pc:picChg>
-      </pc:sldChg>
-      <pc:sldChg chg="modSp">
-        <pc:chgData name="KimNamhyoung" userId="442ac80a-8cd4-4165-8fc5-0e4ac214a370" providerId="ADAL" clId="{9D5B359D-A5D5-4737-B9F0-EC76152A0CAF}" dt="2019-12-31T14:30:42.062" v="264" actId="20577"/>
-        <pc:sldMkLst>
-          <pc:docMk/>
-          <pc:sldMk cId="2652320674" sldId="310"/>
-        </pc:sldMkLst>
-        <pc:spChg chg="mod">
-          <ac:chgData name="KimNamhyoung" userId="442ac80a-8cd4-4165-8fc5-0e4ac214a370" providerId="ADAL" clId="{9D5B359D-A5D5-4737-B9F0-EC76152A0CAF}" dt="2019-12-31T14:30:42.062" v="264" actId="20577"/>
-          <ac:spMkLst>
-            <pc:docMk/>
-            <pc:sldMk cId="2652320674" sldId="310"/>
-            <ac:spMk id="2" creationId="{30A05CDF-51ED-4278-AA11-1745E5809FF2}"/>
-          </ac:spMkLst>
-        </pc:spChg>
-      </pc:sldChg>
-      <pc:sldChg chg="modSp">
-        <pc:chgData name="KimNamhyoung" userId="442ac80a-8cd4-4165-8fc5-0e4ac214a370" providerId="ADAL" clId="{9D5B359D-A5D5-4737-B9F0-EC76152A0CAF}" dt="2019-12-31T11:23:44.566" v="177" actId="1036"/>
-        <pc:sldMkLst>
-          <pc:docMk/>
-          <pc:sldMk cId="1402587320" sldId="311"/>
-        </pc:sldMkLst>
-        <pc:spChg chg="mod">
-          <ac:chgData name="KimNamhyoung" userId="442ac80a-8cd4-4165-8fc5-0e4ac214a370" providerId="ADAL" clId="{9D5B359D-A5D5-4737-B9F0-EC76152A0CAF}" dt="2019-12-31T11:19:32.010" v="161" actId="20577"/>
-          <ac:spMkLst>
-            <pc:docMk/>
-            <pc:sldMk cId="1402587320" sldId="311"/>
-            <ac:spMk id="3" creationId="{A78A9532-2F4F-4CDA-A6D8-C50136CBC3BD}"/>
-          </ac:spMkLst>
-        </pc:spChg>
-        <pc:picChg chg="mod">
-          <ac:chgData name="KimNamhyoung" userId="442ac80a-8cd4-4165-8fc5-0e4ac214a370" providerId="ADAL" clId="{9D5B359D-A5D5-4737-B9F0-EC76152A0CAF}" dt="2019-12-31T11:23:44.566" v="177" actId="1036"/>
-          <ac:picMkLst>
-            <pc:docMk/>
-            <pc:sldMk cId="1402587320" sldId="311"/>
-            <ac:picMk id="7" creationId="{CA3F4990-3975-4B78-8F4D-429EA3A28020}"/>
-          </ac:picMkLst>
-        </pc:picChg>
-      </pc:sldChg>
-      <pc:sldChg chg="modSp">
-        <pc:chgData name="KimNamhyoung" userId="442ac80a-8cd4-4165-8fc5-0e4ac214a370" providerId="ADAL" clId="{9D5B359D-A5D5-4737-B9F0-EC76152A0CAF}" dt="2019-12-31T11:39:44.911" v="253" actId="2165"/>
-        <pc:sldMkLst>
-          <pc:docMk/>
-          <pc:sldMk cId="2845735862" sldId="321"/>
-        </pc:sldMkLst>
-        <pc:graphicFrameChg chg="modGraphic">
-          <ac:chgData name="KimNamhyoung" userId="442ac80a-8cd4-4165-8fc5-0e4ac214a370" providerId="ADAL" clId="{9D5B359D-A5D5-4737-B9F0-EC76152A0CAF}" dt="2019-12-31T11:39:44.911" v="253" actId="2165"/>
-          <ac:graphicFrameMkLst>
-            <pc:docMk/>
-            <pc:sldMk cId="2845735862" sldId="321"/>
-            <ac:graphicFrameMk id="4" creationId="{0A9C2647-E54D-4474-8AAF-1661BB2FFF36}"/>
-          </ac:graphicFrameMkLst>
-        </pc:graphicFrameChg>
-      </pc:sldChg>
-      <pc:sldChg chg="modSp">
-        <pc:chgData name="KimNamhyoung" userId="442ac80a-8cd4-4165-8fc5-0e4ac214a370" providerId="ADAL" clId="{9D5B359D-A5D5-4737-B9F0-EC76152A0CAF}" dt="2019-12-31T12:26:14.611" v="255" actId="1036"/>
-        <pc:sldMkLst>
-          <pc:docMk/>
-          <pc:sldMk cId="619435612" sldId="326"/>
-        </pc:sldMkLst>
-        <pc:picChg chg="mod">
-          <ac:chgData name="KimNamhyoung" userId="442ac80a-8cd4-4165-8fc5-0e4ac214a370" providerId="ADAL" clId="{9D5B359D-A5D5-4737-B9F0-EC76152A0CAF}" dt="2019-12-31T12:26:14.611" v="255" actId="1036"/>
-          <ac:picMkLst>
-            <pc:docMk/>
-            <pc:sldMk cId="619435612" sldId="326"/>
-            <ac:picMk id="5" creationId="{61F23FDC-0E7D-47C3-81FE-C0E57FE9F1A5}"/>
-          </ac:picMkLst>
-        </pc:picChg>
-      </pc:sldChg>
-      <pc:sldChg chg="delSp">
-        <pc:chgData name="KimNamhyoung" userId="442ac80a-8cd4-4165-8fc5-0e4ac214a370" providerId="ADAL" clId="{9D5B359D-A5D5-4737-B9F0-EC76152A0CAF}" dt="2019-12-31T12:18:45.696" v="254" actId="478"/>
-        <pc:sldMkLst>
-          <pc:docMk/>
-          <pc:sldMk cId="4284472928" sldId="327"/>
-        </pc:sldMkLst>
-        <pc:inkChg chg="del">
-          <ac:chgData name="KimNamhyoung" userId="442ac80a-8cd4-4165-8fc5-0e4ac214a370" providerId="ADAL" clId="{9D5B359D-A5D5-4737-B9F0-EC76152A0CAF}" dt="2019-12-31T12:18:45.696" v="254" actId="478"/>
-          <ac:inkMkLst>
-            <pc:docMk/>
-            <pc:sldMk cId="4284472928" sldId="327"/>
-            <ac:inkMk id="26" creationId="{0C117D04-E8B1-44CC-9CBC-212095C22B55}"/>
-          </ac:inkMkLst>
-        </pc:inkChg>
-      </pc:sldChg>
-      <pc:sldChg chg="addSp modSp">
-        <pc:chgData name="KimNamhyoung" userId="442ac80a-8cd4-4165-8fc5-0e4ac214a370" providerId="ADAL" clId="{9D5B359D-A5D5-4737-B9F0-EC76152A0CAF}" dt="2020-01-06T16:01:42.092" v="307" actId="164"/>
-        <pc:sldMkLst>
-          <pc:docMk/>
-          <pc:sldMk cId="2849685737" sldId="332"/>
-        </pc:sldMkLst>
-        <pc:grpChg chg="add mod">
-          <ac:chgData name="KimNamhyoung" userId="442ac80a-8cd4-4165-8fc5-0e4ac214a370" providerId="ADAL" clId="{9D5B359D-A5D5-4737-B9F0-EC76152A0CAF}" dt="2020-01-06T16:01:42.092" v="307" actId="164"/>
-          <ac:grpSpMkLst>
-            <pc:docMk/>
-            <pc:sldMk cId="2849685737" sldId="332"/>
-            <ac:grpSpMk id="8" creationId="{48A7A63E-4B0C-4C92-BF1F-BD3C8DC3AEA9}"/>
-          </ac:grpSpMkLst>
-        </pc:grpChg>
-        <pc:picChg chg="mod">
-          <ac:chgData name="KimNamhyoung" userId="442ac80a-8cd4-4165-8fc5-0e4ac214a370" providerId="ADAL" clId="{9D5B359D-A5D5-4737-B9F0-EC76152A0CAF}" dt="2020-01-06T16:01:42.092" v="307" actId="164"/>
-          <ac:picMkLst>
-            <pc:docMk/>
-            <pc:sldMk cId="2849685737" sldId="332"/>
-            <ac:picMk id="4" creationId="{7DAB5C7A-E9A9-497F-B88C-32ADB54C7966}"/>
-          </ac:picMkLst>
-        </pc:picChg>
-        <pc:picChg chg="add mod modCrop">
-          <ac:chgData name="KimNamhyoung" userId="442ac80a-8cd4-4165-8fc5-0e4ac214a370" providerId="ADAL" clId="{9D5B359D-A5D5-4737-B9F0-EC76152A0CAF}" dt="2020-01-06T16:01:42.092" v="307" actId="164"/>
-          <ac:picMkLst>
-            <pc:docMk/>
-            <pc:sldMk cId="2849685737" sldId="332"/>
-            <ac:picMk id="6" creationId="{0425DA39-D85C-4BFF-B5B8-91121D8557BC}"/>
-          </ac:picMkLst>
-        </pc:picChg>
-        <pc:picChg chg="add mod">
-          <ac:chgData name="KimNamhyoung" userId="442ac80a-8cd4-4165-8fc5-0e4ac214a370" providerId="ADAL" clId="{9D5B359D-A5D5-4737-B9F0-EC76152A0CAF}" dt="2020-01-06T16:01:42.092" v="307" actId="164"/>
-          <ac:picMkLst>
-            <pc:docMk/>
-            <pc:sldMk cId="2849685737" sldId="332"/>
-            <ac:picMk id="7" creationId="{448BFB46-2B7C-4C1F-94F4-0534EE1590B0}"/>
-          </ac:picMkLst>
-        </pc:picChg>
-      </pc:sldChg>
-      <pc:sldChg chg="delSp">
-        <pc:chgData name="KimNamhyoung" userId="442ac80a-8cd4-4165-8fc5-0e4ac214a370" providerId="ADAL" clId="{9D5B359D-A5D5-4737-B9F0-EC76152A0CAF}" dt="2019-12-31T14:31:47.514" v="265" actId="478"/>
-        <pc:sldMkLst>
-          <pc:docMk/>
-          <pc:sldMk cId="536207168" sldId="336"/>
-        </pc:sldMkLst>
-        <pc:inkChg chg="del">
-          <ac:chgData name="KimNamhyoung" userId="442ac80a-8cd4-4165-8fc5-0e4ac214a370" providerId="ADAL" clId="{9D5B359D-A5D5-4737-B9F0-EC76152A0CAF}" dt="2019-12-31T14:31:47.514" v="265" actId="478"/>
-          <ac:inkMkLst>
-            <pc:docMk/>
-            <pc:sldMk cId="536207168" sldId="336"/>
-            <ac:inkMk id="97" creationId="{74C252B5-953C-4126-9088-9164ED742431}"/>
-          </ac:inkMkLst>
-        </pc:inkChg>
-      </pc:sldChg>
-      <pc:sldChg chg="delSp">
-        <pc:chgData name="KimNamhyoung" userId="442ac80a-8cd4-4165-8fc5-0e4ac214a370" providerId="ADAL" clId="{9D5B359D-A5D5-4737-B9F0-EC76152A0CAF}" dt="2019-12-31T14:06:22.095" v="258" actId="478"/>
-        <pc:sldMkLst>
-          <pc:docMk/>
-          <pc:sldMk cId="3579191837" sldId="337"/>
-        </pc:sldMkLst>
-        <pc:inkChg chg="del">
-          <ac:chgData name="KimNamhyoung" userId="442ac80a-8cd4-4165-8fc5-0e4ac214a370" providerId="ADAL" clId="{9D5B359D-A5D5-4737-B9F0-EC76152A0CAF}" dt="2019-12-31T14:06:17.495" v="256" actId="478"/>
-          <ac:inkMkLst>
-            <pc:docMk/>
-            <pc:sldMk cId="3579191837" sldId="337"/>
-            <ac:inkMk id="8" creationId="{9AAC214C-6DCA-47B1-829B-4A8CF1E4BE00}"/>
-          </ac:inkMkLst>
-        </pc:inkChg>
-        <pc:inkChg chg="del">
-          <ac:chgData name="KimNamhyoung" userId="442ac80a-8cd4-4165-8fc5-0e4ac214a370" providerId="ADAL" clId="{9D5B359D-A5D5-4737-B9F0-EC76152A0CAF}" dt="2019-12-31T14:06:19.669" v="257" actId="478"/>
-          <ac:inkMkLst>
-            <pc:docMk/>
-            <pc:sldMk cId="3579191837" sldId="337"/>
-            <ac:inkMk id="19" creationId="{DB5237B4-8BD9-4987-87E7-E86DBC12CA70}"/>
-          </ac:inkMkLst>
-        </pc:inkChg>
-        <pc:inkChg chg="del">
-          <ac:chgData name="KimNamhyoung" userId="442ac80a-8cd4-4165-8fc5-0e4ac214a370" providerId="ADAL" clId="{9D5B359D-A5D5-4737-B9F0-EC76152A0CAF}" dt="2019-12-31T14:06:22.095" v="258" actId="478"/>
-          <ac:inkMkLst>
-            <pc:docMk/>
-            <pc:sldMk cId="3579191837" sldId="337"/>
-            <ac:inkMk id="28" creationId="{B463F3BC-B01D-488D-B7F6-9FA9EA95FC25}"/>
-          </ac:inkMkLst>
-        </pc:inkChg>
-      </pc:sldChg>
-      <pc:sldChg chg="modSp">
-        <pc:chgData name="KimNamhyoung" userId="442ac80a-8cd4-4165-8fc5-0e4ac214a370" providerId="ADAL" clId="{9D5B359D-A5D5-4737-B9F0-EC76152A0CAF}" dt="2020-01-07T02:31:02.299" v="309" actId="1076"/>
-        <pc:sldMkLst>
-          <pc:docMk/>
-          <pc:sldMk cId="4290301824" sldId="345"/>
-        </pc:sldMkLst>
-        <pc:picChg chg="mod">
-          <ac:chgData name="KimNamhyoung" userId="442ac80a-8cd4-4165-8fc5-0e4ac214a370" providerId="ADAL" clId="{9D5B359D-A5D5-4737-B9F0-EC76152A0CAF}" dt="2020-01-07T02:31:02.299" v="309" actId="1076"/>
-          <ac:picMkLst>
-            <pc:docMk/>
-            <pc:sldMk cId="4290301824" sldId="345"/>
-            <ac:picMk id="4" creationId="{79D57239-B06B-4DD8-B66B-9BCB05FA3DDA}"/>
-          </ac:picMkLst>
-        </pc:picChg>
-      </pc:sldChg>
-      <pc:sldChg chg="addSp delSp modSp">
-        <pc:chgData name="KimNamhyoung" userId="442ac80a-8cd4-4165-8fc5-0e4ac214a370" providerId="ADAL" clId="{9D5B359D-A5D5-4737-B9F0-EC76152A0CAF}" dt="2019-12-31T14:57:42.677" v="290" actId="164"/>
-        <pc:sldMkLst>
-          <pc:docMk/>
-          <pc:sldMk cId="1925760938" sldId="352"/>
-        </pc:sldMkLst>
-        <pc:grpChg chg="add mod">
-          <ac:chgData name="KimNamhyoung" userId="442ac80a-8cd4-4165-8fc5-0e4ac214a370" providerId="ADAL" clId="{9D5B359D-A5D5-4737-B9F0-EC76152A0CAF}" dt="2019-12-31T14:57:42.677" v="290" actId="164"/>
-          <ac:grpSpMkLst>
-            <pc:docMk/>
-            <pc:sldMk cId="1925760938" sldId="352"/>
-            <ac:grpSpMk id="7" creationId="{932A7EB5-EC03-470F-BD78-BCC90CDC164C}"/>
-          </ac:grpSpMkLst>
-        </pc:grpChg>
-        <pc:picChg chg="add del mod">
-          <ac:chgData name="KimNamhyoung" userId="442ac80a-8cd4-4165-8fc5-0e4ac214a370" providerId="ADAL" clId="{9D5B359D-A5D5-4737-B9F0-EC76152A0CAF}" dt="2019-12-31T14:55:50.184" v="270" actId="478"/>
-          <ac:picMkLst>
-            <pc:docMk/>
-            <pc:sldMk cId="1925760938" sldId="352"/>
-            <ac:picMk id="4" creationId="{37A8C71F-BB0B-4110-81D4-5DB43133026F}"/>
+            <pc:sldMk cId="2823290471" sldId="398"/>
+            <ac:picMk id="6" creationId="{AFACB31F-8595-4A75-8A80-85451D54D18F}"/>
           </ac:picMkLst>
         </pc:picChg>
         <pc:picChg chg="mod">
-          <ac:chgData name="KimNamhyoung" userId="442ac80a-8cd4-4165-8fc5-0e4ac214a370" providerId="ADAL" clId="{9D5B359D-A5D5-4737-B9F0-EC76152A0CAF}" dt="2019-12-31T14:57:42.677" v="290" actId="164"/>
+          <ac:chgData name="KimNamhyoung" userId="442ac80a-8cd4-4165-8fc5-0e4ac214a370" providerId="ADAL" clId="{5025D168-0229-4E51-9601-1BD3919B4943}" dt="2021-01-04T09:50:58.904" v="63" actId="1035"/>
           <ac:picMkLst>
             <pc:docMk/>
-            <pc:sldMk cId="1925760938" sldId="352"/>
-            <ac:picMk id="5" creationId="{FB560127-CCE0-4F2B-A68E-1ED8968F06C5}"/>
+            <pc:sldMk cId="2823290471" sldId="398"/>
+            <ac:picMk id="9" creationId="{815DBF37-7500-4D05-9714-4552A267F908}"/>
           </ac:picMkLst>
         </pc:picChg>
-        <pc:picChg chg="add mod modCrop">
-          <ac:chgData name="KimNamhyoung" userId="442ac80a-8cd4-4165-8fc5-0e4ac214a370" providerId="ADAL" clId="{9D5B359D-A5D5-4737-B9F0-EC76152A0CAF}" dt="2019-12-31T14:57:42.677" v="290" actId="164"/>
-          <ac:picMkLst>
-            <pc:docMk/>
-            <pc:sldMk cId="1925760938" sldId="352"/>
-            <ac:picMk id="6" creationId="{071A477D-67CF-409E-ACD4-5DE938F238E9}"/>
-          </ac:picMkLst>
-        </pc:picChg>
-      </pc:sldChg>
-      <pc:sldChg chg="modSp">
-        <pc:chgData name="KimNamhyoung" userId="442ac80a-8cd4-4165-8fc5-0e4ac214a370" providerId="ADAL" clId="{9D5B359D-A5D5-4737-B9F0-EC76152A0CAF}" dt="2020-01-07T02:57:48.287" v="310" actId="1076"/>
-        <pc:sldMkLst>
-          <pc:docMk/>
-          <pc:sldMk cId="133212441" sldId="370"/>
-        </pc:sldMkLst>
-        <pc:picChg chg="mod">
-          <ac:chgData name="KimNamhyoung" userId="442ac80a-8cd4-4165-8fc5-0e4ac214a370" providerId="ADAL" clId="{9D5B359D-A5D5-4737-B9F0-EC76152A0CAF}" dt="2020-01-07T02:57:48.287" v="310" actId="1076"/>
-          <ac:picMkLst>
-            <pc:docMk/>
-            <pc:sldMk cId="133212441" sldId="370"/>
-            <ac:picMk id="5" creationId="{642BEDC9-1A6D-46C5-81D0-AD05A869B51C}"/>
-          </ac:picMkLst>
-        </pc:picChg>
-      </pc:sldChg>
-      <pc:sldChg chg="modSp">
-        <pc:chgData name="KimNamhyoung" userId="442ac80a-8cd4-4165-8fc5-0e4ac214a370" providerId="ADAL" clId="{9D5B359D-A5D5-4737-B9F0-EC76152A0CAF}" dt="2019-12-31T16:23:24.862" v="294"/>
-        <pc:sldMkLst>
-          <pc:docMk/>
-          <pc:sldMk cId="1866844256" sldId="378"/>
-        </pc:sldMkLst>
-        <pc:spChg chg="mod">
-          <ac:chgData name="KimNamhyoung" userId="442ac80a-8cd4-4165-8fc5-0e4ac214a370" providerId="ADAL" clId="{9D5B359D-A5D5-4737-B9F0-EC76152A0CAF}" dt="2019-12-31T16:23:24.862" v="294"/>
-          <ac:spMkLst>
-            <pc:docMk/>
-            <pc:sldMk cId="1866844256" sldId="378"/>
-            <ac:spMk id="3" creationId="{A78A9532-2F4F-4CDA-A6D8-C50136CBC3BD}"/>
-          </ac:spMkLst>
-        </pc:spChg>
       </pc:sldChg>
     </pc:docChg>
   </pc:docChgLst>
@@ -4302,6 +2076,2311 @@
       </pc:sldChg>
     </pc:docChg>
   </pc:docChgLst>
+  <pc:docChgLst>
+    <pc:chgData name="Namhyoung Kim" userId="fb60bffb23ca2a8d" providerId="LiveId" clId="{68A7EFEE-66FC-43E3-89B4-E3816B2C7497}"/>
+    <pc:docChg chg="undo addSld delSld modSld sldOrd">
+      <pc:chgData name="Namhyoung Kim" userId="fb60bffb23ca2a8d" providerId="LiveId" clId="{68A7EFEE-66FC-43E3-89B4-E3816B2C7497}" dt="2018-12-20T07:25:23.837" v="523" actId="2696"/>
+      <pc:docMkLst>
+        <pc:docMk/>
+      </pc:docMkLst>
+      <pc:sldChg chg="addSp modSp">
+        <pc:chgData name="Namhyoung Kim" userId="fb60bffb23ca2a8d" providerId="LiveId" clId="{68A7EFEE-66FC-43E3-89B4-E3816B2C7497}" dt="2018-12-19T11:45:13.391" v="1" actId="1076"/>
+        <pc:sldMkLst>
+          <pc:docMk/>
+          <pc:sldMk cId="1402426098" sldId="301"/>
+        </pc:sldMkLst>
+        <pc:picChg chg="add mod">
+          <ac:chgData name="Namhyoung Kim" userId="fb60bffb23ca2a8d" providerId="LiveId" clId="{68A7EFEE-66FC-43E3-89B4-E3816B2C7497}" dt="2018-12-19T11:45:13.391" v="1" actId="1076"/>
+          <ac:picMkLst>
+            <pc:docMk/>
+            <pc:sldMk cId="1402426098" sldId="301"/>
+            <ac:picMk id="4" creationId="{235B477E-441B-4F26-9460-EAE60D61EAC8}"/>
+          </ac:picMkLst>
+        </pc:picChg>
+      </pc:sldChg>
+      <pc:sldChg chg="modSp">
+        <pc:chgData name="Namhyoung Kim" userId="fb60bffb23ca2a8d" providerId="LiveId" clId="{68A7EFEE-66FC-43E3-89B4-E3816B2C7497}" dt="2018-12-20T04:56:51.364" v="330" actId="20577"/>
+        <pc:sldMkLst>
+          <pc:docMk/>
+          <pc:sldMk cId="482145085" sldId="307"/>
+        </pc:sldMkLst>
+        <pc:graphicFrameChg chg="mod modGraphic">
+          <ac:chgData name="Namhyoung Kim" userId="fb60bffb23ca2a8d" providerId="LiveId" clId="{68A7EFEE-66FC-43E3-89B4-E3816B2C7497}" dt="2018-12-20T04:56:51.364" v="330" actId="20577"/>
+          <ac:graphicFrameMkLst>
+            <pc:docMk/>
+            <pc:sldMk cId="482145085" sldId="307"/>
+            <ac:graphicFrameMk id="5" creationId="{00000000-0000-0000-0000-000000000000}"/>
+          </ac:graphicFrameMkLst>
+        </pc:graphicFrameChg>
+      </pc:sldChg>
+      <pc:sldChg chg="addSp modSp">
+        <pc:chgData name="Namhyoung Kim" userId="fb60bffb23ca2a8d" providerId="LiveId" clId="{68A7EFEE-66FC-43E3-89B4-E3816B2C7497}" dt="2018-12-19T11:52:38.018" v="27" actId="1036"/>
+        <pc:sldMkLst>
+          <pc:docMk/>
+          <pc:sldMk cId="2468436446" sldId="308"/>
+        </pc:sldMkLst>
+        <pc:spChg chg="mod">
+          <ac:chgData name="Namhyoung Kim" userId="fb60bffb23ca2a8d" providerId="LiveId" clId="{68A7EFEE-66FC-43E3-89B4-E3816B2C7497}" dt="2018-12-19T11:51:38.191" v="21"/>
+          <ac:spMkLst>
+            <pc:docMk/>
+            <pc:sldMk cId="2468436446" sldId="308"/>
+            <ac:spMk id="3" creationId="{A78A9532-2F4F-4CDA-A6D8-C50136CBC3BD}"/>
+          </ac:spMkLst>
+        </pc:spChg>
+        <pc:picChg chg="add mod modCrop">
+          <ac:chgData name="Namhyoung Kim" userId="fb60bffb23ca2a8d" providerId="LiveId" clId="{68A7EFEE-66FC-43E3-89B4-E3816B2C7497}" dt="2018-12-19T11:48:40.839" v="9" actId="732"/>
+          <ac:picMkLst>
+            <pc:docMk/>
+            <pc:sldMk cId="2468436446" sldId="308"/>
+            <ac:picMk id="4" creationId="{3CA3E1C8-8821-4B96-B36A-64D59C86D2BD}"/>
+          </ac:picMkLst>
+        </pc:picChg>
+        <pc:picChg chg="add mod modCrop">
+          <ac:chgData name="Namhyoung Kim" userId="fb60bffb23ca2a8d" providerId="LiveId" clId="{68A7EFEE-66FC-43E3-89B4-E3816B2C7497}" dt="2018-12-19T11:52:38.018" v="27" actId="1036"/>
+          <ac:picMkLst>
+            <pc:docMk/>
+            <pc:sldMk cId="2468436446" sldId="308"/>
+            <ac:picMk id="5" creationId="{CE413CA5-10A9-41B5-BDA6-2D758ABEBFB7}"/>
+          </ac:picMkLst>
+        </pc:picChg>
+      </pc:sldChg>
+      <pc:sldChg chg="addSp modSp">
+        <pc:chgData name="Namhyoung Kim" userId="fb60bffb23ca2a8d" providerId="LiveId" clId="{68A7EFEE-66FC-43E3-89B4-E3816B2C7497}" dt="2018-12-19T11:53:29.252" v="32" actId="732"/>
+        <pc:sldMkLst>
+          <pc:docMk/>
+          <pc:sldMk cId="597129306" sldId="309"/>
+        </pc:sldMkLst>
+        <pc:picChg chg="add mod modCrop">
+          <ac:chgData name="Namhyoung Kim" userId="fb60bffb23ca2a8d" providerId="LiveId" clId="{68A7EFEE-66FC-43E3-89B4-E3816B2C7497}" dt="2018-12-19T11:53:29.252" v="32" actId="732"/>
+          <ac:picMkLst>
+            <pc:docMk/>
+            <pc:sldMk cId="597129306" sldId="309"/>
+            <ac:picMk id="4" creationId="{E9A8B126-D6B8-4C78-A654-FF8A93E2B903}"/>
+          </ac:picMkLst>
+        </pc:picChg>
+        <pc:picChg chg="add mod">
+          <ac:chgData name="Namhyoung Kim" userId="fb60bffb23ca2a8d" providerId="LiveId" clId="{68A7EFEE-66FC-43E3-89B4-E3816B2C7497}" dt="2018-12-19T11:53:19.892" v="31" actId="1076"/>
+          <ac:picMkLst>
+            <pc:docMk/>
+            <pc:sldMk cId="597129306" sldId="309"/>
+            <ac:picMk id="5" creationId="{15D1090C-0BF2-44C6-AB5A-1059252A72A5}"/>
+          </ac:picMkLst>
+        </pc:picChg>
+      </pc:sldChg>
+      <pc:sldChg chg="addSp delSp">
+        <pc:chgData name="Namhyoung Kim" userId="fb60bffb23ca2a8d" providerId="LiveId" clId="{68A7EFEE-66FC-43E3-89B4-E3816B2C7497}" dt="2018-12-20T05:53:54.519" v="352"/>
+        <pc:sldMkLst>
+          <pc:docMk/>
+          <pc:sldMk cId="4284472928" sldId="327"/>
+        </pc:sldMkLst>
+        <pc:inkChg chg="add del">
+          <ac:chgData name="Namhyoung Kim" userId="fb60bffb23ca2a8d" providerId="LiveId" clId="{68A7EFEE-66FC-43E3-89B4-E3816B2C7497}" dt="2018-12-20T05:52:48.559" v="334"/>
+          <ac:inkMkLst>
+            <pc:docMk/>
+            <pc:sldMk cId="4284472928" sldId="327"/>
+            <ac:inkMk id="4" creationId="{E87C6292-A2AC-4D5F-8941-C21586BA67F9}"/>
+          </ac:inkMkLst>
+        </pc:inkChg>
+        <pc:inkChg chg="add del">
+          <ac:chgData name="Namhyoung Kim" userId="fb60bffb23ca2a8d" providerId="LiveId" clId="{68A7EFEE-66FC-43E3-89B4-E3816B2C7497}" dt="2018-12-20T05:52:48.559" v="334"/>
+          <ac:inkMkLst>
+            <pc:docMk/>
+            <pc:sldMk cId="4284472928" sldId="327"/>
+            <ac:inkMk id="6" creationId="{34CB06FA-2978-4FFC-B0F4-AF372512C6F5}"/>
+          </ac:inkMkLst>
+        </pc:inkChg>
+        <pc:inkChg chg="add del">
+          <ac:chgData name="Namhyoung Kim" userId="fb60bffb23ca2a8d" providerId="LiveId" clId="{68A7EFEE-66FC-43E3-89B4-E3816B2C7497}" dt="2018-12-20T05:52:48.559" v="334"/>
+          <ac:inkMkLst>
+            <pc:docMk/>
+            <pc:sldMk cId="4284472928" sldId="327"/>
+            <ac:inkMk id="7" creationId="{C3B344FA-9CCE-4168-904F-C1976FD74BB6}"/>
+          </ac:inkMkLst>
+        </pc:inkChg>
+        <pc:inkChg chg="add del">
+          <ac:chgData name="Namhyoung Kim" userId="fb60bffb23ca2a8d" providerId="LiveId" clId="{68A7EFEE-66FC-43E3-89B4-E3816B2C7497}" dt="2018-12-20T05:53:09.224" v="339"/>
+          <ac:inkMkLst>
+            <pc:docMk/>
+            <pc:sldMk cId="4284472928" sldId="327"/>
+            <ac:inkMk id="8" creationId="{3CB58968-542E-4575-8A5B-715642E261E0}"/>
+          </ac:inkMkLst>
+        </pc:inkChg>
+        <pc:inkChg chg="add del">
+          <ac:chgData name="Namhyoung Kim" userId="fb60bffb23ca2a8d" providerId="LiveId" clId="{68A7EFEE-66FC-43E3-89B4-E3816B2C7497}" dt="2018-12-20T05:53:09.224" v="339"/>
+          <ac:inkMkLst>
+            <pc:docMk/>
+            <pc:sldMk cId="4284472928" sldId="327"/>
+            <ac:inkMk id="9" creationId="{B900F0F1-10F0-4A11-BA65-EDAB52FEBFFA}"/>
+          </ac:inkMkLst>
+        </pc:inkChg>
+        <pc:inkChg chg="add del">
+          <ac:chgData name="Namhyoung Kim" userId="fb60bffb23ca2a8d" providerId="LiveId" clId="{68A7EFEE-66FC-43E3-89B4-E3816B2C7497}" dt="2018-12-20T05:53:09.224" v="339"/>
+          <ac:inkMkLst>
+            <pc:docMk/>
+            <pc:sldMk cId="4284472928" sldId="327"/>
+            <ac:inkMk id="10" creationId="{930569CA-4260-42C1-91D8-BA8B016A1D87}"/>
+          </ac:inkMkLst>
+        </pc:inkChg>
+        <pc:inkChg chg="add del">
+          <ac:chgData name="Namhyoung Kim" userId="fb60bffb23ca2a8d" providerId="LiveId" clId="{68A7EFEE-66FC-43E3-89B4-E3816B2C7497}" dt="2018-12-20T05:53:09.224" v="339"/>
+          <ac:inkMkLst>
+            <pc:docMk/>
+            <pc:sldMk cId="4284472928" sldId="327"/>
+            <ac:inkMk id="11" creationId="{49DAC310-7A5F-413E-9140-A7DF36ED2314}"/>
+          </ac:inkMkLst>
+        </pc:inkChg>
+        <pc:inkChg chg="add del">
+          <ac:chgData name="Namhyoung Kim" userId="fb60bffb23ca2a8d" providerId="LiveId" clId="{68A7EFEE-66FC-43E3-89B4-E3816B2C7497}" dt="2018-12-20T05:53:09.224" v="339"/>
+          <ac:inkMkLst>
+            <pc:docMk/>
+            <pc:sldMk cId="4284472928" sldId="327"/>
+            <ac:inkMk id="12" creationId="{0F31375C-AD22-4DB2-B8ED-63AB1732BFD4}"/>
+          </ac:inkMkLst>
+        </pc:inkChg>
+        <pc:inkChg chg="add del">
+          <ac:chgData name="Namhyoung Kim" userId="fb60bffb23ca2a8d" providerId="LiveId" clId="{68A7EFEE-66FC-43E3-89B4-E3816B2C7497}" dt="2018-12-20T05:53:37.803" v="342"/>
+          <ac:inkMkLst>
+            <pc:docMk/>
+            <pc:sldMk cId="4284472928" sldId="327"/>
+            <ac:inkMk id="13" creationId="{031F3EB5-D6E2-46E3-A0CF-5FB87D179C40}"/>
+          </ac:inkMkLst>
+        </pc:inkChg>
+        <pc:inkChg chg="add del">
+          <ac:chgData name="Namhyoung Kim" userId="fb60bffb23ca2a8d" providerId="LiveId" clId="{68A7EFEE-66FC-43E3-89B4-E3816B2C7497}" dt="2018-12-20T05:53:37.803" v="342"/>
+          <ac:inkMkLst>
+            <pc:docMk/>
+            <pc:sldMk cId="4284472928" sldId="327"/>
+            <ac:inkMk id="14" creationId="{D274A46C-FB03-4A93-810D-0145C0D3192F}"/>
+          </ac:inkMkLst>
+        </pc:inkChg>
+        <pc:inkChg chg="add del">
+          <ac:chgData name="Namhyoung Kim" userId="fb60bffb23ca2a8d" providerId="LiveId" clId="{68A7EFEE-66FC-43E3-89B4-E3816B2C7497}" dt="2018-12-20T05:53:37.803" v="342"/>
+          <ac:inkMkLst>
+            <pc:docMk/>
+            <pc:sldMk cId="4284472928" sldId="327"/>
+            <ac:inkMk id="15" creationId="{A421E0A7-5462-4AB8-BD2F-0281361BF6CC}"/>
+          </ac:inkMkLst>
+        </pc:inkChg>
+        <pc:inkChg chg="add del">
+          <ac:chgData name="Namhyoung Kim" userId="fb60bffb23ca2a8d" providerId="LiveId" clId="{68A7EFEE-66FC-43E3-89B4-E3816B2C7497}" dt="2018-12-20T05:53:40.433" v="347"/>
+          <ac:inkMkLst>
+            <pc:docMk/>
+            <pc:sldMk cId="4284472928" sldId="327"/>
+            <ac:inkMk id="16" creationId="{AE057534-0B23-4997-ADD0-ADC56F3F22F5}"/>
+          </ac:inkMkLst>
+        </pc:inkChg>
+        <pc:inkChg chg="add del">
+          <ac:chgData name="Namhyoung Kim" userId="fb60bffb23ca2a8d" providerId="LiveId" clId="{68A7EFEE-66FC-43E3-89B4-E3816B2C7497}" dt="2018-12-20T05:53:40.433" v="347"/>
+          <ac:inkMkLst>
+            <pc:docMk/>
+            <pc:sldMk cId="4284472928" sldId="327"/>
+            <ac:inkMk id="17" creationId="{68F0BA80-8BDD-4F9E-8967-B87FCB132CA4}"/>
+          </ac:inkMkLst>
+        </pc:inkChg>
+        <pc:inkChg chg="add del">
+          <ac:chgData name="Namhyoung Kim" userId="fb60bffb23ca2a8d" providerId="LiveId" clId="{68A7EFEE-66FC-43E3-89B4-E3816B2C7497}" dt="2018-12-20T05:53:40.433" v="347"/>
+          <ac:inkMkLst>
+            <pc:docMk/>
+            <pc:sldMk cId="4284472928" sldId="327"/>
+            <ac:inkMk id="18" creationId="{E0BAB56D-F89F-413E-9466-B60B3030BFBF}"/>
+          </ac:inkMkLst>
+        </pc:inkChg>
+        <pc:inkChg chg="add del">
+          <ac:chgData name="Namhyoung Kim" userId="fb60bffb23ca2a8d" providerId="LiveId" clId="{68A7EFEE-66FC-43E3-89B4-E3816B2C7497}" dt="2018-12-20T05:53:40.433" v="347"/>
+          <ac:inkMkLst>
+            <pc:docMk/>
+            <pc:sldMk cId="4284472928" sldId="327"/>
+            <ac:inkMk id="19" creationId="{CB720D68-5FA9-4C3F-AD33-D70F9255082E}"/>
+          </ac:inkMkLst>
+        </pc:inkChg>
+        <pc:inkChg chg="add del">
+          <ac:chgData name="Namhyoung Kim" userId="fb60bffb23ca2a8d" providerId="LiveId" clId="{68A7EFEE-66FC-43E3-89B4-E3816B2C7497}" dt="2018-12-20T05:53:40.433" v="347"/>
+          <ac:inkMkLst>
+            <pc:docMk/>
+            <pc:sldMk cId="4284472928" sldId="327"/>
+            <ac:inkMk id="20" creationId="{0D004D76-818A-4FA4-A0D2-606394C4DC3B}"/>
+          </ac:inkMkLst>
+        </pc:inkChg>
+        <pc:inkChg chg="add del">
+          <ac:chgData name="Namhyoung Kim" userId="fb60bffb23ca2a8d" providerId="LiveId" clId="{68A7EFEE-66FC-43E3-89B4-E3816B2C7497}" dt="2018-12-20T05:53:54.519" v="352"/>
+          <ac:inkMkLst>
+            <pc:docMk/>
+            <pc:sldMk cId="4284472928" sldId="327"/>
+            <ac:inkMk id="21" creationId="{D64AC5C7-90EF-41EF-B1D8-66ABE0B679B7}"/>
+          </ac:inkMkLst>
+        </pc:inkChg>
+        <pc:inkChg chg="add del">
+          <ac:chgData name="Namhyoung Kim" userId="fb60bffb23ca2a8d" providerId="LiveId" clId="{68A7EFEE-66FC-43E3-89B4-E3816B2C7497}" dt="2018-12-20T05:53:54.519" v="352"/>
+          <ac:inkMkLst>
+            <pc:docMk/>
+            <pc:sldMk cId="4284472928" sldId="327"/>
+            <ac:inkMk id="22" creationId="{87E62758-FC91-48E2-ACD6-8C47FE8B2ABA}"/>
+          </ac:inkMkLst>
+        </pc:inkChg>
+        <pc:inkChg chg="add del">
+          <ac:chgData name="Namhyoung Kim" userId="fb60bffb23ca2a8d" providerId="LiveId" clId="{68A7EFEE-66FC-43E3-89B4-E3816B2C7497}" dt="2018-12-20T05:53:54.519" v="352"/>
+          <ac:inkMkLst>
+            <pc:docMk/>
+            <pc:sldMk cId="4284472928" sldId="327"/>
+            <ac:inkMk id="23" creationId="{9B9B4DB0-A6B4-4E56-A99B-FDB8F84CA146}"/>
+          </ac:inkMkLst>
+        </pc:inkChg>
+        <pc:inkChg chg="add del">
+          <ac:chgData name="Namhyoung Kim" userId="fb60bffb23ca2a8d" providerId="LiveId" clId="{68A7EFEE-66FC-43E3-89B4-E3816B2C7497}" dt="2018-12-20T05:53:54.519" v="352"/>
+          <ac:inkMkLst>
+            <pc:docMk/>
+            <pc:sldMk cId="4284472928" sldId="327"/>
+            <ac:inkMk id="24" creationId="{6AD019C7-2630-4FAA-B05B-AE588A326C83}"/>
+          </ac:inkMkLst>
+        </pc:inkChg>
+        <pc:inkChg chg="add del">
+          <ac:chgData name="Namhyoung Kim" userId="fb60bffb23ca2a8d" providerId="LiveId" clId="{68A7EFEE-66FC-43E3-89B4-E3816B2C7497}" dt="2018-12-20T05:53:54.519" v="352"/>
+          <ac:inkMkLst>
+            <pc:docMk/>
+            <pc:sldMk cId="4284472928" sldId="327"/>
+            <ac:inkMk id="25" creationId="{449F66F9-A236-4F94-9A93-AC8724BC1068}"/>
+          </ac:inkMkLst>
+        </pc:inkChg>
+        <pc:inkChg chg="add">
+          <ac:chgData name="Namhyoung Kim" userId="fb60bffb23ca2a8d" providerId="LiveId" clId="{68A7EFEE-66FC-43E3-89B4-E3816B2C7497}" dt="2018-12-20T05:53:54.519" v="352"/>
+          <ac:inkMkLst>
+            <pc:docMk/>
+            <pc:sldMk cId="4284472928" sldId="327"/>
+            <ac:inkMk id="26" creationId="{0C117D04-E8B1-44CC-9CBC-212095C22B55}"/>
+          </ac:inkMkLst>
+        </pc:inkChg>
+      </pc:sldChg>
+      <pc:sldChg chg="addSp delSp">
+        <pc:chgData name="Namhyoung Kim" userId="fb60bffb23ca2a8d" providerId="LiveId" clId="{68A7EFEE-66FC-43E3-89B4-E3816B2C7497}" dt="2018-12-20T06:02:44.390" v="403"/>
+        <pc:sldMkLst>
+          <pc:docMk/>
+          <pc:sldMk cId="1588534871" sldId="331"/>
+        </pc:sldMkLst>
+        <pc:inkChg chg="add del">
+          <ac:chgData name="Namhyoung Kim" userId="fb60bffb23ca2a8d" providerId="LiveId" clId="{68A7EFEE-66FC-43E3-89B4-E3816B2C7497}" dt="2018-12-20T06:00:03.986" v="354"/>
+          <ac:inkMkLst>
+            <pc:docMk/>
+            <pc:sldMk cId="1588534871" sldId="331"/>
+            <ac:inkMk id="4" creationId="{A75A2961-DEC3-43EE-B4B6-4D038C5BA20F}"/>
+          </ac:inkMkLst>
+        </pc:inkChg>
+        <pc:inkChg chg="add del">
+          <ac:chgData name="Namhyoung Kim" userId="fb60bffb23ca2a8d" providerId="LiveId" clId="{68A7EFEE-66FC-43E3-89B4-E3816B2C7497}" dt="2018-12-20T06:00:08.634" v="363"/>
+          <ac:inkMkLst>
+            <pc:docMk/>
+            <pc:sldMk cId="1588534871" sldId="331"/>
+            <ac:inkMk id="7" creationId="{D279A733-8A53-4677-8BB4-0ED28F374E7A}"/>
+          </ac:inkMkLst>
+        </pc:inkChg>
+        <pc:inkChg chg="add del">
+          <ac:chgData name="Namhyoung Kim" userId="fb60bffb23ca2a8d" providerId="LiveId" clId="{68A7EFEE-66FC-43E3-89B4-E3816B2C7497}" dt="2018-12-20T06:00:08.634" v="363"/>
+          <ac:inkMkLst>
+            <pc:docMk/>
+            <pc:sldMk cId="1588534871" sldId="331"/>
+            <ac:inkMk id="8" creationId="{CD3C18F9-7884-44BA-94D5-38C17E9E6E31}"/>
+          </ac:inkMkLst>
+        </pc:inkChg>
+        <pc:inkChg chg="add del">
+          <ac:chgData name="Namhyoung Kim" userId="fb60bffb23ca2a8d" providerId="LiveId" clId="{68A7EFEE-66FC-43E3-89B4-E3816B2C7497}" dt="2018-12-20T06:00:08.634" v="363"/>
+          <ac:inkMkLst>
+            <pc:docMk/>
+            <pc:sldMk cId="1588534871" sldId="331"/>
+            <ac:inkMk id="9" creationId="{60848CB3-B0E9-4E0C-A281-E3939FC8E66B}"/>
+          </ac:inkMkLst>
+        </pc:inkChg>
+        <pc:inkChg chg="add del">
+          <ac:chgData name="Namhyoung Kim" userId="fb60bffb23ca2a8d" providerId="LiveId" clId="{68A7EFEE-66FC-43E3-89B4-E3816B2C7497}" dt="2018-12-20T06:00:08.634" v="363"/>
+          <ac:inkMkLst>
+            <pc:docMk/>
+            <pc:sldMk cId="1588534871" sldId="331"/>
+            <ac:inkMk id="10" creationId="{C3611437-6FA1-46DD-81E4-B1A1B7B07487}"/>
+          </ac:inkMkLst>
+        </pc:inkChg>
+        <pc:inkChg chg="add del">
+          <ac:chgData name="Namhyoung Kim" userId="fb60bffb23ca2a8d" providerId="LiveId" clId="{68A7EFEE-66FC-43E3-89B4-E3816B2C7497}" dt="2018-12-20T06:00:08.634" v="363"/>
+          <ac:inkMkLst>
+            <pc:docMk/>
+            <pc:sldMk cId="1588534871" sldId="331"/>
+            <ac:inkMk id="11" creationId="{CC620CDC-B471-457F-86C9-A214F81F259D}"/>
+          </ac:inkMkLst>
+        </pc:inkChg>
+        <pc:inkChg chg="add del">
+          <ac:chgData name="Namhyoung Kim" userId="fb60bffb23ca2a8d" providerId="LiveId" clId="{68A7EFEE-66FC-43E3-89B4-E3816B2C7497}" dt="2018-12-20T06:00:08.634" v="363"/>
+          <ac:inkMkLst>
+            <pc:docMk/>
+            <pc:sldMk cId="1588534871" sldId="331"/>
+            <ac:inkMk id="12" creationId="{0B570F49-B9A7-4973-BD25-F39D3F0A1123}"/>
+          </ac:inkMkLst>
+        </pc:inkChg>
+        <pc:inkChg chg="add del">
+          <ac:chgData name="Namhyoung Kim" userId="fb60bffb23ca2a8d" providerId="LiveId" clId="{68A7EFEE-66FC-43E3-89B4-E3816B2C7497}" dt="2018-12-20T06:00:08.634" v="363"/>
+          <ac:inkMkLst>
+            <pc:docMk/>
+            <pc:sldMk cId="1588534871" sldId="331"/>
+            <ac:inkMk id="13" creationId="{1D611689-8E70-48AC-A185-CA5EA259A719}"/>
+          </ac:inkMkLst>
+        </pc:inkChg>
+        <pc:inkChg chg="add del">
+          <ac:chgData name="Namhyoung Kim" userId="fb60bffb23ca2a8d" providerId="LiveId" clId="{68A7EFEE-66FC-43E3-89B4-E3816B2C7497}" dt="2018-12-20T06:00:21.870" v="382"/>
+          <ac:inkMkLst>
+            <pc:docMk/>
+            <pc:sldMk cId="1588534871" sldId="331"/>
+            <ac:inkMk id="14" creationId="{C084EC45-28F9-4B5A-B5C4-6D6B128CD813}"/>
+          </ac:inkMkLst>
+        </pc:inkChg>
+        <pc:inkChg chg="add del">
+          <ac:chgData name="Namhyoung Kim" userId="fb60bffb23ca2a8d" providerId="LiveId" clId="{68A7EFEE-66FC-43E3-89B4-E3816B2C7497}" dt="2018-12-20T06:00:21.870" v="382"/>
+          <ac:inkMkLst>
+            <pc:docMk/>
+            <pc:sldMk cId="1588534871" sldId="331"/>
+            <ac:inkMk id="15" creationId="{97D000A0-AD8F-43FC-BC55-03600EC94424}"/>
+          </ac:inkMkLst>
+        </pc:inkChg>
+        <pc:inkChg chg="add del">
+          <ac:chgData name="Namhyoung Kim" userId="fb60bffb23ca2a8d" providerId="LiveId" clId="{68A7EFEE-66FC-43E3-89B4-E3816B2C7497}" dt="2018-12-20T06:00:21.870" v="382"/>
+          <ac:inkMkLst>
+            <pc:docMk/>
+            <pc:sldMk cId="1588534871" sldId="331"/>
+            <ac:inkMk id="16" creationId="{74BE795D-E190-45E5-9FF5-F4A8EF947E1D}"/>
+          </ac:inkMkLst>
+        </pc:inkChg>
+        <pc:inkChg chg="add del">
+          <ac:chgData name="Namhyoung Kim" userId="fb60bffb23ca2a8d" providerId="LiveId" clId="{68A7EFEE-66FC-43E3-89B4-E3816B2C7497}" dt="2018-12-20T06:00:21.870" v="382"/>
+          <ac:inkMkLst>
+            <pc:docMk/>
+            <pc:sldMk cId="1588534871" sldId="331"/>
+            <ac:inkMk id="17" creationId="{A59AB9D5-E3B3-4AD7-BEAB-154BD353459F}"/>
+          </ac:inkMkLst>
+        </pc:inkChg>
+        <pc:inkChg chg="add del">
+          <ac:chgData name="Namhyoung Kim" userId="fb60bffb23ca2a8d" providerId="LiveId" clId="{68A7EFEE-66FC-43E3-89B4-E3816B2C7497}" dt="2018-12-20T06:00:21.870" v="382"/>
+          <ac:inkMkLst>
+            <pc:docMk/>
+            <pc:sldMk cId="1588534871" sldId="331"/>
+            <ac:inkMk id="18" creationId="{415DB5F1-01C8-49A3-AAD7-A2DCC5FD24EE}"/>
+          </ac:inkMkLst>
+        </pc:inkChg>
+        <pc:inkChg chg="add del">
+          <ac:chgData name="Namhyoung Kim" userId="fb60bffb23ca2a8d" providerId="LiveId" clId="{68A7EFEE-66FC-43E3-89B4-E3816B2C7497}" dt="2018-12-20T06:00:21.870" v="382"/>
+          <ac:inkMkLst>
+            <pc:docMk/>
+            <pc:sldMk cId="1588534871" sldId="331"/>
+            <ac:inkMk id="19" creationId="{B9305C7E-9699-4596-939E-D47E5BE016B2}"/>
+          </ac:inkMkLst>
+        </pc:inkChg>
+        <pc:inkChg chg="add del">
+          <ac:chgData name="Namhyoung Kim" userId="fb60bffb23ca2a8d" providerId="LiveId" clId="{68A7EFEE-66FC-43E3-89B4-E3816B2C7497}" dt="2018-12-20T06:00:21.870" v="382"/>
+          <ac:inkMkLst>
+            <pc:docMk/>
+            <pc:sldMk cId="1588534871" sldId="331"/>
+            <ac:inkMk id="20" creationId="{3ED6EDFD-15AF-4827-ADE9-48ADCED1A8C4}"/>
+          </ac:inkMkLst>
+        </pc:inkChg>
+        <pc:inkChg chg="add del">
+          <ac:chgData name="Namhyoung Kim" userId="fb60bffb23ca2a8d" providerId="LiveId" clId="{68A7EFEE-66FC-43E3-89B4-E3816B2C7497}" dt="2018-12-20T06:00:21.870" v="382"/>
+          <ac:inkMkLst>
+            <pc:docMk/>
+            <pc:sldMk cId="1588534871" sldId="331"/>
+            <ac:inkMk id="21" creationId="{5A44E594-7446-4A82-8BEC-9F6BD524CC38}"/>
+          </ac:inkMkLst>
+        </pc:inkChg>
+        <pc:inkChg chg="add del">
+          <ac:chgData name="Namhyoung Kim" userId="fb60bffb23ca2a8d" providerId="LiveId" clId="{68A7EFEE-66FC-43E3-89B4-E3816B2C7497}" dt="2018-12-20T06:00:21.870" v="382"/>
+          <ac:inkMkLst>
+            <pc:docMk/>
+            <pc:sldMk cId="1588534871" sldId="331"/>
+            <ac:inkMk id="22" creationId="{872FB16B-1E91-404B-B0AE-1432F1CCAFC9}"/>
+          </ac:inkMkLst>
+        </pc:inkChg>
+        <pc:inkChg chg="add del">
+          <ac:chgData name="Namhyoung Kim" userId="fb60bffb23ca2a8d" providerId="LiveId" clId="{68A7EFEE-66FC-43E3-89B4-E3816B2C7497}" dt="2018-12-20T06:00:21.870" v="382"/>
+          <ac:inkMkLst>
+            <pc:docMk/>
+            <pc:sldMk cId="1588534871" sldId="331"/>
+            <ac:inkMk id="23" creationId="{230A748A-F73F-4F8D-986F-E8C368F3D7A8}"/>
+          </ac:inkMkLst>
+        </pc:inkChg>
+        <pc:inkChg chg="add del">
+          <ac:chgData name="Namhyoung Kim" userId="fb60bffb23ca2a8d" providerId="LiveId" clId="{68A7EFEE-66FC-43E3-89B4-E3816B2C7497}" dt="2018-12-20T06:00:21.870" v="382"/>
+          <ac:inkMkLst>
+            <pc:docMk/>
+            <pc:sldMk cId="1588534871" sldId="331"/>
+            <ac:inkMk id="24" creationId="{929A6843-C0BA-4AD6-9E40-4F1F76C1B7B9}"/>
+          </ac:inkMkLst>
+        </pc:inkChg>
+        <pc:inkChg chg="add del">
+          <ac:chgData name="Namhyoung Kim" userId="fb60bffb23ca2a8d" providerId="LiveId" clId="{68A7EFEE-66FC-43E3-89B4-E3816B2C7497}" dt="2018-12-20T06:00:21.870" v="382"/>
+          <ac:inkMkLst>
+            <pc:docMk/>
+            <pc:sldMk cId="1588534871" sldId="331"/>
+            <ac:inkMk id="25" creationId="{EE8ED57D-0BF0-4B94-B8EC-9C7CA4AD674C}"/>
+          </ac:inkMkLst>
+        </pc:inkChg>
+        <pc:inkChg chg="add del">
+          <ac:chgData name="Namhyoung Kim" userId="fb60bffb23ca2a8d" providerId="LiveId" clId="{68A7EFEE-66FC-43E3-89B4-E3816B2C7497}" dt="2018-12-20T06:00:21.870" v="382"/>
+          <ac:inkMkLst>
+            <pc:docMk/>
+            <pc:sldMk cId="1588534871" sldId="331"/>
+            <ac:inkMk id="26" creationId="{B0BFE45D-2C09-41E1-9E1F-4EB6CC238B20}"/>
+          </ac:inkMkLst>
+        </pc:inkChg>
+        <pc:inkChg chg="add del">
+          <ac:chgData name="Namhyoung Kim" userId="fb60bffb23ca2a8d" providerId="LiveId" clId="{68A7EFEE-66FC-43E3-89B4-E3816B2C7497}" dt="2018-12-20T06:00:21.870" v="382"/>
+          <ac:inkMkLst>
+            <pc:docMk/>
+            <pc:sldMk cId="1588534871" sldId="331"/>
+            <ac:inkMk id="27" creationId="{F6131E49-AE87-4CF8-8B8E-89C80E943ED8}"/>
+          </ac:inkMkLst>
+        </pc:inkChg>
+        <pc:inkChg chg="add del">
+          <ac:chgData name="Namhyoung Kim" userId="fb60bffb23ca2a8d" providerId="LiveId" clId="{68A7EFEE-66FC-43E3-89B4-E3816B2C7497}" dt="2018-12-20T06:00:21.870" v="382"/>
+          <ac:inkMkLst>
+            <pc:docMk/>
+            <pc:sldMk cId="1588534871" sldId="331"/>
+            <ac:inkMk id="28" creationId="{46F7BFCE-33B5-41E2-807E-E74CEDB53BF8}"/>
+          </ac:inkMkLst>
+        </pc:inkChg>
+        <pc:inkChg chg="add del">
+          <ac:chgData name="Namhyoung Kim" userId="fb60bffb23ca2a8d" providerId="LiveId" clId="{68A7EFEE-66FC-43E3-89B4-E3816B2C7497}" dt="2018-12-20T06:00:21.870" v="382"/>
+          <ac:inkMkLst>
+            <pc:docMk/>
+            <pc:sldMk cId="1588534871" sldId="331"/>
+            <ac:inkMk id="29" creationId="{5392ED7D-9E62-4A3E-A5BA-7E8F649165D6}"/>
+          </ac:inkMkLst>
+        </pc:inkChg>
+        <pc:inkChg chg="add del">
+          <ac:chgData name="Namhyoung Kim" userId="fb60bffb23ca2a8d" providerId="LiveId" clId="{68A7EFEE-66FC-43E3-89B4-E3816B2C7497}" dt="2018-12-20T06:00:21.870" v="382"/>
+          <ac:inkMkLst>
+            <pc:docMk/>
+            <pc:sldMk cId="1588534871" sldId="331"/>
+            <ac:inkMk id="30" creationId="{D772ACBB-D238-4630-A292-B84E06407D1A}"/>
+          </ac:inkMkLst>
+        </pc:inkChg>
+        <pc:inkChg chg="add del">
+          <ac:chgData name="Namhyoung Kim" userId="fb60bffb23ca2a8d" providerId="LiveId" clId="{68A7EFEE-66FC-43E3-89B4-E3816B2C7497}" dt="2018-12-20T06:00:21.870" v="382"/>
+          <ac:inkMkLst>
+            <pc:docMk/>
+            <pc:sldMk cId="1588534871" sldId="331"/>
+            <ac:inkMk id="31" creationId="{5D205782-2F2D-4A98-BE08-5F851D54A96E}"/>
+          </ac:inkMkLst>
+        </pc:inkChg>
+        <pc:inkChg chg="add del">
+          <ac:chgData name="Namhyoung Kim" userId="fb60bffb23ca2a8d" providerId="LiveId" clId="{68A7EFEE-66FC-43E3-89B4-E3816B2C7497}" dt="2018-12-20T06:00:21.870" v="382"/>
+          <ac:inkMkLst>
+            <pc:docMk/>
+            <pc:sldMk cId="1588534871" sldId="331"/>
+            <ac:inkMk id="32" creationId="{E74F2569-DCD9-4BCE-9F8A-FAA1DD00D160}"/>
+          </ac:inkMkLst>
+        </pc:inkChg>
+        <pc:inkChg chg="add del">
+          <ac:chgData name="Namhyoung Kim" userId="fb60bffb23ca2a8d" providerId="LiveId" clId="{68A7EFEE-66FC-43E3-89B4-E3816B2C7497}" dt="2018-12-20T06:00:21.870" v="382"/>
+          <ac:inkMkLst>
+            <pc:docMk/>
+            <pc:sldMk cId="1588534871" sldId="331"/>
+            <ac:inkMk id="33" creationId="{7B447CE4-C564-4BAD-BA84-D40FB4F04C4D}"/>
+          </ac:inkMkLst>
+        </pc:inkChg>
+        <pc:inkChg chg="add del">
+          <ac:chgData name="Namhyoung Kim" userId="fb60bffb23ca2a8d" providerId="LiveId" clId="{68A7EFEE-66FC-43E3-89B4-E3816B2C7497}" dt="2018-12-20T06:00:24.349" v="386"/>
+          <ac:inkMkLst>
+            <pc:docMk/>
+            <pc:sldMk cId="1588534871" sldId="331"/>
+            <ac:inkMk id="34" creationId="{2FAECDD9-28FB-4D1C-8509-A0E5DB395327}"/>
+          </ac:inkMkLst>
+        </pc:inkChg>
+        <pc:inkChg chg="add del">
+          <ac:chgData name="Namhyoung Kim" userId="fb60bffb23ca2a8d" providerId="LiveId" clId="{68A7EFEE-66FC-43E3-89B4-E3816B2C7497}" dt="2018-12-20T06:01:07.726" v="396"/>
+          <ac:inkMkLst>
+            <pc:docMk/>
+            <pc:sldMk cId="1588534871" sldId="331"/>
+            <ac:inkMk id="35" creationId="{E191B689-952B-4481-BFF4-F7E610C77D34}"/>
+          </ac:inkMkLst>
+        </pc:inkChg>
+        <pc:inkChg chg="add del">
+          <ac:chgData name="Namhyoung Kim" userId="fb60bffb23ca2a8d" providerId="LiveId" clId="{68A7EFEE-66FC-43E3-89B4-E3816B2C7497}" dt="2018-12-20T06:00:24.349" v="386"/>
+          <ac:inkMkLst>
+            <pc:docMk/>
+            <pc:sldMk cId="1588534871" sldId="331"/>
+            <ac:inkMk id="36" creationId="{D79F7406-6DA1-48FC-A85F-0403C232E9DB}"/>
+          </ac:inkMkLst>
+        </pc:inkChg>
+        <pc:inkChg chg="add del">
+          <ac:chgData name="Namhyoung Kim" userId="fb60bffb23ca2a8d" providerId="LiveId" clId="{68A7EFEE-66FC-43E3-89B4-E3816B2C7497}" dt="2018-12-20T06:00:24.349" v="386"/>
+          <ac:inkMkLst>
+            <pc:docMk/>
+            <pc:sldMk cId="1588534871" sldId="331"/>
+            <ac:inkMk id="37" creationId="{FC295EC5-66E3-4401-9C1C-3D1BBF915845}"/>
+          </ac:inkMkLst>
+        </pc:inkChg>
+        <pc:inkChg chg="add del">
+          <ac:chgData name="Namhyoung Kim" userId="fb60bffb23ca2a8d" providerId="LiveId" clId="{68A7EFEE-66FC-43E3-89B4-E3816B2C7497}" dt="2018-12-20T06:00:24.349" v="386"/>
+          <ac:inkMkLst>
+            <pc:docMk/>
+            <pc:sldMk cId="1588534871" sldId="331"/>
+            <ac:inkMk id="38" creationId="{F540D806-6430-49DD-B118-FA4AA6DE1419}"/>
+          </ac:inkMkLst>
+        </pc:inkChg>
+        <pc:inkChg chg="add del">
+          <ac:chgData name="Namhyoung Kim" userId="fb60bffb23ca2a8d" providerId="LiveId" clId="{68A7EFEE-66FC-43E3-89B4-E3816B2C7497}" dt="2018-12-20T06:00:25.431" v="389"/>
+          <ac:inkMkLst>
+            <pc:docMk/>
+            <pc:sldMk cId="1588534871" sldId="331"/>
+            <ac:inkMk id="39" creationId="{75B0E2DA-8CA3-4FE4-81D4-9FD4E82F1849}"/>
+          </ac:inkMkLst>
+        </pc:inkChg>
+        <pc:inkChg chg="add del">
+          <ac:chgData name="Namhyoung Kim" userId="fb60bffb23ca2a8d" providerId="LiveId" clId="{68A7EFEE-66FC-43E3-89B4-E3816B2C7497}" dt="2018-12-20T06:00:25.431" v="389"/>
+          <ac:inkMkLst>
+            <pc:docMk/>
+            <pc:sldMk cId="1588534871" sldId="331"/>
+            <ac:inkMk id="40" creationId="{718C03A2-D68F-48E6-B09C-3B9FFCFD999F}"/>
+          </ac:inkMkLst>
+        </pc:inkChg>
+        <pc:inkChg chg="add del">
+          <ac:chgData name="Namhyoung Kim" userId="fb60bffb23ca2a8d" providerId="LiveId" clId="{68A7EFEE-66FC-43E3-89B4-E3816B2C7497}" dt="2018-12-20T06:00:25.431" v="389"/>
+          <ac:inkMkLst>
+            <pc:docMk/>
+            <pc:sldMk cId="1588534871" sldId="331"/>
+            <ac:inkMk id="41" creationId="{EA3CA743-3E02-43B9-8B38-E6DCAF51CB0F}"/>
+          </ac:inkMkLst>
+        </pc:inkChg>
+        <pc:inkChg chg="add del">
+          <ac:chgData name="Namhyoung Kim" userId="fb60bffb23ca2a8d" providerId="LiveId" clId="{68A7EFEE-66FC-43E3-89B4-E3816B2C7497}" dt="2018-12-20T06:01:07.726" v="396"/>
+          <ac:inkMkLst>
+            <pc:docMk/>
+            <pc:sldMk cId="1588534871" sldId="331"/>
+            <ac:inkMk id="42" creationId="{3B71C5D2-87F6-4804-A3D0-7432CFD1A363}"/>
+          </ac:inkMkLst>
+        </pc:inkChg>
+        <pc:inkChg chg="add del">
+          <ac:chgData name="Namhyoung Kim" userId="fb60bffb23ca2a8d" providerId="LiveId" clId="{68A7EFEE-66FC-43E3-89B4-E3816B2C7497}" dt="2018-12-20T06:01:07.726" v="396"/>
+          <ac:inkMkLst>
+            <pc:docMk/>
+            <pc:sldMk cId="1588534871" sldId="331"/>
+            <ac:inkMk id="43" creationId="{678C459D-FB6D-4444-969D-66E19034B95E}"/>
+          </ac:inkMkLst>
+        </pc:inkChg>
+        <pc:inkChg chg="add del">
+          <ac:chgData name="Namhyoung Kim" userId="fb60bffb23ca2a8d" providerId="LiveId" clId="{68A7EFEE-66FC-43E3-89B4-E3816B2C7497}" dt="2018-12-20T06:01:07.726" v="396"/>
+          <ac:inkMkLst>
+            <pc:docMk/>
+            <pc:sldMk cId="1588534871" sldId="331"/>
+            <ac:inkMk id="44" creationId="{4DB90488-BFA9-4B11-A215-E72A37BDF580}"/>
+          </ac:inkMkLst>
+        </pc:inkChg>
+        <pc:inkChg chg="add del">
+          <ac:chgData name="Namhyoung Kim" userId="fb60bffb23ca2a8d" providerId="LiveId" clId="{68A7EFEE-66FC-43E3-89B4-E3816B2C7497}" dt="2018-12-20T06:01:07.726" v="396"/>
+          <ac:inkMkLst>
+            <pc:docMk/>
+            <pc:sldMk cId="1588534871" sldId="331"/>
+            <ac:inkMk id="45" creationId="{E9C4A189-8F46-4B69-8C72-89D9F2BC9332}"/>
+          </ac:inkMkLst>
+        </pc:inkChg>
+        <pc:inkChg chg="add del">
+          <ac:chgData name="Namhyoung Kim" userId="fb60bffb23ca2a8d" providerId="LiveId" clId="{68A7EFEE-66FC-43E3-89B4-E3816B2C7497}" dt="2018-12-20T06:01:07.726" v="396"/>
+          <ac:inkMkLst>
+            <pc:docMk/>
+            <pc:sldMk cId="1588534871" sldId="331"/>
+            <ac:inkMk id="46" creationId="{629C1BEE-CF93-4D21-8B8C-3FC80934A4ED}"/>
+          </ac:inkMkLst>
+        </pc:inkChg>
+        <pc:inkChg chg="add del">
+          <ac:chgData name="Namhyoung Kim" userId="fb60bffb23ca2a8d" providerId="LiveId" clId="{68A7EFEE-66FC-43E3-89B4-E3816B2C7497}" dt="2018-12-20T06:01:07.726" v="396"/>
+          <ac:inkMkLst>
+            <pc:docMk/>
+            <pc:sldMk cId="1588534871" sldId="331"/>
+            <ac:inkMk id="47" creationId="{5D6D17E2-5080-42D5-830C-881BC9FB0E9F}"/>
+          </ac:inkMkLst>
+        </pc:inkChg>
+        <pc:inkChg chg="add del">
+          <ac:chgData name="Namhyoung Kim" userId="fb60bffb23ca2a8d" providerId="LiveId" clId="{68A7EFEE-66FC-43E3-89B4-E3816B2C7497}" dt="2018-12-20T06:01:07.726" v="396"/>
+          <ac:inkMkLst>
+            <pc:docMk/>
+            <pc:sldMk cId="1588534871" sldId="331"/>
+            <ac:inkMk id="48" creationId="{637BEDA9-846D-418D-A4DC-DE020549AD61}"/>
+          </ac:inkMkLst>
+        </pc:inkChg>
+        <pc:inkChg chg="add del">
+          <ac:chgData name="Namhyoung Kim" userId="fb60bffb23ca2a8d" providerId="LiveId" clId="{68A7EFEE-66FC-43E3-89B4-E3816B2C7497}" dt="2018-12-20T06:01:09.528" v="398"/>
+          <ac:inkMkLst>
+            <pc:docMk/>
+            <pc:sldMk cId="1588534871" sldId="331"/>
+            <ac:inkMk id="49" creationId="{CF47EC97-6309-423E-94D1-3DEE7DAF1246}"/>
+          </ac:inkMkLst>
+        </pc:inkChg>
+        <pc:inkChg chg="add del">
+          <ac:chgData name="Namhyoung Kim" userId="fb60bffb23ca2a8d" providerId="LiveId" clId="{68A7EFEE-66FC-43E3-89B4-E3816B2C7497}" dt="2018-12-20T06:02:44.390" v="400"/>
+          <ac:inkMkLst>
+            <pc:docMk/>
+            <pc:sldMk cId="1588534871" sldId="331"/>
+            <ac:inkMk id="50" creationId="{FAC293EF-D788-4058-963E-8E76F0DB5D74}"/>
+          </ac:inkMkLst>
+        </pc:inkChg>
+        <pc:inkChg chg="add del">
+          <ac:chgData name="Namhyoung Kim" userId="fb60bffb23ca2a8d" providerId="LiveId" clId="{68A7EFEE-66FC-43E3-89B4-E3816B2C7497}" dt="2018-12-20T06:02:44.390" v="401"/>
+          <ac:inkMkLst>
+            <pc:docMk/>
+            <pc:sldMk cId="1588534871" sldId="331"/>
+            <ac:inkMk id="51" creationId="{BA4FDC84-D699-4363-80D4-4FF88980FA1F}"/>
+          </ac:inkMkLst>
+        </pc:inkChg>
+        <pc:inkChg chg="add del">
+          <ac:chgData name="Namhyoung Kim" userId="fb60bffb23ca2a8d" providerId="LiveId" clId="{68A7EFEE-66FC-43E3-89B4-E3816B2C7497}" dt="2018-12-20T06:01:09.528" v="398"/>
+          <ac:inkMkLst>
+            <pc:docMk/>
+            <pc:sldMk cId="1588534871" sldId="331"/>
+            <ac:inkMk id="52" creationId="{8E2E8ADC-03D5-425A-AA59-65855E0F5FB0}"/>
+          </ac:inkMkLst>
+        </pc:inkChg>
+        <pc:inkChg chg="add del">
+          <ac:chgData name="Namhyoung Kim" userId="fb60bffb23ca2a8d" providerId="LiveId" clId="{68A7EFEE-66FC-43E3-89B4-E3816B2C7497}" dt="2018-12-20T06:02:44.390" v="403"/>
+          <ac:inkMkLst>
+            <pc:docMk/>
+            <pc:sldMk cId="1588534871" sldId="331"/>
+            <ac:inkMk id="53" creationId="{1FE9E399-4670-486F-9559-E2187406D5D5}"/>
+          </ac:inkMkLst>
+        </pc:inkChg>
+        <pc:inkChg chg="add del">
+          <ac:chgData name="Namhyoung Kim" userId="fb60bffb23ca2a8d" providerId="LiveId" clId="{68A7EFEE-66FC-43E3-89B4-E3816B2C7497}" dt="2018-12-20T06:02:44.390" v="402"/>
+          <ac:inkMkLst>
+            <pc:docMk/>
+            <pc:sldMk cId="1588534871" sldId="331"/>
+            <ac:inkMk id="54" creationId="{71BA5533-183E-44C9-873B-50CF714EEE30}"/>
+          </ac:inkMkLst>
+        </pc:inkChg>
+      </pc:sldChg>
+      <pc:sldChg chg="addSp delSp">
+        <pc:chgData name="Namhyoung Kim" userId="fb60bffb23ca2a8d" providerId="LiveId" clId="{68A7EFEE-66FC-43E3-89B4-E3816B2C7497}" dt="2018-12-20T06:51:57.745" v="522"/>
+        <pc:sldMkLst>
+          <pc:docMk/>
+          <pc:sldMk cId="536207168" sldId="336"/>
+        </pc:sldMkLst>
+        <pc:inkChg chg="add del">
+          <ac:chgData name="Namhyoung Kim" userId="fb60bffb23ca2a8d" providerId="LiveId" clId="{68A7EFEE-66FC-43E3-89B4-E3816B2C7497}" dt="2018-12-20T06:51:57.745" v="522"/>
+          <ac:inkMkLst>
+            <pc:docMk/>
+            <pc:sldMk cId="536207168" sldId="336"/>
+            <ac:inkMk id="5" creationId="{4DD5A89B-523A-4E82-B980-5BC3FD90DFDA}"/>
+          </ac:inkMkLst>
+        </pc:inkChg>
+        <pc:inkChg chg="add del">
+          <ac:chgData name="Namhyoung Kim" userId="fb60bffb23ca2a8d" providerId="LiveId" clId="{68A7EFEE-66FC-43E3-89B4-E3816B2C7497}" dt="2018-12-20T06:51:57.745" v="519"/>
+          <ac:inkMkLst>
+            <pc:docMk/>
+            <pc:sldMk cId="536207168" sldId="336"/>
+            <ac:inkMk id="6" creationId="{521E07D1-848D-4423-93F6-6AADF61E4BA2}"/>
+          </ac:inkMkLst>
+        </pc:inkChg>
+        <pc:inkChg chg="add del">
+          <ac:chgData name="Namhyoung Kim" userId="fb60bffb23ca2a8d" providerId="LiveId" clId="{68A7EFEE-66FC-43E3-89B4-E3816B2C7497}" dt="2018-12-20T06:51:57.745" v="520"/>
+          <ac:inkMkLst>
+            <pc:docMk/>
+            <pc:sldMk cId="536207168" sldId="336"/>
+            <ac:inkMk id="7" creationId="{1BD4ECF0-8FA7-424F-9006-FEC78CCCE001}"/>
+          </ac:inkMkLst>
+        </pc:inkChg>
+        <pc:inkChg chg="add del">
+          <ac:chgData name="Namhyoung Kim" userId="fb60bffb23ca2a8d" providerId="LiveId" clId="{68A7EFEE-66FC-43E3-89B4-E3816B2C7497}" dt="2018-12-20T06:51:57.745" v="521"/>
+          <ac:inkMkLst>
+            <pc:docMk/>
+            <pc:sldMk cId="536207168" sldId="336"/>
+            <ac:inkMk id="8" creationId="{2321E98C-2C42-4B37-9DBD-AC1F9D100962}"/>
+          </ac:inkMkLst>
+        </pc:inkChg>
+        <pc:inkChg chg="add del">
+          <ac:chgData name="Namhyoung Kim" userId="fb60bffb23ca2a8d" providerId="LiveId" clId="{68A7EFEE-66FC-43E3-89B4-E3816B2C7497}" dt="2018-12-20T06:48:50.405" v="436"/>
+          <ac:inkMkLst>
+            <pc:docMk/>
+            <pc:sldMk cId="536207168" sldId="336"/>
+            <ac:inkMk id="9" creationId="{403367AA-1A7E-431F-B9E3-AE6F9BB36754}"/>
+          </ac:inkMkLst>
+        </pc:inkChg>
+        <pc:inkChg chg="add del">
+          <ac:chgData name="Namhyoung Kim" userId="fb60bffb23ca2a8d" providerId="LiveId" clId="{68A7EFEE-66FC-43E3-89B4-E3816B2C7497}" dt="2018-12-20T06:48:50.405" v="436"/>
+          <ac:inkMkLst>
+            <pc:docMk/>
+            <pc:sldMk cId="536207168" sldId="336"/>
+            <ac:inkMk id="10" creationId="{E3EA4B3E-0BE4-4BD2-B72A-35FDAD3BB759}"/>
+          </ac:inkMkLst>
+        </pc:inkChg>
+        <pc:inkChg chg="add del">
+          <ac:chgData name="Namhyoung Kim" userId="fb60bffb23ca2a8d" providerId="LiveId" clId="{68A7EFEE-66FC-43E3-89B4-E3816B2C7497}" dt="2018-12-20T06:48:50.405" v="436"/>
+          <ac:inkMkLst>
+            <pc:docMk/>
+            <pc:sldMk cId="536207168" sldId="336"/>
+            <ac:inkMk id="11" creationId="{CB46BF1D-689E-4874-9536-6382182C320B}"/>
+          </ac:inkMkLst>
+        </pc:inkChg>
+        <pc:inkChg chg="add del">
+          <ac:chgData name="Namhyoung Kim" userId="fb60bffb23ca2a8d" providerId="LiveId" clId="{68A7EFEE-66FC-43E3-89B4-E3816B2C7497}" dt="2018-12-20T06:48:50.405" v="436"/>
+          <ac:inkMkLst>
+            <pc:docMk/>
+            <pc:sldMk cId="536207168" sldId="336"/>
+            <ac:inkMk id="12" creationId="{E6D98597-8463-41C4-90B2-B61927D44A42}"/>
+          </ac:inkMkLst>
+        </pc:inkChg>
+        <pc:inkChg chg="add del">
+          <ac:chgData name="Namhyoung Kim" userId="fb60bffb23ca2a8d" providerId="LiveId" clId="{68A7EFEE-66FC-43E3-89B4-E3816B2C7497}" dt="2018-12-20T06:48:55.788" v="442"/>
+          <ac:inkMkLst>
+            <pc:docMk/>
+            <pc:sldMk cId="536207168" sldId="336"/>
+            <ac:inkMk id="13" creationId="{0B812D44-8A35-4DD4-A12B-A02263D057C0}"/>
+          </ac:inkMkLst>
+        </pc:inkChg>
+        <pc:inkChg chg="add del">
+          <ac:chgData name="Namhyoung Kim" userId="fb60bffb23ca2a8d" providerId="LiveId" clId="{68A7EFEE-66FC-43E3-89B4-E3816B2C7497}" dt="2018-12-20T06:51:03.297" v="488"/>
+          <ac:inkMkLst>
+            <pc:docMk/>
+            <pc:sldMk cId="536207168" sldId="336"/>
+            <ac:inkMk id="14" creationId="{3FBE16CC-2F74-4C80-AF87-F5CED8B387CC}"/>
+          </ac:inkMkLst>
+        </pc:inkChg>
+        <pc:inkChg chg="add del">
+          <ac:chgData name="Namhyoung Kim" userId="fb60bffb23ca2a8d" providerId="LiveId" clId="{68A7EFEE-66FC-43E3-89B4-E3816B2C7497}" dt="2018-12-20T06:48:55.788" v="442"/>
+          <ac:inkMkLst>
+            <pc:docMk/>
+            <pc:sldMk cId="536207168" sldId="336"/>
+            <ac:inkMk id="15" creationId="{A6750B4F-D215-47D6-A0CD-3BFAB48AE6AE}"/>
+          </ac:inkMkLst>
+        </pc:inkChg>
+        <pc:inkChg chg="add del">
+          <ac:chgData name="Namhyoung Kim" userId="fb60bffb23ca2a8d" providerId="LiveId" clId="{68A7EFEE-66FC-43E3-89B4-E3816B2C7497}" dt="2018-12-20T06:48:55.788" v="442"/>
+          <ac:inkMkLst>
+            <pc:docMk/>
+            <pc:sldMk cId="536207168" sldId="336"/>
+            <ac:inkMk id="16" creationId="{7B29D047-A91D-46BE-8713-6B61A886A708}"/>
+          </ac:inkMkLst>
+        </pc:inkChg>
+        <pc:inkChg chg="add del">
+          <ac:chgData name="Namhyoung Kim" userId="fb60bffb23ca2a8d" providerId="LiveId" clId="{68A7EFEE-66FC-43E3-89B4-E3816B2C7497}" dt="2018-12-20T06:48:55.788" v="442"/>
+          <ac:inkMkLst>
+            <pc:docMk/>
+            <pc:sldMk cId="536207168" sldId="336"/>
+            <ac:inkMk id="17" creationId="{6EB96841-DA78-4940-BE15-898B3D0BB9AC}"/>
+          </ac:inkMkLst>
+        </pc:inkChg>
+        <pc:inkChg chg="add del">
+          <ac:chgData name="Namhyoung Kim" userId="fb60bffb23ca2a8d" providerId="LiveId" clId="{68A7EFEE-66FC-43E3-89B4-E3816B2C7497}" dt="2018-12-20T06:48:55.788" v="442"/>
+          <ac:inkMkLst>
+            <pc:docMk/>
+            <pc:sldMk cId="536207168" sldId="336"/>
+            <ac:inkMk id="18" creationId="{ED237568-1291-4211-9BE6-DD82F1DBBC55}"/>
+          </ac:inkMkLst>
+        </pc:inkChg>
+        <pc:inkChg chg="add del">
+          <ac:chgData name="Namhyoung Kim" userId="fb60bffb23ca2a8d" providerId="LiveId" clId="{68A7EFEE-66FC-43E3-89B4-E3816B2C7497}" dt="2018-12-20T06:48:55.788" v="442"/>
+          <ac:inkMkLst>
+            <pc:docMk/>
+            <pc:sldMk cId="536207168" sldId="336"/>
+            <ac:inkMk id="19" creationId="{E9D2DE73-92F2-4BA5-AF55-6454D15E50B5}"/>
+          </ac:inkMkLst>
+        </pc:inkChg>
+        <pc:inkChg chg="add del">
+          <ac:chgData name="Namhyoung Kim" userId="fb60bffb23ca2a8d" providerId="LiveId" clId="{68A7EFEE-66FC-43E3-89B4-E3816B2C7497}" dt="2018-12-20T06:51:03.297" v="488"/>
+          <ac:inkMkLst>
+            <pc:docMk/>
+            <pc:sldMk cId="536207168" sldId="336"/>
+            <ac:inkMk id="20" creationId="{D31B91A0-299E-4504-BA54-F53FA185F403}"/>
+          </ac:inkMkLst>
+        </pc:inkChg>
+        <pc:inkChg chg="add del">
+          <ac:chgData name="Namhyoung Kim" userId="fb60bffb23ca2a8d" providerId="LiveId" clId="{68A7EFEE-66FC-43E3-89B4-E3816B2C7497}" dt="2018-12-20T06:48:57.626" v="445"/>
+          <ac:inkMkLst>
+            <pc:docMk/>
+            <pc:sldMk cId="536207168" sldId="336"/>
+            <ac:inkMk id="21" creationId="{9F88718E-ED68-4C92-B628-22B04C1AF8BD}"/>
+          </ac:inkMkLst>
+        </pc:inkChg>
+        <pc:inkChg chg="add del">
+          <ac:chgData name="Namhyoung Kim" userId="fb60bffb23ca2a8d" providerId="LiveId" clId="{68A7EFEE-66FC-43E3-89B4-E3816B2C7497}" dt="2018-12-20T06:48:57.626" v="445"/>
+          <ac:inkMkLst>
+            <pc:docMk/>
+            <pc:sldMk cId="536207168" sldId="336"/>
+            <ac:inkMk id="22" creationId="{89BB569D-10DD-4CD9-8B5E-F166CAE4A4D6}"/>
+          </ac:inkMkLst>
+        </pc:inkChg>
+        <pc:inkChg chg="add del">
+          <ac:chgData name="Namhyoung Kim" userId="fb60bffb23ca2a8d" providerId="LiveId" clId="{68A7EFEE-66FC-43E3-89B4-E3816B2C7497}" dt="2018-12-20T06:51:03.297" v="488"/>
+          <ac:inkMkLst>
+            <pc:docMk/>
+            <pc:sldMk cId="536207168" sldId="336"/>
+            <ac:inkMk id="23" creationId="{A121BFF9-0C4B-4488-A5D3-78DCDFD947F8}"/>
+          </ac:inkMkLst>
+        </pc:inkChg>
+        <pc:inkChg chg="add del">
+          <ac:chgData name="Namhyoung Kim" userId="fb60bffb23ca2a8d" providerId="LiveId" clId="{68A7EFEE-66FC-43E3-89B4-E3816B2C7497}" dt="2018-12-20T06:49:09.878" v="448"/>
+          <ac:inkMkLst>
+            <pc:docMk/>
+            <pc:sldMk cId="536207168" sldId="336"/>
+            <ac:inkMk id="24" creationId="{DE47A755-813D-44BC-98B9-D84A800A4A1E}"/>
+          </ac:inkMkLst>
+        </pc:inkChg>
+        <pc:inkChg chg="add del">
+          <ac:chgData name="Namhyoung Kim" userId="fb60bffb23ca2a8d" providerId="LiveId" clId="{68A7EFEE-66FC-43E3-89B4-E3816B2C7497}" dt="2018-12-20T06:49:09.878" v="448"/>
+          <ac:inkMkLst>
+            <pc:docMk/>
+            <pc:sldMk cId="536207168" sldId="336"/>
+            <ac:inkMk id="25" creationId="{9845E2F4-7AF1-445C-8C92-167E8EFC85BB}"/>
+          </ac:inkMkLst>
+        </pc:inkChg>
+        <pc:inkChg chg="add del">
+          <ac:chgData name="Namhyoung Kim" userId="fb60bffb23ca2a8d" providerId="LiveId" clId="{68A7EFEE-66FC-43E3-89B4-E3816B2C7497}" dt="2018-12-20T06:49:14.696" v="453"/>
+          <ac:inkMkLst>
+            <pc:docMk/>
+            <pc:sldMk cId="536207168" sldId="336"/>
+            <ac:inkMk id="26" creationId="{83DA15EA-56E0-4FDA-8B85-4DFE41936ADB}"/>
+          </ac:inkMkLst>
+        </pc:inkChg>
+        <pc:inkChg chg="add del">
+          <ac:chgData name="Namhyoung Kim" userId="fb60bffb23ca2a8d" providerId="LiveId" clId="{68A7EFEE-66FC-43E3-89B4-E3816B2C7497}" dt="2018-12-20T06:49:14.696" v="453"/>
+          <ac:inkMkLst>
+            <pc:docMk/>
+            <pc:sldMk cId="536207168" sldId="336"/>
+            <ac:inkMk id="27" creationId="{623C3DC7-9180-42A4-BD38-91F10C0D769F}"/>
+          </ac:inkMkLst>
+        </pc:inkChg>
+        <pc:inkChg chg="add del">
+          <ac:chgData name="Namhyoung Kim" userId="fb60bffb23ca2a8d" providerId="LiveId" clId="{68A7EFEE-66FC-43E3-89B4-E3816B2C7497}" dt="2018-12-20T06:49:14.696" v="453"/>
+          <ac:inkMkLst>
+            <pc:docMk/>
+            <pc:sldMk cId="536207168" sldId="336"/>
+            <ac:inkMk id="28" creationId="{04AB1526-5E4B-4A26-923E-8100482071CF}"/>
+          </ac:inkMkLst>
+        </pc:inkChg>
+        <pc:inkChg chg="add del">
+          <ac:chgData name="Namhyoung Kim" userId="fb60bffb23ca2a8d" providerId="LiveId" clId="{68A7EFEE-66FC-43E3-89B4-E3816B2C7497}" dt="2018-12-20T06:49:14.696" v="453"/>
+          <ac:inkMkLst>
+            <pc:docMk/>
+            <pc:sldMk cId="536207168" sldId="336"/>
+            <ac:inkMk id="29" creationId="{E7EA5ACB-4C9D-4AA9-870F-2A433EB242AB}"/>
+          </ac:inkMkLst>
+        </pc:inkChg>
+        <pc:inkChg chg="add del">
+          <ac:chgData name="Namhyoung Kim" userId="fb60bffb23ca2a8d" providerId="LiveId" clId="{68A7EFEE-66FC-43E3-89B4-E3816B2C7497}" dt="2018-12-20T06:49:14.696" v="453"/>
+          <ac:inkMkLst>
+            <pc:docMk/>
+            <pc:sldMk cId="536207168" sldId="336"/>
+            <ac:inkMk id="30" creationId="{4CF18658-2D23-4A66-8F0B-E0A6CAE440FB}"/>
+          </ac:inkMkLst>
+        </pc:inkChg>
+        <pc:inkChg chg="add del">
+          <ac:chgData name="Namhyoung Kim" userId="fb60bffb23ca2a8d" providerId="LiveId" clId="{68A7EFEE-66FC-43E3-89B4-E3816B2C7497}" dt="2018-12-20T06:51:03.297" v="488"/>
+          <ac:inkMkLst>
+            <pc:docMk/>
+            <pc:sldMk cId="536207168" sldId="336"/>
+            <ac:inkMk id="31" creationId="{249230B5-6FE7-47C5-84CC-EB3293FEC49E}"/>
+          </ac:inkMkLst>
+        </pc:inkChg>
+        <pc:inkChg chg="add del">
+          <ac:chgData name="Namhyoung Kim" userId="fb60bffb23ca2a8d" providerId="LiveId" clId="{68A7EFEE-66FC-43E3-89B4-E3816B2C7497}" dt="2018-12-20T06:49:18.581" v="457"/>
+          <ac:inkMkLst>
+            <pc:docMk/>
+            <pc:sldMk cId="536207168" sldId="336"/>
+            <ac:inkMk id="32" creationId="{60019AC8-AA50-4B8C-B42E-5D0AC64F0872}"/>
+          </ac:inkMkLst>
+        </pc:inkChg>
+        <pc:inkChg chg="add del">
+          <ac:chgData name="Namhyoung Kim" userId="fb60bffb23ca2a8d" providerId="LiveId" clId="{68A7EFEE-66FC-43E3-89B4-E3816B2C7497}" dt="2018-12-20T06:49:18.581" v="457"/>
+          <ac:inkMkLst>
+            <pc:docMk/>
+            <pc:sldMk cId="536207168" sldId="336"/>
+            <ac:inkMk id="33" creationId="{9C808443-F1F8-402E-9A3A-2A38588AC606}"/>
+          </ac:inkMkLst>
+        </pc:inkChg>
+        <pc:inkChg chg="add del">
+          <ac:chgData name="Namhyoung Kim" userId="fb60bffb23ca2a8d" providerId="LiveId" clId="{68A7EFEE-66FC-43E3-89B4-E3816B2C7497}" dt="2018-12-20T06:49:18.581" v="457"/>
+          <ac:inkMkLst>
+            <pc:docMk/>
+            <pc:sldMk cId="536207168" sldId="336"/>
+            <ac:inkMk id="34" creationId="{17C09528-C6B8-4584-8694-3836D11E80BB}"/>
+          </ac:inkMkLst>
+        </pc:inkChg>
+        <pc:inkChg chg="add del">
+          <ac:chgData name="Namhyoung Kim" userId="fb60bffb23ca2a8d" providerId="LiveId" clId="{68A7EFEE-66FC-43E3-89B4-E3816B2C7497}" dt="2018-12-20T06:51:03.297" v="488"/>
+          <ac:inkMkLst>
+            <pc:docMk/>
+            <pc:sldMk cId="536207168" sldId="336"/>
+            <ac:inkMk id="35" creationId="{5D802D83-4995-4762-B6A4-F6AC47B32EFB}"/>
+          </ac:inkMkLst>
+        </pc:inkChg>
+        <pc:inkChg chg="add del">
+          <ac:chgData name="Namhyoung Kim" userId="fb60bffb23ca2a8d" providerId="LiveId" clId="{68A7EFEE-66FC-43E3-89B4-E3816B2C7497}" dt="2018-12-20T06:51:57.745" v="518"/>
+          <ac:inkMkLst>
+            <pc:docMk/>
+            <pc:sldMk cId="536207168" sldId="336"/>
+            <ac:inkMk id="36" creationId="{8D023719-3C0E-40C2-AA38-A074D4984F80}"/>
+          </ac:inkMkLst>
+        </pc:inkChg>
+        <pc:inkChg chg="add del">
+          <ac:chgData name="Namhyoung Kim" userId="fb60bffb23ca2a8d" providerId="LiveId" clId="{68A7EFEE-66FC-43E3-89B4-E3816B2C7497}" dt="2018-12-20T06:50:10.796" v="468"/>
+          <ac:inkMkLst>
+            <pc:docMk/>
+            <pc:sldMk cId="536207168" sldId="336"/>
+            <ac:inkMk id="37" creationId="{955D49B5-5E73-47D6-9B5D-221BBFCE2CB2}"/>
+          </ac:inkMkLst>
+        </pc:inkChg>
+        <pc:inkChg chg="add del">
+          <ac:chgData name="Namhyoung Kim" userId="fb60bffb23ca2a8d" providerId="LiveId" clId="{68A7EFEE-66FC-43E3-89B4-E3816B2C7497}" dt="2018-12-20T06:50:10.796" v="468"/>
+          <ac:inkMkLst>
+            <pc:docMk/>
+            <pc:sldMk cId="536207168" sldId="336"/>
+            <ac:inkMk id="38" creationId="{AFFA7E27-43CA-4EFE-B3A0-A004E1BBCC48}"/>
+          </ac:inkMkLst>
+        </pc:inkChg>
+        <pc:inkChg chg="add del">
+          <ac:chgData name="Namhyoung Kim" userId="fb60bffb23ca2a8d" providerId="LiveId" clId="{68A7EFEE-66FC-43E3-89B4-E3816B2C7497}" dt="2018-12-20T06:50:14.393" v="470"/>
+          <ac:inkMkLst>
+            <pc:docMk/>
+            <pc:sldMk cId="536207168" sldId="336"/>
+            <ac:inkMk id="39" creationId="{D7B83E26-5192-46E0-B99C-AD3B7ED63154}"/>
+          </ac:inkMkLst>
+        </pc:inkChg>
+        <pc:inkChg chg="add del">
+          <ac:chgData name="Namhyoung Kim" userId="fb60bffb23ca2a8d" providerId="LiveId" clId="{68A7EFEE-66FC-43E3-89B4-E3816B2C7497}" dt="2018-12-20T06:50:15.890" v="474"/>
+          <ac:inkMkLst>
+            <pc:docMk/>
+            <pc:sldMk cId="536207168" sldId="336"/>
+            <ac:inkMk id="40" creationId="{994699DF-ECDD-47AC-A3AF-B2F482F218DC}"/>
+          </ac:inkMkLst>
+        </pc:inkChg>
+        <pc:inkChg chg="add del">
+          <ac:chgData name="Namhyoung Kim" userId="fb60bffb23ca2a8d" providerId="LiveId" clId="{68A7EFEE-66FC-43E3-89B4-E3816B2C7497}" dt="2018-12-20T06:50:10.796" v="468"/>
+          <ac:inkMkLst>
+            <pc:docMk/>
+            <pc:sldMk cId="536207168" sldId="336"/>
+            <ac:inkMk id="41" creationId="{DA45A5A4-09CF-464E-AC53-21FE77BFDC03}"/>
+          </ac:inkMkLst>
+        </pc:inkChg>
+        <pc:inkChg chg="add del">
+          <ac:chgData name="Namhyoung Kim" userId="fb60bffb23ca2a8d" providerId="LiveId" clId="{68A7EFEE-66FC-43E3-89B4-E3816B2C7497}" dt="2018-12-20T06:50:10.796" v="468"/>
+          <ac:inkMkLst>
+            <pc:docMk/>
+            <pc:sldMk cId="536207168" sldId="336"/>
+            <ac:inkMk id="42" creationId="{E0ED2C7E-FDBD-4F29-8007-A94C6FE2632A}"/>
+          </ac:inkMkLst>
+        </pc:inkChg>
+        <pc:inkChg chg="add del">
+          <ac:chgData name="Namhyoung Kim" userId="fb60bffb23ca2a8d" providerId="LiveId" clId="{68A7EFEE-66FC-43E3-89B4-E3816B2C7497}" dt="2018-12-20T06:50:10.796" v="468"/>
+          <ac:inkMkLst>
+            <pc:docMk/>
+            <pc:sldMk cId="536207168" sldId="336"/>
+            <ac:inkMk id="43" creationId="{F63DDC0E-64CA-48E5-957C-A9ECA2B9ABDF}"/>
+          </ac:inkMkLst>
+        </pc:inkChg>
+        <pc:inkChg chg="add del">
+          <ac:chgData name="Namhyoung Kim" userId="fb60bffb23ca2a8d" providerId="LiveId" clId="{68A7EFEE-66FC-43E3-89B4-E3816B2C7497}" dt="2018-12-20T06:50:10.796" v="468"/>
+          <ac:inkMkLst>
+            <pc:docMk/>
+            <pc:sldMk cId="536207168" sldId="336"/>
+            <ac:inkMk id="44" creationId="{A3CA1CC9-F4E3-4B1B-B386-6569C3C1EEF9}"/>
+          </ac:inkMkLst>
+        </pc:inkChg>
+        <pc:inkChg chg="add del">
+          <ac:chgData name="Namhyoung Kim" userId="fb60bffb23ca2a8d" providerId="LiveId" clId="{68A7EFEE-66FC-43E3-89B4-E3816B2C7497}" dt="2018-12-20T06:50:10.796" v="468"/>
+          <ac:inkMkLst>
+            <pc:docMk/>
+            <pc:sldMk cId="536207168" sldId="336"/>
+            <ac:inkMk id="45" creationId="{841C2D5A-0C34-463F-B9AD-6DC6C0217625}"/>
+          </ac:inkMkLst>
+        </pc:inkChg>
+        <pc:inkChg chg="add del">
+          <ac:chgData name="Namhyoung Kim" userId="fb60bffb23ca2a8d" providerId="LiveId" clId="{68A7EFEE-66FC-43E3-89B4-E3816B2C7497}" dt="2018-12-20T06:50:15.890" v="474"/>
+          <ac:inkMkLst>
+            <pc:docMk/>
+            <pc:sldMk cId="536207168" sldId="336"/>
+            <ac:inkMk id="46" creationId="{271D117F-F88C-4FB4-A719-BA2C95DAB7AA}"/>
+          </ac:inkMkLst>
+        </pc:inkChg>
+        <pc:inkChg chg="add del">
+          <ac:chgData name="Namhyoung Kim" userId="fb60bffb23ca2a8d" providerId="LiveId" clId="{68A7EFEE-66FC-43E3-89B4-E3816B2C7497}" dt="2018-12-20T06:50:14.393" v="470"/>
+          <ac:inkMkLst>
+            <pc:docMk/>
+            <pc:sldMk cId="536207168" sldId="336"/>
+            <ac:inkMk id="47" creationId="{8E2081AF-BD32-4895-801D-FDD5F3AC2C79}"/>
+          </ac:inkMkLst>
+        </pc:inkChg>
+        <pc:inkChg chg="add del">
+          <ac:chgData name="Namhyoung Kim" userId="fb60bffb23ca2a8d" providerId="LiveId" clId="{68A7EFEE-66FC-43E3-89B4-E3816B2C7497}" dt="2018-12-20T06:50:14.393" v="470"/>
+          <ac:inkMkLst>
+            <pc:docMk/>
+            <pc:sldMk cId="536207168" sldId="336"/>
+            <ac:inkMk id="48" creationId="{9B9EE26C-EE67-47C9-B6A1-3405C2A09D43}"/>
+          </ac:inkMkLst>
+        </pc:inkChg>
+        <pc:inkChg chg="add del">
+          <ac:chgData name="Namhyoung Kim" userId="fb60bffb23ca2a8d" providerId="LiveId" clId="{68A7EFEE-66FC-43E3-89B4-E3816B2C7497}" dt="2018-12-20T06:50:15.890" v="474"/>
+          <ac:inkMkLst>
+            <pc:docMk/>
+            <pc:sldMk cId="536207168" sldId="336"/>
+            <ac:inkMk id="49" creationId="{952ECA6A-BCEF-438B-921B-A2C6005DB4D3}"/>
+          </ac:inkMkLst>
+        </pc:inkChg>
+        <pc:inkChg chg="add del">
+          <ac:chgData name="Namhyoung Kim" userId="fb60bffb23ca2a8d" providerId="LiveId" clId="{68A7EFEE-66FC-43E3-89B4-E3816B2C7497}" dt="2018-12-20T06:50:15.890" v="474"/>
+          <ac:inkMkLst>
+            <pc:docMk/>
+            <pc:sldMk cId="536207168" sldId="336"/>
+            <ac:inkMk id="50" creationId="{12FC5657-31A4-48A2-8048-B2B2EFFD4188}"/>
+          </ac:inkMkLst>
+        </pc:inkChg>
+        <pc:inkChg chg="add del">
+          <ac:chgData name="Namhyoung Kim" userId="fb60bffb23ca2a8d" providerId="LiveId" clId="{68A7EFEE-66FC-43E3-89B4-E3816B2C7497}" dt="2018-12-20T06:50:15.890" v="474"/>
+          <ac:inkMkLst>
+            <pc:docMk/>
+            <pc:sldMk cId="536207168" sldId="336"/>
+            <ac:inkMk id="51" creationId="{CFD2AF0A-4F27-4825-8F7E-50067EC8763B}"/>
+          </ac:inkMkLst>
+        </pc:inkChg>
+        <pc:inkChg chg="add del">
+          <ac:chgData name="Namhyoung Kim" userId="fb60bffb23ca2a8d" providerId="LiveId" clId="{68A7EFEE-66FC-43E3-89B4-E3816B2C7497}" dt="2018-12-20T06:50:15.890" v="474"/>
+          <ac:inkMkLst>
+            <pc:docMk/>
+            <pc:sldMk cId="536207168" sldId="336"/>
+            <ac:inkMk id="52" creationId="{60D5AB54-0D2E-4B55-9536-90ADEEDF234F}"/>
+          </ac:inkMkLst>
+        </pc:inkChg>
+        <pc:inkChg chg="add del">
+          <ac:chgData name="Namhyoung Kim" userId="fb60bffb23ca2a8d" providerId="LiveId" clId="{68A7EFEE-66FC-43E3-89B4-E3816B2C7497}" dt="2018-12-20T06:51:03.297" v="488"/>
+          <ac:inkMkLst>
+            <pc:docMk/>
+            <pc:sldMk cId="536207168" sldId="336"/>
+            <ac:inkMk id="53" creationId="{788E5E7B-86E6-4169-8731-2C128869E695}"/>
+          </ac:inkMkLst>
+        </pc:inkChg>
+        <pc:inkChg chg="add del">
+          <ac:chgData name="Namhyoung Kim" userId="fb60bffb23ca2a8d" providerId="LiveId" clId="{68A7EFEE-66FC-43E3-89B4-E3816B2C7497}" dt="2018-12-20T06:51:03.297" v="488"/>
+          <ac:inkMkLst>
+            <pc:docMk/>
+            <pc:sldMk cId="536207168" sldId="336"/>
+            <ac:inkMk id="54" creationId="{88503916-19EB-42A5-AD21-C0140458EAA3}"/>
+          </ac:inkMkLst>
+        </pc:inkChg>
+        <pc:inkChg chg="add del">
+          <ac:chgData name="Namhyoung Kim" userId="fb60bffb23ca2a8d" providerId="LiveId" clId="{68A7EFEE-66FC-43E3-89B4-E3816B2C7497}" dt="2018-12-20T06:51:03.297" v="488"/>
+          <ac:inkMkLst>
+            <pc:docMk/>
+            <pc:sldMk cId="536207168" sldId="336"/>
+            <ac:inkMk id="55" creationId="{8DFD4FD4-B1AF-44C3-AB10-346C27D74393}"/>
+          </ac:inkMkLst>
+        </pc:inkChg>
+        <pc:inkChg chg="add del">
+          <ac:chgData name="Namhyoung Kim" userId="fb60bffb23ca2a8d" providerId="LiveId" clId="{68A7EFEE-66FC-43E3-89B4-E3816B2C7497}" dt="2018-12-20T06:51:03.297" v="488"/>
+          <ac:inkMkLst>
+            <pc:docMk/>
+            <pc:sldMk cId="536207168" sldId="336"/>
+            <ac:inkMk id="56" creationId="{F0FE68EA-7B80-495E-9B88-3FA28B0E5AC4}"/>
+          </ac:inkMkLst>
+        </pc:inkChg>
+        <pc:inkChg chg="add del">
+          <ac:chgData name="Namhyoung Kim" userId="fb60bffb23ca2a8d" providerId="LiveId" clId="{68A7EFEE-66FC-43E3-89B4-E3816B2C7497}" dt="2018-12-20T06:51:03.297" v="488"/>
+          <ac:inkMkLst>
+            <pc:docMk/>
+            <pc:sldMk cId="536207168" sldId="336"/>
+            <ac:inkMk id="57" creationId="{8653906D-7250-42CC-A005-B15E9FC6B8D6}"/>
+          </ac:inkMkLst>
+        </pc:inkChg>
+        <pc:inkChg chg="add del">
+          <ac:chgData name="Namhyoung Kim" userId="fb60bffb23ca2a8d" providerId="LiveId" clId="{68A7EFEE-66FC-43E3-89B4-E3816B2C7497}" dt="2018-12-20T06:51:03.297" v="488"/>
+          <ac:inkMkLst>
+            <pc:docMk/>
+            <pc:sldMk cId="536207168" sldId="336"/>
+            <ac:inkMk id="58" creationId="{D3F534B5-740C-47D4-88DE-BCDB18A75C65}"/>
+          </ac:inkMkLst>
+        </pc:inkChg>
+        <pc:inkChg chg="add del">
+          <ac:chgData name="Namhyoung Kim" userId="fb60bffb23ca2a8d" providerId="LiveId" clId="{68A7EFEE-66FC-43E3-89B4-E3816B2C7497}" dt="2018-12-20T06:51:03.297" v="488"/>
+          <ac:inkMkLst>
+            <pc:docMk/>
+            <pc:sldMk cId="536207168" sldId="336"/>
+            <ac:inkMk id="59" creationId="{8EC1BCB8-BB16-4037-BEAE-442B2DD64794}"/>
+          </ac:inkMkLst>
+        </pc:inkChg>
+        <pc:inkChg chg="add del">
+          <ac:chgData name="Namhyoung Kim" userId="fb60bffb23ca2a8d" providerId="LiveId" clId="{68A7EFEE-66FC-43E3-89B4-E3816B2C7497}" dt="2018-12-20T06:51:03.297" v="488"/>
+          <ac:inkMkLst>
+            <pc:docMk/>
+            <pc:sldMk cId="536207168" sldId="336"/>
+            <ac:inkMk id="60" creationId="{25CC7755-B33C-4CBA-8E06-B39D6A37F015}"/>
+          </ac:inkMkLst>
+        </pc:inkChg>
+        <pc:inkChg chg="add del">
+          <ac:chgData name="Namhyoung Kim" userId="fb60bffb23ca2a8d" providerId="LiveId" clId="{68A7EFEE-66FC-43E3-89B4-E3816B2C7497}" dt="2018-12-20T06:51:03.297" v="488"/>
+          <ac:inkMkLst>
+            <pc:docMk/>
+            <pc:sldMk cId="536207168" sldId="336"/>
+            <ac:inkMk id="61" creationId="{5139C782-45FA-4689-ABF1-8A38EBC144E7}"/>
+          </ac:inkMkLst>
+        </pc:inkChg>
+        <pc:inkChg chg="add del">
+          <ac:chgData name="Namhyoung Kim" userId="fb60bffb23ca2a8d" providerId="LiveId" clId="{68A7EFEE-66FC-43E3-89B4-E3816B2C7497}" dt="2018-12-20T06:51:03.297" v="488"/>
+          <ac:inkMkLst>
+            <pc:docMk/>
+            <pc:sldMk cId="536207168" sldId="336"/>
+            <ac:inkMk id="62" creationId="{75D61C00-2183-4BE5-B70A-84DACB96D0BC}"/>
+          </ac:inkMkLst>
+        </pc:inkChg>
+        <pc:inkChg chg="add del">
+          <ac:chgData name="Namhyoung Kim" userId="fb60bffb23ca2a8d" providerId="LiveId" clId="{68A7EFEE-66FC-43E3-89B4-E3816B2C7497}" dt="2018-12-20T06:51:03.297" v="488"/>
+          <ac:inkMkLst>
+            <pc:docMk/>
+            <pc:sldMk cId="536207168" sldId="336"/>
+            <ac:inkMk id="63" creationId="{58556E49-F492-4EE8-8C1D-24AE2C825EE9}"/>
+          </ac:inkMkLst>
+        </pc:inkChg>
+        <pc:inkChg chg="add del">
+          <ac:chgData name="Namhyoung Kim" userId="fb60bffb23ca2a8d" providerId="LiveId" clId="{68A7EFEE-66FC-43E3-89B4-E3816B2C7497}" dt="2018-12-20T06:51:03.297" v="488"/>
+          <ac:inkMkLst>
+            <pc:docMk/>
+            <pc:sldMk cId="536207168" sldId="336"/>
+            <ac:inkMk id="64" creationId="{9A938B8E-263B-4B05-B72B-0A0505327180}"/>
+          </ac:inkMkLst>
+        </pc:inkChg>
+        <pc:inkChg chg="add del">
+          <ac:chgData name="Namhyoung Kim" userId="fb60bffb23ca2a8d" providerId="LiveId" clId="{68A7EFEE-66FC-43E3-89B4-E3816B2C7497}" dt="2018-12-20T06:51:03.297" v="488"/>
+          <ac:inkMkLst>
+            <pc:docMk/>
+            <pc:sldMk cId="536207168" sldId="336"/>
+            <ac:inkMk id="65" creationId="{7DC9B74E-8710-4704-85AC-12413C4054E0}"/>
+          </ac:inkMkLst>
+        </pc:inkChg>
+        <pc:inkChg chg="add del">
+          <ac:chgData name="Namhyoung Kim" userId="fb60bffb23ca2a8d" providerId="LiveId" clId="{68A7EFEE-66FC-43E3-89B4-E3816B2C7497}" dt="2018-12-20T06:51:03.297" v="488"/>
+          <ac:inkMkLst>
+            <pc:docMk/>
+            <pc:sldMk cId="536207168" sldId="336"/>
+            <ac:inkMk id="66" creationId="{84C5DBA4-A032-4F01-9CD1-0543EBE99FCD}"/>
+          </ac:inkMkLst>
+        </pc:inkChg>
+        <pc:inkChg chg="add del">
+          <ac:chgData name="Namhyoung Kim" userId="fb60bffb23ca2a8d" providerId="LiveId" clId="{68A7EFEE-66FC-43E3-89B4-E3816B2C7497}" dt="2018-12-20T06:51:13.498" v="492"/>
+          <ac:inkMkLst>
+            <pc:docMk/>
+            <pc:sldMk cId="536207168" sldId="336"/>
+            <ac:inkMk id="67" creationId="{F828D91F-122B-4480-9404-139B144D1A8A}"/>
+          </ac:inkMkLst>
+        </pc:inkChg>
+        <pc:inkChg chg="add del">
+          <ac:chgData name="Namhyoung Kim" userId="fb60bffb23ca2a8d" providerId="LiveId" clId="{68A7EFEE-66FC-43E3-89B4-E3816B2C7497}" dt="2018-12-20T06:51:13.498" v="492"/>
+          <ac:inkMkLst>
+            <pc:docMk/>
+            <pc:sldMk cId="536207168" sldId="336"/>
+            <ac:inkMk id="68" creationId="{4E3CA2DB-854A-4C55-A36A-3208E6AFED53}"/>
+          </ac:inkMkLst>
+        </pc:inkChg>
+        <pc:inkChg chg="add del">
+          <ac:chgData name="Namhyoung Kim" userId="fb60bffb23ca2a8d" providerId="LiveId" clId="{68A7EFEE-66FC-43E3-89B4-E3816B2C7497}" dt="2018-12-20T06:51:13.498" v="492"/>
+          <ac:inkMkLst>
+            <pc:docMk/>
+            <pc:sldMk cId="536207168" sldId="336"/>
+            <ac:inkMk id="69" creationId="{51D86D4A-E68B-42AF-83D0-170EF43AF7C0}"/>
+          </ac:inkMkLst>
+        </pc:inkChg>
+        <pc:inkChg chg="add del">
+          <ac:chgData name="Namhyoung Kim" userId="fb60bffb23ca2a8d" providerId="LiveId" clId="{68A7EFEE-66FC-43E3-89B4-E3816B2C7497}" dt="2018-12-20T06:51:13.498" v="492"/>
+          <ac:inkMkLst>
+            <pc:docMk/>
+            <pc:sldMk cId="536207168" sldId="336"/>
+            <ac:inkMk id="70" creationId="{5F07CE1C-3F70-4B25-90CA-53C3DDA9880A}"/>
+          </ac:inkMkLst>
+        </pc:inkChg>
+        <pc:inkChg chg="add del">
+          <ac:chgData name="Namhyoung Kim" userId="fb60bffb23ca2a8d" providerId="LiveId" clId="{68A7EFEE-66FC-43E3-89B4-E3816B2C7497}" dt="2018-12-20T06:51:13.498" v="492"/>
+          <ac:inkMkLst>
+            <pc:docMk/>
+            <pc:sldMk cId="536207168" sldId="336"/>
+            <ac:inkMk id="71" creationId="{1E926F40-9AE5-4617-9653-7219DC358E9D}"/>
+          </ac:inkMkLst>
+        </pc:inkChg>
+        <pc:inkChg chg="add del">
+          <ac:chgData name="Namhyoung Kim" userId="fb60bffb23ca2a8d" providerId="LiveId" clId="{68A7EFEE-66FC-43E3-89B4-E3816B2C7497}" dt="2018-12-20T06:51:17.385" v="499"/>
+          <ac:inkMkLst>
+            <pc:docMk/>
+            <pc:sldMk cId="536207168" sldId="336"/>
+            <ac:inkMk id="72" creationId="{3148A024-0CA7-4A9D-AC89-8860CA89DA33}"/>
+          </ac:inkMkLst>
+        </pc:inkChg>
+        <pc:inkChg chg="add del">
+          <ac:chgData name="Namhyoung Kim" userId="fb60bffb23ca2a8d" providerId="LiveId" clId="{68A7EFEE-66FC-43E3-89B4-E3816B2C7497}" dt="2018-12-20T06:51:17.385" v="499"/>
+          <ac:inkMkLst>
+            <pc:docMk/>
+            <pc:sldMk cId="536207168" sldId="336"/>
+            <ac:inkMk id="73" creationId="{3ECC12B8-2B8F-45A0-AC6D-A9D8C4A708EC}"/>
+          </ac:inkMkLst>
+        </pc:inkChg>
+        <pc:inkChg chg="add del">
+          <ac:chgData name="Namhyoung Kim" userId="fb60bffb23ca2a8d" providerId="LiveId" clId="{68A7EFEE-66FC-43E3-89B4-E3816B2C7497}" dt="2018-12-20T06:51:17.385" v="499"/>
+          <ac:inkMkLst>
+            <pc:docMk/>
+            <pc:sldMk cId="536207168" sldId="336"/>
+            <ac:inkMk id="74" creationId="{18A6974B-9790-4675-8D60-14C5C757862F}"/>
+          </ac:inkMkLst>
+        </pc:inkChg>
+        <pc:inkChg chg="add del">
+          <ac:chgData name="Namhyoung Kim" userId="fb60bffb23ca2a8d" providerId="LiveId" clId="{68A7EFEE-66FC-43E3-89B4-E3816B2C7497}" dt="2018-12-20T06:51:17.385" v="499"/>
+          <ac:inkMkLst>
+            <pc:docMk/>
+            <pc:sldMk cId="536207168" sldId="336"/>
+            <ac:inkMk id="75" creationId="{3A634236-41B0-4E3E-9E20-F10D57F6E741}"/>
+          </ac:inkMkLst>
+        </pc:inkChg>
+        <pc:inkChg chg="add del">
+          <ac:chgData name="Namhyoung Kim" userId="fb60bffb23ca2a8d" providerId="LiveId" clId="{68A7EFEE-66FC-43E3-89B4-E3816B2C7497}" dt="2018-12-20T06:51:17.385" v="499"/>
+          <ac:inkMkLst>
+            <pc:docMk/>
+            <pc:sldMk cId="536207168" sldId="336"/>
+            <ac:inkMk id="76" creationId="{B0C8E964-9CA3-4D25-886E-7DA626D82BD1}"/>
+          </ac:inkMkLst>
+        </pc:inkChg>
+        <pc:inkChg chg="add del">
+          <ac:chgData name="Namhyoung Kim" userId="fb60bffb23ca2a8d" providerId="LiveId" clId="{68A7EFEE-66FC-43E3-89B4-E3816B2C7497}" dt="2018-12-20T06:51:17.385" v="499"/>
+          <ac:inkMkLst>
+            <pc:docMk/>
+            <pc:sldMk cId="536207168" sldId="336"/>
+            <ac:inkMk id="77" creationId="{3E593DBD-5865-42E4-9712-36E9A7D211CF}"/>
+          </ac:inkMkLst>
+        </pc:inkChg>
+        <pc:inkChg chg="add del">
+          <ac:chgData name="Namhyoung Kim" userId="fb60bffb23ca2a8d" providerId="LiveId" clId="{68A7EFEE-66FC-43E3-89B4-E3816B2C7497}" dt="2018-12-20T06:51:17.385" v="499"/>
+          <ac:inkMkLst>
+            <pc:docMk/>
+            <pc:sldMk cId="536207168" sldId="336"/>
+            <ac:inkMk id="78" creationId="{FB9F08EE-897E-46D9-928C-F2F6F4357699}"/>
+          </ac:inkMkLst>
+        </pc:inkChg>
+        <pc:inkChg chg="add del">
+          <ac:chgData name="Namhyoung Kim" userId="fb60bffb23ca2a8d" providerId="LiveId" clId="{68A7EFEE-66FC-43E3-89B4-E3816B2C7497}" dt="2018-12-20T06:51:26.689" v="507"/>
+          <ac:inkMkLst>
+            <pc:docMk/>
+            <pc:sldMk cId="536207168" sldId="336"/>
+            <ac:inkMk id="79" creationId="{26612362-7B08-4444-B931-61C344666B18}"/>
+          </ac:inkMkLst>
+        </pc:inkChg>
+        <pc:inkChg chg="add del">
+          <ac:chgData name="Namhyoung Kim" userId="fb60bffb23ca2a8d" providerId="LiveId" clId="{68A7EFEE-66FC-43E3-89B4-E3816B2C7497}" dt="2018-12-20T06:51:26.689" v="507"/>
+          <ac:inkMkLst>
+            <pc:docMk/>
+            <pc:sldMk cId="536207168" sldId="336"/>
+            <ac:inkMk id="80" creationId="{4E636962-1BC5-49CE-B9DD-62944ABE8CD4}"/>
+          </ac:inkMkLst>
+        </pc:inkChg>
+        <pc:inkChg chg="add del">
+          <ac:chgData name="Namhyoung Kim" userId="fb60bffb23ca2a8d" providerId="LiveId" clId="{68A7EFEE-66FC-43E3-89B4-E3816B2C7497}" dt="2018-12-20T06:51:26.689" v="507"/>
+          <ac:inkMkLst>
+            <pc:docMk/>
+            <pc:sldMk cId="536207168" sldId="336"/>
+            <ac:inkMk id="81" creationId="{F9B64050-7B1A-4C4F-8727-CBDB4C45246C}"/>
+          </ac:inkMkLst>
+        </pc:inkChg>
+        <pc:inkChg chg="add del">
+          <ac:chgData name="Namhyoung Kim" userId="fb60bffb23ca2a8d" providerId="LiveId" clId="{68A7EFEE-66FC-43E3-89B4-E3816B2C7497}" dt="2018-12-20T06:51:26.689" v="507"/>
+          <ac:inkMkLst>
+            <pc:docMk/>
+            <pc:sldMk cId="536207168" sldId="336"/>
+            <ac:inkMk id="82" creationId="{5DC08AEE-D5DE-474B-BEE2-81FF5DCDEE8D}"/>
+          </ac:inkMkLst>
+        </pc:inkChg>
+        <pc:inkChg chg="add del">
+          <ac:chgData name="Namhyoung Kim" userId="fb60bffb23ca2a8d" providerId="LiveId" clId="{68A7EFEE-66FC-43E3-89B4-E3816B2C7497}" dt="2018-12-20T06:51:26.689" v="507"/>
+          <ac:inkMkLst>
+            <pc:docMk/>
+            <pc:sldMk cId="536207168" sldId="336"/>
+            <ac:inkMk id="83" creationId="{1908C7A0-A651-4B5F-9D55-85ACAAFDCAC7}"/>
+          </ac:inkMkLst>
+        </pc:inkChg>
+        <pc:inkChg chg="add del">
+          <ac:chgData name="Namhyoung Kim" userId="fb60bffb23ca2a8d" providerId="LiveId" clId="{68A7EFEE-66FC-43E3-89B4-E3816B2C7497}" dt="2018-12-20T06:51:26.689" v="507"/>
+          <ac:inkMkLst>
+            <pc:docMk/>
+            <pc:sldMk cId="536207168" sldId="336"/>
+            <ac:inkMk id="84" creationId="{DD7F594D-9264-410C-98EA-D2DF0EFCADE0}"/>
+          </ac:inkMkLst>
+        </pc:inkChg>
+        <pc:inkChg chg="add del">
+          <ac:chgData name="Namhyoung Kim" userId="fb60bffb23ca2a8d" providerId="LiveId" clId="{68A7EFEE-66FC-43E3-89B4-E3816B2C7497}" dt="2018-12-20T06:51:26.689" v="507"/>
+          <ac:inkMkLst>
+            <pc:docMk/>
+            <pc:sldMk cId="536207168" sldId="336"/>
+            <ac:inkMk id="85" creationId="{0F2407BF-7F06-4675-AC53-E18116AA5E9A}"/>
+          </ac:inkMkLst>
+        </pc:inkChg>
+        <pc:inkChg chg="add del">
+          <ac:chgData name="Namhyoung Kim" userId="fb60bffb23ca2a8d" providerId="LiveId" clId="{68A7EFEE-66FC-43E3-89B4-E3816B2C7497}" dt="2018-12-20T06:51:26.689" v="507"/>
+          <ac:inkMkLst>
+            <pc:docMk/>
+            <pc:sldMk cId="536207168" sldId="336"/>
+            <ac:inkMk id="86" creationId="{804AF886-D1FD-45C7-9EE1-634B87F448ED}"/>
+          </ac:inkMkLst>
+        </pc:inkChg>
+        <pc:inkChg chg="add del">
+          <ac:chgData name="Namhyoung Kim" userId="fb60bffb23ca2a8d" providerId="LiveId" clId="{68A7EFEE-66FC-43E3-89B4-E3816B2C7497}" dt="2018-12-20T06:51:29.438" v="512"/>
+          <ac:inkMkLst>
+            <pc:docMk/>
+            <pc:sldMk cId="536207168" sldId="336"/>
+            <ac:inkMk id="87" creationId="{EC672055-2663-4D6A-A57A-1609DA865D79}"/>
+          </ac:inkMkLst>
+        </pc:inkChg>
+        <pc:inkChg chg="add del">
+          <ac:chgData name="Namhyoung Kim" userId="fb60bffb23ca2a8d" providerId="LiveId" clId="{68A7EFEE-66FC-43E3-89B4-E3816B2C7497}" dt="2018-12-20T06:51:29.438" v="512"/>
+          <ac:inkMkLst>
+            <pc:docMk/>
+            <pc:sldMk cId="536207168" sldId="336"/>
+            <ac:inkMk id="88" creationId="{A774BEAC-7179-4BFB-ACAC-C6502A0793C8}"/>
+          </ac:inkMkLst>
+        </pc:inkChg>
+        <pc:inkChg chg="add del">
+          <ac:chgData name="Namhyoung Kim" userId="fb60bffb23ca2a8d" providerId="LiveId" clId="{68A7EFEE-66FC-43E3-89B4-E3816B2C7497}" dt="2018-12-20T06:51:29.438" v="512"/>
+          <ac:inkMkLst>
+            <pc:docMk/>
+            <pc:sldMk cId="536207168" sldId="336"/>
+            <ac:inkMk id="89" creationId="{23010D93-EF1E-4AC9-BE8A-C67E364675B8}"/>
+          </ac:inkMkLst>
+        </pc:inkChg>
+        <pc:inkChg chg="add del">
+          <ac:chgData name="Namhyoung Kim" userId="fb60bffb23ca2a8d" providerId="LiveId" clId="{68A7EFEE-66FC-43E3-89B4-E3816B2C7497}" dt="2018-12-20T06:51:29.438" v="512"/>
+          <ac:inkMkLst>
+            <pc:docMk/>
+            <pc:sldMk cId="536207168" sldId="336"/>
+            <ac:inkMk id="90" creationId="{173E7012-DB6D-425B-BB17-E4F94B9C1A13}"/>
+          </ac:inkMkLst>
+        </pc:inkChg>
+        <pc:inkChg chg="add del">
+          <ac:chgData name="Namhyoung Kim" userId="fb60bffb23ca2a8d" providerId="LiveId" clId="{68A7EFEE-66FC-43E3-89B4-E3816B2C7497}" dt="2018-12-20T06:51:29.438" v="512"/>
+          <ac:inkMkLst>
+            <pc:docMk/>
+            <pc:sldMk cId="536207168" sldId="336"/>
+            <ac:inkMk id="91" creationId="{3ED0A701-7F77-4B47-A97A-3308FAEB6406}"/>
+          </ac:inkMkLst>
+        </pc:inkChg>
+        <pc:inkChg chg="add del">
+          <ac:chgData name="Namhyoung Kim" userId="fb60bffb23ca2a8d" providerId="LiveId" clId="{68A7EFEE-66FC-43E3-89B4-E3816B2C7497}" dt="2018-12-20T06:51:33.658" v="517"/>
+          <ac:inkMkLst>
+            <pc:docMk/>
+            <pc:sldMk cId="536207168" sldId="336"/>
+            <ac:inkMk id="92" creationId="{B7BB6DD1-C7A7-4DFA-BF24-82E28A53F537}"/>
+          </ac:inkMkLst>
+        </pc:inkChg>
+        <pc:inkChg chg="add del">
+          <ac:chgData name="Namhyoung Kim" userId="fb60bffb23ca2a8d" providerId="LiveId" clId="{68A7EFEE-66FC-43E3-89B4-E3816B2C7497}" dt="2018-12-20T06:51:33.658" v="517"/>
+          <ac:inkMkLst>
+            <pc:docMk/>
+            <pc:sldMk cId="536207168" sldId="336"/>
+            <ac:inkMk id="93" creationId="{B968EE9B-2F0D-4308-B85D-4A7AADBE9132}"/>
+          </ac:inkMkLst>
+        </pc:inkChg>
+        <pc:inkChg chg="add del">
+          <ac:chgData name="Namhyoung Kim" userId="fb60bffb23ca2a8d" providerId="LiveId" clId="{68A7EFEE-66FC-43E3-89B4-E3816B2C7497}" dt="2018-12-20T06:51:33.658" v="517"/>
+          <ac:inkMkLst>
+            <pc:docMk/>
+            <pc:sldMk cId="536207168" sldId="336"/>
+            <ac:inkMk id="94" creationId="{B1C00D97-137C-4850-BFE1-02F5DEE61B48}"/>
+          </ac:inkMkLst>
+        </pc:inkChg>
+        <pc:inkChg chg="add del">
+          <ac:chgData name="Namhyoung Kim" userId="fb60bffb23ca2a8d" providerId="LiveId" clId="{68A7EFEE-66FC-43E3-89B4-E3816B2C7497}" dt="2018-12-20T06:51:33.658" v="517"/>
+          <ac:inkMkLst>
+            <pc:docMk/>
+            <pc:sldMk cId="536207168" sldId="336"/>
+            <ac:inkMk id="95" creationId="{FF5F8143-6216-4D78-AD40-B60B1B2F883A}"/>
+          </ac:inkMkLst>
+        </pc:inkChg>
+        <pc:inkChg chg="add del">
+          <ac:chgData name="Namhyoung Kim" userId="fb60bffb23ca2a8d" providerId="LiveId" clId="{68A7EFEE-66FC-43E3-89B4-E3816B2C7497}" dt="2018-12-20T06:51:33.658" v="517"/>
+          <ac:inkMkLst>
+            <pc:docMk/>
+            <pc:sldMk cId="536207168" sldId="336"/>
+            <ac:inkMk id="96" creationId="{85665B67-2D93-47B8-AEB2-9CA35656F869}"/>
+          </ac:inkMkLst>
+        </pc:inkChg>
+        <pc:inkChg chg="add">
+          <ac:chgData name="Namhyoung Kim" userId="fb60bffb23ca2a8d" providerId="LiveId" clId="{68A7EFEE-66FC-43E3-89B4-E3816B2C7497}" dt="2018-12-20T06:51:33.658" v="517"/>
+          <ac:inkMkLst>
+            <pc:docMk/>
+            <pc:sldMk cId="536207168" sldId="336"/>
+            <ac:inkMk id="97" creationId="{74C252B5-953C-4126-9088-9164ED742431}"/>
+          </ac:inkMkLst>
+        </pc:inkChg>
+      </pc:sldChg>
+      <pc:sldChg chg="addSp delSp">
+        <pc:chgData name="Namhyoung Kim" userId="fb60bffb23ca2a8d" providerId="LiveId" clId="{68A7EFEE-66FC-43E3-89B4-E3816B2C7497}" dt="2018-12-20T06:45:01.541" v="431"/>
+        <pc:sldMkLst>
+          <pc:docMk/>
+          <pc:sldMk cId="3579191837" sldId="337"/>
+        </pc:sldMkLst>
+        <pc:inkChg chg="add del">
+          <ac:chgData name="Namhyoung Kim" userId="fb60bffb23ca2a8d" providerId="LiveId" clId="{68A7EFEE-66FC-43E3-89B4-E3816B2C7497}" dt="2018-12-20T06:44:36.617" v="411"/>
+          <ac:inkMkLst>
+            <pc:docMk/>
+            <pc:sldMk cId="3579191837" sldId="337"/>
+            <ac:inkMk id="5" creationId="{6E3CDF93-A6E7-4660-9179-FA256D7F6923}"/>
+          </ac:inkMkLst>
+        </pc:inkChg>
+        <pc:inkChg chg="add del">
+          <ac:chgData name="Namhyoung Kim" userId="fb60bffb23ca2a8d" providerId="LiveId" clId="{68A7EFEE-66FC-43E3-89B4-E3816B2C7497}" dt="2018-12-20T06:44:36.617" v="411"/>
+          <ac:inkMkLst>
+            <pc:docMk/>
+            <pc:sldMk cId="3579191837" sldId="337"/>
+            <ac:inkMk id="6" creationId="{10E119BF-D0E9-47FB-9949-FB39C7FF6E00}"/>
+          </ac:inkMkLst>
+        </pc:inkChg>
+        <pc:inkChg chg="add del">
+          <ac:chgData name="Namhyoung Kim" userId="fb60bffb23ca2a8d" providerId="LiveId" clId="{68A7EFEE-66FC-43E3-89B4-E3816B2C7497}" dt="2018-12-20T06:44:36.617" v="411"/>
+          <ac:inkMkLst>
+            <pc:docMk/>
+            <pc:sldMk cId="3579191837" sldId="337"/>
+            <ac:inkMk id="7" creationId="{8B9FCCD8-5309-4919-91BD-59E1F05CC0A2}"/>
+          </ac:inkMkLst>
+        </pc:inkChg>
+        <pc:inkChg chg="add">
+          <ac:chgData name="Namhyoung Kim" userId="fb60bffb23ca2a8d" providerId="LiveId" clId="{68A7EFEE-66FC-43E3-89B4-E3816B2C7497}" dt="2018-12-20T06:44:36.617" v="411"/>
+          <ac:inkMkLst>
+            <pc:docMk/>
+            <pc:sldMk cId="3579191837" sldId="337"/>
+            <ac:inkMk id="8" creationId="{9AAC214C-6DCA-47B1-829B-4A8CF1E4BE00}"/>
+          </ac:inkMkLst>
+        </pc:inkChg>
+        <pc:inkChg chg="add del">
+          <ac:chgData name="Namhyoung Kim" userId="fb60bffb23ca2a8d" providerId="LiveId" clId="{68A7EFEE-66FC-43E3-89B4-E3816B2C7497}" dt="2018-12-20T06:44:54.290" v="422"/>
+          <ac:inkMkLst>
+            <pc:docMk/>
+            <pc:sldMk cId="3579191837" sldId="337"/>
+            <ac:inkMk id="9" creationId="{057B4ED3-27A2-4D6E-8BCE-9FCE894B20BC}"/>
+          </ac:inkMkLst>
+        </pc:inkChg>
+        <pc:inkChg chg="add del">
+          <ac:chgData name="Namhyoung Kim" userId="fb60bffb23ca2a8d" providerId="LiveId" clId="{68A7EFEE-66FC-43E3-89B4-E3816B2C7497}" dt="2018-12-20T06:44:41.997" v="415"/>
+          <ac:inkMkLst>
+            <pc:docMk/>
+            <pc:sldMk cId="3579191837" sldId="337"/>
+            <ac:inkMk id="10" creationId="{05A27280-DDCF-485F-B87D-B3C87A938B0E}"/>
+          </ac:inkMkLst>
+        </pc:inkChg>
+        <pc:inkChg chg="add del">
+          <ac:chgData name="Namhyoung Kim" userId="fb60bffb23ca2a8d" providerId="LiveId" clId="{68A7EFEE-66FC-43E3-89B4-E3816B2C7497}" dt="2018-12-20T06:44:41.997" v="415"/>
+          <ac:inkMkLst>
+            <pc:docMk/>
+            <pc:sldMk cId="3579191837" sldId="337"/>
+            <ac:inkMk id="11" creationId="{7D1E3D57-89E8-49DD-9D28-FA6B2E36C6F0}"/>
+          </ac:inkMkLst>
+        </pc:inkChg>
+        <pc:inkChg chg="add del">
+          <ac:chgData name="Namhyoung Kim" userId="fb60bffb23ca2a8d" providerId="LiveId" clId="{68A7EFEE-66FC-43E3-89B4-E3816B2C7497}" dt="2018-12-20T06:44:44.979" v="417"/>
+          <ac:inkMkLst>
+            <pc:docMk/>
+            <pc:sldMk cId="3579191837" sldId="337"/>
+            <ac:inkMk id="12" creationId="{A297C0D8-4AE2-43B3-BDF7-8A5A1F472749}"/>
+          </ac:inkMkLst>
+        </pc:inkChg>
+        <pc:inkChg chg="add del">
+          <ac:chgData name="Namhyoung Kim" userId="fb60bffb23ca2a8d" providerId="LiveId" clId="{68A7EFEE-66FC-43E3-89B4-E3816B2C7497}" dt="2018-12-20T06:44:44.979" v="417"/>
+          <ac:inkMkLst>
+            <pc:docMk/>
+            <pc:sldMk cId="3579191837" sldId="337"/>
+            <ac:inkMk id="13" creationId="{84DA5DD6-30AE-4D31-8DBC-9DE7E0627BD3}"/>
+          </ac:inkMkLst>
+        </pc:inkChg>
+        <pc:inkChg chg="add del">
+          <ac:chgData name="Namhyoung Kim" userId="fb60bffb23ca2a8d" providerId="LiveId" clId="{68A7EFEE-66FC-43E3-89B4-E3816B2C7497}" dt="2018-12-20T06:44:47.528" v="420"/>
+          <ac:inkMkLst>
+            <pc:docMk/>
+            <pc:sldMk cId="3579191837" sldId="337"/>
+            <ac:inkMk id="14" creationId="{90B3EC7B-0C43-4546-83FC-120E294AAA2E}"/>
+          </ac:inkMkLst>
+        </pc:inkChg>
+        <pc:inkChg chg="add del">
+          <ac:chgData name="Namhyoung Kim" userId="fb60bffb23ca2a8d" providerId="LiveId" clId="{68A7EFEE-66FC-43E3-89B4-E3816B2C7497}" dt="2018-12-20T06:44:47.528" v="420"/>
+          <ac:inkMkLst>
+            <pc:docMk/>
+            <pc:sldMk cId="3579191837" sldId="337"/>
+            <ac:inkMk id="15" creationId="{D677E411-8E4E-4B9A-AC62-A00984D28232}"/>
+          </ac:inkMkLst>
+        </pc:inkChg>
+        <pc:inkChg chg="add del">
+          <ac:chgData name="Namhyoung Kim" userId="fb60bffb23ca2a8d" providerId="LiveId" clId="{68A7EFEE-66FC-43E3-89B4-E3816B2C7497}" dt="2018-12-20T06:44:47.528" v="420"/>
+          <ac:inkMkLst>
+            <pc:docMk/>
+            <pc:sldMk cId="3579191837" sldId="337"/>
+            <ac:inkMk id="16" creationId="{204BF67A-1D60-4057-B0D1-F4A463F7BFFA}"/>
+          </ac:inkMkLst>
+        </pc:inkChg>
+        <pc:inkChg chg="add del">
+          <ac:chgData name="Namhyoung Kim" userId="fb60bffb23ca2a8d" providerId="LiveId" clId="{68A7EFEE-66FC-43E3-89B4-E3816B2C7497}" dt="2018-12-20T06:44:59.804" v="429"/>
+          <ac:inkMkLst>
+            <pc:docMk/>
+            <pc:sldMk cId="3579191837" sldId="337"/>
+            <ac:inkMk id="17" creationId="{A748E086-A578-4D4E-A15D-356910ADC2F2}"/>
+          </ac:inkMkLst>
+        </pc:inkChg>
+        <pc:inkChg chg="add del">
+          <ac:chgData name="Namhyoung Kim" userId="fb60bffb23ca2a8d" providerId="LiveId" clId="{68A7EFEE-66FC-43E3-89B4-E3816B2C7497}" dt="2018-12-20T06:44:54.290" v="422"/>
+          <ac:inkMkLst>
+            <pc:docMk/>
+            <pc:sldMk cId="3579191837" sldId="337"/>
+            <ac:inkMk id="18" creationId="{89E84F33-9B30-4CB8-8623-A3A9514C3258}"/>
+          </ac:inkMkLst>
+        </pc:inkChg>
+        <pc:inkChg chg="add">
+          <ac:chgData name="Namhyoung Kim" userId="fb60bffb23ca2a8d" providerId="LiveId" clId="{68A7EFEE-66FC-43E3-89B4-E3816B2C7497}" dt="2018-12-20T06:44:54.290" v="422"/>
+          <ac:inkMkLst>
+            <pc:docMk/>
+            <pc:sldMk cId="3579191837" sldId="337"/>
+            <ac:inkMk id="19" creationId="{DB5237B4-8BD9-4987-87E7-E86DBC12CA70}"/>
+          </ac:inkMkLst>
+        </pc:inkChg>
+        <pc:inkChg chg="add del">
+          <ac:chgData name="Namhyoung Kim" userId="fb60bffb23ca2a8d" providerId="LiveId" clId="{68A7EFEE-66FC-43E3-89B4-E3816B2C7497}" dt="2018-12-20T06:44:59.804" v="429"/>
+          <ac:inkMkLst>
+            <pc:docMk/>
+            <pc:sldMk cId="3579191837" sldId="337"/>
+            <ac:inkMk id="20" creationId="{315779E2-27F9-4232-9A90-0F0252EE2120}"/>
+          </ac:inkMkLst>
+        </pc:inkChg>
+        <pc:inkChg chg="add del">
+          <ac:chgData name="Namhyoung Kim" userId="fb60bffb23ca2a8d" providerId="LiveId" clId="{68A7EFEE-66FC-43E3-89B4-E3816B2C7497}" dt="2018-12-20T06:44:59.804" v="429"/>
+          <ac:inkMkLst>
+            <pc:docMk/>
+            <pc:sldMk cId="3579191837" sldId="337"/>
+            <ac:inkMk id="21" creationId="{EC343498-E7F4-4734-B0C8-0BEA8154DD19}"/>
+          </ac:inkMkLst>
+        </pc:inkChg>
+        <pc:inkChg chg="add del">
+          <ac:chgData name="Namhyoung Kim" userId="fb60bffb23ca2a8d" providerId="LiveId" clId="{68A7EFEE-66FC-43E3-89B4-E3816B2C7497}" dt="2018-12-20T06:44:59.804" v="429"/>
+          <ac:inkMkLst>
+            <pc:docMk/>
+            <pc:sldMk cId="3579191837" sldId="337"/>
+            <ac:inkMk id="22" creationId="{0BE5CE9F-E70C-4DE6-AE4E-5FDD11D8A9F0}"/>
+          </ac:inkMkLst>
+        </pc:inkChg>
+        <pc:inkChg chg="add del">
+          <ac:chgData name="Namhyoung Kim" userId="fb60bffb23ca2a8d" providerId="LiveId" clId="{68A7EFEE-66FC-43E3-89B4-E3816B2C7497}" dt="2018-12-20T06:44:59.804" v="429"/>
+          <ac:inkMkLst>
+            <pc:docMk/>
+            <pc:sldMk cId="3579191837" sldId="337"/>
+            <ac:inkMk id="23" creationId="{F4D2EF1C-19B5-428E-874B-5B2F859452C8}"/>
+          </ac:inkMkLst>
+        </pc:inkChg>
+        <pc:inkChg chg="add del">
+          <ac:chgData name="Namhyoung Kim" userId="fb60bffb23ca2a8d" providerId="LiveId" clId="{68A7EFEE-66FC-43E3-89B4-E3816B2C7497}" dt="2018-12-20T06:44:59.804" v="429"/>
+          <ac:inkMkLst>
+            <pc:docMk/>
+            <pc:sldMk cId="3579191837" sldId="337"/>
+            <ac:inkMk id="24" creationId="{666588AF-C19E-439E-81D5-523E35266167}"/>
+          </ac:inkMkLst>
+        </pc:inkChg>
+        <pc:inkChg chg="add del">
+          <ac:chgData name="Namhyoung Kim" userId="fb60bffb23ca2a8d" providerId="LiveId" clId="{68A7EFEE-66FC-43E3-89B4-E3816B2C7497}" dt="2018-12-20T06:44:59.804" v="429"/>
+          <ac:inkMkLst>
+            <pc:docMk/>
+            <pc:sldMk cId="3579191837" sldId="337"/>
+            <ac:inkMk id="25" creationId="{4B244E35-C3D8-4AB8-93D8-751FBEEEC93C}"/>
+          </ac:inkMkLst>
+        </pc:inkChg>
+        <pc:inkChg chg="add del">
+          <ac:chgData name="Namhyoung Kim" userId="fb60bffb23ca2a8d" providerId="LiveId" clId="{68A7EFEE-66FC-43E3-89B4-E3816B2C7497}" dt="2018-12-20T06:45:01.541" v="431"/>
+          <ac:inkMkLst>
+            <pc:docMk/>
+            <pc:sldMk cId="3579191837" sldId="337"/>
+            <ac:inkMk id="26" creationId="{AD42E92C-BDA5-491D-A67F-66DE3D2A9374}"/>
+          </ac:inkMkLst>
+        </pc:inkChg>
+        <pc:inkChg chg="add del">
+          <ac:chgData name="Namhyoung Kim" userId="fb60bffb23ca2a8d" providerId="LiveId" clId="{68A7EFEE-66FC-43E3-89B4-E3816B2C7497}" dt="2018-12-20T06:45:01.541" v="431"/>
+          <ac:inkMkLst>
+            <pc:docMk/>
+            <pc:sldMk cId="3579191837" sldId="337"/>
+            <ac:inkMk id="27" creationId="{68A7CF05-2ACF-4794-9546-CA34728A27DD}"/>
+          </ac:inkMkLst>
+        </pc:inkChg>
+        <pc:inkChg chg="add">
+          <ac:chgData name="Namhyoung Kim" userId="fb60bffb23ca2a8d" providerId="LiveId" clId="{68A7EFEE-66FC-43E3-89B4-E3816B2C7497}" dt="2018-12-20T06:45:01.541" v="431"/>
+          <ac:inkMkLst>
+            <pc:docMk/>
+            <pc:sldMk cId="3579191837" sldId="337"/>
+            <ac:inkMk id="28" creationId="{B463F3BC-B01D-488D-B7F6-9FA9EA95FC25}"/>
+          </ac:inkMkLst>
+        </pc:inkChg>
+      </pc:sldChg>
+      <pc:sldChg chg="addSp modSp">
+        <pc:chgData name="Namhyoung Kim" userId="fb60bffb23ca2a8d" providerId="LiveId" clId="{68A7EFEE-66FC-43E3-89B4-E3816B2C7497}" dt="2018-12-19T15:16:48.165" v="48"/>
+        <pc:sldMkLst>
+          <pc:docMk/>
+          <pc:sldMk cId="665385329" sldId="351"/>
+        </pc:sldMkLst>
+        <pc:spChg chg="add mod">
+          <ac:chgData name="Namhyoung Kim" userId="fb60bffb23ca2a8d" providerId="LiveId" clId="{68A7EFEE-66FC-43E3-89B4-E3816B2C7497}" dt="2018-12-19T15:11:15.271" v="39" actId="767"/>
+          <ac:spMkLst>
+            <pc:docMk/>
+            <pc:sldMk cId="665385329" sldId="351"/>
+            <ac:spMk id="5" creationId="{5B0C3F4D-F9D3-40B9-82EA-A34AF2475880}"/>
+          </ac:spMkLst>
+        </pc:spChg>
+        <pc:spChg chg="add mod">
+          <ac:chgData name="Namhyoung Kim" userId="fb60bffb23ca2a8d" providerId="LiveId" clId="{68A7EFEE-66FC-43E3-89B4-E3816B2C7497}" dt="2018-12-19T15:16:32.648" v="47" actId="767"/>
+          <ac:spMkLst>
+            <pc:docMk/>
+            <pc:sldMk cId="665385329" sldId="351"/>
+            <ac:spMk id="8" creationId="{FF440AA4-3369-47D6-A349-FB6BC75058A4}"/>
+          </ac:spMkLst>
+        </pc:spChg>
+        <pc:spChg chg="add">
+          <ac:chgData name="Namhyoung Kim" userId="fb60bffb23ca2a8d" providerId="LiveId" clId="{68A7EFEE-66FC-43E3-89B4-E3816B2C7497}" dt="2018-12-19T15:16:48.165" v="48"/>
+          <ac:spMkLst>
+            <pc:docMk/>
+            <pc:sldMk cId="665385329" sldId="351"/>
+            <ac:spMk id="9" creationId="{46793188-B551-44F4-9800-9EADF80BA5D3}"/>
+          </ac:spMkLst>
+        </pc:spChg>
+        <pc:graphicFrameChg chg="add mod">
+          <ac:chgData name="Namhyoung Kim" userId="fb60bffb23ca2a8d" providerId="LiveId" clId="{68A7EFEE-66FC-43E3-89B4-E3816B2C7497}" dt="2018-12-19T15:13:22.528" v="43"/>
+          <ac:graphicFrameMkLst>
+            <pc:docMk/>
+            <pc:sldMk cId="665385329" sldId="351"/>
+            <ac:graphicFrameMk id="4" creationId="{FBDE456E-1615-4B45-910D-E945CACF7B4D}"/>
+          </ac:graphicFrameMkLst>
+        </pc:graphicFrameChg>
+        <pc:graphicFrameChg chg="add mod">
+          <ac:chgData name="Namhyoung Kim" userId="fb60bffb23ca2a8d" providerId="LiveId" clId="{68A7EFEE-66FC-43E3-89B4-E3816B2C7497}" dt="2018-12-19T15:16:02.269" v="45"/>
+          <ac:graphicFrameMkLst>
+            <pc:docMk/>
+            <pc:sldMk cId="665385329" sldId="351"/>
+            <ac:graphicFrameMk id="6" creationId="{2967EF03-22B7-4195-90BB-B3951C640D5E}"/>
+          </ac:graphicFrameMkLst>
+        </pc:graphicFrameChg>
+        <pc:graphicFrameChg chg="add">
+          <ac:chgData name="Namhyoung Kim" userId="fb60bffb23ca2a8d" providerId="LiveId" clId="{68A7EFEE-66FC-43E3-89B4-E3816B2C7497}" dt="2018-12-19T15:16:08.566" v="46"/>
+          <ac:graphicFrameMkLst>
+            <pc:docMk/>
+            <pc:sldMk cId="665385329" sldId="351"/>
+            <ac:graphicFrameMk id="7" creationId="{39793A70-C940-4D68-82E0-166684DEC1EF}"/>
+          </ac:graphicFrameMkLst>
+        </pc:graphicFrameChg>
+      </pc:sldChg>
+      <pc:sldChg chg="addSp modSp">
+        <pc:chgData name="Namhyoung Kim" userId="fb60bffb23ca2a8d" providerId="LiveId" clId="{68A7EFEE-66FC-43E3-89B4-E3816B2C7497}" dt="2018-12-19T15:23:18.678" v="54"/>
+        <pc:sldMkLst>
+          <pc:docMk/>
+          <pc:sldMk cId="1925760938" sldId="352"/>
+        </pc:sldMkLst>
+        <pc:spChg chg="mod">
+          <ac:chgData name="Namhyoung Kim" userId="fb60bffb23ca2a8d" providerId="LiveId" clId="{68A7EFEE-66FC-43E3-89B4-E3816B2C7497}" dt="2018-12-19T15:18:59.737" v="52"/>
+          <ac:spMkLst>
+            <pc:docMk/>
+            <pc:sldMk cId="1925760938" sldId="352"/>
+            <ac:spMk id="3" creationId="{A78A9532-2F4F-4CDA-A6D8-C50136CBC3BD}"/>
+          </ac:spMkLst>
+        </pc:spChg>
+        <pc:picChg chg="add">
+          <ac:chgData name="Namhyoung Kim" userId="fb60bffb23ca2a8d" providerId="LiveId" clId="{68A7EFEE-66FC-43E3-89B4-E3816B2C7497}" dt="2018-12-19T15:22:51.044" v="53"/>
+          <ac:picMkLst>
+            <pc:docMk/>
+            <pc:sldMk cId="1925760938" sldId="352"/>
+            <ac:picMk id="4" creationId="{4F71BB1C-EDBF-49F5-BFCA-0A94A492C16B}"/>
+          </ac:picMkLst>
+        </pc:picChg>
+        <pc:picChg chg="add">
+          <ac:chgData name="Namhyoung Kim" userId="fb60bffb23ca2a8d" providerId="LiveId" clId="{68A7EFEE-66FC-43E3-89B4-E3816B2C7497}" dt="2018-12-19T15:23:18.678" v="54"/>
+          <ac:picMkLst>
+            <pc:docMk/>
+            <pc:sldMk cId="1925760938" sldId="352"/>
+            <ac:picMk id="5" creationId="{FB560127-CCE0-4F2B-A68E-1ED8968F06C5}"/>
+          </ac:picMkLst>
+        </pc:picChg>
+      </pc:sldChg>
+      <pc:sldChg chg="add">
+        <pc:chgData name="Namhyoung Kim" userId="fb60bffb23ca2a8d" providerId="LiveId" clId="{68A7EFEE-66FC-43E3-89B4-E3816B2C7497}" dt="2018-12-19T15:23:33.315" v="55"/>
+        <pc:sldMkLst>
+          <pc:docMk/>
+          <pc:sldMk cId="3973145822" sldId="353"/>
+        </pc:sldMkLst>
+      </pc:sldChg>
+      <pc:sldChg chg="add">
+        <pc:chgData name="Namhyoung Kim" userId="fb60bffb23ca2a8d" providerId="LiveId" clId="{68A7EFEE-66FC-43E3-89B4-E3816B2C7497}" dt="2018-12-19T15:23:33.625" v="56"/>
+        <pc:sldMkLst>
+          <pc:docMk/>
+          <pc:sldMk cId="1039798589" sldId="354"/>
+        </pc:sldMkLst>
+      </pc:sldChg>
+      <pc:sldChg chg="addSp add">
+        <pc:chgData name="Namhyoung Kim" userId="fb60bffb23ca2a8d" providerId="LiveId" clId="{68A7EFEE-66FC-43E3-89B4-E3816B2C7497}" dt="2018-12-19T15:24:06.481" v="58"/>
+        <pc:sldMkLst>
+          <pc:docMk/>
+          <pc:sldMk cId="3514828315" sldId="355"/>
+        </pc:sldMkLst>
+        <pc:picChg chg="add">
+          <ac:chgData name="Namhyoung Kim" userId="fb60bffb23ca2a8d" providerId="LiveId" clId="{68A7EFEE-66FC-43E3-89B4-E3816B2C7497}" dt="2018-12-19T15:24:06.481" v="58"/>
+          <ac:picMkLst>
+            <pc:docMk/>
+            <pc:sldMk cId="3514828315" sldId="355"/>
+            <ac:picMk id="4" creationId="{01C3351F-46B9-4039-9A50-C6A87D9F53B3}"/>
+          </ac:picMkLst>
+        </pc:picChg>
+      </pc:sldChg>
+      <pc:sldChg chg="addSp add">
+        <pc:chgData name="Namhyoung Kim" userId="fb60bffb23ca2a8d" providerId="LiveId" clId="{68A7EFEE-66FC-43E3-89B4-E3816B2C7497}" dt="2018-12-19T15:27:27.455" v="64"/>
+        <pc:sldMkLst>
+          <pc:docMk/>
+          <pc:sldMk cId="1501629641" sldId="356"/>
+        </pc:sldMkLst>
+        <pc:picChg chg="add">
+          <ac:chgData name="Namhyoung Kim" userId="fb60bffb23ca2a8d" providerId="LiveId" clId="{68A7EFEE-66FC-43E3-89B4-E3816B2C7497}" dt="2018-12-19T15:27:27.455" v="64"/>
+          <ac:picMkLst>
+            <pc:docMk/>
+            <pc:sldMk cId="1501629641" sldId="356"/>
+            <ac:picMk id="5" creationId="{5232664E-98AF-4650-AEAE-4E384D9AD488}"/>
+          </ac:picMkLst>
+        </pc:picChg>
+      </pc:sldChg>
+      <pc:sldChg chg="addSp add">
+        <pc:chgData name="Namhyoung Kim" userId="fb60bffb23ca2a8d" providerId="LiveId" clId="{68A7EFEE-66FC-43E3-89B4-E3816B2C7497}" dt="2018-12-19T15:29:32.896" v="65"/>
+        <pc:sldMkLst>
+          <pc:docMk/>
+          <pc:sldMk cId="1338173746" sldId="357"/>
+        </pc:sldMkLst>
+        <pc:picChg chg="add">
+          <ac:chgData name="Namhyoung Kim" userId="fb60bffb23ca2a8d" providerId="LiveId" clId="{68A7EFEE-66FC-43E3-89B4-E3816B2C7497}" dt="2018-12-19T15:29:32.896" v="65"/>
+          <ac:picMkLst>
+            <pc:docMk/>
+            <pc:sldMk cId="1338173746" sldId="357"/>
+            <ac:picMk id="4" creationId="{78806955-B802-4980-B3AB-99C6B5788F2E}"/>
+          </ac:picMkLst>
+        </pc:picChg>
+      </pc:sldChg>
+      <pc:sldChg chg="addSp add">
+        <pc:chgData name="Namhyoung Kim" userId="fb60bffb23ca2a8d" providerId="LiveId" clId="{68A7EFEE-66FC-43E3-89B4-E3816B2C7497}" dt="2018-12-19T15:30:39.076" v="66"/>
+        <pc:sldMkLst>
+          <pc:docMk/>
+          <pc:sldMk cId="177378950" sldId="358"/>
+        </pc:sldMkLst>
+        <pc:picChg chg="add">
+          <ac:chgData name="Namhyoung Kim" userId="fb60bffb23ca2a8d" providerId="LiveId" clId="{68A7EFEE-66FC-43E3-89B4-E3816B2C7497}" dt="2018-12-19T15:30:39.076" v="66"/>
+          <ac:picMkLst>
+            <pc:docMk/>
+            <pc:sldMk cId="177378950" sldId="358"/>
+            <ac:picMk id="4" creationId="{5077491A-CEFA-4820-9A19-00B1AEB96A1D}"/>
+          </ac:picMkLst>
+        </pc:picChg>
+      </pc:sldChg>
+      <pc:sldChg chg="add">
+        <pc:chgData name="Namhyoung Kim" userId="fb60bffb23ca2a8d" providerId="LiveId" clId="{68A7EFEE-66FC-43E3-89B4-E3816B2C7497}" dt="2018-12-19T15:24:44.438" v="62"/>
+        <pc:sldMkLst>
+          <pc:docMk/>
+          <pc:sldMk cId="2888250654" sldId="359"/>
+        </pc:sldMkLst>
+      </pc:sldChg>
+      <pc:sldChg chg="addSp modSp add">
+        <pc:chgData name="Namhyoung Kim" userId="fb60bffb23ca2a8d" providerId="LiveId" clId="{68A7EFEE-66FC-43E3-89B4-E3816B2C7497}" dt="2018-12-19T15:35:55.261" v="90"/>
+        <pc:sldMkLst>
+          <pc:docMk/>
+          <pc:sldMk cId="1459376270" sldId="360"/>
+        </pc:sldMkLst>
+        <pc:spChg chg="mod">
+          <ac:chgData name="Namhyoung Kim" userId="fb60bffb23ca2a8d" providerId="LiveId" clId="{68A7EFEE-66FC-43E3-89B4-E3816B2C7497}" dt="2018-12-19T15:33:41.159" v="88"/>
+          <ac:spMkLst>
+            <pc:docMk/>
+            <pc:sldMk cId="1459376270" sldId="360"/>
+            <ac:spMk id="3" creationId="{A78A9532-2F4F-4CDA-A6D8-C50136CBC3BD}"/>
+          </ac:spMkLst>
+        </pc:spChg>
+        <pc:picChg chg="add">
+          <ac:chgData name="Namhyoung Kim" userId="fb60bffb23ca2a8d" providerId="LiveId" clId="{68A7EFEE-66FC-43E3-89B4-E3816B2C7497}" dt="2018-12-19T15:34:53.684" v="89"/>
+          <ac:picMkLst>
+            <pc:docMk/>
+            <pc:sldMk cId="1459376270" sldId="360"/>
+            <ac:picMk id="4" creationId="{C280A9B6-7B16-4F3B-B6DF-2792EAEE85D2}"/>
+          </ac:picMkLst>
+        </pc:picChg>
+        <pc:picChg chg="add">
+          <ac:chgData name="Namhyoung Kim" userId="fb60bffb23ca2a8d" providerId="LiveId" clId="{68A7EFEE-66FC-43E3-89B4-E3816B2C7497}" dt="2018-12-19T15:35:55.261" v="90"/>
+          <ac:picMkLst>
+            <pc:docMk/>
+            <pc:sldMk cId="1459376270" sldId="360"/>
+            <ac:picMk id="5" creationId="{0203D215-ADF4-4123-8AA3-92AA27D22111}"/>
+          </ac:picMkLst>
+        </pc:picChg>
+      </pc:sldChg>
+      <pc:sldChg chg="addSp add">
+        <pc:chgData name="Namhyoung Kim" userId="fb60bffb23ca2a8d" providerId="LiveId" clId="{68A7EFEE-66FC-43E3-89B4-E3816B2C7497}" dt="2018-12-19T15:42:35.156" v="91"/>
+        <pc:sldMkLst>
+          <pc:docMk/>
+          <pc:sldMk cId="1606832990" sldId="361"/>
+        </pc:sldMkLst>
+        <pc:picChg chg="add">
+          <ac:chgData name="Namhyoung Kim" userId="fb60bffb23ca2a8d" providerId="LiveId" clId="{68A7EFEE-66FC-43E3-89B4-E3816B2C7497}" dt="2018-12-19T15:42:35.156" v="91"/>
+          <ac:picMkLst>
+            <pc:docMk/>
+            <pc:sldMk cId="1606832990" sldId="361"/>
+            <ac:picMk id="4" creationId="{9318605C-F083-43CB-AED5-BDA0379DAECF}"/>
+          </ac:picMkLst>
+        </pc:picChg>
+      </pc:sldChg>
+      <pc:sldChg chg="addSp modSp add">
+        <pc:chgData name="Namhyoung Kim" userId="fb60bffb23ca2a8d" providerId="LiveId" clId="{68A7EFEE-66FC-43E3-89B4-E3816B2C7497}" dt="2018-12-19T15:45:59.713" v="96"/>
+        <pc:sldMkLst>
+          <pc:docMk/>
+          <pc:sldMk cId="749147471" sldId="362"/>
+        </pc:sldMkLst>
+        <pc:spChg chg="mod">
+          <ac:chgData name="Namhyoung Kim" userId="fb60bffb23ca2a8d" providerId="LiveId" clId="{68A7EFEE-66FC-43E3-89B4-E3816B2C7497}" dt="2018-12-19T15:45:59.713" v="96"/>
+          <ac:spMkLst>
+            <pc:docMk/>
+            <pc:sldMk cId="749147471" sldId="362"/>
+            <ac:spMk id="3" creationId="{A78A9532-2F4F-4CDA-A6D8-C50136CBC3BD}"/>
+          </ac:spMkLst>
+        </pc:spChg>
+        <pc:picChg chg="add">
+          <ac:chgData name="Namhyoung Kim" userId="fb60bffb23ca2a8d" providerId="LiveId" clId="{68A7EFEE-66FC-43E3-89B4-E3816B2C7497}" dt="2018-12-19T15:43:00.104" v="92"/>
+          <ac:picMkLst>
+            <pc:docMk/>
+            <pc:sldMk cId="749147471" sldId="362"/>
+            <ac:picMk id="4" creationId="{F0EB5803-4D20-4799-8B1E-0DDB792720F4}"/>
+          </ac:picMkLst>
+        </pc:picChg>
+        <pc:picChg chg="add">
+          <ac:chgData name="Namhyoung Kim" userId="fb60bffb23ca2a8d" providerId="LiveId" clId="{68A7EFEE-66FC-43E3-89B4-E3816B2C7497}" dt="2018-12-19T15:43:30.497" v="93"/>
+          <ac:picMkLst>
+            <pc:docMk/>
+            <pc:sldMk cId="749147471" sldId="362"/>
+            <ac:picMk id="5" creationId="{A149C0F2-9FDC-4ED3-B23B-C25677E799D8}"/>
+          </ac:picMkLst>
+        </pc:picChg>
+        <pc:picChg chg="add">
+          <ac:chgData name="Namhyoung Kim" userId="fb60bffb23ca2a8d" providerId="LiveId" clId="{68A7EFEE-66FC-43E3-89B4-E3816B2C7497}" dt="2018-12-19T15:45:31.758" v="94"/>
+          <ac:picMkLst>
+            <pc:docMk/>
+            <pc:sldMk cId="749147471" sldId="362"/>
+            <ac:picMk id="6" creationId="{83D81617-EE8B-4497-8B9B-60B3CB437564}"/>
+          </ac:picMkLst>
+        </pc:picChg>
+      </pc:sldChg>
+      <pc:sldChg chg="addSp add">
+        <pc:chgData name="Namhyoung Kim" userId="fb60bffb23ca2a8d" providerId="LiveId" clId="{68A7EFEE-66FC-43E3-89B4-E3816B2C7497}" dt="2018-12-19T15:47:40.153" v="97"/>
+        <pc:sldMkLst>
+          <pc:docMk/>
+          <pc:sldMk cId="1815570447" sldId="363"/>
+        </pc:sldMkLst>
+        <pc:picChg chg="add">
+          <ac:chgData name="Namhyoung Kim" userId="fb60bffb23ca2a8d" providerId="LiveId" clId="{68A7EFEE-66FC-43E3-89B4-E3816B2C7497}" dt="2018-12-19T15:47:40.153" v="97"/>
+          <ac:picMkLst>
+            <pc:docMk/>
+            <pc:sldMk cId="1815570447" sldId="363"/>
+            <ac:picMk id="4" creationId="{F205C384-4C8F-4826-B8A6-B73FDE3ABB1E}"/>
+          </ac:picMkLst>
+        </pc:picChg>
+      </pc:sldChg>
+      <pc:sldChg chg="addSp add">
+        <pc:chgData name="Namhyoung Kim" userId="fb60bffb23ca2a8d" providerId="LiveId" clId="{68A7EFEE-66FC-43E3-89B4-E3816B2C7497}" dt="2018-12-19T15:49:56.546" v="104"/>
+        <pc:sldMkLst>
+          <pc:docMk/>
+          <pc:sldMk cId="1351036177" sldId="364"/>
+        </pc:sldMkLst>
+        <pc:picChg chg="add">
+          <ac:chgData name="Namhyoung Kim" userId="fb60bffb23ca2a8d" providerId="LiveId" clId="{68A7EFEE-66FC-43E3-89B4-E3816B2C7497}" dt="2018-12-19T15:49:56.546" v="104"/>
+          <ac:picMkLst>
+            <pc:docMk/>
+            <pc:sldMk cId="1351036177" sldId="364"/>
+            <ac:picMk id="4" creationId="{6674D1A9-AFFA-4534-B050-B7202A9B2013}"/>
+          </ac:picMkLst>
+        </pc:picChg>
+      </pc:sldChg>
+      <pc:sldChg chg="addSp modSp add">
+        <pc:chgData name="Namhyoung Kim" userId="fb60bffb23ca2a8d" providerId="LiveId" clId="{68A7EFEE-66FC-43E3-89B4-E3816B2C7497}" dt="2018-12-19T15:59:51.704" v="106"/>
+        <pc:sldMkLst>
+          <pc:docMk/>
+          <pc:sldMk cId="3033104364" sldId="365"/>
+        </pc:sldMkLst>
+        <pc:spChg chg="mod">
+          <ac:chgData name="Namhyoung Kim" userId="fb60bffb23ca2a8d" providerId="LiveId" clId="{68A7EFEE-66FC-43E3-89B4-E3816B2C7497}" dt="2018-12-19T15:59:51.704" v="106"/>
+          <ac:spMkLst>
+            <pc:docMk/>
+            <pc:sldMk cId="3033104364" sldId="365"/>
+            <ac:spMk id="3" creationId="{A78A9532-2F4F-4CDA-A6D8-C50136CBC3BD}"/>
+          </ac:spMkLst>
+        </pc:spChg>
+        <pc:picChg chg="add">
+          <ac:chgData name="Namhyoung Kim" userId="fb60bffb23ca2a8d" providerId="LiveId" clId="{68A7EFEE-66FC-43E3-89B4-E3816B2C7497}" dt="2018-12-19T15:59:45.236" v="105"/>
+          <ac:picMkLst>
+            <pc:docMk/>
+            <pc:sldMk cId="3033104364" sldId="365"/>
+            <ac:picMk id="4" creationId="{87BEEF44-0B10-4DED-B0E5-8361A8E1140D}"/>
+          </ac:picMkLst>
+        </pc:picChg>
+      </pc:sldChg>
+      <pc:sldChg chg="addSp modSp add">
+        <pc:chgData name="Namhyoung Kim" userId="fb60bffb23ca2a8d" providerId="LiveId" clId="{68A7EFEE-66FC-43E3-89B4-E3816B2C7497}" dt="2018-12-19T16:05:42.478" v="109"/>
+        <pc:sldMkLst>
+          <pc:docMk/>
+          <pc:sldMk cId="3281278962" sldId="366"/>
+        </pc:sldMkLst>
+        <pc:spChg chg="mod">
+          <ac:chgData name="Namhyoung Kim" userId="fb60bffb23ca2a8d" providerId="LiveId" clId="{68A7EFEE-66FC-43E3-89B4-E3816B2C7497}" dt="2018-12-19T16:05:42.478" v="109"/>
+          <ac:spMkLst>
+            <pc:docMk/>
+            <pc:sldMk cId="3281278962" sldId="366"/>
+            <ac:spMk id="2" creationId="{30A05CDF-51ED-4278-AA11-1745E5809FF2}"/>
+          </ac:spMkLst>
+        </pc:spChg>
+        <pc:picChg chg="add">
+          <ac:chgData name="Namhyoung Kim" userId="fb60bffb23ca2a8d" providerId="LiveId" clId="{68A7EFEE-66FC-43E3-89B4-E3816B2C7497}" dt="2018-12-19T16:02:14.653" v="107"/>
+          <ac:picMkLst>
+            <pc:docMk/>
+            <pc:sldMk cId="3281278962" sldId="366"/>
+            <ac:picMk id="4" creationId="{FB48B313-D012-476D-A37F-B45254720BFD}"/>
+          </ac:picMkLst>
+        </pc:picChg>
+      </pc:sldChg>
+      <pc:sldChg chg="addSp modSp add">
+        <pc:chgData name="Namhyoung Kim" userId="fb60bffb23ca2a8d" providerId="LiveId" clId="{68A7EFEE-66FC-43E3-89B4-E3816B2C7497}" dt="2018-12-19T16:13:28.332" v="171"/>
+        <pc:sldMkLst>
+          <pc:docMk/>
+          <pc:sldMk cId="4265438702" sldId="367"/>
+        </pc:sldMkLst>
+        <pc:spChg chg="mod">
+          <ac:chgData name="Namhyoung Kim" userId="fb60bffb23ca2a8d" providerId="LiveId" clId="{68A7EFEE-66FC-43E3-89B4-E3816B2C7497}" dt="2018-12-19T16:05:46.255" v="110"/>
+          <ac:spMkLst>
+            <pc:docMk/>
+            <pc:sldMk cId="4265438702" sldId="367"/>
+            <ac:spMk id="2" creationId="{30A05CDF-51ED-4278-AA11-1745E5809FF2}"/>
+          </ac:spMkLst>
+        </pc:spChg>
+        <pc:spChg chg="mod">
+          <ac:chgData name="Namhyoung Kim" userId="fb60bffb23ca2a8d" providerId="LiveId" clId="{68A7EFEE-66FC-43E3-89B4-E3816B2C7497}" dt="2018-12-19T16:04:40.154" v="108"/>
+          <ac:spMkLst>
+            <pc:docMk/>
+            <pc:sldMk cId="4265438702" sldId="367"/>
+            <ac:spMk id="3" creationId="{A78A9532-2F4F-4CDA-A6D8-C50136CBC3BD}"/>
+          </ac:spMkLst>
+        </pc:spChg>
+        <pc:picChg chg="add">
+          <ac:chgData name="Namhyoung Kim" userId="fb60bffb23ca2a8d" providerId="LiveId" clId="{68A7EFEE-66FC-43E3-89B4-E3816B2C7497}" dt="2018-12-19T16:13:28.332" v="171"/>
+          <ac:picMkLst>
+            <pc:docMk/>
+            <pc:sldMk cId="4265438702" sldId="367"/>
+            <ac:picMk id="4" creationId="{5EC98BE3-7EAA-4967-B9E3-243BCF678247}"/>
+          </ac:picMkLst>
+        </pc:picChg>
+      </pc:sldChg>
+      <pc:sldChg chg="addSp modSp add">
+        <pc:chgData name="Namhyoung Kim" userId="fb60bffb23ca2a8d" providerId="LiveId" clId="{68A7EFEE-66FC-43E3-89B4-E3816B2C7497}" dt="2018-12-19T16:23:07.033" v="212"/>
+        <pc:sldMkLst>
+          <pc:docMk/>
+          <pc:sldMk cId="3021437691" sldId="368"/>
+        </pc:sldMkLst>
+        <pc:spChg chg="mod">
+          <ac:chgData name="Namhyoung Kim" userId="fb60bffb23ca2a8d" providerId="LiveId" clId="{68A7EFEE-66FC-43E3-89B4-E3816B2C7497}" dt="2018-12-19T16:15:33.796" v="174"/>
+          <ac:spMkLst>
+            <pc:docMk/>
+            <pc:sldMk cId="3021437691" sldId="368"/>
+            <ac:spMk id="2" creationId="{30A05CDF-51ED-4278-AA11-1745E5809FF2}"/>
+          </ac:spMkLst>
+        </pc:spChg>
+        <pc:spChg chg="mod">
+          <ac:chgData name="Namhyoung Kim" userId="fb60bffb23ca2a8d" providerId="LiveId" clId="{68A7EFEE-66FC-43E3-89B4-E3816B2C7497}" dt="2018-12-19T16:16:46.447" v="198"/>
+          <ac:spMkLst>
+            <pc:docMk/>
+            <pc:sldMk cId="3021437691" sldId="368"/>
+            <ac:spMk id="3" creationId="{A78A9532-2F4F-4CDA-A6D8-C50136CBC3BD}"/>
+          </ac:spMkLst>
+        </pc:spChg>
+        <pc:picChg chg="add">
+          <ac:chgData name="Namhyoung Kim" userId="fb60bffb23ca2a8d" providerId="LiveId" clId="{68A7EFEE-66FC-43E3-89B4-E3816B2C7497}" dt="2018-12-19T16:18:58.900" v="199"/>
+          <ac:picMkLst>
+            <pc:docMk/>
+            <pc:sldMk cId="3021437691" sldId="368"/>
+            <ac:picMk id="4" creationId="{E6CB3D6D-9ABB-4507-AA08-6E79457A6B36}"/>
+          </ac:picMkLst>
+        </pc:picChg>
+        <pc:picChg chg="add">
+          <ac:chgData name="Namhyoung Kim" userId="fb60bffb23ca2a8d" providerId="LiveId" clId="{68A7EFEE-66FC-43E3-89B4-E3816B2C7497}" dt="2018-12-19T16:23:07.033" v="212"/>
+          <ac:picMkLst>
+            <pc:docMk/>
+            <pc:sldMk cId="3021437691" sldId="368"/>
+            <ac:picMk id="5" creationId="{9A068D66-3320-40CF-A317-3FE8BB0754CA}"/>
+          </ac:picMkLst>
+        </pc:picChg>
+      </pc:sldChg>
+      <pc:sldChg chg="addSp modSp add del">
+        <pc:chgData name="Namhyoung Kim" userId="fb60bffb23ca2a8d" providerId="LiveId" clId="{68A7EFEE-66FC-43E3-89B4-E3816B2C7497}" dt="2018-12-20T07:25:23.837" v="523" actId="2696"/>
+        <pc:sldMkLst>
+          <pc:docMk/>
+          <pc:sldMk cId="1069396608" sldId="369"/>
+        </pc:sldMkLst>
+        <pc:spChg chg="mod">
+          <ac:chgData name="Namhyoung Kim" userId="fb60bffb23ca2a8d" providerId="LiveId" clId="{68A7EFEE-66FC-43E3-89B4-E3816B2C7497}" dt="2018-12-19T16:36:06.634" v="248"/>
+          <ac:spMkLst>
+            <pc:docMk/>
+            <pc:sldMk cId="1069396608" sldId="369"/>
+            <ac:spMk id="3" creationId="{A78A9532-2F4F-4CDA-A6D8-C50136CBC3BD}"/>
+          </ac:spMkLst>
+        </pc:spChg>
+        <pc:picChg chg="add">
+          <ac:chgData name="Namhyoung Kim" userId="fb60bffb23ca2a8d" providerId="LiveId" clId="{68A7EFEE-66FC-43E3-89B4-E3816B2C7497}" dt="2018-12-19T16:36:41.118" v="249"/>
+          <ac:picMkLst>
+            <pc:docMk/>
+            <pc:sldMk cId="1069396608" sldId="369"/>
+            <ac:picMk id="4" creationId="{CF585043-539E-4212-840D-11CD178C69DE}"/>
+          </ac:picMkLst>
+        </pc:picChg>
+        <pc:picChg chg="add">
+          <ac:chgData name="Namhyoung Kim" userId="fb60bffb23ca2a8d" providerId="LiveId" clId="{68A7EFEE-66FC-43E3-89B4-E3816B2C7497}" dt="2018-12-19T16:36:46.568" v="250"/>
+          <ac:picMkLst>
+            <pc:docMk/>
+            <pc:sldMk cId="1069396608" sldId="369"/>
+            <ac:picMk id="5" creationId="{0D0857F9-3F9D-4F1A-AD39-F20F741C0A6C}"/>
+          </ac:picMkLst>
+        </pc:picChg>
+      </pc:sldChg>
+      <pc:sldChg chg="addSp modSp add">
+        <pc:chgData name="Namhyoung Kim" userId="fb60bffb23ca2a8d" providerId="LiveId" clId="{68A7EFEE-66FC-43E3-89B4-E3816B2C7497}" dt="2018-12-19T16:48:14.385" v="293"/>
+        <pc:sldMkLst>
+          <pc:docMk/>
+          <pc:sldMk cId="133212441" sldId="370"/>
+        </pc:sldMkLst>
+        <pc:spChg chg="mod">
+          <ac:chgData name="Namhyoung Kim" userId="fb60bffb23ca2a8d" providerId="LiveId" clId="{68A7EFEE-66FC-43E3-89B4-E3816B2C7497}" dt="2018-12-19T16:46:37.746" v="291"/>
+          <ac:spMkLst>
+            <pc:docMk/>
+            <pc:sldMk cId="133212441" sldId="370"/>
+            <ac:spMk id="3" creationId="{A78A9532-2F4F-4CDA-A6D8-C50136CBC3BD}"/>
+          </ac:spMkLst>
+        </pc:spChg>
+        <pc:picChg chg="add">
+          <ac:chgData name="Namhyoung Kim" userId="fb60bffb23ca2a8d" providerId="LiveId" clId="{68A7EFEE-66FC-43E3-89B4-E3816B2C7497}" dt="2018-12-19T16:47:54.002" v="292"/>
+          <ac:picMkLst>
+            <pc:docMk/>
+            <pc:sldMk cId="133212441" sldId="370"/>
+            <ac:picMk id="4" creationId="{9DE084FC-087F-4B4F-B68B-9B43945D90B4}"/>
+          </ac:picMkLst>
+        </pc:picChg>
+        <pc:picChg chg="add">
+          <ac:chgData name="Namhyoung Kim" userId="fb60bffb23ca2a8d" providerId="LiveId" clId="{68A7EFEE-66FC-43E3-89B4-E3816B2C7497}" dt="2018-12-19T16:48:14.385" v="293"/>
+          <ac:picMkLst>
+            <pc:docMk/>
+            <pc:sldMk cId="133212441" sldId="370"/>
+            <ac:picMk id="5" creationId="{642BEDC9-1A6D-46C5-81D0-AD05A869B51C}"/>
+          </ac:picMkLst>
+        </pc:picChg>
+      </pc:sldChg>
+      <pc:sldChg chg="addSp add">
+        <pc:chgData name="Namhyoung Kim" userId="fb60bffb23ca2a8d" providerId="LiveId" clId="{68A7EFEE-66FC-43E3-89B4-E3816B2C7497}" dt="2018-12-19T16:14:45.313" v="173"/>
+        <pc:sldMkLst>
+          <pc:docMk/>
+          <pc:sldMk cId="2072175658" sldId="371"/>
+        </pc:sldMkLst>
+        <pc:picChg chg="add">
+          <ac:chgData name="Namhyoung Kim" userId="fb60bffb23ca2a8d" providerId="LiveId" clId="{68A7EFEE-66FC-43E3-89B4-E3816B2C7497}" dt="2018-12-19T16:14:27.961" v="172"/>
+          <ac:picMkLst>
+            <pc:docMk/>
+            <pc:sldMk cId="2072175658" sldId="371"/>
+            <ac:picMk id="4" creationId="{CD00A401-83FD-4431-8179-06446488B775}"/>
+          </ac:picMkLst>
+        </pc:picChg>
+        <pc:picChg chg="add">
+          <ac:chgData name="Namhyoung Kim" userId="fb60bffb23ca2a8d" providerId="LiveId" clId="{68A7EFEE-66FC-43E3-89B4-E3816B2C7497}" dt="2018-12-19T16:14:45.313" v="173"/>
+          <ac:picMkLst>
+            <pc:docMk/>
+            <pc:sldMk cId="2072175658" sldId="371"/>
+            <ac:picMk id="5" creationId="{83355973-4027-47AC-A305-97EA9C5C8D7D}"/>
+          </ac:picMkLst>
+        </pc:picChg>
+      </pc:sldChg>
+      <pc:sldChg chg="modSp add">
+        <pc:chgData name="Namhyoung Kim" userId="fb60bffb23ca2a8d" providerId="LiveId" clId="{68A7EFEE-66FC-43E3-89B4-E3816B2C7497}" dt="2018-12-19T16:12:39.543" v="170"/>
+        <pc:sldMkLst>
+          <pc:docMk/>
+          <pc:sldMk cId="2155739849" sldId="372"/>
+        </pc:sldMkLst>
+        <pc:spChg chg="mod">
+          <ac:chgData name="Namhyoung Kim" userId="fb60bffb23ca2a8d" providerId="LiveId" clId="{68A7EFEE-66FC-43E3-89B4-E3816B2C7497}" dt="2018-12-19T16:06:34.350" v="114"/>
+          <ac:spMkLst>
+            <pc:docMk/>
+            <pc:sldMk cId="2155739849" sldId="372"/>
+            <ac:spMk id="3" creationId="{A78A9532-2F4F-4CDA-A6D8-C50136CBC3BD}"/>
+          </ac:spMkLst>
+        </pc:spChg>
+        <pc:graphicFrameChg chg="mod">
+          <ac:chgData name="Namhyoung Kim" userId="fb60bffb23ca2a8d" providerId="LiveId" clId="{68A7EFEE-66FC-43E3-89B4-E3816B2C7497}" dt="2018-12-19T16:12:39.543" v="170"/>
+          <ac:graphicFrameMkLst>
+            <pc:docMk/>
+            <pc:sldMk cId="2155739849" sldId="372"/>
+            <ac:graphicFrameMk id="4" creationId="{2B9AE1B0-40DA-4879-90BA-2A04F05E5B82}"/>
+          </ac:graphicFrameMkLst>
+        </pc:graphicFrameChg>
+      </pc:sldChg>
+      <pc:sldChg chg="addSp add">
+        <pc:chgData name="Namhyoung Kim" userId="fb60bffb23ca2a8d" providerId="LiveId" clId="{68A7EFEE-66FC-43E3-89B4-E3816B2C7497}" dt="2018-12-19T16:20:41.883" v="201"/>
+        <pc:sldMkLst>
+          <pc:docMk/>
+          <pc:sldMk cId="1587163448" sldId="373"/>
+        </pc:sldMkLst>
+        <pc:picChg chg="add">
+          <ac:chgData name="Namhyoung Kim" userId="fb60bffb23ca2a8d" providerId="LiveId" clId="{68A7EFEE-66FC-43E3-89B4-E3816B2C7497}" dt="2018-12-19T16:20:41.883" v="201"/>
+          <ac:picMkLst>
+            <pc:docMk/>
+            <pc:sldMk cId="1587163448" sldId="373"/>
+            <ac:picMk id="5" creationId="{E118A3AE-2B15-4DF2-B7CA-DADE1C907D62}"/>
+          </ac:picMkLst>
+        </pc:picChg>
+      </pc:sldChg>
+      <pc:sldChg chg="addSp modSp add">
+        <pc:chgData name="Namhyoung Kim" userId="fb60bffb23ca2a8d" providerId="LiveId" clId="{68A7EFEE-66FC-43E3-89B4-E3816B2C7497}" dt="2018-12-19T16:24:33.630" v="215"/>
+        <pc:sldMkLst>
+          <pc:docMk/>
+          <pc:sldMk cId="3018481228" sldId="374"/>
+        </pc:sldMkLst>
+        <pc:spChg chg="mod">
+          <ac:chgData name="Namhyoung Kim" userId="fb60bffb23ca2a8d" providerId="LiveId" clId="{68A7EFEE-66FC-43E3-89B4-E3816B2C7497}" dt="2018-12-19T16:23:57.388" v="214"/>
+          <ac:spMkLst>
+            <pc:docMk/>
+            <pc:sldMk cId="3018481228" sldId="374"/>
+            <ac:spMk id="3" creationId="{A78A9532-2F4F-4CDA-A6D8-C50136CBC3BD}"/>
+          </ac:spMkLst>
+        </pc:spChg>
+        <pc:picChg chg="add">
+          <ac:chgData name="Namhyoung Kim" userId="fb60bffb23ca2a8d" providerId="LiveId" clId="{68A7EFEE-66FC-43E3-89B4-E3816B2C7497}" dt="2018-12-19T16:24:33.630" v="215"/>
+          <ac:picMkLst>
+            <pc:docMk/>
+            <pc:sldMk cId="3018481228" sldId="374"/>
+            <ac:picMk id="4" creationId="{3D173872-4EA3-4404-8DDA-96348FA421F9}"/>
+          </ac:picMkLst>
+        </pc:picChg>
+      </pc:sldChg>
+      <pc:sldChg chg="addSp add">
+        <pc:chgData name="Namhyoung Kim" userId="fb60bffb23ca2a8d" providerId="LiveId" clId="{68A7EFEE-66FC-43E3-89B4-E3816B2C7497}" dt="2018-12-19T16:27:27.280" v="217"/>
+        <pc:sldMkLst>
+          <pc:docMk/>
+          <pc:sldMk cId="3479982824" sldId="375"/>
+        </pc:sldMkLst>
+        <pc:picChg chg="add">
+          <ac:chgData name="Namhyoung Kim" userId="fb60bffb23ca2a8d" providerId="LiveId" clId="{68A7EFEE-66FC-43E3-89B4-E3816B2C7497}" dt="2018-12-19T16:27:27.280" v="217"/>
+          <ac:picMkLst>
+            <pc:docMk/>
+            <pc:sldMk cId="3479982824" sldId="375"/>
+            <ac:picMk id="5" creationId="{9F7446CF-D0C1-4981-8C02-CCA36FCEEE51}"/>
+          </ac:picMkLst>
+        </pc:picChg>
+      </pc:sldChg>
+      <pc:sldChg chg="addSp add">
+        <pc:chgData name="Namhyoung Kim" userId="fb60bffb23ca2a8d" providerId="LiveId" clId="{68A7EFEE-66FC-43E3-89B4-E3816B2C7497}" dt="2018-12-19T16:34:08.246" v="222"/>
+        <pc:sldMkLst>
+          <pc:docMk/>
+          <pc:sldMk cId="3103464263" sldId="376"/>
+        </pc:sldMkLst>
+        <pc:picChg chg="add">
+          <ac:chgData name="Namhyoung Kim" userId="fb60bffb23ca2a8d" providerId="LiveId" clId="{68A7EFEE-66FC-43E3-89B4-E3816B2C7497}" dt="2018-12-19T16:34:08.246" v="222"/>
+          <ac:picMkLst>
+            <pc:docMk/>
+            <pc:sldMk cId="3103464263" sldId="376"/>
+            <ac:picMk id="4" creationId="{32C0A5A5-9C56-4877-BCDB-D223E5D0E4F0}"/>
+          </ac:picMkLst>
+        </pc:picChg>
+      </pc:sldChg>
+      <pc:sldChg chg="addSp add ord">
+        <pc:chgData name="Namhyoung Kim" userId="fb60bffb23ca2a8d" providerId="LiveId" clId="{68A7EFEE-66FC-43E3-89B4-E3816B2C7497}" dt="2018-12-19T16:33:50.350" v="221"/>
+        <pc:sldMkLst>
+          <pc:docMk/>
+          <pc:sldMk cId="2515296749" sldId="377"/>
+        </pc:sldMkLst>
+        <pc:picChg chg="add">
+          <ac:chgData name="Namhyoung Kim" userId="fb60bffb23ca2a8d" providerId="LiveId" clId="{68A7EFEE-66FC-43E3-89B4-E3816B2C7497}" dt="2018-12-19T16:33:27.267" v="220"/>
+          <ac:picMkLst>
+            <pc:docMk/>
+            <pc:sldMk cId="2515296749" sldId="377"/>
+            <ac:picMk id="4" creationId="{BD170D8E-DC5B-4FB8-8465-904204B5FF03}"/>
+          </ac:picMkLst>
+        </pc:picChg>
+      </pc:sldChg>
+      <pc:sldChg chg="add">
+        <pc:chgData name="Namhyoung Kim" userId="fb60bffb23ca2a8d" providerId="LiveId" clId="{68A7EFEE-66FC-43E3-89B4-E3816B2C7497}" dt="2018-12-19T16:37:30.069" v="251"/>
+        <pc:sldMkLst>
+          <pc:docMk/>
+          <pc:sldMk cId="1866844256" sldId="378"/>
+        </pc:sldMkLst>
+      </pc:sldChg>
+      <pc:sldChg chg="addSp modSp add">
+        <pc:chgData name="Namhyoung Kim" userId="fb60bffb23ca2a8d" providerId="LiveId" clId="{68A7EFEE-66FC-43E3-89B4-E3816B2C7497}" dt="2018-12-19T16:50:39.061" v="312"/>
+        <pc:sldMkLst>
+          <pc:docMk/>
+          <pc:sldMk cId="1351590744" sldId="379"/>
+        </pc:sldMkLst>
+        <pc:spChg chg="mod">
+          <ac:chgData name="Namhyoung Kim" userId="fb60bffb23ca2a8d" providerId="LiveId" clId="{68A7EFEE-66FC-43E3-89B4-E3816B2C7497}" dt="2018-12-19T16:48:34.883" v="295"/>
+          <ac:spMkLst>
+            <pc:docMk/>
+            <pc:sldMk cId="1351590744" sldId="379"/>
+            <ac:spMk id="2" creationId="{80458EC7-5613-4F43-B350-27D250A9AFBC}"/>
+          </ac:spMkLst>
+        </pc:spChg>
+        <pc:spChg chg="mod">
+          <ac:chgData name="Namhyoung Kim" userId="fb60bffb23ca2a8d" providerId="LiveId" clId="{68A7EFEE-66FC-43E3-89B4-E3816B2C7497}" dt="2018-12-19T16:50:39.061" v="312"/>
+          <ac:spMkLst>
+            <pc:docMk/>
+            <pc:sldMk cId="1351590744" sldId="379"/>
+            <ac:spMk id="3" creationId="{1265674B-6B36-49B0-96D9-073CDCF3EA56}"/>
+          </ac:spMkLst>
+        </pc:spChg>
+        <pc:picChg chg="add">
+          <ac:chgData name="Namhyoung Kim" userId="fb60bffb23ca2a8d" providerId="LiveId" clId="{68A7EFEE-66FC-43E3-89B4-E3816B2C7497}" dt="2018-12-19T16:50:04.811" v="298"/>
+          <ac:picMkLst>
+            <pc:docMk/>
+            <pc:sldMk cId="1351590744" sldId="379"/>
+            <ac:picMk id="4" creationId="{58663F77-7E9B-4D1C-BB07-EAF8C6691401}"/>
+          </ac:picMkLst>
+        </pc:picChg>
+      </pc:sldChg>
+      <pc:sldChg chg="addSp modSp add">
+        <pc:chgData name="Namhyoung Kim" userId="fb60bffb23ca2a8d" providerId="LiveId" clId="{68A7EFEE-66FC-43E3-89B4-E3816B2C7497}" dt="2018-12-19T16:52:13.620" v="318"/>
+        <pc:sldMkLst>
+          <pc:docMk/>
+          <pc:sldMk cId="1538371697" sldId="380"/>
+        </pc:sldMkLst>
+        <pc:spChg chg="mod">
+          <ac:chgData name="Namhyoung Kim" userId="fb60bffb23ca2a8d" providerId="LiveId" clId="{68A7EFEE-66FC-43E3-89B4-E3816B2C7497}" dt="2018-12-19T16:51:02.313" v="316"/>
+          <ac:spMkLst>
+            <pc:docMk/>
+            <pc:sldMk cId="1538371697" sldId="380"/>
+            <ac:spMk id="3" creationId="{1265674B-6B36-49B0-96D9-073CDCF3EA56}"/>
+          </ac:spMkLst>
+        </pc:spChg>
+        <pc:picChg chg="add">
+          <ac:chgData name="Namhyoung Kim" userId="fb60bffb23ca2a8d" providerId="LiveId" clId="{68A7EFEE-66FC-43E3-89B4-E3816B2C7497}" dt="2018-12-19T16:51:56.329" v="317"/>
+          <ac:picMkLst>
+            <pc:docMk/>
+            <pc:sldMk cId="1538371697" sldId="380"/>
+            <ac:picMk id="5" creationId="{40CAEB2C-32B1-4B81-BCEC-CC5410EEBF15}"/>
+          </ac:picMkLst>
+        </pc:picChg>
+        <pc:picChg chg="add">
+          <ac:chgData name="Namhyoung Kim" userId="fb60bffb23ca2a8d" providerId="LiveId" clId="{68A7EFEE-66FC-43E3-89B4-E3816B2C7497}" dt="2018-12-19T16:52:13.620" v="318"/>
+          <ac:picMkLst>
+            <pc:docMk/>
+            <pc:sldMk cId="1538371697" sldId="380"/>
+            <ac:picMk id="6" creationId="{3EBAFE02-E408-4A46-A6E4-68621B802DE5}"/>
+          </ac:picMkLst>
+        </pc:picChg>
+      </pc:sldChg>
+      <pc:sldChg chg="modSp add">
+        <pc:chgData name="Namhyoung Kim" userId="fb60bffb23ca2a8d" providerId="LiveId" clId="{68A7EFEE-66FC-43E3-89B4-E3816B2C7497}" dt="2018-12-19T16:53:11.406" v="322"/>
+        <pc:sldMkLst>
+          <pc:docMk/>
+          <pc:sldMk cId="1464649829" sldId="381"/>
+        </pc:sldMkLst>
+        <pc:spChg chg="mod">
+          <ac:chgData name="Namhyoung Kim" userId="fb60bffb23ca2a8d" providerId="LiveId" clId="{68A7EFEE-66FC-43E3-89B4-E3816B2C7497}" dt="2018-12-19T16:53:11.406" v="322"/>
+          <ac:spMkLst>
+            <pc:docMk/>
+            <pc:sldMk cId="1464649829" sldId="381"/>
+            <ac:spMk id="3" creationId="{1265674B-6B36-49B0-96D9-073CDCF3EA56}"/>
+          </ac:spMkLst>
+        </pc:spChg>
+      </pc:sldChg>
+      <pc:sldChg chg="add">
+        <pc:chgData name="Namhyoung Kim" userId="fb60bffb23ca2a8d" providerId="LiveId" clId="{68A7EFEE-66FC-43E3-89B4-E3816B2C7497}" dt="2018-12-19T16:52:32.449" v="319"/>
+        <pc:sldMkLst>
+          <pc:docMk/>
+          <pc:sldMk cId="2797516062" sldId="381"/>
+        </pc:sldMkLst>
+      </pc:sldChg>
+    </pc:docChg>
+  </pc:docChgLst>
 </pc:chgInfo>
 </file>
 
@@ -4387,7 +4466,7 @@
           <a:p>
             <a:fld id="{A60BD853-28C5-654E-8400-6A68EE6477C4}" type="datetimeFigureOut">
               <a:rPr lang="en-US" smtClean="0"/>
-              <a:t>1/2/2021</a:t>
+              <a:t>1/4/2021</a:t>
             </a:fld>
             <a:endParaRPr lang="en-US"/>
           </a:p>
@@ -5160,7 +5239,7 @@
               <a:pPr>
                 <a:defRPr/>
               </a:pPr>
-              <a:t>1/2/2021</a:t>
+              <a:t>1/4/2021</a:t>
             </a:fld>
             <a:endParaRPr lang="en-US"/>
           </a:p>
@@ -15454,36 +15533,116 @@
           </a:p>
         </p:txBody>
       </p:sp>
-      <p:pic>
-        <p:nvPicPr>
-          <p:cNvPr id="4" name="그림 3">
+      <p:grpSp>
+        <p:nvGrpSpPr>
+          <p:cNvPr id="8" name="그룹 7">
             <a:extLst>
               <a:ext uri="{FF2B5EF4-FFF2-40B4-BE49-F238E27FC236}">
-                <a16:creationId xmlns:a16="http://schemas.microsoft.com/office/drawing/2014/main" id="{CDC6BC7D-39D1-43FD-AE04-295B9A2F7CC3}"/>
+                <a16:creationId xmlns:a16="http://schemas.microsoft.com/office/drawing/2014/main" id="{0B08E262-16F0-4775-A751-57138B3B67BF}"/>
               </a:ext>
             </a:extLst>
           </p:cNvPr>
-          <p:cNvPicPr>
-            <a:picLocks noChangeAspect="1"/>
-          </p:cNvPicPr>
+          <p:cNvGrpSpPr/>
           <p:nvPr/>
-        </p:nvPicPr>
-        <p:blipFill>
-          <a:blip r:embed="rId2"/>
-          <a:stretch>
-            <a:fillRect/>
-          </a:stretch>
-        </p:blipFill>
-        <p:spPr>
+        </p:nvGrpSpPr>
+        <p:grpSpPr>
           <a:xfrm>
             <a:off x="1381372" y="1701572"/>
             <a:ext cx="6191250" cy="4238625"/>
+            <a:chOff x="1381372" y="1701572"/>
+            <a:chExt cx="6191250" cy="4238625"/>
           </a:xfrm>
-          <a:prstGeom prst="rect">
-            <a:avLst/>
-          </a:prstGeom>
-        </p:spPr>
-      </p:pic>
+        </p:grpSpPr>
+        <p:pic>
+          <p:nvPicPr>
+            <p:cNvPr id="4" name="그림 3">
+              <a:extLst>
+                <a:ext uri="{FF2B5EF4-FFF2-40B4-BE49-F238E27FC236}">
+                  <a16:creationId xmlns:a16="http://schemas.microsoft.com/office/drawing/2014/main" id="{CDC6BC7D-39D1-43FD-AE04-295B9A2F7CC3}"/>
+                </a:ext>
+              </a:extLst>
+            </p:cNvPr>
+            <p:cNvPicPr>
+              <a:picLocks noChangeAspect="1"/>
+            </p:cNvPicPr>
+            <p:nvPr/>
+          </p:nvPicPr>
+          <p:blipFill>
+            <a:blip r:embed="rId2"/>
+            <a:stretch>
+              <a:fillRect/>
+            </a:stretch>
+          </p:blipFill>
+          <p:spPr>
+            <a:xfrm>
+              <a:off x="1381372" y="1701572"/>
+              <a:ext cx="6191250" cy="4238625"/>
+            </a:xfrm>
+            <a:prstGeom prst="rect">
+              <a:avLst/>
+            </a:prstGeom>
+          </p:spPr>
+        </p:pic>
+        <p:pic>
+          <p:nvPicPr>
+            <p:cNvPr id="5" name="그림 4">
+              <a:extLst>
+                <a:ext uri="{FF2B5EF4-FFF2-40B4-BE49-F238E27FC236}">
+                  <a16:creationId xmlns:a16="http://schemas.microsoft.com/office/drawing/2014/main" id="{3F01345E-55A0-4D37-81D4-EA8E534BE8B7}"/>
+                </a:ext>
+              </a:extLst>
+            </p:cNvPr>
+            <p:cNvPicPr>
+              <a:picLocks noChangeAspect="1"/>
+            </p:cNvPicPr>
+            <p:nvPr/>
+          </p:nvPicPr>
+          <p:blipFill rotWithShape="1">
+            <a:blip r:embed="rId2"/>
+            <a:srcRect l="29465" t="65241" r="67479" b="29366"/>
+            <a:stretch/>
+          </p:blipFill>
+          <p:spPr>
+            <a:xfrm>
+              <a:off x="3996562" y="4721776"/>
+              <a:ext cx="189186" cy="228600"/>
+            </a:xfrm>
+            <a:prstGeom prst="rect">
+              <a:avLst/>
+            </a:prstGeom>
+          </p:spPr>
+        </p:pic>
+        <p:pic>
+          <p:nvPicPr>
+            <p:cNvPr id="7" name="그림 6">
+              <a:extLst>
+                <a:ext uri="{FF2B5EF4-FFF2-40B4-BE49-F238E27FC236}">
+                  <a16:creationId xmlns:a16="http://schemas.microsoft.com/office/drawing/2014/main" id="{B84A381D-0B66-4648-B530-6D65D1D949D6}"/>
+                </a:ext>
+              </a:extLst>
+            </p:cNvPr>
+            <p:cNvPicPr>
+              <a:picLocks noChangeAspect="1"/>
+            </p:cNvPicPr>
+            <p:nvPr/>
+          </p:nvPicPr>
+          <p:blipFill>
+            <a:blip r:embed="rId3"/>
+            <a:stretch>
+              <a:fillRect/>
+            </a:stretch>
+          </p:blipFill>
+          <p:spPr>
+            <a:xfrm>
+              <a:off x="2386012" y="5550000"/>
+              <a:ext cx="1171575" cy="381000"/>
+            </a:xfrm>
+            <a:prstGeom prst="rect">
+              <a:avLst/>
+            </a:prstGeom>
+          </p:spPr>
+        </p:pic>
+      </p:grpSp>
     </p:spTree>
     <p:extLst>
       <p:ext uri="{BB962C8B-B14F-4D97-AF65-F5344CB8AC3E}">
@@ -19146,7 +19305,7 @@
         <p:spPr>
           <a:xfrm>
             <a:off x="236539" y="1060450"/>
-            <a:ext cx="8670925" cy="4239943"/>
+            <a:ext cx="8670925" cy="3685945"/>
           </a:xfrm>
         </p:spPr>
         <p:txBody>
@@ -19165,13 +19324,6 @@
               <a:rPr lang="en-US" altLang="ko-KR" dirty="0"/>
               <a:t>. </a:t>
             </a:r>
-          </a:p>
-          <a:p>
-            <a:pPr>
-              <a:buFont typeface="+mj-ea"/>
-              <a:buAutoNum type="circleNumDbPlain" startAt="4"/>
-            </a:pPr>
-            <a:endParaRPr lang="en-US" altLang="ko-KR" dirty="0"/>
           </a:p>
           <a:p>
             <a:pPr>
@@ -19238,16 +19390,15 @@
           </p:cNvPicPr>
           <p:nvPr/>
         </p:nvPicPr>
-        <p:blipFill>
+        <p:blipFill rotWithShape="1">
           <a:blip r:embed="rId2"/>
-          <a:stretch>
-            <a:fillRect/>
-          </a:stretch>
+          <a:srcRect b="22685"/>
+          <a:stretch/>
         </p:blipFill>
         <p:spPr>
           <a:xfrm>
-            <a:off x="957263" y="1552575"/>
-            <a:ext cx="3609975" cy="1876425"/>
+            <a:off x="957263" y="1552576"/>
+            <a:ext cx="3609975" cy="1450756"/>
           </a:xfrm>
           <a:prstGeom prst="rect">
             <a:avLst/>
@@ -19276,7 +19427,7 @@
         </p:blipFill>
         <p:spPr>
           <a:xfrm>
-            <a:off x="957263" y="4246290"/>
+            <a:off x="957263" y="3773321"/>
             <a:ext cx="4095750" cy="2466975"/>
           </a:xfrm>
           <a:prstGeom prst="rect">
